--- a/PROYECTO/Trabajo.pptx
+++ b/PROYECTO/Trabajo.pptx
@@ -8,11 +8,13 @@
     <p:sldId id="256" r:id="rId2"/>
     <p:sldId id="257" r:id="rId3"/>
     <p:sldId id="259" r:id="rId4"/>
-    <p:sldId id="258" r:id="rId5"/>
-    <p:sldId id="260" r:id="rId6"/>
-    <p:sldId id="261" r:id="rId7"/>
-    <p:sldId id="262" r:id="rId8"/>
-    <p:sldId id="263" r:id="rId9"/>
+    <p:sldId id="264" r:id="rId5"/>
+    <p:sldId id="266" r:id="rId6"/>
+    <p:sldId id="258" r:id="rId7"/>
+    <p:sldId id="260" r:id="rId8"/>
+    <p:sldId id="261" r:id="rId9"/>
+    <p:sldId id="262" r:id="rId10"/>
+    <p:sldId id="263" r:id="rId11"/>
   </p:sldIdLst>
   <p:sldSz cx="12192000" cy="6858000"/>
   <p:notesSz cx="6858000" cy="9144000"/>
@@ -111,6 +113,11 @@
       </a:defRPr>
     </a:lvl9pPr>
   </p:defaultTextStyle>
+  <p:extLst>
+    <p:ext uri="{EFAFB233-063F-42B5-8137-9DF3F51BA10A}">
+      <p15:sldGuideLst xmlns:p15="http://schemas.microsoft.com/office/powerpoint/2012/main"/>
+    </p:ext>
+  </p:extLst>
 </p:presentation>
 </file>
 
@@ -261,7 +268,7 @@
           <a:p>
             <a:fld id="{942DC193-09B5-4CB8-A695-A42AA6D0A126}" type="datetimeFigureOut">
               <a:rPr lang="es-ES" smtClean="0"/>
-              <a:t>27/11/2023</a:t>
+              <a:t>28/11/2023</a:t>
             </a:fld>
             <a:endParaRPr lang="es-ES"/>
           </a:p>
@@ -459,7 +466,7 @@
           <a:p>
             <a:fld id="{942DC193-09B5-4CB8-A695-A42AA6D0A126}" type="datetimeFigureOut">
               <a:rPr lang="es-ES" smtClean="0"/>
-              <a:t>27/11/2023</a:t>
+              <a:t>28/11/2023</a:t>
             </a:fld>
             <a:endParaRPr lang="es-ES"/>
           </a:p>
@@ -667,7 +674,7 @@
           <a:p>
             <a:fld id="{942DC193-09B5-4CB8-A695-A42AA6D0A126}" type="datetimeFigureOut">
               <a:rPr lang="es-ES" smtClean="0"/>
-              <a:t>27/11/2023</a:t>
+              <a:t>28/11/2023</a:t>
             </a:fld>
             <a:endParaRPr lang="es-ES"/>
           </a:p>
@@ -865,7 +872,7 @@
           <a:p>
             <a:fld id="{942DC193-09B5-4CB8-A695-A42AA6D0A126}" type="datetimeFigureOut">
               <a:rPr lang="es-ES" smtClean="0"/>
-              <a:t>27/11/2023</a:t>
+              <a:t>28/11/2023</a:t>
             </a:fld>
             <a:endParaRPr lang="es-ES"/>
           </a:p>
@@ -1140,7 +1147,7 @@
           <a:p>
             <a:fld id="{942DC193-09B5-4CB8-A695-A42AA6D0A126}" type="datetimeFigureOut">
               <a:rPr lang="es-ES" smtClean="0"/>
-              <a:t>27/11/2023</a:t>
+              <a:t>28/11/2023</a:t>
             </a:fld>
             <a:endParaRPr lang="es-ES"/>
           </a:p>
@@ -1405,7 +1412,7 @@
           <a:p>
             <a:fld id="{942DC193-09B5-4CB8-A695-A42AA6D0A126}" type="datetimeFigureOut">
               <a:rPr lang="es-ES" smtClean="0"/>
-              <a:t>27/11/2023</a:t>
+              <a:t>28/11/2023</a:t>
             </a:fld>
             <a:endParaRPr lang="es-ES"/>
           </a:p>
@@ -1817,7 +1824,7 @@
           <a:p>
             <a:fld id="{942DC193-09B5-4CB8-A695-A42AA6D0A126}" type="datetimeFigureOut">
               <a:rPr lang="es-ES" smtClean="0"/>
-              <a:t>27/11/2023</a:t>
+              <a:t>28/11/2023</a:t>
             </a:fld>
             <a:endParaRPr lang="es-ES"/>
           </a:p>
@@ -1958,7 +1965,7 @@
           <a:p>
             <a:fld id="{942DC193-09B5-4CB8-A695-A42AA6D0A126}" type="datetimeFigureOut">
               <a:rPr lang="es-ES" smtClean="0"/>
-              <a:t>27/11/2023</a:t>
+              <a:t>28/11/2023</a:t>
             </a:fld>
             <a:endParaRPr lang="es-ES"/>
           </a:p>
@@ -2071,7 +2078,7 @@
           <a:p>
             <a:fld id="{942DC193-09B5-4CB8-A695-A42AA6D0A126}" type="datetimeFigureOut">
               <a:rPr lang="es-ES" smtClean="0"/>
-              <a:t>27/11/2023</a:t>
+              <a:t>28/11/2023</a:t>
             </a:fld>
             <a:endParaRPr lang="es-ES"/>
           </a:p>
@@ -2382,7 +2389,7 @@
           <a:p>
             <a:fld id="{942DC193-09B5-4CB8-A695-A42AA6D0A126}" type="datetimeFigureOut">
               <a:rPr lang="es-ES" smtClean="0"/>
-              <a:t>27/11/2023</a:t>
+              <a:t>28/11/2023</a:t>
             </a:fld>
             <a:endParaRPr lang="es-ES"/>
           </a:p>
@@ -2670,7 +2677,7 @@
           <a:p>
             <a:fld id="{942DC193-09B5-4CB8-A695-A42AA6D0A126}" type="datetimeFigureOut">
               <a:rPr lang="es-ES" smtClean="0"/>
-              <a:t>27/11/2023</a:t>
+              <a:t>28/11/2023</a:t>
             </a:fld>
             <a:endParaRPr lang="es-ES"/>
           </a:p>
@@ -2911,7 +2918,7 @@
           <a:p>
             <a:fld id="{942DC193-09B5-4CB8-A695-A42AA6D0A126}" type="datetimeFigureOut">
               <a:rPr lang="es-ES" smtClean="0"/>
-              <a:t>27/11/2023</a:t>
+              <a:t>28/11/2023</a:t>
             </a:fld>
             <a:endParaRPr lang="es-ES"/>
           </a:p>
@@ -4092,6 +4099,3031 @@
 </p:sld>
 </file>
 
+<file path=ppt/slides/slide10.xml><?xml version="1.0" encoding="utf-8"?>
+<p:sld xmlns:a="http://schemas.openxmlformats.org/drawingml/2006/main" xmlns:r="http://schemas.openxmlformats.org/officeDocument/2006/relationships" xmlns:p="http://schemas.openxmlformats.org/presentationml/2006/main">
+  <p:cSld>
+    <p:bg>
+      <p:bgPr>
+        <a:solidFill>
+          <a:schemeClr val="bg1"/>
+        </a:solidFill>
+        <a:effectLst/>
+      </p:bgPr>
+    </p:bg>
+    <p:spTree>
+      <p:nvGrpSpPr>
+        <p:cNvPr id="1" name=""/>
+        <p:cNvGrpSpPr/>
+        <p:nvPr/>
+      </p:nvGrpSpPr>
+      <p:grpSpPr>
+        <a:xfrm>
+          <a:off x="0" y="0"/>
+          <a:ext cx="0" cy="0"/>
+          <a:chOff x="0" y="0"/>
+          <a:chExt cx="0" cy="0"/>
+        </a:xfrm>
+      </p:grpSpPr>
+      <p:sp useBgFill="1">
+        <p:nvSpPr>
+          <p:cNvPr id="12" name="Rectangle 11">
+            <a:extLst>
+              <a:ext uri="{FF2B5EF4-FFF2-40B4-BE49-F238E27FC236}">
+                <a16:creationId xmlns:a16="http://schemas.microsoft.com/office/drawing/2014/main" id="{E10650BA-D090-4A23-98E3-B48BBAEA9201}"/>
+              </a:ext>
+              <a:ext uri="{C183D7F6-B498-43B3-948B-1728B52AA6E4}">
+                <adec:decorative xmlns:adec="http://schemas.microsoft.com/office/drawing/2017/decorative" val="1"/>
+              </a:ext>
+            </a:extLst>
+          </p:cNvPr>
+          <p:cNvSpPr>
+            <a:spLocks noGrp="1" noRot="1" noChangeAspect="1" noMove="1" noResize="1" noEditPoints="1" noAdjustHandles="1" noChangeArrowheads="1" noChangeShapeType="1" noTextEdit="1"/>
+          </p:cNvSpPr>
+          <p:nvPr>
+            <p:extLst>
+              <p:ext uri="{386F3935-93C4-4BCD-93E2-E3B085C9AB24}">
+                <p16:designElem xmlns:p16="http://schemas.microsoft.com/office/powerpoint/2015/main" val="1"/>
+              </p:ext>
+            </p:extLst>
+          </p:nvPr>
+        </p:nvSpPr>
+        <p:spPr>
+          <a:xfrm>
+            <a:off x="0" y="0"/>
+            <a:ext cx="12191695" cy="6858000"/>
+          </a:xfrm>
+          <a:prstGeom prst="rect">
+            <a:avLst/>
+          </a:prstGeom>
+          <a:ln>
+            <a:noFill/>
+          </a:ln>
+        </p:spPr>
+        <p:style>
+          <a:lnRef idx="2">
+            <a:schemeClr val="accent1">
+              <a:shade val="50000"/>
+            </a:schemeClr>
+          </a:lnRef>
+          <a:fillRef idx="1">
+            <a:schemeClr val="accent1"/>
+          </a:fillRef>
+          <a:effectRef idx="0">
+            <a:schemeClr val="accent1"/>
+          </a:effectRef>
+          <a:fontRef idx="minor">
+            <a:schemeClr val="lt1"/>
+          </a:fontRef>
+        </p:style>
+        <p:txBody>
+          <a:bodyPr rtlCol="0" anchor="ctr"/>
+          <a:lstStyle/>
+          <a:p>
+            <a:pPr algn="ctr"/>
+            <a:endParaRPr lang="en-US"/>
+          </a:p>
+        </p:txBody>
+      </p:sp>
+      <p:pic>
+        <p:nvPicPr>
+          <p:cNvPr id="8" name="Picture 7" descr="Almacenes exteriores">
+            <a:extLst>
+              <a:ext uri="{FF2B5EF4-FFF2-40B4-BE49-F238E27FC236}">
+                <a16:creationId xmlns:a16="http://schemas.microsoft.com/office/drawing/2014/main" id="{DB070512-CF60-AA09-7A53-5463EAE887C6}"/>
+              </a:ext>
+            </a:extLst>
+          </p:cNvPr>
+          <p:cNvPicPr>
+            <a:picLocks noChangeAspect="1"/>
+          </p:cNvPicPr>
+          <p:nvPr/>
+        </p:nvPicPr>
+        <p:blipFill rotWithShape="1">
+          <a:blip r:embed="rId2"/>
+          <a:srcRect l="16053" r="27197"/>
+          <a:stretch/>
+        </p:blipFill>
+        <p:spPr>
+          <a:xfrm>
+            <a:off x="-9527" y="3725"/>
+            <a:ext cx="5846165" cy="6850548"/>
+          </a:xfrm>
+          <a:prstGeom prst="rect">
+            <a:avLst/>
+          </a:prstGeom>
+        </p:spPr>
+      </p:pic>
+      <p:grpSp>
+        <p:nvGrpSpPr>
+          <p:cNvPr id="14" name="Group 13">
+            <a:extLst>
+              <a:ext uri="{FF2B5EF4-FFF2-40B4-BE49-F238E27FC236}">
+                <a16:creationId xmlns:a16="http://schemas.microsoft.com/office/drawing/2014/main" id="{FFB939B9-73CE-4644-87BB-72AEBF001142}"/>
+              </a:ext>
+              <a:ext uri="{C183D7F6-B498-43B3-948B-1728B52AA6E4}">
+                <adec:decorative xmlns:adec="http://schemas.microsoft.com/office/drawing/2017/decorative" val="1"/>
+              </a:ext>
+            </a:extLst>
+          </p:cNvPr>
+          <p:cNvGrpSpPr>
+            <a:grpSpLocks noGrp="1" noUngrp="1" noRot="1" noChangeAspect="1" noMove="1" noResize="1"/>
+          </p:cNvGrpSpPr>
+          <p:nvPr>
+            <p:extLst>
+              <p:ext uri="{386F3935-93C4-4BCD-93E2-E3B085C9AB24}">
+                <p16:designElem xmlns:p16="http://schemas.microsoft.com/office/powerpoint/2015/main" val="1"/>
+              </p:ext>
+            </p:extLst>
+          </p:nvPr>
+        </p:nvGrpSpPr>
+        <p:grpSpPr>
+          <a:xfrm>
+            <a:off x="-9527" y="-6558"/>
+            <a:ext cx="6254832" cy="6874766"/>
+            <a:chOff x="-9149" y="3725"/>
+            <a:chExt cx="6254832" cy="6887203"/>
+          </a:xfrm>
+        </p:grpSpPr>
+        <p:sp>
+          <p:nvSpPr>
+            <p:cNvPr id="15" name="Freeform: Shape 14">
+              <a:extLst>
+                <a:ext uri="{FF2B5EF4-FFF2-40B4-BE49-F238E27FC236}">
+                  <a16:creationId xmlns:a16="http://schemas.microsoft.com/office/drawing/2014/main" id="{15F2A0CF-7879-4629-AC2B-4069D77A3C45}"/>
+                </a:ext>
+                <a:ext uri="{C183D7F6-B498-43B3-948B-1728B52AA6E4}">
+                  <adec:decorative xmlns:adec="http://schemas.microsoft.com/office/drawing/2017/decorative" val="1"/>
+                </a:ext>
+              </a:extLst>
+            </p:cNvPr>
+            <p:cNvSpPr/>
+            <p:nvPr>
+              <p:extLst>
+                <p:ext uri="{386F3935-93C4-4BCD-93E2-E3B085C9AB24}">
+                  <p16:designElem xmlns:p16="http://schemas.microsoft.com/office/powerpoint/2015/main" val="1"/>
+                </p:ext>
+              </p:extLst>
+            </p:nvPr>
+          </p:nvSpPr>
+          <p:spPr>
+            <a:xfrm>
+              <a:off x="-9149" y="238645"/>
+              <a:ext cx="5933139" cy="6387893"/>
+            </a:xfrm>
+            <a:custGeom>
+              <a:avLst/>
+              <a:gdLst>
+                <a:gd name="connsiteX0" fmla="*/ 5852909 w 5933139"/>
+                <a:gd name="connsiteY0" fmla="*/ 2469528 h 6335678"/>
+                <a:gd name="connsiteX1" fmla="*/ 5830799 w 5933139"/>
+                <a:gd name="connsiteY1" fmla="*/ 2394015 h 6335678"/>
+                <a:gd name="connsiteX2" fmla="*/ 5805878 w 5933139"/>
+                <a:gd name="connsiteY2" fmla="*/ 2319439 h 6335678"/>
+                <a:gd name="connsiteX3" fmla="*/ 5778708 w 5933139"/>
+                <a:gd name="connsiteY3" fmla="*/ 2245800 h 6335678"/>
+                <a:gd name="connsiteX4" fmla="*/ 5652978 w 5933139"/>
+                <a:gd name="connsiteY4" fmla="*/ 1959675 h 6335678"/>
+                <a:gd name="connsiteX5" fmla="*/ 5327691 w 5933139"/>
+                <a:gd name="connsiteY5" fmla="*/ 1432958 h 6335678"/>
+                <a:gd name="connsiteX6" fmla="*/ 4921458 w 5933139"/>
+                <a:gd name="connsiteY6" fmla="*/ 973322 h 6335678"/>
+                <a:gd name="connsiteX7" fmla="*/ 4450018 w 5933139"/>
+                <a:gd name="connsiteY7" fmla="*/ 586764 h 6335678"/>
+                <a:gd name="connsiteX8" fmla="*/ 4193311 w 5933139"/>
+                <a:gd name="connsiteY8" fmla="*/ 423558 h 6335678"/>
+                <a:gd name="connsiteX9" fmla="*/ 3924237 w 5933139"/>
+                <a:gd name="connsiteY9" fmla="*/ 281901 h 6335678"/>
+                <a:gd name="connsiteX10" fmla="*/ 3352175 w 5933139"/>
+                <a:gd name="connsiteY10" fmla="*/ 75786 h 6335678"/>
+                <a:gd name="connsiteX11" fmla="*/ 3051997 w 5933139"/>
+                <a:gd name="connsiteY11" fmla="*/ 19011 h 6335678"/>
+                <a:gd name="connsiteX12" fmla="*/ 2745823 w 5933139"/>
+                <a:gd name="connsiteY12" fmla="*/ 86 h 6335678"/>
+                <a:gd name="connsiteX13" fmla="*/ 2141720 w 5933139"/>
+                <a:gd name="connsiteY13" fmla="*/ 55550 h 6335678"/>
+                <a:gd name="connsiteX14" fmla="*/ 1551295 w 5933139"/>
+                <a:gd name="connsiteY14" fmla="*/ 216319 h 6335678"/>
+                <a:gd name="connsiteX15" fmla="*/ 1001718 w 5933139"/>
+                <a:gd name="connsiteY15" fmla="*/ 498134 h 6335678"/>
+                <a:gd name="connsiteX16" fmla="*/ 754755 w 5933139"/>
+                <a:gd name="connsiteY16" fmla="*/ 685886 h 6335678"/>
+                <a:gd name="connsiteX17" fmla="*/ 533462 w 5933139"/>
+                <a:gd name="connsiteY17" fmla="*/ 903056 h 6335678"/>
+                <a:gd name="connsiteX18" fmla="*/ 0 w 5933139"/>
+                <a:gd name="connsiteY18" fmla="*/ 1646568 h 6335678"/>
+                <a:gd name="connsiteX19" fmla="*/ 0 w 5933139"/>
+                <a:gd name="connsiteY19" fmla="*/ 4709059 h 6335678"/>
+                <a:gd name="connsiteX20" fmla="*/ 120671 w 5933139"/>
+                <a:gd name="connsiteY20" fmla="*/ 4907491 h 6335678"/>
+                <a:gd name="connsiteX21" fmla="*/ 507979 w 5933139"/>
+                <a:gd name="connsiteY21" fmla="*/ 5384178 h 6335678"/>
+                <a:gd name="connsiteX22" fmla="*/ 972112 w 5933139"/>
+                <a:gd name="connsiteY22" fmla="*/ 5778607 h 6335678"/>
+                <a:gd name="connsiteX23" fmla="*/ 1229943 w 5933139"/>
+                <a:gd name="connsiteY23" fmla="*/ 5939939 h 6335678"/>
+                <a:gd name="connsiteX24" fmla="*/ 1502389 w 5933139"/>
+                <a:gd name="connsiteY24" fmla="*/ 6073913 h 6335678"/>
+                <a:gd name="connsiteX25" fmla="*/ 2673870 w 5933139"/>
+                <a:gd name="connsiteY25" fmla="*/ 6333993 h 6335678"/>
+                <a:gd name="connsiteX26" fmla="*/ 2749196 w 5933139"/>
+                <a:gd name="connsiteY26" fmla="*/ 6335679 h 6335678"/>
+                <a:gd name="connsiteX27" fmla="*/ 2787983 w 5933139"/>
+                <a:gd name="connsiteY27" fmla="*/ 6335492 h 6335678"/>
+                <a:gd name="connsiteX28" fmla="*/ 2826770 w 5933139"/>
+                <a:gd name="connsiteY28" fmla="*/ 6334368 h 6335678"/>
+                <a:gd name="connsiteX29" fmla="*/ 2981918 w 5933139"/>
+                <a:gd name="connsiteY29" fmla="*/ 6319939 h 6335678"/>
+                <a:gd name="connsiteX30" fmla="*/ 3285282 w 5933139"/>
+                <a:gd name="connsiteY30" fmla="*/ 6241803 h 6335678"/>
+                <a:gd name="connsiteX31" fmla="*/ 3566347 w 5933139"/>
+                <a:gd name="connsiteY31" fmla="*/ 6104831 h 6335678"/>
+                <a:gd name="connsiteX32" fmla="*/ 3818369 w 5933139"/>
+                <a:gd name="connsiteY32" fmla="*/ 5926823 h 6335678"/>
+                <a:gd name="connsiteX33" fmla="*/ 4044908 w 5933139"/>
+                <a:gd name="connsiteY33" fmla="*/ 5726329 h 6335678"/>
+                <a:gd name="connsiteX34" fmla="*/ 4151151 w 5933139"/>
+                <a:gd name="connsiteY34" fmla="*/ 5622147 h 6335678"/>
+                <a:gd name="connsiteX35" fmla="*/ 4253834 w 5933139"/>
+                <a:gd name="connsiteY35" fmla="*/ 5516841 h 6335678"/>
+                <a:gd name="connsiteX36" fmla="*/ 4452453 w 5933139"/>
+                <a:gd name="connsiteY36" fmla="*/ 5306979 h 6335678"/>
+                <a:gd name="connsiteX37" fmla="*/ 4548578 w 5933139"/>
+                <a:gd name="connsiteY37" fmla="*/ 5202797 h 6335678"/>
+                <a:gd name="connsiteX38" fmla="*/ 4596546 w 5933139"/>
+                <a:gd name="connsiteY38" fmla="*/ 5151456 h 6335678"/>
+                <a:gd name="connsiteX39" fmla="*/ 4643016 w 5933139"/>
+                <a:gd name="connsiteY39" fmla="*/ 5103300 h 6335678"/>
+                <a:gd name="connsiteX40" fmla="*/ 4739515 w 5933139"/>
+                <a:gd name="connsiteY40" fmla="*/ 5013172 h 6335678"/>
+                <a:gd name="connsiteX41" fmla="*/ 4842198 w 5933139"/>
+                <a:gd name="connsiteY41" fmla="*/ 4930164 h 6335678"/>
+                <a:gd name="connsiteX42" fmla="*/ 5071360 w 5933139"/>
+                <a:gd name="connsiteY42" fmla="*/ 4780449 h 6335678"/>
+                <a:gd name="connsiteX43" fmla="*/ 5332001 w 5933139"/>
+                <a:gd name="connsiteY43" fmla="*/ 4615932 h 6335678"/>
+                <a:gd name="connsiteX44" fmla="*/ 5397396 w 5933139"/>
+                <a:gd name="connsiteY44" fmla="*/ 4563655 h 6335678"/>
+                <a:gd name="connsiteX45" fmla="*/ 5459417 w 5933139"/>
+                <a:gd name="connsiteY45" fmla="*/ 4505380 h 6335678"/>
+                <a:gd name="connsiteX46" fmla="*/ 5567159 w 5933139"/>
+                <a:gd name="connsiteY46" fmla="*/ 4374029 h 6335678"/>
+                <a:gd name="connsiteX47" fmla="*/ 5651292 w 5933139"/>
+                <a:gd name="connsiteY47" fmla="*/ 4231810 h 6335678"/>
+                <a:gd name="connsiteX48" fmla="*/ 5716686 w 5933139"/>
+                <a:gd name="connsiteY48" fmla="*/ 4085655 h 6335678"/>
+                <a:gd name="connsiteX49" fmla="*/ 5820681 w 5933139"/>
+                <a:gd name="connsiteY49" fmla="*/ 3791848 h 6335678"/>
+                <a:gd name="connsiteX50" fmla="*/ 5898629 w 5933139"/>
+                <a:gd name="connsiteY50" fmla="*/ 3487922 h 6335678"/>
+                <a:gd name="connsiteX51" fmla="*/ 5932170 w 5933139"/>
+                <a:gd name="connsiteY51" fmla="*/ 3174066 h 6335678"/>
+                <a:gd name="connsiteX52" fmla="*/ 5872209 w 5933139"/>
+                <a:gd name="connsiteY52" fmla="*/ 2545978 h 6335678"/>
+                <a:gd name="connsiteX53" fmla="*/ 5852909 w 5933139"/>
+                <a:gd name="connsiteY53" fmla="*/ 2469528 h 6335678"/>
+                <a:gd name="connsiteX54" fmla="*/ 5507386 w 5933139"/>
+                <a:gd name="connsiteY54" fmla="*/ 3724580 h 6335678"/>
+                <a:gd name="connsiteX55" fmla="*/ 5453609 w 5933139"/>
+                <a:gd name="connsiteY55" fmla="*/ 3989906 h 6335678"/>
+                <a:gd name="connsiteX56" fmla="*/ 5344181 w 5933139"/>
+                <a:gd name="connsiteY56" fmla="*/ 4220380 h 6335678"/>
+                <a:gd name="connsiteX57" fmla="*/ 5171419 w 5933139"/>
+                <a:gd name="connsiteY57" fmla="*/ 4388644 h 6335678"/>
+                <a:gd name="connsiteX58" fmla="*/ 5057868 w 5933139"/>
+                <a:gd name="connsiteY58" fmla="*/ 4453851 h 6335678"/>
+                <a:gd name="connsiteX59" fmla="*/ 4930265 w 5933139"/>
+                <a:gd name="connsiteY59" fmla="*/ 4516810 h 6335678"/>
+                <a:gd name="connsiteX60" fmla="*/ 4660067 w 5933139"/>
+                <a:gd name="connsiteY60" fmla="*/ 4664276 h 6335678"/>
+                <a:gd name="connsiteX61" fmla="*/ 4408794 w 5933139"/>
+                <a:gd name="connsiteY61" fmla="*/ 4857836 h 6335678"/>
+                <a:gd name="connsiteX62" fmla="*/ 4352207 w 5933139"/>
+                <a:gd name="connsiteY62" fmla="*/ 4911988 h 6335678"/>
+                <a:gd name="connsiteX63" fmla="*/ 4299366 w 5933139"/>
+                <a:gd name="connsiteY63" fmla="*/ 4965390 h 6335678"/>
+                <a:gd name="connsiteX64" fmla="*/ 4197621 w 5933139"/>
+                <a:gd name="connsiteY64" fmla="*/ 5074257 h 6335678"/>
+                <a:gd name="connsiteX65" fmla="*/ 4008744 w 5933139"/>
+                <a:gd name="connsiteY65" fmla="*/ 5297985 h 6335678"/>
+                <a:gd name="connsiteX66" fmla="*/ 3917304 w 5933139"/>
+                <a:gd name="connsiteY66" fmla="*/ 5409100 h 6335678"/>
+                <a:gd name="connsiteX67" fmla="*/ 3826052 w 5933139"/>
+                <a:gd name="connsiteY67" fmla="*/ 5518153 h 6335678"/>
+                <a:gd name="connsiteX68" fmla="*/ 3637925 w 5933139"/>
+                <a:gd name="connsiteY68" fmla="*/ 5725017 h 6335678"/>
+                <a:gd name="connsiteX69" fmla="*/ 3433497 w 5933139"/>
+                <a:gd name="connsiteY69" fmla="*/ 5906586 h 6335678"/>
+                <a:gd name="connsiteX70" fmla="*/ 3204522 w 5933139"/>
+                <a:gd name="connsiteY70" fmla="*/ 6046744 h 6335678"/>
+                <a:gd name="connsiteX71" fmla="*/ 2950439 w 5933139"/>
+                <a:gd name="connsiteY71" fmla="*/ 6129190 h 6335678"/>
+                <a:gd name="connsiteX72" fmla="*/ 2816839 w 5933139"/>
+                <a:gd name="connsiteY72" fmla="*/ 6146428 h 6335678"/>
+                <a:gd name="connsiteX73" fmla="*/ 2749009 w 5933139"/>
+                <a:gd name="connsiteY73" fmla="*/ 6149051 h 6335678"/>
+                <a:gd name="connsiteX74" fmla="*/ 2678930 w 5933139"/>
+                <a:gd name="connsiteY74" fmla="*/ 6148677 h 6335678"/>
+                <a:gd name="connsiteX75" fmla="*/ 2125793 w 5933139"/>
+                <a:gd name="connsiteY75" fmla="*/ 6065481 h 6335678"/>
+                <a:gd name="connsiteX76" fmla="*/ 1610506 w 5933139"/>
+                <a:gd name="connsiteY76" fmla="*/ 5851310 h 6335678"/>
+                <a:gd name="connsiteX77" fmla="*/ 1373099 w 5933139"/>
+                <a:gd name="connsiteY77" fmla="*/ 5706279 h 6335678"/>
+                <a:gd name="connsiteX78" fmla="*/ 1315949 w 5933139"/>
+                <a:gd name="connsiteY78" fmla="*/ 5666743 h 6335678"/>
+                <a:gd name="connsiteX79" fmla="*/ 1259923 w 5933139"/>
+                <a:gd name="connsiteY79" fmla="*/ 5625894 h 6335678"/>
+                <a:gd name="connsiteX80" fmla="*/ 1204647 w 5933139"/>
+                <a:gd name="connsiteY80" fmla="*/ 5583922 h 6335678"/>
+                <a:gd name="connsiteX81" fmla="*/ 1150308 w 5933139"/>
+                <a:gd name="connsiteY81" fmla="*/ 5540826 h 6335678"/>
+                <a:gd name="connsiteX82" fmla="*/ 751569 w 5933139"/>
+                <a:gd name="connsiteY82" fmla="*/ 5158015 h 6335678"/>
+                <a:gd name="connsiteX83" fmla="*/ 663315 w 5933139"/>
+                <a:gd name="connsiteY83" fmla="*/ 5052146 h 6335678"/>
+                <a:gd name="connsiteX84" fmla="*/ 580869 w 5933139"/>
+                <a:gd name="connsiteY84" fmla="*/ 4942718 h 6335678"/>
+                <a:gd name="connsiteX85" fmla="*/ 432279 w 5933139"/>
+                <a:gd name="connsiteY85" fmla="*/ 4713369 h 6335678"/>
+                <a:gd name="connsiteX86" fmla="*/ 205553 w 5933139"/>
+                <a:gd name="connsiteY86" fmla="*/ 4219443 h 6335678"/>
+                <a:gd name="connsiteX87" fmla="*/ 79448 w 5933139"/>
+                <a:gd name="connsiteY87" fmla="*/ 3693850 h 6335678"/>
+                <a:gd name="connsiteX88" fmla="*/ 53590 w 5933139"/>
+                <a:gd name="connsiteY88" fmla="*/ 3425339 h 6335678"/>
+                <a:gd name="connsiteX89" fmla="*/ 49655 w 5933139"/>
+                <a:gd name="connsiteY89" fmla="*/ 3155890 h 6335678"/>
+                <a:gd name="connsiteX90" fmla="*/ 67830 w 5933139"/>
+                <a:gd name="connsiteY90" fmla="*/ 2886817 h 6335678"/>
+                <a:gd name="connsiteX91" fmla="*/ 108679 w 5933139"/>
+                <a:gd name="connsiteY91" fmla="*/ 2619992 h 6335678"/>
+                <a:gd name="connsiteX92" fmla="*/ 263077 w 5933139"/>
+                <a:gd name="connsiteY92" fmla="*/ 2101520 h 6335678"/>
+                <a:gd name="connsiteX93" fmla="*/ 837575 w 5933139"/>
+                <a:gd name="connsiteY93" fmla="*/ 1186370 h 6335678"/>
+                <a:gd name="connsiteX94" fmla="*/ 1031698 w 5933139"/>
+                <a:gd name="connsiteY94" fmla="*/ 996932 h 6335678"/>
+                <a:gd name="connsiteX95" fmla="*/ 1236688 w 5933139"/>
+                <a:gd name="connsiteY95" fmla="*/ 819298 h 6335678"/>
+                <a:gd name="connsiteX96" fmla="*/ 1687143 w 5933139"/>
+                <a:gd name="connsiteY96" fmla="*/ 511438 h 6335678"/>
+                <a:gd name="connsiteX97" fmla="*/ 2196246 w 5933139"/>
+                <a:gd name="connsiteY97" fmla="*/ 300639 h 6335678"/>
+                <a:gd name="connsiteX98" fmla="*/ 2745823 w 5933139"/>
+                <a:gd name="connsiteY98" fmla="*/ 229248 h 6335678"/>
+                <a:gd name="connsiteX99" fmla="*/ 3019206 w 5933139"/>
+                <a:gd name="connsiteY99" fmla="*/ 252108 h 6335678"/>
+                <a:gd name="connsiteX100" fmla="*/ 3288092 w 5933139"/>
+                <a:gd name="connsiteY100" fmla="*/ 313006 h 6335678"/>
+                <a:gd name="connsiteX101" fmla="*/ 3548172 w 5933139"/>
+                <a:gd name="connsiteY101" fmla="*/ 407069 h 6335678"/>
+                <a:gd name="connsiteX102" fmla="*/ 3611505 w 5933139"/>
+                <a:gd name="connsiteY102" fmla="*/ 435176 h 6335678"/>
+                <a:gd name="connsiteX103" fmla="*/ 3674089 w 5933139"/>
+                <a:gd name="connsiteY103" fmla="*/ 464968 h 6335678"/>
+                <a:gd name="connsiteX104" fmla="*/ 3735736 w 5933139"/>
+                <a:gd name="connsiteY104" fmla="*/ 496823 h 6335678"/>
+                <a:gd name="connsiteX105" fmla="*/ 3796634 w 5933139"/>
+                <a:gd name="connsiteY105" fmla="*/ 530176 h 6335678"/>
+                <a:gd name="connsiteX106" fmla="*/ 4251585 w 5933139"/>
+                <a:gd name="connsiteY106" fmla="*/ 847405 h 6335678"/>
+                <a:gd name="connsiteX107" fmla="*/ 4644515 w 5933139"/>
+                <a:gd name="connsiteY107" fmla="*/ 1236775 h 6335678"/>
+                <a:gd name="connsiteX108" fmla="*/ 4816527 w 5933139"/>
+                <a:gd name="connsiteY108" fmla="*/ 1451883 h 6335678"/>
+                <a:gd name="connsiteX109" fmla="*/ 4970738 w 5933139"/>
+                <a:gd name="connsiteY109" fmla="*/ 1678610 h 6335678"/>
+                <a:gd name="connsiteX110" fmla="*/ 5223885 w 5933139"/>
+                <a:gd name="connsiteY110" fmla="*/ 2159232 h 6335678"/>
+                <a:gd name="connsiteX111" fmla="*/ 5395709 w 5933139"/>
+                <a:gd name="connsiteY111" fmla="*/ 2666087 h 6335678"/>
+                <a:gd name="connsiteX112" fmla="*/ 5458855 w 5933139"/>
+                <a:gd name="connsiteY112" fmla="*/ 2924292 h 6335678"/>
+                <a:gd name="connsiteX113" fmla="*/ 5499142 w 5933139"/>
+                <a:gd name="connsiteY113" fmla="*/ 3186995 h 6335678"/>
+                <a:gd name="connsiteX114" fmla="*/ 5516755 w 5933139"/>
+                <a:gd name="connsiteY114" fmla="*/ 3454007 h 6335678"/>
+                <a:gd name="connsiteX115" fmla="*/ 5507386 w 5933139"/>
+                <a:gd name="connsiteY115" fmla="*/ 3724580 h 6335678"/>
+              </a:gdLst>
+              <a:ahLst/>
+              <a:cxnLst>
+                <a:cxn ang="0">
+                  <a:pos x="connsiteX0" y="connsiteY0"/>
+                </a:cxn>
+                <a:cxn ang="0">
+                  <a:pos x="connsiteX1" y="connsiteY1"/>
+                </a:cxn>
+                <a:cxn ang="0">
+                  <a:pos x="connsiteX2" y="connsiteY2"/>
+                </a:cxn>
+                <a:cxn ang="0">
+                  <a:pos x="connsiteX3" y="connsiteY3"/>
+                </a:cxn>
+                <a:cxn ang="0">
+                  <a:pos x="connsiteX4" y="connsiteY4"/>
+                </a:cxn>
+                <a:cxn ang="0">
+                  <a:pos x="connsiteX5" y="connsiteY5"/>
+                </a:cxn>
+                <a:cxn ang="0">
+                  <a:pos x="connsiteX6" y="connsiteY6"/>
+                </a:cxn>
+                <a:cxn ang="0">
+                  <a:pos x="connsiteX7" y="connsiteY7"/>
+                </a:cxn>
+                <a:cxn ang="0">
+                  <a:pos x="connsiteX8" y="connsiteY8"/>
+                </a:cxn>
+                <a:cxn ang="0">
+                  <a:pos x="connsiteX9" y="connsiteY9"/>
+                </a:cxn>
+                <a:cxn ang="0">
+                  <a:pos x="connsiteX10" y="connsiteY10"/>
+                </a:cxn>
+                <a:cxn ang="0">
+                  <a:pos x="connsiteX11" y="connsiteY11"/>
+                </a:cxn>
+                <a:cxn ang="0">
+                  <a:pos x="connsiteX12" y="connsiteY12"/>
+                </a:cxn>
+                <a:cxn ang="0">
+                  <a:pos x="connsiteX13" y="connsiteY13"/>
+                </a:cxn>
+                <a:cxn ang="0">
+                  <a:pos x="connsiteX14" y="connsiteY14"/>
+                </a:cxn>
+                <a:cxn ang="0">
+                  <a:pos x="connsiteX15" y="connsiteY15"/>
+                </a:cxn>
+                <a:cxn ang="0">
+                  <a:pos x="connsiteX16" y="connsiteY16"/>
+                </a:cxn>
+                <a:cxn ang="0">
+                  <a:pos x="connsiteX17" y="connsiteY17"/>
+                </a:cxn>
+                <a:cxn ang="0">
+                  <a:pos x="connsiteX18" y="connsiteY18"/>
+                </a:cxn>
+                <a:cxn ang="0">
+                  <a:pos x="connsiteX19" y="connsiteY19"/>
+                </a:cxn>
+                <a:cxn ang="0">
+                  <a:pos x="connsiteX20" y="connsiteY20"/>
+                </a:cxn>
+                <a:cxn ang="0">
+                  <a:pos x="connsiteX21" y="connsiteY21"/>
+                </a:cxn>
+                <a:cxn ang="0">
+                  <a:pos x="connsiteX22" y="connsiteY22"/>
+                </a:cxn>
+                <a:cxn ang="0">
+                  <a:pos x="connsiteX23" y="connsiteY23"/>
+                </a:cxn>
+                <a:cxn ang="0">
+                  <a:pos x="connsiteX24" y="connsiteY24"/>
+                </a:cxn>
+                <a:cxn ang="0">
+                  <a:pos x="connsiteX25" y="connsiteY25"/>
+                </a:cxn>
+                <a:cxn ang="0">
+                  <a:pos x="connsiteX26" y="connsiteY26"/>
+                </a:cxn>
+                <a:cxn ang="0">
+                  <a:pos x="connsiteX27" y="connsiteY27"/>
+                </a:cxn>
+                <a:cxn ang="0">
+                  <a:pos x="connsiteX28" y="connsiteY28"/>
+                </a:cxn>
+                <a:cxn ang="0">
+                  <a:pos x="connsiteX29" y="connsiteY29"/>
+                </a:cxn>
+                <a:cxn ang="0">
+                  <a:pos x="connsiteX30" y="connsiteY30"/>
+                </a:cxn>
+                <a:cxn ang="0">
+                  <a:pos x="connsiteX31" y="connsiteY31"/>
+                </a:cxn>
+                <a:cxn ang="0">
+                  <a:pos x="connsiteX32" y="connsiteY32"/>
+                </a:cxn>
+                <a:cxn ang="0">
+                  <a:pos x="connsiteX33" y="connsiteY33"/>
+                </a:cxn>
+                <a:cxn ang="0">
+                  <a:pos x="connsiteX34" y="connsiteY34"/>
+                </a:cxn>
+                <a:cxn ang="0">
+                  <a:pos x="connsiteX35" y="connsiteY35"/>
+                </a:cxn>
+                <a:cxn ang="0">
+                  <a:pos x="connsiteX36" y="connsiteY36"/>
+                </a:cxn>
+                <a:cxn ang="0">
+                  <a:pos x="connsiteX37" y="connsiteY37"/>
+                </a:cxn>
+                <a:cxn ang="0">
+                  <a:pos x="connsiteX38" y="connsiteY38"/>
+                </a:cxn>
+                <a:cxn ang="0">
+                  <a:pos x="connsiteX39" y="connsiteY39"/>
+                </a:cxn>
+                <a:cxn ang="0">
+                  <a:pos x="connsiteX40" y="connsiteY40"/>
+                </a:cxn>
+                <a:cxn ang="0">
+                  <a:pos x="connsiteX41" y="connsiteY41"/>
+                </a:cxn>
+                <a:cxn ang="0">
+                  <a:pos x="connsiteX42" y="connsiteY42"/>
+                </a:cxn>
+                <a:cxn ang="0">
+                  <a:pos x="connsiteX43" y="connsiteY43"/>
+                </a:cxn>
+                <a:cxn ang="0">
+                  <a:pos x="connsiteX44" y="connsiteY44"/>
+                </a:cxn>
+                <a:cxn ang="0">
+                  <a:pos x="connsiteX45" y="connsiteY45"/>
+                </a:cxn>
+                <a:cxn ang="0">
+                  <a:pos x="connsiteX46" y="connsiteY46"/>
+                </a:cxn>
+                <a:cxn ang="0">
+                  <a:pos x="connsiteX47" y="connsiteY47"/>
+                </a:cxn>
+                <a:cxn ang="0">
+                  <a:pos x="connsiteX48" y="connsiteY48"/>
+                </a:cxn>
+                <a:cxn ang="0">
+                  <a:pos x="connsiteX49" y="connsiteY49"/>
+                </a:cxn>
+                <a:cxn ang="0">
+                  <a:pos x="connsiteX50" y="connsiteY50"/>
+                </a:cxn>
+                <a:cxn ang="0">
+                  <a:pos x="connsiteX51" y="connsiteY51"/>
+                </a:cxn>
+                <a:cxn ang="0">
+                  <a:pos x="connsiteX52" y="connsiteY52"/>
+                </a:cxn>
+                <a:cxn ang="0">
+                  <a:pos x="connsiteX53" y="connsiteY53"/>
+                </a:cxn>
+                <a:cxn ang="0">
+                  <a:pos x="connsiteX54" y="connsiteY54"/>
+                </a:cxn>
+                <a:cxn ang="0">
+                  <a:pos x="connsiteX55" y="connsiteY55"/>
+                </a:cxn>
+                <a:cxn ang="0">
+                  <a:pos x="connsiteX56" y="connsiteY56"/>
+                </a:cxn>
+                <a:cxn ang="0">
+                  <a:pos x="connsiteX57" y="connsiteY57"/>
+                </a:cxn>
+                <a:cxn ang="0">
+                  <a:pos x="connsiteX58" y="connsiteY58"/>
+                </a:cxn>
+                <a:cxn ang="0">
+                  <a:pos x="connsiteX59" y="connsiteY59"/>
+                </a:cxn>
+                <a:cxn ang="0">
+                  <a:pos x="connsiteX60" y="connsiteY60"/>
+                </a:cxn>
+                <a:cxn ang="0">
+                  <a:pos x="connsiteX61" y="connsiteY61"/>
+                </a:cxn>
+                <a:cxn ang="0">
+                  <a:pos x="connsiteX62" y="connsiteY62"/>
+                </a:cxn>
+                <a:cxn ang="0">
+                  <a:pos x="connsiteX63" y="connsiteY63"/>
+                </a:cxn>
+                <a:cxn ang="0">
+                  <a:pos x="connsiteX64" y="connsiteY64"/>
+                </a:cxn>
+                <a:cxn ang="0">
+                  <a:pos x="connsiteX65" y="connsiteY65"/>
+                </a:cxn>
+                <a:cxn ang="0">
+                  <a:pos x="connsiteX66" y="connsiteY66"/>
+                </a:cxn>
+                <a:cxn ang="0">
+                  <a:pos x="connsiteX67" y="connsiteY67"/>
+                </a:cxn>
+                <a:cxn ang="0">
+                  <a:pos x="connsiteX68" y="connsiteY68"/>
+                </a:cxn>
+                <a:cxn ang="0">
+                  <a:pos x="connsiteX69" y="connsiteY69"/>
+                </a:cxn>
+                <a:cxn ang="0">
+                  <a:pos x="connsiteX70" y="connsiteY70"/>
+                </a:cxn>
+                <a:cxn ang="0">
+                  <a:pos x="connsiteX71" y="connsiteY71"/>
+                </a:cxn>
+                <a:cxn ang="0">
+                  <a:pos x="connsiteX72" y="connsiteY72"/>
+                </a:cxn>
+                <a:cxn ang="0">
+                  <a:pos x="connsiteX73" y="connsiteY73"/>
+                </a:cxn>
+                <a:cxn ang="0">
+                  <a:pos x="connsiteX74" y="connsiteY74"/>
+                </a:cxn>
+                <a:cxn ang="0">
+                  <a:pos x="connsiteX75" y="connsiteY75"/>
+                </a:cxn>
+                <a:cxn ang="0">
+                  <a:pos x="connsiteX76" y="connsiteY76"/>
+                </a:cxn>
+                <a:cxn ang="0">
+                  <a:pos x="connsiteX77" y="connsiteY77"/>
+                </a:cxn>
+                <a:cxn ang="0">
+                  <a:pos x="connsiteX78" y="connsiteY78"/>
+                </a:cxn>
+                <a:cxn ang="0">
+                  <a:pos x="connsiteX79" y="connsiteY79"/>
+                </a:cxn>
+                <a:cxn ang="0">
+                  <a:pos x="connsiteX80" y="connsiteY80"/>
+                </a:cxn>
+                <a:cxn ang="0">
+                  <a:pos x="connsiteX81" y="connsiteY81"/>
+                </a:cxn>
+                <a:cxn ang="0">
+                  <a:pos x="connsiteX82" y="connsiteY82"/>
+                </a:cxn>
+                <a:cxn ang="0">
+                  <a:pos x="connsiteX83" y="connsiteY83"/>
+                </a:cxn>
+                <a:cxn ang="0">
+                  <a:pos x="connsiteX84" y="connsiteY84"/>
+                </a:cxn>
+                <a:cxn ang="0">
+                  <a:pos x="connsiteX85" y="connsiteY85"/>
+                </a:cxn>
+                <a:cxn ang="0">
+                  <a:pos x="connsiteX86" y="connsiteY86"/>
+                </a:cxn>
+                <a:cxn ang="0">
+                  <a:pos x="connsiteX87" y="connsiteY87"/>
+                </a:cxn>
+                <a:cxn ang="0">
+                  <a:pos x="connsiteX88" y="connsiteY88"/>
+                </a:cxn>
+                <a:cxn ang="0">
+                  <a:pos x="connsiteX89" y="connsiteY89"/>
+                </a:cxn>
+                <a:cxn ang="0">
+                  <a:pos x="connsiteX90" y="connsiteY90"/>
+                </a:cxn>
+                <a:cxn ang="0">
+                  <a:pos x="connsiteX91" y="connsiteY91"/>
+                </a:cxn>
+                <a:cxn ang="0">
+                  <a:pos x="connsiteX92" y="connsiteY92"/>
+                </a:cxn>
+                <a:cxn ang="0">
+                  <a:pos x="connsiteX93" y="connsiteY93"/>
+                </a:cxn>
+                <a:cxn ang="0">
+                  <a:pos x="connsiteX94" y="connsiteY94"/>
+                </a:cxn>
+                <a:cxn ang="0">
+                  <a:pos x="connsiteX95" y="connsiteY95"/>
+                </a:cxn>
+                <a:cxn ang="0">
+                  <a:pos x="connsiteX96" y="connsiteY96"/>
+                </a:cxn>
+                <a:cxn ang="0">
+                  <a:pos x="connsiteX97" y="connsiteY97"/>
+                </a:cxn>
+                <a:cxn ang="0">
+                  <a:pos x="connsiteX98" y="connsiteY98"/>
+                </a:cxn>
+                <a:cxn ang="0">
+                  <a:pos x="connsiteX99" y="connsiteY99"/>
+                </a:cxn>
+                <a:cxn ang="0">
+                  <a:pos x="connsiteX100" y="connsiteY100"/>
+                </a:cxn>
+                <a:cxn ang="0">
+                  <a:pos x="connsiteX101" y="connsiteY101"/>
+                </a:cxn>
+                <a:cxn ang="0">
+                  <a:pos x="connsiteX102" y="connsiteY102"/>
+                </a:cxn>
+                <a:cxn ang="0">
+                  <a:pos x="connsiteX103" y="connsiteY103"/>
+                </a:cxn>
+                <a:cxn ang="0">
+                  <a:pos x="connsiteX104" y="connsiteY104"/>
+                </a:cxn>
+                <a:cxn ang="0">
+                  <a:pos x="connsiteX105" y="connsiteY105"/>
+                </a:cxn>
+                <a:cxn ang="0">
+                  <a:pos x="connsiteX106" y="connsiteY106"/>
+                </a:cxn>
+                <a:cxn ang="0">
+                  <a:pos x="connsiteX107" y="connsiteY107"/>
+                </a:cxn>
+                <a:cxn ang="0">
+                  <a:pos x="connsiteX108" y="connsiteY108"/>
+                </a:cxn>
+                <a:cxn ang="0">
+                  <a:pos x="connsiteX109" y="connsiteY109"/>
+                </a:cxn>
+                <a:cxn ang="0">
+                  <a:pos x="connsiteX110" y="connsiteY110"/>
+                </a:cxn>
+                <a:cxn ang="0">
+                  <a:pos x="connsiteX111" y="connsiteY111"/>
+                </a:cxn>
+                <a:cxn ang="0">
+                  <a:pos x="connsiteX112" y="connsiteY112"/>
+                </a:cxn>
+                <a:cxn ang="0">
+                  <a:pos x="connsiteX113" y="connsiteY113"/>
+                </a:cxn>
+                <a:cxn ang="0">
+                  <a:pos x="connsiteX114" y="connsiteY114"/>
+                </a:cxn>
+                <a:cxn ang="0">
+                  <a:pos x="connsiteX115" y="connsiteY115"/>
+                </a:cxn>
+              </a:cxnLst>
+              <a:rect l="l" t="t" r="r" b="b"/>
+              <a:pathLst>
+                <a:path w="5933139" h="6335678">
+                  <a:moveTo>
+                    <a:pt x="5852909" y="2469528"/>
+                  </a:moveTo>
+                  <a:lnTo>
+                    <a:pt x="5830799" y="2394015"/>
+                  </a:lnTo>
+                  <a:lnTo>
+                    <a:pt x="5805878" y="2319439"/>
+                  </a:lnTo>
+                  <a:cubicBezTo>
+                    <a:pt x="5797446" y="2294705"/>
+                    <a:pt x="5787890" y="2270346"/>
+                    <a:pt x="5778708" y="2245800"/>
+                  </a:cubicBezTo>
+                  <a:cubicBezTo>
+                    <a:pt x="5740858" y="2148364"/>
+                    <a:pt x="5699073" y="2052614"/>
+                    <a:pt x="5652978" y="1959675"/>
+                  </a:cubicBezTo>
+                  <a:cubicBezTo>
+                    <a:pt x="5559664" y="1773985"/>
+                    <a:pt x="5450986" y="1597663"/>
+                    <a:pt x="5327691" y="1432958"/>
+                  </a:cubicBezTo>
+                  <a:cubicBezTo>
+                    <a:pt x="5204960" y="1268067"/>
+                    <a:pt x="5068362" y="1114980"/>
+                    <a:pt x="4921458" y="973322"/>
+                  </a:cubicBezTo>
+                  <a:cubicBezTo>
+                    <a:pt x="4774742" y="831665"/>
+                    <a:pt x="4616408" y="703125"/>
+                    <a:pt x="4450018" y="586764"/>
+                  </a:cubicBezTo>
+                  <a:cubicBezTo>
+                    <a:pt x="4366822" y="528489"/>
+                    <a:pt x="4281003" y="474337"/>
+                    <a:pt x="4193311" y="423558"/>
+                  </a:cubicBezTo>
+                  <a:cubicBezTo>
+                    <a:pt x="4105806" y="372404"/>
+                    <a:pt x="4015865" y="325560"/>
+                    <a:pt x="3924237" y="281901"/>
+                  </a:cubicBezTo>
+                  <a:cubicBezTo>
+                    <a:pt x="3740983" y="195333"/>
+                    <a:pt x="3549483" y="125067"/>
+                    <a:pt x="3352175" y="75786"/>
+                  </a:cubicBezTo>
+                  <a:cubicBezTo>
+                    <a:pt x="3253428" y="51240"/>
+                    <a:pt x="3153368" y="31565"/>
+                    <a:pt x="3051997" y="19011"/>
+                  </a:cubicBezTo>
+                  <a:cubicBezTo>
+                    <a:pt x="2950814" y="5895"/>
+                    <a:pt x="2848506" y="-851"/>
+                    <a:pt x="2745823" y="86"/>
+                  </a:cubicBezTo>
+                  <a:cubicBezTo>
+                    <a:pt x="2543643" y="1585"/>
+                    <a:pt x="2341838" y="20135"/>
+                    <a:pt x="2141720" y="55550"/>
+                  </a:cubicBezTo>
+                  <a:cubicBezTo>
+                    <a:pt x="1941976" y="91339"/>
+                    <a:pt x="1743356" y="143055"/>
+                    <a:pt x="1551295" y="216319"/>
+                  </a:cubicBezTo>
+                  <a:cubicBezTo>
+                    <a:pt x="1359233" y="289396"/>
+                    <a:pt x="1173917" y="383459"/>
+                    <a:pt x="1001718" y="498134"/>
+                  </a:cubicBezTo>
+                  <a:cubicBezTo>
+                    <a:pt x="915712" y="555659"/>
+                    <a:pt x="832141" y="617119"/>
+                    <a:pt x="754755" y="685886"/>
+                  </a:cubicBezTo>
+                  <a:cubicBezTo>
+                    <a:pt x="677555" y="754841"/>
+                    <a:pt x="604666" y="828293"/>
+                    <a:pt x="533462" y="903056"/>
+                  </a:cubicBezTo>
+                  <a:cubicBezTo>
+                    <a:pt x="323413" y="1125660"/>
+                    <a:pt x="143906" y="1376370"/>
+                    <a:pt x="0" y="1646568"/>
+                  </a:cubicBezTo>
+                  <a:lnTo>
+                    <a:pt x="0" y="4709059"/>
+                  </a:lnTo>
+                  <a:cubicBezTo>
+                    <a:pt x="37850" y="4776702"/>
+                    <a:pt x="78136" y="4843033"/>
+                    <a:pt x="120671" y="4907491"/>
+                  </a:cubicBezTo>
+                  <a:cubicBezTo>
+                    <a:pt x="234034" y="5078941"/>
+                    <a:pt x="365198" y="5239336"/>
+                    <a:pt x="507979" y="5384178"/>
+                  </a:cubicBezTo>
+                  <a:cubicBezTo>
+                    <a:pt x="650948" y="5529395"/>
+                    <a:pt x="805909" y="5662059"/>
+                    <a:pt x="972112" y="5778607"/>
+                  </a:cubicBezTo>
+                  <a:cubicBezTo>
+                    <a:pt x="1055308" y="5836881"/>
+                    <a:pt x="1141314" y="5890846"/>
+                    <a:pt x="1229943" y="5939939"/>
+                  </a:cubicBezTo>
+                  <a:cubicBezTo>
+                    <a:pt x="1318385" y="5989406"/>
+                    <a:pt x="1409450" y="6033815"/>
+                    <a:pt x="1502389" y="6073913"/>
+                  </a:cubicBezTo>
+                  <a:cubicBezTo>
+                    <a:pt x="1874145" y="6233559"/>
+                    <a:pt x="2272884" y="6320689"/>
+                    <a:pt x="2673870" y="6333993"/>
+                  </a:cubicBezTo>
+                  <a:lnTo>
+                    <a:pt x="2749196" y="6335679"/>
+                  </a:lnTo>
+                  <a:lnTo>
+                    <a:pt x="2787983" y="6335492"/>
+                  </a:lnTo>
+                  <a:lnTo>
+                    <a:pt x="2826770" y="6334368"/>
+                  </a:lnTo>
+                  <a:cubicBezTo>
+                    <a:pt x="2878486" y="6332494"/>
+                    <a:pt x="2930390" y="6327247"/>
+                    <a:pt x="2981918" y="6319939"/>
+                  </a:cubicBezTo>
+                  <a:cubicBezTo>
+                    <a:pt x="3085163" y="6304949"/>
+                    <a:pt x="3187096" y="6278529"/>
+                    <a:pt x="3285282" y="6241803"/>
+                  </a:cubicBezTo>
+                  <a:cubicBezTo>
+                    <a:pt x="3383467" y="6205265"/>
+                    <a:pt x="3477530" y="6158608"/>
+                    <a:pt x="3566347" y="6104831"/>
+                  </a:cubicBezTo>
+                  <a:cubicBezTo>
+                    <a:pt x="3655164" y="6051053"/>
+                    <a:pt x="3739109" y="5990905"/>
+                    <a:pt x="3818369" y="5926823"/>
+                  </a:cubicBezTo>
+                  <a:cubicBezTo>
+                    <a:pt x="3897630" y="5862739"/>
+                    <a:pt x="3973143" y="5795471"/>
+                    <a:pt x="4044908" y="5726329"/>
+                  </a:cubicBezTo>
+                  <a:cubicBezTo>
+                    <a:pt x="4080884" y="5691852"/>
+                    <a:pt x="4116299" y="5656999"/>
+                    <a:pt x="4151151" y="5622147"/>
+                  </a:cubicBezTo>
+                  <a:cubicBezTo>
+                    <a:pt x="4185816" y="5586920"/>
+                    <a:pt x="4220106" y="5552068"/>
+                    <a:pt x="4253834" y="5516841"/>
+                  </a:cubicBezTo>
+                  <a:cubicBezTo>
+                    <a:pt x="4321289" y="5446388"/>
+                    <a:pt x="4387808" y="5376871"/>
+                    <a:pt x="4452453" y="5306979"/>
+                  </a:cubicBezTo>
+                  <a:lnTo>
+                    <a:pt x="4548578" y="5202797"/>
+                  </a:lnTo>
+                  <a:lnTo>
+                    <a:pt x="4596546" y="5151456"/>
+                  </a:lnTo>
+                  <a:cubicBezTo>
+                    <a:pt x="4612661" y="5134592"/>
+                    <a:pt x="4627276" y="5119040"/>
+                    <a:pt x="4643016" y="5103300"/>
+                  </a:cubicBezTo>
+                  <a:cubicBezTo>
+                    <a:pt x="4674308" y="5072196"/>
+                    <a:pt x="4706162" y="5041841"/>
+                    <a:pt x="4739515" y="5013172"/>
+                  </a:cubicBezTo>
+                  <a:cubicBezTo>
+                    <a:pt x="4772493" y="4984128"/>
+                    <a:pt x="4806596" y="4956397"/>
+                    <a:pt x="4842198" y="4930164"/>
+                  </a:cubicBezTo>
+                  <a:cubicBezTo>
+                    <a:pt x="4913026" y="4876949"/>
+                    <a:pt x="4988914" y="4828980"/>
+                    <a:pt x="5071360" y="4780449"/>
+                  </a:cubicBezTo>
+                  <a:cubicBezTo>
+                    <a:pt x="5153243" y="4731544"/>
+                    <a:pt x="5243372" y="4682076"/>
+                    <a:pt x="5332001" y="4615932"/>
+                  </a:cubicBezTo>
+                  <a:cubicBezTo>
+                    <a:pt x="5354111" y="4599443"/>
+                    <a:pt x="5376035" y="4582205"/>
+                    <a:pt x="5397396" y="4563655"/>
+                  </a:cubicBezTo>
+                  <a:cubicBezTo>
+                    <a:pt x="5418757" y="4545104"/>
+                    <a:pt x="5439368" y="4525617"/>
+                    <a:pt x="5459417" y="4505380"/>
+                  </a:cubicBezTo>
+                  <a:cubicBezTo>
+                    <a:pt x="5499329" y="4464719"/>
+                    <a:pt x="5535493" y="4420311"/>
+                    <a:pt x="5567159" y="4374029"/>
+                  </a:cubicBezTo>
+                  <a:cubicBezTo>
+                    <a:pt x="5599388" y="4328121"/>
+                    <a:pt x="5626558" y="4279965"/>
+                    <a:pt x="5651292" y="4231810"/>
+                  </a:cubicBezTo>
+                  <a:cubicBezTo>
+                    <a:pt x="5675651" y="4183466"/>
+                    <a:pt x="5697012" y="4134561"/>
+                    <a:pt x="5716686" y="4085655"/>
+                  </a:cubicBezTo>
+                  <a:cubicBezTo>
+                    <a:pt x="5756223" y="3987845"/>
+                    <a:pt x="5789576" y="3891158"/>
+                    <a:pt x="5820681" y="3791848"/>
+                  </a:cubicBezTo>
+                  <a:cubicBezTo>
+                    <a:pt x="5851972" y="3692726"/>
+                    <a:pt x="5878955" y="3591167"/>
+                    <a:pt x="5898629" y="3487922"/>
+                  </a:cubicBezTo>
+                  <a:cubicBezTo>
+                    <a:pt x="5918116" y="3384490"/>
+                    <a:pt x="5929172" y="3279372"/>
+                    <a:pt x="5932170" y="3174066"/>
+                  </a:cubicBezTo>
+                  <a:cubicBezTo>
+                    <a:pt x="5937604" y="2963454"/>
+                    <a:pt x="5920552" y="2750968"/>
+                    <a:pt x="5872209" y="2545978"/>
+                  </a:cubicBezTo>
+                  <a:cubicBezTo>
+                    <a:pt x="5865838" y="2520307"/>
+                    <a:pt x="5860029" y="2494637"/>
+                    <a:pt x="5852909" y="2469528"/>
+                  </a:cubicBezTo>
+                  <a:close/>
+                  <a:moveTo>
+                    <a:pt x="5507386" y="3724580"/>
+                  </a:moveTo>
+                  <a:cubicBezTo>
+                    <a:pt x="5497830" y="3814521"/>
+                    <a:pt x="5480591" y="3905586"/>
+                    <a:pt x="5453609" y="3989906"/>
+                  </a:cubicBezTo>
+                  <a:cubicBezTo>
+                    <a:pt x="5426439" y="4074413"/>
+                    <a:pt x="5390088" y="4152924"/>
+                    <a:pt x="5344181" y="4220380"/>
+                  </a:cubicBezTo>
+                  <a:cubicBezTo>
+                    <a:pt x="5297898" y="4287835"/>
+                    <a:pt x="5241311" y="4342549"/>
+                    <a:pt x="5171419" y="4388644"/>
+                  </a:cubicBezTo>
+                  <a:cubicBezTo>
+                    <a:pt x="5136755" y="4411879"/>
+                    <a:pt x="5098342" y="4433052"/>
+                    <a:pt x="5057868" y="4453851"/>
+                  </a:cubicBezTo>
+                  <a:cubicBezTo>
+                    <a:pt x="5017395" y="4474837"/>
+                    <a:pt x="4974298" y="4495449"/>
+                    <a:pt x="4930265" y="4516810"/>
+                  </a:cubicBezTo>
+                  <a:cubicBezTo>
+                    <a:pt x="4841823" y="4559719"/>
+                    <a:pt x="4748696" y="4607126"/>
+                    <a:pt x="4660067" y="4664276"/>
+                  </a:cubicBezTo>
+                  <a:cubicBezTo>
+                    <a:pt x="4571251" y="4721238"/>
+                    <a:pt x="4486181" y="4786071"/>
+                    <a:pt x="4408794" y="4857836"/>
+                  </a:cubicBezTo>
+                  <a:cubicBezTo>
+                    <a:pt x="4389682" y="4875637"/>
+                    <a:pt x="4370008" y="4894375"/>
+                    <a:pt x="4352207" y="4911988"/>
+                  </a:cubicBezTo>
+                  <a:lnTo>
+                    <a:pt x="4299366" y="4965390"/>
+                  </a:lnTo>
+                  <a:cubicBezTo>
+                    <a:pt x="4264514" y="5001179"/>
+                    <a:pt x="4230599" y="5037531"/>
+                    <a:pt x="4197621" y="5074257"/>
+                  </a:cubicBezTo>
+                  <a:cubicBezTo>
+                    <a:pt x="4131664" y="5147896"/>
+                    <a:pt x="4070204" y="5223784"/>
+                    <a:pt x="4008744" y="5297985"/>
+                  </a:cubicBezTo>
+                  <a:lnTo>
+                    <a:pt x="3917304" y="5409100"/>
+                  </a:lnTo>
+                  <a:cubicBezTo>
+                    <a:pt x="3886949" y="5446013"/>
+                    <a:pt x="3856782" y="5482364"/>
+                    <a:pt x="3826052" y="5518153"/>
+                  </a:cubicBezTo>
+                  <a:cubicBezTo>
+                    <a:pt x="3764592" y="5589544"/>
+                    <a:pt x="3702758" y="5659435"/>
+                    <a:pt x="3637925" y="5725017"/>
+                  </a:cubicBezTo>
+                  <a:cubicBezTo>
+                    <a:pt x="3573093" y="5790412"/>
+                    <a:pt x="3505637" y="5852059"/>
+                    <a:pt x="3433497" y="5906586"/>
+                  </a:cubicBezTo>
+                  <a:cubicBezTo>
+                    <a:pt x="3361544" y="5961112"/>
+                    <a:pt x="3285469" y="6009268"/>
+                    <a:pt x="3204522" y="6046744"/>
+                  </a:cubicBezTo>
+                  <a:cubicBezTo>
+                    <a:pt x="3123763" y="6084594"/>
+                    <a:pt x="3038506" y="6112513"/>
+                    <a:pt x="2950439" y="6129190"/>
+                  </a:cubicBezTo>
+                  <a:cubicBezTo>
+                    <a:pt x="2906405" y="6137809"/>
+                    <a:pt x="2861810" y="6143055"/>
+                    <a:pt x="2816839" y="6146428"/>
+                  </a:cubicBezTo>
+                  <a:cubicBezTo>
+                    <a:pt x="2794354" y="6147927"/>
+                    <a:pt x="2771681" y="6148677"/>
+                    <a:pt x="2749009" y="6149051"/>
+                  </a:cubicBezTo>
+                  <a:lnTo>
+                    <a:pt x="2678930" y="6148677"/>
+                  </a:lnTo>
+                  <a:cubicBezTo>
+                    <a:pt x="2491927" y="6144367"/>
+                    <a:pt x="2305675" y="6116260"/>
+                    <a:pt x="2125793" y="6065481"/>
+                  </a:cubicBezTo>
+                  <a:cubicBezTo>
+                    <a:pt x="1945911" y="6014515"/>
+                    <a:pt x="1773524" y="5940501"/>
+                    <a:pt x="1610506" y="5851310"/>
+                  </a:cubicBezTo>
+                  <a:cubicBezTo>
+                    <a:pt x="1528997" y="5806714"/>
+                    <a:pt x="1449924" y="5757808"/>
+                    <a:pt x="1373099" y="5706279"/>
+                  </a:cubicBezTo>
+                  <a:lnTo>
+                    <a:pt x="1315949" y="5666743"/>
+                  </a:lnTo>
+                  <a:lnTo>
+                    <a:pt x="1259923" y="5625894"/>
+                  </a:lnTo>
+                  <a:lnTo>
+                    <a:pt x="1204647" y="5583922"/>
+                  </a:lnTo>
+                  <a:cubicBezTo>
+                    <a:pt x="1186284" y="5569869"/>
+                    <a:pt x="1168483" y="5555066"/>
+                    <a:pt x="1150308" y="5540826"/>
+                  </a:cubicBezTo>
+                  <a:cubicBezTo>
+                    <a:pt x="1006402" y="5424839"/>
+                    <a:pt x="872615" y="5296860"/>
+                    <a:pt x="751569" y="5158015"/>
+                  </a:cubicBezTo>
+                  <a:cubicBezTo>
+                    <a:pt x="721214" y="5123350"/>
+                    <a:pt x="691983" y="5087935"/>
+                    <a:pt x="663315" y="5052146"/>
+                  </a:cubicBezTo>
+                  <a:cubicBezTo>
+                    <a:pt x="635021" y="5016170"/>
+                    <a:pt x="607289" y="4980006"/>
+                    <a:pt x="580869" y="4942718"/>
+                  </a:cubicBezTo>
+                  <a:cubicBezTo>
+                    <a:pt x="527654" y="4868517"/>
+                    <a:pt x="478186" y="4791880"/>
+                    <a:pt x="432279" y="4713369"/>
+                  </a:cubicBezTo>
+                  <a:cubicBezTo>
+                    <a:pt x="340651" y="4556159"/>
+                    <a:pt x="264764" y="4390330"/>
+                    <a:pt x="205553" y="4219443"/>
+                  </a:cubicBezTo>
+                  <a:cubicBezTo>
+                    <a:pt x="146154" y="4048555"/>
+                    <a:pt x="104369" y="3872045"/>
+                    <a:pt x="79448" y="3693850"/>
+                  </a:cubicBezTo>
+                  <a:cubicBezTo>
+                    <a:pt x="67268" y="3604659"/>
+                    <a:pt x="58087" y="3515092"/>
+                    <a:pt x="53590" y="3425339"/>
+                  </a:cubicBezTo>
+                  <a:cubicBezTo>
+                    <a:pt x="47969" y="3335585"/>
+                    <a:pt x="47406" y="3245644"/>
+                    <a:pt x="49655" y="3155890"/>
+                  </a:cubicBezTo>
+                  <a:cubicBezTo>
+                    <a:pt x="52278" y="3066137"/>
+                    <a:pt x="58274" y="2976383"/>
+                    <a:pt x="67830" y="2886817"/>
+                  </a:cubicBezTo>
+                  <a:cubicBezTo>
+                    <a:pt x="77761" y="2797438"/>
+                    <a:pt x="91253" y="2708246"/>
+                    <a:pt x="108679" y="2619992"/>
+                  </a:cubicBezTo>
+                  <a:cubicBezTo>
+                    <a:pt x="143906" y="2443108"/>
+                    <a:pt x="195809" y="2269409"/>
+                    <a:pt x="263077" y="2101520"/>
+                  </a:cubicBezTo>
+                  <a:cubicBezTo>
+                    <a:pt x="397614" y="1765740"/>
+                    <a:pt x="593048" y="1453382"/>
+                    <a:pt x="837575" y="1186370"/>
+                  </a:cubicBezTo>
+                  <a:cubicBezTo>
+                    <a:pt x="898473" y="1119289"/>
+                    <a:pt x="964242" y="1056893"/>
+                    <a:pt x="1031698" y="996932"/>
+                  </a:cubicBezTo>
+                  <a:cubicBezTo>
+                    <a:pt x="1099154" y="936784"/>
+                    <a:pt x="1166235" y="876261"/>
+                    <a:pt x="1236688" y="819298"/>
+                  </a:cubicBezTo>
+                  <a:cubicBezTo>
+                    <a:pt x="1377221" y="704999"/>
+                    <a:pt x="1526935" y="600442"/>
+                    <a:pt x="1687143" y="511438"/>
+                  </a:cubicBezTo>
+                  <a:cubicBezTo>
+                    <a:pt x="1847163" y="422621"/>
+                    <a:pt x="2017676" y="348795"/>
+                    <a:pt x="2196246" y="300639"/>
+                  </a:cubicBezTo>
+                  <a:cubicBezTo>
+                    <a:pt x="2374629" y="251921"/>
+                    <a:pt x="2560320" y="227749"/>
+                    <a:pt x="2745823" y="229248"/>
+                  </a:cubicBezTo>
+                  <a:cubicBezTo>
+                    <a:pt x="2837076" y="230372"/>
+                    <a:pt x="2928516" y="238055"/>
+                    <a:pt x="3019206" y="252108"/>
+                  </a:cubicBezTo>
+                  <a:cubicBezTo>
+                    <a:pt x="3109710" y="266724"/>
+                    <a:pt x="3199650" y="286773"/>
+                    <a:pt x="3288092" y="313006"/>
+                  </a:cubicBezTo>
+                  <a:cubicBezTo>
+                    <a:pt x="3376347" y="339426"/>
+                    <a:pt x="3463477" y="370343"/>
+                    <a:pt x="3548172" y="407069"/>
+                  </a:cubicBezTo>
+                  <a:cubicBezTo>
+                    <a:pt x="3569345" y="416438"/>
+                    <a:pt x="3590519" y="425432"/>
+                    <a:pt x="3611505" y="435176"/>
+                  </a:cubicBezTo>
+                  <a:lnTo>
+                    <a:pt x="3674089" y="464968"/>
+                  </a:lnTo>
+                  <a:lnTo>
+                    <a:pt x="3735736" y="496823"/>
+                  </a:lnTo>
+                  <a:cubicBezTo>
+                    <a:pt x="3756160" y="507690"/>
+                    <a:pt x="3776397" y="519120"/>
+                    <a:pt x="3796634" y="530176"/>
+                  </a:cubicBezTo>
+                  <a:cubicBezTo>
+                    <a:pt x="3957965" y="621054"/>
+                    <a:pt x="4110303" y="728046"/>
+                    <a:pt x="4251585" y="847405"/>
+                  </a:cubicBezTo>
+                  <a:cubicBezTo>
+                    <a:pt x="4393242" y="966390"/>
+                    <a:pt x="4524781" y="1096991"/>
+                    <a:pt x="4644515" y="1236775"/>
+                  </a:cubicBezTo>
+                  <a:cubicBezTo>
+                    <a:pt x="4704663" y="1306479"/>
+                    <a:pt x="4762375" y="1378057"/>
+                    <a:pt x="4816527" y="1451883"/>
+                  </a:cubicBezTo>
+                  <a:cubicBezTo>
+                    <a:pt x="4870679" y="1525897"/>
+                    <a:pt x="4922020" y="1601598"/>
+                    <a:pt x="4970738" y="1678610"/>
+                  </a:cubicBezTo>
+                  <a:cubicBezTo>
+                    <a:pt x="5067799" y="1833008"/>
+                    <a:pt x="5152494" y="1993965"/>
+                    <a:pt x="5223885" y="2159232"/>
+                  </a:cubicBezTo>
+                  <a:cubicBezTo>
+                    <a:pt x="5295275" y="2324686"/>
+                    <a:pt x="5349615" y="2495199"/>
+                    <a:pt x="5395709" y="2666087"/>
+                  </a:cubicBezTo>
+                  <a:cubicBezTo>
+                    <a:pt x="5418757" y="2751718"/>
+                    <a:pt x="5440680" y="2837537"/>
+                    <a:pt x="5458855" y="2924292"/>
+                  </a:cubicBezTo>
+                  <a:cubicBezTo>
+                    <a:pt x="5477406" y="3011048"/>
+                    <a:pt x="5490522" y="3098740"/>
+                    <a:pt x="5499142" y="3186995"/>
+                  </a:cubicBezTo>
+                  <a:cubicBezTo>
+                    <a:pt x="5507761" y="3275250"/>
+                    <a:pt x="5513944" y="3364254"/>
+                    <a:pt x="5516755" y="3454007"/>
+                  </a:cubicBezTo>
+                  <a:cubicBezTo>
+                    <a:pt x="5518629" y="3543761"/>
+                    <a:pt x="5516755" y="3634264"/>
+                    <a:pt x="5507386" y="3724580"/>
+                  </a:cubicBezTo>
+                  <a:close/>
+                </a:path>
+              </a:pathLst>
+            </a:custGeom>
+            <a:solidFill>
+              <a:schemeClr val="bg1">
+                <a:alpha val="30000"/>
+              </a:schemeClr>
+            </a:solidFill>
+            <a:ln w="18736" cap="flat">
+              <a:noFill/>
+              <a:prstDash val="solid"/>
+              <a:miter/>
+            </a:ln>
+          </p:spPr>
+          <p:txBody>
+            <a:bodyPr rtlCol="0" anchor="ctr"/>
+            <a:lstStyle/>
+            <a:p>
+              <a:endParaRPr lang="en-US"/>
+            </a:p>
+          </p:txBody>
+        </p:sp>
+        <p:sp>
+          <p:nvSpPr>
+            <p:cNvPr id="16" name="Freeform: Shape 15">
+              <a:extLst>
+                <a:ext uri="{FF2B5EF4-FFF2-40B4-BE49-F238E27FC236}">
+                  <a16:creationId xmlns:a16="http://schemas.microsoft.com/office/drawing/2014/main" id="{C7E50BFD-51AC-4ACE-820C-A285E667238E}"/>
+                </a:ext>
+                <a:ext uri="{C183D7F6-B498-43B3-948B-1728B52AA6E4}">
+                  <adec:decorative xmlns:adec="http://schemas.microsoft.com/office/drawing/2017/decorative" val="1"/>
+                </a:ext>
+              </a:extLst>
+            </p:cNvPr>
+            <p:cNvSpPr/>
+            <p:nvPr>
+              <p:extLst>
+                <p:ext uri="{386F3935-93C4-4BCD-93E2-E3B085C9AB24}">
+                  <p16:designElem xmlns:p16="http://schemas.microsoft.com/office/powerpoint/2015/main" val="1"/>
+                </p:ext>
+              </p:extLst>
+            </p:nvPr>
+          </p:nvSpPr>
+          <p:spPr>
+            <a:xfrm>
+              <a:off x="-9149" y="241478"/>
+              <a:ext cx="5953893" cy="6434152"/>
+            </a:xfrm>
+            <a:custGeom>
+              <a:avLst/>
+              <a:gdLst>
+                <a:gd name="connsiteX0" fmla="*/ 2739452 w 5953893"/>
+                <a:gd name="connsiteY0" fmla="*/ 0 h 6434152"/>
+                <a:gd name="connsiteX1" fmla="*/ 0 w 5953893"/>
+                <a:gd name="connsiteY1" fmla="*/ 1610693 h 6434152"/>
+                <a:gd name="connsiteX2" fmla="*/ 0 w 5953893"/>
+                <a:gd name="connsiteY2" fmla="*/ 4823273 h 6434152"/>
+                <a:gd name="connsiteX3" fmla="*/ 352456 w 5953893"/>
+                <a:gd name="connsiteY3" fmla="*/ 5326193 h 6434152"/>
+                <a:gd name="connsiteX4" fmla="*/ 2739452 w 5953893"/>
+                <a:gd name="connsiteY4" fmla="*/ 6434153 h 6434152"/>
+                <a:gd name="connsiteX5" fmla="*/ 4618282 w 5953893"/>
+                <a:gd name="connsiteY5" fmla="*/ 5167859 h 6434152"/>
+                <a:gd name="connsiteX6" fmla="*/ 5860029 w 5953893"/>
+                <a:gd name="connsiteY6" fmla="*/ 3948409 h 6434152"/>
+                <a:gd name="connsiteX7" fmla="*/ 2739452 w 5953893"/>
+                <a:gd name="connsiteY7" fmla="*/ 0 h 6434152"/>
+                <a:gd name="connsiteX8" fmla="*/ 5317011 w 5953893"/>
+                <a:gd name="connsiteY8" fmla="*/ 3797009 h 6434152"/>
+                <a:gd name="connsiteX9" fmla="*/ 5176478 w 5953893"/>
+                <a:gd name="connsiteY9" fmla="*/ 4100747 h 6434152"/>
+                <a:gd name="connsiteX10" fmla="*/ 4942257 w 5953893"/>
+                <a:gd name="connsiteY10" fmla="*/ 4250274 h 6434152"/>
+                <a:gd name="connsiteX11" fmla="*/ 4216171 w 5953893"/>
+                <a:gd name="connsiteY11" fmla="*/ 4773243 h 6434152"/>
+                <a:gd name="connsiteX12" fmla="*/ 3905125 w 5953893"/>
+                <a:gd name="connsiteY12" fmla="*/ 5105837 h 6434152"/>
+                <a:gd name="connsiteX13" fmla="*/ 3308329 w 5953893"/>
+                <a:gd name="connsiteY13" fmla="*/ 5682022 h 6434152"/>
+                <a:gd name="connsiteX14" fmla="*/ 2739452 w 5953893"/>
+                <a:gd name="connsiteY14" fmla="*/ 5870898 h 6434152"/>
+                <a:gd name="connsiteX15" fmla="*/ 1647419 w 5953893"/>
+                <a:gd name="connsiteY15" fmla="*/ 5625809 h 6434152"/>
+                <a:gd name="connsiteX16" fmla="*/ 781175 w 5953893"/>
+                <a:gd name="connsiteY16" fmla="*/ 4960620 h 6434152"/>
+                <a:gd name="connsiteX17" fmla="*/ 312545 w 5953893"/>
+                <a:gd name="connsiteY17" fmla="*/ 4165205 h 6434152"/>
+                <a:gd name="connsiteX18" fmla="*/ 142032 w 5953893"/>
+                <a:gd name="connsiteY18" fmla="*/ 3217451 h 6434152"/>
+                <a:gd name="connsiteX19" fmla="*/ 347210 w 5953893"/>
+                <a:gd name="connsiteY19" fmla="*/ 2181444 h 6434152"/>
+                <a:gd name="connsiteX20" fmla="*/ 906155 w 5953893"/>
+                <a:gd name="connsiteY20" fmla="*/ 1337497 h 6434152"/>
+                <a:gd name="connsiteX21" fmla="*/ 2739265 w 5953893"/>
+                <a:gd name="connsiteY21" fmla="*/ 563818 h 6434152"/>
+                <a:gd name="connsiteX22" fmla="*/ 3849849 w 5953893"/>
+                <a:gd name="connsiteY22" fmla="*/ 881796 h 6434152"/>
+                <a:gd name="connsiteX23" fmla="*/ 4834515 w 5953893"/>
+                <a:gd name="connsiteY23" fmla="*/ 1742419 h 6434152"/>
+                <a:gd name="connsiteX24" fmla="*/ 5325256 w 5953893"/>
+                <a:gd name="connsiteY24" fmla="*/ 2742076 h 6434152"/>
+                <a:gd name="connsiteX25" fmla="*/ 5317011 w 5953893"/>
+                <a:gd name="connsiteY25" fmla="*/ 3797009 h 6434152"/>
+              </a:gdLst>
+              <a:ahLst/>
+              <a:cxnLst>
+                <a:cxn ang="0">
+                  <a:pos x="connsiteX0" y="connsiteY0"/>
+                </a:cxn>
+                <a:cxn ang="0">
+                  <a:pos x="connsiteX1" y="connsiteY1"/>
+                </a:cxn>
+                <a:cxn ang="0">
+                  <a:pos x="connsiteX2" y="connsiteY2"/>
+                </a:cxn>
+                <a:cxn ang="0">
+                  <a:pos x="connsiteX3" y="connsiteY3"/>
+                </a:cxn>
+                <a:cxn ang="0">
+                  <a:pos x="connsiteX4" y="connsiteY4"/>
+                </a:cxn>
+                <a:cxn ang="0">
+                  <a:pos x="connsiteX5" y="connsiteY5"/>
+                </a:cxn>
+                <a:cxn ang="0">
+                  <a:pos x="connsiteX6" y="connsiteY6"/>
+                </a:cxn>
+                <a:cxn ang="0">
+                  <a:pos x="connsiteX7" y="connsiteY7"/>
+                </a:cxn>
+                <a:cxn ang="0">
+                  <a:pos x="connsiteX8" y="connsiteY8"/>
+                </a:cxn>
+                <a:cxn ang="0">
+                  <a:pos x="connsiteX9" y="connsiteY9"/>
+                </a:cxn>
+                <a:cxn ang="0">
+                  <a:pos x="connsiteX10" y="connsiteY10"/>
+                </a:cxn>
+                <a:cxn ang="0">
+                  <a:pos x="connsiteX11" y="connsiteY11"/>
+                </a:cxn>
+                <a:cxn ang="0">
+                  <a:pos x="connsiteX12" y="connsiteY12"/>
+                </a:cxn>
+                <a:cxn ang="0">
+                  <a:pos x="connsiteX13" y="connsiteY13"/>
+                </a:cxn>
+                <a:cxn ang="0">
+                  <a:pos x="connsiteX14" y="connsiteY14"/>
+                </a:cxn>
+                <a:cxn ang="0">
+                  <a:pos x="connsiteX15" y="connsiteY15"/>
+                </a:cxn>
+                <a:cxn ang="0">
+                  <a:pos x="connsiteX16" y="connsiteY16"/>
+                </a:cxn>
+                <a:cxn ang="0">
+                  <a:pos x="connsiteX17" y="connsiteY17"/>
+                </a:cxn>
+                <a:cxn ang="0">
+                  <a:pos x="connsiteX18" y="connsiteY18"/>
+                </a:cxn>
+                <a:cxn ang="0">
+                  <a:pos x="connsiteX19" y="connsiteY19"/>
+                </a:cxn>
+                <a:cxn ang="0">
+                  <a:pos x="connsiteX20" y="connsiteY20"/>
+                </a:cxn>
+                <a:cxn ang="0">
+                  <a:pos x="connsiteX21" y="connsiteY21"/>
+                </a:cxn>
+                <a:cxn ang="0">
+                  <a:pos x="connsiteX22" y="connsiteY22"/>
+                </a:cxn>
+                <a:cxn ang="0">
+                  <a:pos x="connsiteX23" y="connsiteY23"/>
+                </a:cxn>
+                <a:cxn ang="0">
+                  <a:pos x="connsiteX24" y="connsiteY24"/>
+                </a:cxn>
+                <a:cxn ang="0">
+                  <a:pos x="connsiteX25" y="connsiteY25"/>
+                </a:cxn>
+              </a:cxnLst>
+              <a:rect l="l" t="t" r="r" b="b"/>
+              <a:pathLst>
+                <a:path w="5953893" h="6434152">
+                  <a:moveTo>
+                    <a:pt x="2739452" y="0"/>
+                  </a:moveTo>
+                  <a:cubicBezTo>
+                    <a:pt x="1568346" y="0"/>
+                    <a:pt x="546204" y="647950"/>
+                    <a:pt x="0" y="1610693"/>
+                  </a:cubicBezTo>
+                  <a:lnTo>
+                    <a:pt x="0" y="4823273"/>
+                  </a:lnTo>
+                  <a:cubicBezTo>
+                    <a:pt x="101746" y="5002593"/>
+                    <a:pt x="219793" y="5171045"/>
+                    <a:pt x="352456" y="5326193"/>
+                  </a:cubicBezTo>
+                  <a:cubicBezTo>
+                    <a:pt x="932013" y="6005060"/>
+                    <a:pt x="1786453" y="6434153"/>
+                    <a:pt x="2739452" y="6434153"/>
+                  </a:cubicBezTo>
+                  <a:cubicBezTo>
+                    <a:pt x="3612442" y="6434153"/>
+                    <a:pt x="4046220" y="5750227"/>
+                    <a:pt x="4618282" y="5167859"/>
+                  </a:cubicBezTo>
+                  <a:cubicBezTo>
+                    <a:pt x="5190344" y="4585679"/>
+                    <a:pt x="5621311" y="4803036"/>
+                    <a:pt x="5860029" y="3948409"/>
+                  </a:cubicBezTo>
+                  <a:cubicBezTo>
+                    <a:pt x="6403423" y="2003810"/>
+                    <a:pt x="4485244" y="0"/>
+                    <a:pt x="2739452" y="0"/>
+                  </a:cubicBezTo>
+                  <a:close/>
+                  <a:moveTo>
+                    <a:pt x="5317011" y="3797009"/>
+                  </a:moveTo>
+                  <a:cubicBezTo>
+                    <a:pt x="5275976" y="3943538"/>
+                    <a:pt x="5228756" y="4045658"/>
+                    <a:pt x="5176478" y="4100747"/>
+                  </a:cubicBezTo>
+                  <a:cubicBezTo>
+                    <a:pt x="5131883" y="4147591"/>
+                    <a:pt x="5061991" y="4186004"/>
+                    <a:pt x="4942257" y="4250274"/>
+                  </a:cubicBezTo>
+                  <a:cubicBezTo>
+                    <a:pt x="4753381" y="4351458"/>
+                    <a:pt x="4494613" y="4489929"/>
+                    <a:pt x="4216171" y="4773243"/>
+                  </a:cubicBezTo>
+                  <a:cubicBezTo>
+                    <a:pt x="4106555" y="4884733"/>
+                    <a:pt x="4004247" y="4997159"/>
+                    <a:pt x="3905125" y="5105837"/>
+                  </a:cubicBezTo>
+                  <a:cubicBezTo>
+                    <a:pt x="3701071" y="5329753"/>
+                    <a:pt x="3508260" y="5541302"/>
+                    <a:pt x="3308329" y="5682022"/>
+                  </a:cubicBezTo>
+                  <a:cubicBezTo>
+                    <a:pt x="3122826" y="5812624"/>
+                    <a:pt x="2947441" y="5870898"/>
+                    <a:pt x="2739452" y="5870898"/>
+                  </a:cubicBezTo>
+                  <a:cubicBezTo>
+                    <a:pt x="2357765" y="5870898"/>
+                    <a:pt x="1990319" y="5788452"/>
+                    <a:pt x="1647419" y="5625809"/>
+                  </a:cubicBezTo>
+                  <a:cubicBezTo>
+                    <a:pt x="1319509" y="5470286"/>
+                    <a:pt x="1019893" y="5240187"/>
+                    <a:pt x="781175" y="4960620"/>
+                  </a:cubicBezTo>
+                  <a:cubicBezTo>
+                    <a:pt x="579370" y="4724151"/>
+                    <a:pt x="421598" y="4456576"/>
+                    <a:pt x="312545" y="4165205"/>
+                  </a:cubicBezTo>
+                  <a:cubicBezTo>
+                    <a:pt x="199369" y="3863153"/>
+                    <a:pt x="142032" y="3544237"/>
+                    <a:pt x="142032" y="3217451"/>
+                  </a:cubicBezTo>
+                  <a:cubicBezTo>
+                    <a:pt x="142032" y="2857688"/>
+                    <a:pt x="211174" y="2509166"/>
+                    <a:pt x="347210" y="2181444"/>
+                  </a:cubicBezTo>
+                  <a:cubicBezTo>
+                    <a:pt x="478561" y="1865339"/>
+                    <a:pt x="666688" y="1581275"/>
+                    <a:pt x="906155" y="1337497"/>
+                  </a:cubicBezTo>
+                  <a:cubicBezTo>
+                    <a:pt x="1396334" y="838512"/>
+                    <a:pt x="2047469" y="563818"/>
+                    <a:pt x="2739265" y="563818"/>
+                  </a:cubicBezTo>
+                  <a:cubicBezTo>
+                    <a:pt x="3094157" y="563818"/>
+                    <a:pt x="3478280" y="673808"/>
+                    <a:pt x="3849849" y="881796"/>
+                  </a:cubicBezTo>
+                  <a:cubicBezTo>
+                    <a:pt x="4226851" y="1092783"/>
+                    <a:pt x="4567316" y="1390338"/>
+                    <a:pt x="4834515" y="1742419"/>
+                  </a:cubicBezTo>
+                  <a:cubicBezTo>
+                    <a:pt x="5070798" y="2053653"/>
+                    <a:pt x="5240374" y="2399363"/>
+                    <a:pt x="5325256" y="2742076"/>
+                  </a:cubicBezTo>
+                  <a:cubicBezTo>
+                    <a:pt x="5414634" y="3102964"/>
+                    <a:pt x="5411824" y="3458044"/>
+                    <a:pt x="5317011" y="3797009"/>
+                  </a:cubicBezTo>
+                  <a:close/>
+                </a:path>
+              </a:pathLst>
+            </a:custGeom>
+            <a:solidFill>
+              <a:schemeClr val="bg1">
+                <a:alpha val="30000"/>
+              </a:schemeClr>
+            </a:solidFill>
+            <a:ln w="18736" cap="flat">
+              <a:noFill/>
+              <a:prstDash val="solid"/>
+              <a:miter/>
+            </a:ln>
+          </p:spPr>
+          <p:txBody>
+            <a:bodyPr rtlCol="0" anchor="ctr"/>
+            <a:lstStyle/>
+            <a:p>
+              <a:endParaRPr lang="en-US"/>
+            </a:p>
+          </p:txBody>
+        </p:sp>
+        <p:sp>
+          <p:nvSpPr>
+            <p:cNvPr id="17" name="Freeform: Shape 16">
+              <a:extLst>
+                <a:ext uri="{FF2B5EF4-FFF2-40B4-BE49-F238E27FC236}">
+                  <a16:creationId xmlns:a16="http://schemas.microsoft.com/office/drawing/2014/main" id="{A0394888-C50F-41C1-92D4-0E2B4315A894}"/>
+                </a:ext>
+                <a:ext uri="{C183D7F6-B498-43B3-948B-1728B52AA6E4}">
+                  <adec:decorative xmlns:adec="http://schemas.microsoft.com/office/drawing/2017/decorative" val="1"/>
+                </a:ext>
+              </a:extLst>
+            </p:cNvPr>
+            <p:cNvSpPr/>
+            <p:nvPr>
+              <p:extLst>
+                <p:ext uri="{386F3935-93C4-4BCD-93E2-E3B085C9AB24}">
+                  <p16:designElem xmlns:p16="http://schemas.microsoft.com/office/powerpoint/2015/main" val="1"/>
+                </p:ext>
+              </p:extLst>
+            </p:nvPr>
+          </p:nvSpPr>
+          <p:spPr>
+            <a:xfrm>
+              <a:off x="-9149" y="231462"/>
+              <a:ext cx="5953893" cy="6444167"/>
+            </a:xfrm>
+            <a:custGeom>
+              <a:avLst/>
+              <a:gdLst>
+                <a:gd name="connsiteX0" fmla="*/ 2739452 w 5953893"/>
+                <a:gd name="connsiteY0" fmla="*/ 0 h 6434152"/>
+                <a:gd name="connsiteX1" fmla="*/ 0 w 5953893"/>
+                <a:gd name="connsiteY1" fmla="*/ 1610693 h 6434152"/>
+                <a:gd name="connsiteX2" fmla="*/ 0 w 5953893"/>
+                <a:gd name="connsiteY2" fmla="*/ 4823273 h 6434152"/>
+                <a:gd name="connsiteX3" fmla="*/ 352456 w 5953893"/>
+                <a:gd name="connsiteY3" fmla="*/ 5326193 h 6434152"/>
+                <a:gd name="connsiteX4" fmla="*/ 2739452 w 5953893"/>
+                <a:gd name="connsiteY4" fmla="*/ 6434153 h 6434152"/>
+                <a:gd name="connsiteX5" fmla="*/ 4618282 w 5953893"/>
+                <a:gd name="connsiteY5" fmla="*/ 5167859 h 6434152"/>
+                <a:gd name="connsiteX6" fmla="*/ 5860029 w 5953893"/>
+                <a:gd name="connsiteY6" fmla="*/ 3948409 h 6434152"/>
+                <a:gd name="connsiteX7" fmla="*/ 2739452 w 5953893"/>
+                <a:gd name="connsiteY7" fmla="*/ 0 h 6434152"/>
+                <a:gd name="connsiteX8" fmla="*/ 5208520 w 5953893"/>
+                <a:gd name="connsiteY8" fmla="*/ 3766654 h 6434152"/>
+                <a:gd name="connsiteX9" fmla="*/ 5094782 w 5953893"/>
+                <a:gd name="connsiteY9" fmla="*/ 4022985 h 6434152"/>
+                <a:gd name="connsiteX10" fmla="*/ 4888855 w 5953893"/>
+                <a:gd name="connsiteY10" fmla="*/ 4150777 h 6434152"/>
+                <a:gd name="connsiteX11" fmla="*/ 4135411 w 5953893"/>
+                <a:gd name="connsiteY11" fmla="*/ 4694170 h 6434152"/>
+                <a:gd name="connsiteX12" fmla="*/ 3821555 w 5953893"/>
+                <a:gd name="connsiteY12" fmla="*/ 5029762 h 6434152"/>
+                <a:gd name="connsiteX13" fmla="*/ 2739265 w 5953893"/>
+                <a:gd name="connsiteY13" fmla="*/ 5758097 h 6434152"/>
+                <a:gd name="connsiteX14" fmla="*/ 1695575 w 5953893"/>
+                <a:gd name="connsiteY14" fmla="*/ 5523876 h 6434152"/>
+                <a:gd name="connsiteX15" fmla="*/ 866619 w 5953893"/>
+                <a:gd name="connsiteY15" fmla="*/ 4887356 h 6434152"/>
+                <a:gd name="connsiteX16" fmla="*/ 417851 w 5953893"/>
+                <a:gd name="connsiteY16" fmla="*/ 4125481 h 6434152"/>
+                <a:gd name="connsiteX17" fmla="*/ 254645 w 5953893"/>
+                <a:gd name="connsiteY17" fmla="*/ 3217264 h 6434152"/>
+                <a:gd name="connsiteX18" fmla="*/ 451204 w 5953893"/>
+                <a:gd name="connsiteY18" fmla="*/ 2224540 h 6434152"/>
+                <a:gd name="connsiteX19" fmla="*/ 986540 w 5953893"/>
+                <a:gd name="connsiteY19" fmla="*/ 1416383 h 6434152"/>
+                <a:gd name="connsiteX20" fmla="*/ 2739452 w 5953893"/>
+                <a:gd name="connsiteY20" fmla="*/ 676244 h 6434152"/>
+                <a:gd name="connsiteX21" fmla="*/ 3794947 w 5953893"/>
+                <a:gd name="connsiteY21" fmla="*/ 979795 h 6434152"/>
+                <a:gd name="connsiteX22" fmla="*/ 4744762 w 5953893"/>
+                <a:gd name="connsiteY22" fmla="*/ 1810250 h 6434152"/>
+                <a:gd name="connsiteX23" fmla="*/ 5215827 w 5953893"/>
+                <a:gd name="connsiteY23" fmla="*/ 2768871 h 6434152"/>
+                <a:gd name="connsiteX24" fmla="*/ 5208520 w 5953893"/>
+                <a:gd name="connsiteY24" fmla="*/ 3766654 h 6434152"/>
+              </a:gdLst>
+              <a:ahLst/>
+              <a:cxnLst>
+                <a:cxn ang="0">
+                  <a:pos x="connsiteX0" y="connsiteY0"/>
+                </a:cxn>
+                <a:cxn ang="0">
+                  <a:pos x="connsiteX1" y="connsiteY1"/>
+                </a:cxn>
+                <a:cxn ang="0">
+                  <a:pos x="connsiteX2" y="connsiteY2"/>
+                </a:cxn>
+                <a:cxn ang="0">
+                  <a:pos x="connsiteX3" y="connsiteY3"/>
+                </a:cxn>
+                <a:cxn ang="0">
+                  <a:pos x="connsiteX4" y="connsiteY4"/>
+                </a:cxn>
+                <a:cxn ang="0">
+                  <a:pos x="connsiteX5" y="connsiteY5"/>
+                </a:cxn>
+                <a:cxn ang="0">
+                  <a:pos x="connsiteX6" y="connsiteY6"/>
+                </a:cxn>
+                <a:cxn ang="0">
+                  <a:pos x="connsiteX7" y="connsiteY7"/>
+                </a:cxn>
+                <a:cxn ang="0">
+                  <a:pos x="connsiteX8" y="connsiteY8"/>
+                </a:cxn>
+                <a:cxn ang="0">
+                  <a:pos x="connsiteX9" y="connsiteY9"/>
+                </a:cxn>
+                <a:cxn ang="0">
+                  <a:pos x="connsiteX10" y="connsiteY10"/>
+                </a:cxn>
+                <a:cxn ang="0">
+                  <a:pos x="connsiteX11" y="connsiteY11"/>
+                </a:cxn>
+                <a:cxn ang="0">
+                  <a:pos x="connsiteX12" y="connsiteY12"/>
+                </a:cxn>
+                <a:cxn ang="0">
+                  <a:pos x="connsiteX13" y="connsiteY13"/>
+                </a:cxn>
+                <a:cxn ang="0">
+                  <a:pos x="connsiteX14" y="connsiteY14"/>
+                </a:cxn>
+                <a:cxn ang="0">
+                  <a:pos x="connsiteX15" y="connsiteY15"/>
+                </a:cxn>
+                <a:cxn ang="0">
+                  <a:pos x="connsiteX16" y="connsiteY16"/>
+                </a:cxn>
+                <a:cxn ang="0">
+                  <a:pos x="connsiteX17" y="connsiteY17"/>
+                </a:cxn>
+                <a:cxn ang="0">
+                  <a:pos x="connsiteX18" y="connsiteY18"/>
+                </a:cxn>
+                <a:cxn ang="0">
+                  <a:pos x="connsiteX19" y="connsiteY19"/>
+                </a:cxn>
+                <a:cxn ang="0">
+                  <a:pos x="connsiteX20" y="connsiteY20"/>
+                </a:cxn>
+                <a:cxn ang="0">
+                  <a:pos x="connsiteX21" y="connsiteY21"/>
+                </a:cxn>
+                <a:cxn ang="0">
+                  <a:pos x="connsiteX22" y="connsiteY22"/>
+                </a:cxn>
+                <a:cxn ang="0">
+                  <a:pos x="connsiteX23" y="connsiteY23"/>
+                </a:cxn>
+                <a:cxn ang="0">
+                  <a:pos x="connsiteX24" y="connsiteY24"/>
+                </a:cxn>
+              </a:cxnLst>
+              <a:rect l="l" t="t" r="r" b="b"/>
+              <a:pathLst>
+                <a:path w="5953893" h="6434152">
+                  <a:moveTo>
+                    <a:pt x="2739452" y="0"/>
+                  </a:moveTo>
+                  <a:cubicBezTo>
+                    <a:pt x="1568346" y="0"/>
+                    <a:pt x="546204" y="647950"/>
+                    <a:pt x="0" y="1610693"/>
+                  </a:cubicBezTo>
+                  <a:lnTo>
+                    <a:pt x="0" y="4823273"/>
+                  </a:lnTo>
+                  <a:cubicBezTo>
+                    <a:pt x="101746" y="5002593"/>
+                    <a:pt x="219793" y="5171045"/>
+                    <a:pt x="352456" y="5326193"/>
+                  </a:cubicBezTo>
+                  <a:cubicBezTo>
+                    <a:pt x="932013" y="6005060"/>
+                    <a:pt x="1786453" y="6434153"/>
+                    <a:pt x="2739452" y="6434153"/>
+                  </a:cubicBezTo>
+                  <a:cubicBezTo>
+                    <a:pt x="3612442" y="6434153"/>
+                    <a:pt x="4046220" y="5750227"/>
+                    <a:pt x="4618282" y="5167859"/>
+                  </a:cubicBezTo>
+                  <a:cubicBezTo>
+                    <a:pt x="5190344" y="4585679"/>
+                    <a:pt x="5621311" y="4803036"/>
+                    <a:pt x="5860029" y="3948409"/>
+                  </a:cubicBezTo>
+                  <a:cubicBezTo>
+                    <a:pt x="6403423" y="2003810"/>
+                    <a:pt x="4485244" y="0"/>
+                    <a:pt x="2739452" y="0"/>
+                  </a:cubicBezTo>
+                  <a:close/>
+                  <a:moveTo>
+                    <a:pt x="5208520" y="3766654"/>
+                  </a:moveTo>
+                  <a:cubicBezTo>
+                    <a:pt x="5173667" y="3891634"/>
+                    <a:pt x="5133194" y="3982699"/>
+                    <a:pt x="5094782" y="4022985"/>
+                  </a:cubicBezTo>
+                  <a:cubicBezTo>
+                    <a:pt x="5060492" y="4058962"/>
+                    <a:pt x="4984792" y="4099435"/>
+                    <a:pt x="4888855" y="4150777"/>
+                  </a:cubicBezTo>
+                  <a:cubicBezTo>
+                    <a:pt x="4693420" y="4255333"/>
+                    <a:pt x="4426033" y="4398489"/>
+                    <a:pt x="4135411" y="4694170"/>
+                  </a:cubicBezTo>
+                  <a:cubicBezTo>
+                    <a:pt x="4024297" y="4807158"/>
+                    <a:pt x="3921239" y="4920334"/>
+                    <a:pt x="3821555" y="5029762"/>
+                  </a:cubicBezTo>
+                  <a:cubicBezTo>
+                    <a:pt x="3385341" y="5508324"/>
+                    <a:pt x="3138940" y="5758097"/>
+                    <a:pt x="2739265" y="5758097"/>
+                  </a:cubicBezTo>
+                  <a:cubicBezTo>
+                    <a:pt x="2374442" y="5758097"/>
+                    <a:pt x="2023297" y="5679211"/>
+                    <a:pt x="1695575" y="5523876"/>
+                  </a:cubicBezTo>
+                  <a:cubicBezTo>
+                    <a:pt x="1381906" y="5375098"/>
+                    <a:pt x="1095219" y="5154930"/>
+                    <a:pt x="866619" y="4887356"/>
+                  </a:cubicBezTo>
+                  <a:cubicBezTo>
+                    <a:pt x="673246" y="4661005"/>
+                    <a:pt x="522220" y="4404673"/>
+                    <a:pt x="417851" y="4125481"/>
+                  </a:cubicBezTo>
+                  <a:cubicBezTo>
+                    <a:pt x="309547" y="3836171"/>
+                    <a:pt x="254645" y="3530558"/>
+                    <a:pt x="254645" y="3217264"/>
+                  </a:cubicBezTo>
+                  <a:cubicBezTo>
+                    <a:pt x="254645" y="2872490"/>
+                    <a:pt x="320790" y="2538585"/>
+                    <a:pt x="451204" y="2224540"/>
+                  </a:cubicBezTo>
+                  <a:cubicBezTo>
+                    <a:pt x="577121" y="1921739"/>
+                    <a:pt x="757191" y="1649855"/>
+                    <a:pt x="986540" y="1416383"/>
+                  </a:cubicBezTo>
+                  <a:cubicBezTo>
+                    <a:pt x="1455357" y="939134"/>
+                    <a:pt x="2078011" y="676244"/>
+                    <a:pt x="2739452" y="676244"/>
+                  </a:cubicBezTo>
+                  <a:cubicBezTo>
+                    <a:pt x="3075232" y="676244"/>
+                    <a:pt x="3440243" y="781175"/>
+                    <a:pt x="3794947" y="979795"/>
+                  </a:cubicBezTo>
+                  <a:cubicBezTo>
+                    <a:pt x="4158459" y="1183286"/>
+                    <a:pt x="4486931" y="1470348"/>
+                    <a:pt x="4744762" y="1810250"/>
+                  </a:cubicBezTo>
+                  <a:cubicBezTo>
+                    <a:pt x="4971862" y="2109491"/>
+                    <a:pt x="5134693" y="2440961"/>
+                    <a:pt x="5215827" y="2768871"/>
+                  </a:cubicBezTo>
+                  <a:cubicBezTo>
+                    <a:pt x="5300334" y="3110834"/>
+                    <a:pt x="5297898" y="3446614"/>
+                    <a:pt x="5208520" y="3766654"/>
+                  </a:cubicBezTo>
+                  <a:close/>
+                </a:path>
+              </a:pathLst>
+            </a:custGeom>
+            <a:solidFill>
+              <a:schemeClr val="bg1">
+                <a:alpha val="30000"/>
+              </a:schemeClr>
+            </a:solidFill>
+            <a:ln w="18736" cap="flat">
+              <a:noFill/>
+              <a:prstDash val="solid"/>
+              <a:miter/>
+            </a:ln>
+          </p:spPr>
+          <p:txBody>
+            <a:bodyPr rtlCol="0" anchor="ctr"/>
+            <a:lstStyle/>
+            <a:p>
+              <a:endParaRPr lang="en-US" dirty="0"/>
+            </a:p>
+          </p:txBody>
+        </p:sp>
+        <p:sp useBgFill="1">
+          <p:nvSpPr>
+            <p:cNvPr id="18" name="Freeform: Shape 17">
+              <a:extLst>
+                <a:ext uri="{FF2B5EF4-FFF2-40B4-BE49-F238E27FC236}">
+                  <a16:creationId xmlns:a16="http://schemas.microsoft.com/office/drawing/2014/main" id="{F22C906F-48B7-4ABF-B36E-0C0A056A577A}"/>
+                </a:ext>
+                <a:ext uri="{C183D7F6-B498-43B3-948B-1728B52AA6E4}">
+                  <adec:decorative xmlns:adec="http://schemas.microsoft.com/office/drawing/2017/decorative" val="1"/>
+                </a:ext>
+              </a:extLst>
+            </p:cNvPr>
+            <p:cNvSpPr/>
+            <p:nvPr>
+              <p:extLst>
+                <p:ext uri="{386F3935-93C4-4BCD-93E2-E3B085C9AB24}">
+                  <p16:designElem xmlns:p16="http://schemas.microsoft.com/office/powerpoint/2015/main" val="1"/>
+                </p:ext>
+              </p:extLst>
+            </p:nvPr>
+          </p:nvSpPr>
+          <p:spPr>
+            <a:xfrm>
+              <a:off x="-9149" y="3725"/>
+              <a:ext cx="5855313" cy="6880645"/>
+            </a:xfrm>
+            <a:custGeom>
+              <a:avLst/>
+              <a:gdLst>
+                <a:gd name="connsiteX0" fmla="*/ 5855313 w 5855313"/>
+                <a:gd name="connsiteY0" fmla="*/ 4717843 h 6880645"/>
+                <a:gd name="connsiteX1" fmla="*/ 5855313 w 5855313"/>
+                <a:gd name="connsiteY1" fmla="*/ 6880645 h 6880645"/>
+                <a:gd name="connsiteX2" fmla="*/ 0 w 5855313"/>
+                <a:gd name="connsiteY2" fmla="*/ 6880645 h 6880645"/>
+                <a:gd name="connsiteX3" fmla="*/ 0 w 5855313"/>
+                <a:gd name="connsiteY3" fmla="*/ 5268859 h 6880645"/>
+                <a:gd name="connsiteX4" fmla="*/ 36130 w 5855313"/>
+                <a:gd name="connsiteY4" fmla="*/ 5327430 h 6880645"/>
+                <a:gd name="connsiteX5" fmla="*/ 2782721 w 5855313"/>
+                <a:gd name="connsiteY5" fmla="*/ 6765687 h 6880645"/>
+                <a:gd name="connsiteX6" fmla="*/ 5834702 w 5855313"/>
+                <a:gd name="connsiteY6" fmla="*/ 4773305 h 6880645"/>
+                <a:gd name="connsiteX7" fmla="*/ 9148 w 5855313"/>
+                <a:gd name="connsiteY7" fmla="*/ 0 h 6880645"/>
+                <a:gd name="connsiteX8" fmla="*/ 5855312 w 5855313"/>
+                <a:gd name="connsiteY8" fmla="*/ 0 h 6880645"/>
+                <a:gd name="connsiteX9" fmla="*/ 5855312 w 5855313"/>
+                <a:gd name="connsiteY9" fmla="*/ 96759 h 6880645"/>
+                <a:gd name="connsiteX10" fmla="*/ 5855313 w 5855313"/>
+                <a:gd name="connsiteY10" fmla="*/ 96759 h 6880645"/>
+                <a:gd name="connsiteX11" fmla="*/ 5855313 w 5855313"/>
+                <a:gd name="connsiteY11" fmla="*/ 2289203 h 6880645"/>
+                <a:gd name="connsiteX12" fmla="*/ 5834702 w 5855313"/>
+                <a:gd name="connsiteY12" fmla="*/ 2233742 h 6880645"/>
+                <a:gd name="connsiteX13" fmla="*/ 2782721 w 5855313"/>
+                <a:gd name="connsiteY13" fmla="*/ 241359 h 6880645"/>
+                <a:gd name="connsiteX14" fmla="*/ 36130 w 5855313"/>
+                <a:gd name="connsiteY14" fmla="*/ 1679616 h 6880645"/>
+                <a:gd name="connsiteX15" fmla="*/ 0 w 5855313"/>
+                <a:gd name="connsiteY15" fmla="*/ 1738187 h 6880645"/>
+                <a:gd name="connsiteX16" fmla="*/ 0 w 5855313"/>
+                <a:gd name="connsiteY16" fmla="*/ 96759 h 6880645"/>
+                <a:gd name="connsiteX17" fmla="*/ 9148 w 5855313"/>
+                <a:gd name="connsiteY17" fmla="*/ 96759 h 6880645"/>
+              </a:gdLst>
+              <a:ahLst/>
+              <a:cxnLst>
+                <a:cxn ang="0">
+                  <a:pos x="connsiteX0" y="connsiteY0"/>
+                </a:cxn>
+                <a:cxn ang="0">
+                  <a:pos x="connsiteX1" y="connsiteY1"/>
+                </a:cxn>
+                <a:cxn ang="0">
+                  <a:pos x="connsiteX2" y="connsiteY2"/>
+                </a:cxn>
+                <a:cxn ang="0">
+                  <a:pos x="connsiteX3" y="connsiteY3"/>
+                </a:cxn>
+                <a:cxn ang="0">
+                  <a:pos x="connsiteX4" y="connsiteY4"/>
+                </a:cxn>
+                <a:cxn ang="0">
+                  <a:pos x="connsiteX5" y="connsiteY5"/>
+                </a:cxn>
+                <a:cxn ang="0">
+                  <a:pos x="connsiteX6" y="connsiteY6"/>
+                </a:cxn>
+                <a:cxn ang="0">
+                  <a:pos x="connsiteX7" y="connsiteY7"/>
+                </a:cxn>
+                <a:cxn ang="0">
+                  <a:pos x="connsiteX8" y="connsiteY8"/>
+                </a:cxn>
+                <a:cxn ang="0">
+                  <a:pos x="connsiteX9" y="connsiteY9"/>
+                </a:cxn>
+                <a:cxn ang="0">
+                  <a:pos x="connsiteX10" y="connsiteY10"/>
+                </a:cxn>
+                <a:cxn ang="0">
+                  <a:pos x="connsiteX11" y="connsiteY11"/>
+                </a:cxn>
+                <a:cxn ang="0">
+                  <a:pos x="connsiteX12" y="connsiteY12"/>
+                </a:cxn>
+                <a:cxn ang="0">
+                  <a:pos x="connsiteX13" y="connsiteY13"/>
+                </a:cxn>
+                <a:cxn ang="0">
+                  <a:pos x="connsiteX14" y="connsiteY14"/>
+                </a:cxn>
+                <a:cxn ang="0">
+                  <a:pos x="connsiteX15" y="connsiteY15"/>
+                </a:cxn>
+                <a:cxn ang="0">
+                  <a:pos x="connsiteX16" y="connsiteY16"/>
+                </a:cxn>
+                <a:cxn ang="0">
+                  <a:pos x="connsiteX17" y="connsiteY17"/>
+                </a:cxn>
+              </a:cxnLst>
+              <a:rect l="l" t="t" r="r" b="b"/>
+              <a:pathLst>
+                <a:path w="5855313" h="6880645">
+                  <a:moveTo>
+                    <a:pt x="5855313" y="4717843"/>
+                  </a:moveTo>
+                  <a:lnTo>
+                    <a:pt x="5855313" y="6880645"/>
+                  </a:lnTo>
+                  <a:lnTo>
+                    <a:pt x="0" y="6880645"/>
+                  </a:lnTo>
+                  <a:lnTo>
+                    <a:pt x="0" y="5268859"/>
+                  </a:lnTo>
+                  <a:lnTo>
+                    <a:pt x="36130" y="5327430"/>
+                  </a:lnTo>
+                  <a:cubicBezTo>
+                    <a:pt x="631370" y="6195172"/>
+                    <a:pt x="1639396" y="6765687"/>
+                    <a:pt x="2782721" y="6765687"/>
+                  </a:cubicBezTo>
+                  <a:cubicBezTo>
+                    <a:pt x="4154711" y="6765687"/>
+                    <a:pt x="5331871" y="5944145"/>
+                    <a:pt x="5834702" y="4773305"/>
+                  </a:cubicBezTo>
+                  <a:close/>
+                  <a:moveTo>
+                    <a:pt x="9148" y="0"/>
+                  </a:moveTo>
+                  <a:lnTo>
+                    <a:pt x="5855312" y="0"/>
+                  </a:lnTo>
+                  <a:lnTo>
+                    <a:pt x="5855312" y="96759"/>
+                  </a:lnTo>
+                  <a:lnTo>
+                    <a:pt x="5855313" y="96759"/>
+                  </a:lnTo>
+                  <a:lnTo>
+                    <a:pt x="5855313" y="2289203"/>
+                  </a:lnTo>
+                  <a:lnTo>
+                    <a:pt x="5834702" y="2233742"/>
+                  </a:lnTo>
+                  <a:cubicBezTo>
+                    <a:pt x="5331871" y="1062902"/>
+                    <a:pt x="4154711" y="241359"/>
+                    <a:pt x="2782721" y="241359"/>
+                  </a:cubicBezTo>
+                  <a:cubicBezTo>
+                    <a:pt x="1639396" y="241359"/>
+                    <a:pt x="631370" y="811875"/>
+                    <a:pt x="36130" y="1679616"/>
+                  </a:cubicBezTo>
+                  <a:lnTo>
+                    <a:pt x="0" y="1738187"/>
+                  </a:lnTo>
+                  <a:lnTo>
+                    <a:pt x="0" y="96759"/>
+                  </a:lnTo>
+                  <a:lnTo>
+                    <a:pt x="9148" y="96759"/>
+                  </a:lnTo>
+                  <a:close/>
+                </a:path>
+              </a:pathLst>
+            </a:custGeom>
+            <a:ln>
+              <a:noFill/>
+            </a:ln>
+          </p:spPr>
+          <p:style>
+            <a:lnRef idx="2">
+              <a:schemeClr val="accent1">
+                <a:shade val="50000"/>
+              </a:schemeClr>
+            </a:lnRef>
+            <a:fillRef idx="1">
+              <a:schemeClr val="accent1"/>
+            </a:fillRef>
+            <a:effectRef idx="0">
+              <a:schemeClr val="accent1"/>
+            </a:effectRef>
+            <a:fontRef idx="minor">
+              <a:schemeClr val="lt1"/>
+            </a:fontRef>
+          </p:style>
+          <p:txBody>
+            <a:bodyPr rtlCol="0" anchor="ctr"/>
+            <a:lstStyle/>
+            <a:p>
+              <a:pPr algn="ctr"/>
+              <a:endParaRPr lang="en-US"/>
+            </a:p>
+          </p:txBody>
+        </p:sp>
+        <p:sp useBgFill="1">
+          <p:nvSpPr>
+            <p:cNvPr id="19" name="Freeform: Shape 18">
+              <a:extLst>
+                <a:ext uri="{FF2B5EF4-FFF2-40B4-BE49-F238E27FC236}">
+                  <a16:creationId xmlns:a16="http://schemas.microsoft.com/office/drawing/2014/main" id="{B4ABE2AA-A788-450F-94A8-AED4B698F3B3}"/>
+                </a:ext>
+                <a:ext uri="{C183D7F6-B498-43B3-948B-1728B52AA6E4}">
+                  <adec:decorative xmlns:adec="http://schemas.microsoft.com/office/drawing/2017/decorative" val="1"/>
+                </a:ext>
+              </a:extLst>
+            </p:cNvPr>
+            <p:cNvSpPr/>
+            <p:nvPr>
+              <p:extLst>
+                <p:ext uri="{386F3935-93C4-4BCD-93E2-E3B085C9AB24}">
+                  <p16:designElem xmlns:p16="http://schemas.microsoft.com/office/powerpoint/2015/main" val="1"/>
+                </p:ext>
+              </p:extLst>
+            </p:nvPr>
+          </p:nvSpPr>
+          <p:spPr>
+            <a:xfrm>
+              <a:off x="-9149" y="26370"/>
+              <a:ext cx="6254832" cy="6864558"/>
+            </a:xfrm>
+            <a:custGeom>
+              <a:avLst/>
+              <a:gdLst>
+                <a:gd name="connsiteX0" fmla="*/ 2766060 w 6254832"/>
+                <a:gd name="connsiteY0" fmla="*/ 0 h 6864558"/>
+                <a:gd name="connsiteX1" fmla="*/ 0 w 6254832"/>
+                <a:gd name="connsiteY1" fmla="*/ 1340683 h 6864558"/>
+                <a:gd name="connsiteX2" fmla="*/ 0 w 6254832"/>
+                <a:gd name="connsiteY2" fmla="*/ 2201306 h 6864558"/>
+                <a:gd name="connsiteX3" fmla="*/ 1312 w 6254832"/>
+                <a:gd name="connsiteY3" fmla="*/ 2197746 h 6864558"/>
+                <a:gd name="connsiteX4" fmla="*/ 612723 w 6254832"/>
+                <a:gd name="connsiteY4" fmla="*/ 1201649 h 6864558"/>
+                <a:gd name="connsiteX5" fmla="*/ 1571344 w 6254832"/>
+                <a:gd name="connsiteY5" fmla="*/ 483245 h 6864558"/>
+                <a:gd name="connsiteX6" fmla="*/ 1641235 w 6254832"/>
+                <a:gd name="connsiteY6" fmla="*/ 452328 h 6864558"/>
+                <a:gd name="connsiteX7" fmla="*/ 1711502 w 6254832"/>
+                <a:gd name="connsiteY7" fmla="*/ 422348 h 6864558"/>
+                <a:gd name="connsiteX8" fmla="*/ 1783080 w 6254832"/>
+                <a:gd name="connsiteY8" fmla="*/ 395178 h 6864558"/>
+                <a:gd name="connsiteX9" fmla="*/ 1855220 w 6254832"/>
+                <a:gd name="connsiteY9" fmla="*/ 369133 h 6864558"/>
+                <a:gd name="connsiteX10" fmla="*/ 1928297 w 6254832"/>
+                <a:gd name="connsiteY10" fmla="*/ 345711 h 6864558"/>
+                <a:gd name="connsiteX11" fmla="*/ 2001749 w 6254832"/>
+                <a:gd name="connsiteY11" fmla="*/ 323600 h 6864558"/>
+                <a:gd name="connsiteX12" fmla="*/ 2076138 w 6254832"/>
+                <a:gd name="connsiteY12" fmla="*/ 304300 h 6864558"/>
+                <a:gd name="connsiteX13" fmla="*/ 2113426 w 6254832"/>
+                <a:gd name="connsiteY13" fmla="*/ 294744 h 6864558"/>
+                <a:gd name="connsiteX14" fmla="*/ 2132163 w 6254832"/>
+                <a:gd name="connsiteY14" fmla="*/ 290060 h 6864558"/>
+                <a:gd name="connsiteX15" fmla="*/ 2151089 w 6254832"/>
+                <a:gd name="connsiteY15" fmla="*/ 286312 h 6864558"/>
+                <a:gd name="connsiteX16" fmla="*/ 2763249 w 6254832"/>
+                <a:gd name="connsiteY16" fmla="*/ 218482 h 6864558"/>
+                <a:gd name="connsiteX17" fmla="*/ 3372225 w 6254832"/>
+                <a:gd name="connsiteY17" fmla="*/ 301302 h 6864558"/>
+                <a:gd name="connsiteX18" fmla="*/ 3663596 w 6254832"/>
+                <a:gd name="connsiteY18" fmla="*/ 398364 h 6864558"/>
+                <a:gd name="connsiteX19" fmla="*/ 3941663 w 6254832"/>
+                <a:gd name="connsiteY19" fmla="*/ 526717 h 6864558"/>
+                <a:gd name="connsiteX20" fmla="*/ 4204366 w 6254832"/>
+                <a:gd name="connsiteY20" fmla="*/ 681678 h 6864558"/>
+                <a:gd name="connsiteX21" fmla="*/ 4450018 w 6254832"/>
+                <a:gd name="connsiteY21" fmla="*/ 860061 h 6864558"/>
+                <a:gd name="connsiteX22" fmla="*/ 4678992 w 6254832"/>
+                <a:gd name="connsiteY22" fmla="*/ 1057181 h 6864558"/>
+                <a:gd name="connsiteX23" fmla="*/ 4889791 w 6254832"/>
+                <a:gd name="connsiteY23" fmla="*/ 1271166 h 6864558"/>
+                <a:gd name="connsiteX24" fmla="*/ 5083164 w 6254832"/>
+                <a:gd name="connsiteY24" fmla="*/ 1498642 h 6864558"/>
+                <a:gd name="connsiteX25" fmla="*/ 5257987 w 6254832"/>
+                <a:gd name="connsiteY25" fmla="*/ 1738484 h 6864558"/>
+                <a:gd name="connsiteX26" fmla="*/ 5413510 w 6254832"/>
+                <a:gd name="connsiteY26" fmla="*/ 1989195 h 6864558"/>
+                <a:gd name="connsiteX27" fmla="*/ 5548609 w 6254832"/>
+                <a:gd name="connsiteY27" fmla="*/ 2249462 h 6864558"/>
+                <a:gd name="connsiteX28" fmla="*/ 5747791 w 6254832"/>
+                <a:gd name="connsiteY28" fmla="*/ 2795666 h 6864558"/>
+                <a:gd name="connsiteX29" fmla="*/ 5806814 w 6254832"/>
+                <a:gd name="connsiteY29" fmla="*/ 3078980 h 6864558"/>
+                <a:gd name="connsiteX30" fmla="*/ 5816933 w 6254832"/>
+                <a:gd name="connsiteY30" fmla="*/ 3150558 h 6864558"/>
+                <a:gd name="connsiteX31" fmla="*/ 5825178 w 6254832"/>
+                <a:gd name="connsiteY31" fmla="*/ 3222323 h 6864558"/>
+                <a:gd name="connsiteX32" fmla="*/ 5831923 w 6254832"/>
+                <a:gd name="connsiteY32" fmla="*/ 3294276 h 6864558"/>
+                <a:gd name="connsiteX33" fmla="*/ 5836233 w 6254832"/>
+                <a:gd name="connsiteY33" fmla="*/ 3366416 h 6864558"/>
+                <a:gd name="connsiteX34" fmla="*/ 5833047 w 6254832"/>
+                <a:gd name="connsiteY34" fmla="*/ 3655726 h 6864558"/>
+                <a:gd name="connsiteX35" fmla="*/ 5827426 w 6254832"/>
+                <a:gd name="connsiteY35" fmla="*/ 3728054 h 6864558"/>
+                <a:gd name="connsiteX36" fmla="*/ 5819556 w 6254832"/>
+                <a:gd name="connsiteY36" fmla="*/ 3800194 h 6864558"/>
+                <a:gd name="connsiteX37" fmla="*/ 5809063 w 6254832"/>
+                <a:gd name="connsiteY37" fmla="*/ 3872147 h 6864558"/>
+                <a:gd name="connsiteX38" fmla="*/ 5796696 w 6254832"/>
+                <a:gd name="connsiteY38" fmla="*/ 3943912 h 6864558"/>
+                <a:gd name="connsiteX39" fmla="*/ 5725305 w 6254832"/>
+                <a:gd name="connsiteY39" fmla="*/ 4225165 h 6864558"/>
+                <a:gd name="connsiteX40" fmla="*/ 5605384 w 6254832"/>
+                <a:gd name="connsiteY40" fmla="*/ 4478312 h 6864558"/>
+                <a:gd name="connsiteX41" fmla="*/ 5412573 w 6254832"/>
+                <a:gd name="connsiteY41" fmla="*/ 4677306 h 6864558"/>
+                <a:gd name="connsiteX42" fmla="*/ 5155867 w 6254832"/>
+                <a:gd name="connsiteY42" fmla="*/ 4834703 h 6864558"/>
+                <a:gd name="connsiteX43" fmla="*/ 4645452 w 6254832"/>
+                <a:gd name="connsiteY43" fmla="*/ 5207396 h 6864558"/>
+                <a:gd name="connsiteX44" fmla="*/ 4536211 w 6254832"/>
+                <a:gd name="connsiteY44" fmla="*/ 5319072 h 6864558"/>
+                <a:gd name="connsiteX45" fmla="*/ 4430343 w 6254832"/>
+                <a:gd name="connsiteY45" fmla="*/ 5432061 h 6864558"/>
+                <a:gd name="connsiteX46" fmla="*/ 4220668 w 6254832"/>
+                <a:gd name="connsiteY46" fmla="*/ 5657663 h 6864558"/>
+                <a:gd name="connsiteX47" fmla="*/ 4115174 w 6254832"/>
+                <a:gd name="connsiteY47" fmla="*/ 5768777 h 6864558"/>
+                <a:gd name="connsiteX48" fmla="*/ 4007245 w 6254832"/>
+                <a:gd name="connsiteY48" fmla="*/ 5876707 h 6864558"/>
+                <a:gd name="connsiteX49" fmla="*/ 3781081 w 6254832"/>
+                <a:gd name="connsiteY49" fmla="*/ 6078887 h 6864558"/>
+                <a:gd name="connsiteX50" fmla="*/ 3534493 w 6254832"/>
+                <a:gd name="connsiteY50" fmla="*/ 6249775 h 6864558"/>
+                <a:gd name="connsiteX51" fmla="*/ 3265232 w 6254832"/>
+                <a:gd name="connsiteY51" fmla="*/ 6373068 h 6864558"/>
+                <a:gd name="connsiteX52" fmla="*/ 3194779 w 6254832"/>
+                <a:gd name="connsiteY52" fmla="*/ 6394804 h 6864558"/>
+                <a:gd name="connsiteX53" fmla="*/ 3123575 w 6254832"/>
+                <a:gd name="connsiteY53" fmla="*/ 6412792 h 6864558"/>
+                <a:gd name="connsiteX54" fmla="*/ 3051435 w 6254832"/>
+                <a:gd name="connsiteY54" fmla="*/ 6426471 h 6864558"/>
+                <a:gd name="connsiteX55" fmla="*/ 2978733 w 6254832"/>
+                <a:gd name="connsiteY55" fmla="*/ 6436214 h 6864558"/>
+                <a:gd name="connsiteX56" fmla="*/ 2905656 w 6254832"/>
+                <a:gd name="connsiteY56" fmla="*/ 6442211 h 6864558"/>
+                <a:gd name="connsiteX57" fmla="*/ 2832204 w 6254832"/>
+                <a:gd name="connsiteY57" fmla="*/ 6444459 h 6864558"/>
+                <a:gd name="connsiteX58" fmla="*/ 2758565 w 6254832"/>
+                <a:gd name="connsiteY58" fmla="*/ 6443335 h 6864558"/>
+                <a:gd name="connsiteX59" fmla="*/ 2683239 w 6254832"/>
+                <a:gd name="connsiteY59" fmla="*/ 6438463 h 6864558"/>
+                <a:gd name="connsiteX60" fmla="*/ 2091503 w 6254832"/>
+                <a:gd name="connsiteY60" fmla="*/ 6343275 h 6864558"/>
+                <a:gd name="connsiteX61" fmla="*/ 1948347 w 6254832"/>
+                <a:gd name="connsiteY61" fmla="*/ 6301490 h 6864558"/>
+                <a:gd name="connsiteX62" fmla="*/ 1807626 w 6254832"/>
+                <a:gd name="connsiteY62" fmla="*/ 6252585 h 6864558"/>
+                <a:gd name="connsiteX63" fmla="*/ 1738297 w 6254832"/>
+                <a:gd name="connsiteY63" fmla="*/ 6225790 h 6864558"/>
+                <a:gd name="connsiteX64" fmla="*/ 1669529 w 6254832"/>
+                <a:gd name="connsiteY64" fmla="*/ 6197684 h 6864558"/>
+                <a:gd name="connsiteX65" fmla="*/ 1635239 w 6254832"/>
+                <a:gd name="connsiteY65" fmla="*/ 6183630 h 6864558"/>
+                <a:gd name="connsiteX66" fmla="*/ 1601699 w 6254832"/>
+                <a:gd name="connsiteY66" fmla="*/ 6167891 h 6864558"/>
+                <a:gd name="connsiteX67" fmla="*/ 1534618 w 6254832"/>
+                <a:gd name="connsiteY67" fmla="*/ 6136411 h 6864558"/>
+                <a:gd name="connsiteX68" fmla="*/ 592299 w 6254832"/>
+                <a:gd name="connsiteY68" fmla="*/ 5443116 h 6864558"/>
+                <a:gd name="connsiteX69" fmla="*/ 0 w 6254832"/>
+                <a:gd name="connsiteY69" fmla="*/ 4496675 h 6864558"/>
+                <a:gd name="connsiteX70" fmla="*/ 0 w 6254832"/>
+                <a:gd name="connsiteY70" fmla="*/ 5523875 h 6864558"/>
+                <a:gd name="connsiteX71" fmla="*/ 2766060 w 6254832"/>
+                <a:gd name="connsiteY71" fmla="*/ 6864559 h 6864558"/>
+                <a:gd name="connsiteX72" fmla="*/ 6254833 w 6254832"/>
+                <a:gd name="connsiteY72" fmla="*/ 3432373 h 6864558"/>
+                <a:gd name="connsiteX73" fmla="*/ 2766060 w 6254832"/>
+                <a:gd name="connsiteY73" fmla="*/ 0 h 6864558"/>
+              </a:gdLst>
+              <a:ahLst/>
+              <a:cxnLst>
+                <a:cxn ang="0">
+                  <a:pos x="connsiteX0" y="connsiteY0"/>
+                </a:cxn>
+                <a:cxn ang="0">
+                  <a:pos x="connsiteX1" y="connsiteY1"/>
+                </a:cxn>
+                <a:cxn ang="0">
+                  <a:pos x="connsiteX2" y="connsiteY2"/>
+                </a:cxn>
+                <a:cxn ang="0">
+                  <a:pos x="connsiteX3" y="connsiteY3"/>
+                </a:cxn>
+                <a:cxn ang="0">
+                  <a:pos x="connsiteX4" y="connsiteY4"/>
+                </a:cxn>
+                <a:cxn ang="0">
+                  <a:pos x="connsiteX5" y="connsiteY5"/>
+                </a:cxn>
+                <a:cxn ang="0">
+                  <a:pos x="connsiteX6" y="connsiteY6"/>
+                </a:cxn>
+                <a:cxn ang="0">
+                  <a:pos x="connsiteX7" y="connsiteY7"/>
+                </a:cxn>
+                <a:cxn ang="0">
+                  <a:pos x="connsiteX8" y="connsiteY8"/>
+                </a:cxn>
+                <a:cxn ang="0">
+                  <a:pos x="connsiteX9" y="connsiteY9"/>
+                </a:cxn>
+                <a:cxn ang="0">
+                  <a:pos x="connsiteX10" y="connsiteY10"/>
+                </a:cxn>
+                <a:cxn ang="0">
+                  <a:pos x="connsiteX11" y="connsiteY11"/>
+                </a:cxn>
+                <a:cxn ang="0">
+                  <a:pos x="connsiteX12" y="connsiteY12"/>
+                </a:cxn>
+                <a:cxn ang="0">
+                  <a:pos x="connsiteX13" y="connsiteY13"/>
+                </a:cxn>
+                <a:cxn ang="0">
+                  <a:pos x="connsiteX14" y="connsiteY14"/>
+                </a:cxn>
+                <a:cxn ang="0">
+                  <a:pos x="connsiteX15" y="connsiteY15"/>
+                </a:cxn>
+                <a:cxn ang="0">
+                  <a:pos x="connsiteX16" y="connsiteY16"/>
+                </a:cxn>
+                <a:cxn ang="0">
+                  <a:pos x="connsiteX17" y="connsiteY17"/>
+                </a:cxn>
+                <a:cxn ang="0">
+                  <a:pos x="connsiteX18" y="connsiteY18"/>
+                </a:cxn>
+                <a:cxn ang="0">
+                  <a:pos x="connsiteX19" y="connsiteY19"/>
+                </a:cxn>
+                <a:cxn ang="0">
+                  <a:pos x="connsiteX20" y="connsiteY20"/>
+                </a:cxn>
+                <a:cxn ang="0">
+                  <a:pos x="connsiteX21" y="connsiteY21"/>
+                </a:cxn>
+                <a:cxn ang="0">
+                  <a:pos x="connsiteX22" y="connsiteY22"/>
+                </a:cxn>
+                <a:cxn ang="0">
+                  <a:pos x="connsiteX23" y="connsiteY23"/>
+                </a:cxn>
+                <a:cxn ang="0">
+                  <a:pos x="connsiteX24" y="connsiteY24"/>
+                </a:cxn>
+                <a:cxn ang="0">
+                  <a:pos x="connsiteX25" y="connsiteY25"/>
+                </a:cxn>
+                <a:cxn ang="0">
+                  <a:pos x="connsiteX26" y="connsiteY26"/>
+                </a:cxn>
+                <a:cxn ang="0">
+                  <a:pos x="connsiteX27" y="connsiteY27"/>
+                </a:cxn>
+                <a:cxn ang="0">
+                  <a:pos x="connsiteX28" y="connsiteY28"/>
+                </a:cxn>
+                <a:cxn ang="0">
+                  <a:pos x="connsiteX29" y="connsiteY29"/>
+                </a:cxn>
+                <a:cxn ang="0">
+                  <a:pos x="connsiteX30" y="connsiteY30"/>
+                </a:cxn>
+                <a:cxn ang="0">
+                  <a:pos x="connsiteX31" y="connsiteY31"/>
+                </a:cxn>
+                <a:cxn ang="0">
+                  <a:pos x="connsiteX32" y="connsiteY32"/>
+                </a:cxn>
+                <a:cxn ang="0">
+                  <a:pos x="connsiteX33" y="connsiteY33"/>
+                </a:cxn>
+                <a:cxn ang="0">
+                  <a:pos x="connsiteX34" y="connsiteY34"/>
+                </a:cxn>
+                <a:cxn ang="0">
+                  <a:pos x="connsiteX35" y="connsiteY35"/>
+                </a:cxn>
+                <a:cxn ang="0">
+                  <a:pos x="connsiteX36" y="connsiteY36"/>
+                </a:cxn>
+                <a:cxn ang="0">
+                  <a:pos x="connsiteX37" y="connsiteY37"/>
+                </a:cxn>
+                <a:cxn ang="0">
+                  <a:pos x="connsiteX38" y="connsiteY38"/>
+                </a:cxn>
+                <a:cxn ang="0">
+                  <a:pos x="connsiteX39" y="connsiteY39"/>
+                </a:cxn>
+                <a:cxn ang="0">
+                  <a:pos x="connsiteX40" y="connsiteY40"/>
+                </a:cxn>
+                <a:cxn ang="0">
+                  <a:pos x="connsiteX41" y="connsiteY41"/>
+                </a:cxn>
+                <a:cxn ang="0">
+                  <a:pos x="connsiteX42" y="connsiteY42"/>
+                </a:cxn>
+                <a:cxn ang="0">
+                  <a:pos x="connsiteX43" y="connsiteY43"/>
+                </a:cxn>
+                <a:cxn ang="0">
+                  <a:pos x="connsiteX44" y="connsiteY44"/>
+                </a:cxn>
+                <a:cxn ang="0">
+                  <a:pos x="connsiteX45" y="connsiteY45"/>
+                </a:cxn>
+                <a:cxn ang="0">
+                  <a:pos x="connsiteX46" y="connsiteY46"/>
+                </a:cxn>
+                <a:cxn ang="0">
+                  <a:pos x="connsiteX47" y="connsiteY47"/>
+                </a:cxn>
+                <a:cxn ang="0">
+                  <a:pos x="connsiteX48" y="connsiteY48"/>
+                </a:cxn>
+                <a:cxn ang="0">
+                  <a:pos x="connsiteX49" y="connsiteY49"/>
+                </a:cxn>
+                <a:cxn ang="0">
+                  <a:pos x="connsiteX50" y="connsiteY50"/>
+                </a:cxn>
+                <a:cxn ang="0">
+                  <a:pos x="connsiteX51" y="connsiteY51"/>
+                </a:cxn>
+                <a:cxn ang="0">
+                  <a:pos x="connsiteX52" y="connsiteY52"/>
+                </a:cxn>
+                <a:cxn ang="0">
+                  <a:pos x="connsiteX53" y="connsiteY53"/>
+                </a:cxn>
+                <a:cxn ang="0">
+                  <a:pos x="connsiteX54" y="connsiteY54"/>
+                </a:cxn>
+                <a:cxn ang="0">
+                  <a:pos x="connsiteX55" y="connsiteY55"/>
+                </a:cxn>
+                <a:cxn ang="0">
+                  <a:pos x="connsiteX56" y="connsiteY56"/>
+                </a:cxn>
+                <a:cxn ang="0">
+                  <a:pos x="connsiteX57" y="connsiteY57"/>
+                </a:cxn>
+                <a:cxn ang="0">
+                  <a:pos x="connsiteX58" y="connsiteY58"/>
+                </a:cxn>
+                <a:cxn ang="0">
+                  <a:pos x="connsiteX59" y="connsiteY59"/>
+                </a:cxn>
+                <a:cxn ang="0">
+                  <a:pos x="connsiteX60" y="connsiteY60"/>
+                </a:cxn>
+                <a:cxn ang="0">
+                  <a:pos x="connsiteX61" y="connsiteY61"/>
+                </a:cxn>
+                <a:cxn ang="0">
+                  <a:pos x="connsiteX62" y="connsiteY62"/>
+                </a:cxn>
+                <a:cxn ang="0">
+                  <a:pos x="connsiteX63" y="connsiteY63"/>
+                </a:cxn>
+                <a:cxn ang="0">
+                  <a:pos x="connsiteX64" y="connsiteY64"/>
+                </a:cxn>
+                <a:cxn ang="0">
+                  <a:pos x="connsiteX65" y="connsiteY65"/>
+                </a:cxn>
+                <a:cxn ang="0">
+                  <a:pos x="connsiteX66" y="connsiteY66"/>
+                </a:cxn>
+                <a:cxn ang="0">
+                  <a:pos x="connsiteX67" y="connsiteY67"/>
+                </a:cxn>
+                <a:cxn ang="0">
+                  <a:pos x="connsiteX68" y="connsiteY68"/>
+                </a:cxn>
+                <a:cxn ang="0">
+                  <a:pos x="connsiteX69" y="connsiteY69"/>
+                </a:cxn>
+                <a:cxn ang="0">
+                  <a:pos x="connsiteX70" y="connsiteY70"/>
+                </a:cxn>
+                <a:cxn ang="0">
+                  <a:pos x="connsiteX71" y="connsiteY71"/>
+                </a:cxn>
+                <a:cxn ang="0">
+                  <a:pos x="connsiteX72" y="connsiteY72"/>
+                </a:cxn>
+                <a:cxn ang="0">
+                  <a:pos x="connsiteX73" y="connsiteY73"/>
+                </a:cxn>
+              </a:cxnLst>
+              <a:rect l="l" t="t" r="r" b="b"/>
+              <a:pathLst>
+                <a:path w="6254832" h="6864558">
+                  <a:moveTo>
+                    <a:pt x="2766060" y="0"/>
+                  </a:moveTo>
+                  <a:cubicBezTo>
+                    <a:pt x="1639549" y="0"/>
+                    <a:pt x="637831" y="525405"/>
+                    <a:pt x="0" y="1340683"/>
+                  </a:cubicBezTo>
+                  <a:lnTo>
+                    <a:pt x="0" y="2201306"/>
+                  </a:lnTo>
+                  <a:cubicBezTo>
+                    <a:pt x="375" y="2200181"/>
+                    <a:pt x="937" y="2198870"/>
+                    <a:pt x="1312" y="2197746"/>
+                  </a:cubicBezTo>
+                  <a:cubicBezTo>
+                    <a:pt x="142969" y="1837045"/>
+                    <a:pt x="347959" y="1497143"/>
+                    <a:pt x="612723" y="1201649"/>
+                  </a:cubicBezTo>
+                  <a:cubicBezTo>
+                    <a:pt x="876550" y="906155"/>
+                    <a:pt x="1201836" y="655258"/>
+                    <a:pt x="1571344" y="483245"/>
+                  </a:cubicBezTo>
+                  <a:lnTo>
+                    <a:pt x="1641235" y="452328"/>
+                  </a:lnTo>
+                  <a:cubicBezTo>
+                    <a:pt x="1664658" y="442210"/>
+                    <a:pt x="1687518" y="430967"/>
+                    <a:pt x="1711502" y="422348"/>
+                  </a:cubicBezTo>
+                  <a:lnTo>
+                    <a:pt x="1783080" y="395178"/>
+                  </a:lnTo>
+                  <a:cubicBezTo>
+                    <a:pt x="1807064" y="386372"/>
+                    <a:pt x="1830674" y="376441"/>
+                    <a:pt x="1855220" y="369133"/>
+                  </a:cubicBezTo>
+                  <a:lnTo>
+                    <a:pt x="1928297" y="345711"/>
+                  </a:lnTo>
+                  <a:cubicBezTo>
+                    <a:pt x="1952656" y="338028"/>
+                    <a:pt x="1976828" y="329409"/>
+                    <a:pt x="2001749" y="323600"/>
+                  </a:cubicBezTo>
+                  <a:lnTo>
+                    <a:pt x="2076138" y="304300"/>
+                  </a:lnTo>
+                  <a:lnTo>
+                    <a:pt x="2113426" y="294744"/>
+                  </a:lnTo>
+                  <a:lnTo>
+                    <a:pt x="2132163" y="290060"/>
+                  </a:lnTo>
+                  <a:lnTo>
+                    <a:pt x="2151089" y="286312"/>
+                  </a:lnTo>
+                  <a:cubicBezTo>
+                    <a:pt x="2351395" y="241716"/>
+                    <a:pt x="2557322" y="219044"/>
+                    <a:pt x="2763249" y="218482"/>
+                  </a:cubicBezTo>
+                  <a:cubicBezTo>
+                    <a:pt x="2968802" y="218294"/>
+                    <a:pt x="3174167" y="247900"/>
+                    <a:pt x="3372225" y="301302"/>
+                  </a:cubicBezTo>
+                  <a:cubicBezTo>
+                    <a:pt x="3471347" y="327910"/>
+                    <a:pt x="3568596" y="360513"/>
+                    <a:pt x="3663596" y="398364"/>
+                  </a:cubicBezTo>
+                  <a:cubicBezTo>
+                    <a:pt x="3758784" y="435652"/>
+                    <a:pt x="3851348" y="479311"/>
+                    <a:pt x="3941663" y="526717"/>
+                  </a:cubicBezTo>
+                  <a:cubicBezTo>
+                    <a:pt x="4031979" y="573936"/>
+                    <a:pt x="4119297" y="626402"/>
+                    <a:pt x="4204366" y="681678"/>
+                  </a:cubicBezTo>
+                  <a:cubicBezTo>
+                    <a:pt x="4289060" y="737516"/>
+                    <a:pt x="4370944" y="797289"/>
+                    <a:pt x="4450018" y="860061"/>
+                  </a:cubicBezTo>
+                  <a:cubicBezTo>
+                    <a:pt x="4529091" y="922832"/>
+                    <a:pt x="4605540" y="988601"/>
+                    <a:pt x="4678992" y="1057181"/>
+                  </a:cubicBezTo>
+                  <a:cubicBezTo>
+                    <a:pt x="4752444" y="1125574"/>
+                    <a:pt x="4822335" y="1197527"/>
+                    <a:pt x="4889791" y="1271166"/>
+                  </a:cubicBezTo>
+                  <a:cubicBezTo>
+                    <a:pt x="4957247" y="1344805"/>
+                    <a:pt x="5021705" y="1420693"/>
+                    <a:pt x="5083164" y="1498642"/>
+                  </a:cubicBezTo>
+                  <a:cubicBezTo>
+                    <a:pt x="5144062" y="1576965"/>
+                    <a:pt x="5202899" y="1656601"/>
+                    <a:pt x="5257987" y="1738484"/>
+                  </a:cubicBezTo>
+                  <a:cubicBezTo>
+                    <a:pt x="5313076" y="1820368"/>
+                    <a:pt x="5365354" y="1903751"/>
+                    <a:pt x="5413510" y="1989195"/>
+                  </a:cubicBezTo>
+                  <a:cubicBezTo>
+                    <a:pt x="5462041" y="2074451"/>
+                    <a:pt x="5507011" y="2161207"/>
+                    <a:pt x="5548609" y="2249462"/>
+                  </a:cubicBezTo>
+                  <a:cubicBezTo>
+                    <a:pt x="5631430" y="2426158"/>
+                    <a:pt x="5698323" y="2608851"/>
+                    <a:pt x="5747791" y="2795666"/>
+                  </a:cubicBezTo>
+                  <a:cubicBezTo>
+                    <a:pt x="5771963" y="2889167"/>
+                    <a:pt x="5791825" y="2983792"/>
+                    <a:pt x="5806814" y="3078980"/>
+                  </a:cubicBezTo>
+                  <a:cubicBezTo>
+                    <a:pt x="5810562" y="3102777"/>
+                    <a:pt x="5814497" y="3126574"/>
+                    <a:pt x="5816933" y="3150558"/>
+                  </a:cubicBezTo>
+                  <a:cubicBezTo>
+                    <a:pt x="5819556" y="3174542"/>
+                    <a:pt x="5823304" y="3198339"/>
+                    <a:pt x="5825178" y="3222323"/>
+                  </a:cubicBezTo>
+                  <a:cubicBezTo>
+                    <a:pt x="5827426" y="3246308"/>
+                    <a:pt x="5830050" y="3270292"/>
+                    <a:pt x="5831923" y="3294276"/>
+                  </a:cubicBezTo>
+                  <a:lnTo>
+                    <a:pt x="5836233" y="3366416"/>
+                  </a:lnTo>
+                  <a:cubicBezTo>
+                    <a:pt x="5839981" y="3462728"/>
+                    <a:pt x="5839981" y="3559227"/>
+                    <a:pt x="5833047" y="3655726"/>
+                  </a:cubicBezTo>
+                  <a:cubicBezTo>
+                    <a:pt x="5830986" y="3679711"/>
+                    <a:pt x="5830237" y="3704069"/>
+                    <a:pt x="5827426" y="3728054"/>
+                  </a:cubicBezTo>
+                  <a:lnTo>
+                    <a:pt x="5819556" y="3800194"/>
+                  </a:lnTo>
+                  <a:lnTo>
+                    <a:pt x="5809063" y="3872147"/>
+                  </a:lnTo>
+                  <a:cubicBezTo>
+                    <a:pt x="5805690" y="3896131"/>
+                    <a:pt x="5800818" y="3919928"/>
+                    <a:pt x="5796696" y="3943912"/>
+                  </a:cubicBezTo>
+                  <a:cubicBezTo>
+                    <a:pt x="5778708" y="4039287"/>
+                    <a:pt x="5755848" y="4134662"/>
+                    <a:pt x="5725305" y="4225165"/>
+                  </a:cubicBezTo>
+                  <a:cubicBezTo>
+                    <a:pt x="5694763" y="4315669"/>
+                    <a:pt x="5656726" y="4402237"/>
+                    <a:pt x="5605384" y="4478312"/>
+                  </a:cubicBezTo>
+                  <a:cubicBezTo>
+                    <a:pt x="5554980" y="4555324"/>
+                    <a:pt x="5489960" y="4620718"/>
+                    <a:pt x="5412573" y="4677306"/>
+                  </a:cubicBezTo>
+                  <a:cubicBezTo>
+                    <a:pt x="5335374" y="4734269"/>
+                    <a:pt x="5245995" y="4782987"/>
+                    <a:pt x="5155867" y="4834703"/>
+                  </a:cubicBezTo>
+                  <a:cubicBezTo>
+                    <a:pt x="4973924" y="4936261"/>
+                    <a:pt x="4794791" y="5058806"/>
+                    <a:pt x="4645452" y="5207396"/>
+                  </a:cubicBezTo>
+                  <a:cubicBezTo>
+                    <a:pt x="4607414" y="5244497"/>
+                    <a:pt x="4571813" y="5281597"/>
+                    <a:pt x="4536211" y="5319072"/>
+                  </a:cubicBezTo>
+                  <a:lnTo>
+                    <a:pt x="4430343" y="5432061"/>
+                  </a:lnTo>
+                  <a:cubicBezTo>
+                    <a:pt x="4360264" y="5507574"/>
+                    <a:pt x="4290934" y="5583087"/>
+                    <a:pt x="4220668" y="5657663"/>
+                  </a:cubicBezTo>
+                  <a:cubicBezTo>
+                    <a:pt x="4185628" y="5694951"/>
+                    <a:pt x="4150589" y="5732052"/>
+                    <a:pt x="4115174" y="5768777"/>
+                  </a:cubicBezTo>
+                  <a:cubicBezTo>
+                    <a:pt x="4079573" y="5805316"/>
+                    <a:pt x="4043597" y="5841292"/>
+                    <a:pt x="4007245" y="5876707"/>
+                  </a:cubicBezTo>
+                  <a:cubicBezTo>
+                    <a:pt x="3934543" y="5947723"/>
+                    <a:pt x="3859405" y="6015740"/>
+                    <a:pt x="3781081" y="6078887"/>
+                  </a:cubicBezTo>
+                  <a:cubicBezTo>
+                    <a:pt x="3702945" y="6142220"/>
+                    <a:pt x="3620312" y="6199557"/>
+                    <a:pt x="3534493" y="6249775"/>
+                  </a:cubicBezTo>
+                  <a:cubicBezTo>
+                    <a:pt x="3448300" y="6299429"/>
+                    <a:pt x="3358359" y="6341589"/>
+                    <a:pt x="3265232" y="6373068"/>
+                  </a:cubicBezTo>
+                  <a:cubicBezTo>
+                    <a:pt x="3241998" y="6381313"/>
+                    <a:pt x="3218201" y="6387497"/>
+                    <a:pt x="3194779" y="6394804"/>
+                  </a:cubicBezTo>
+                  <a:cubicBezTo>
+                    <a:pt x="3171169" y="6401175"/>
+                    <a:pt x="3147185" y="6406797"/>
+                    <a:pt x="3123575" y="6412792"/>
+                  </a:cubicBezTo>
+                  <a:cubicBezTo>
+                    <a:pt x="3099404" y="6417477"/>
+                    <a:pt x="3075420" y="6422161"/>
+                    <a:pt x="3051435" y="6426471"/>
+                  </a:cubicBezTo>
+                  <a:cubicBezTo>
+                    <a:pt x="3027076" y="6429657"/>
+                    <a:pt x="3002904" y="6433591"/>
+                    <a:pt x="2978733" y="6436214"/>
+                  </a:cubicBezTo>
+                  <a:cubicBezTo>
+                    <a:pt x="2954374" y="6438088"/>
+                    <a:pt x="2930015" y="6440899"/>
+                    <a:pt x="2905656" y="6442211"/>
+                  </a:cubicBezTo>
+                  <a:cubicBezTo>
+                    <a:pt x="2881109" y="6442960"/>
+                    <a:pt x="2856751" y="6444272"/>
+                    <a:pt x="2832204" y="6444459"/>
+                  </a:cubicBezTo>
+                  <a:cubicBezTo>
+                    <a:pt x="2807658" y="6444084"/>
+                    <a:pt x="2783298" y="6444084"/>
+                    <a:pt x="2758565" y="6443335"/>
+                  </a:cubicBezTo>
+                  <a:lnTo>
+                    <a:pt x="2683239" y="6438463"/>
+                  </a:lnTo>
+                  <a:cubicBezTo>
+                    <a:pt x="2482559" y="6425909"/>
+                    <a:pt x="2284126" y="6393492"/>
+                    <a:pt x="2091503" y="6343275"/>
+                  </a:cubicBezTo>
+                  <a:lnTo>
+                    <a:pt x="1948347" y="6301490"/>
+                  </a:lnTo>
+                  <a:cubicBezTo>
+                    <a:pt x="1901127" y="6286126"/>
+                    <a:pt x="1854658" y="6268699"/>
+                    <a:pt x="1807626" y="6252585"/>
+                  </a:cubicBezTo>
+                  <a:cubicBezTo>
+                    <a:pt x="1784017" y="6245090"/>
+                    <a:pt x="1761344" y="6234972"/>
+                    <a:pt x="1738297" y="6225790"/>
+                  </a:cubicBezTo>
+                  <a:lnTo>
+                    <a:pt x="1669529" y="6197684"/>
+                  </a:lnTo>
+                  <a:lnTo>
+                    <a:pt x="1635239" y="6183630"/>
+                  </a:lnTo>
+                  <a:lnTo>
+                    <a:pt x="1601699" y="6167891"/>
+                  </a:lnTo>
+                  <a:lnTo>
+                    <a:pt x="1534618" y="6136411"/>
+                  </a:lnTo>
+                  <a:cubicBezTo>
+                    <a:pt x="1179164" y="5964961"/>
+                    <a:pt x="857250" y="5729616"/>
+                    <a:pt x="592299" y="5443116"/>
+                  </a:cubicBezTo>
+                  <a:cubicBezTo>
+                    <a:pt x="336904" y="5166173"/>
+                    <a:pt x="137160" y="4842573"/>
+                    <a:pt x="0" y="4496675"/>
+                  </a:cubicBezTo>
+                  <a:lnTo>
+                    <a:pt x="0" y="5523875"/>
+                  </a:lnTo>
+                  <a:cubicBezTo>
+                    <a:pt x="637831" y="6338966"/>
+                    <a:pt x="1639549" y="6864559"/>
+                    <a:pt x="2766060" y="6864559"/>
+                  </a:cubicBezTo>
+                  <a:cubicBezTo>
+                    <a:pt x="4692858" y="6864559"/>
+                    <a:pt x="6254833" y="5327879"/>
+                    <a:pt x="6254833" y="3432373"/>
+                  </a:cubicBezTo>
+                  <a:cubicBezTo>
+                    <a:pt x="6254833" y="1536679"/>
+                    <a:pt x="4692858" y="0"/>
+                    <a:pt x="2766060" y="0"/>
+                  </a:cubicBezTo>
+                  <a:close/>
+                </a:path>
+              </a:pathLst>
+            </a:custGeom>
+            <a:ln w="18736" cap="flat">
+              <a:noFill/>
+              <a:prstDash val="solid"/>
+              <a:miter/>
+            </a:ln>
+          </p:spPr>
+          <p:txBody>
+            <a:bodyPr rtlCol="0" anchor="ctr"/>
+            <a:lstStyle/>
+            <a:p>
+              <a:endParaRPr lang="en-US" dirty="0"/>
+            </a:p>
+          </p:txBody>
+        </p:sp>
+      </p:grpSp>
+      <p:sp>
+        <p:nvSpPr>
+          <p:cNvPr id="5" name="Título 4">
+            <a:extLst>
+              <a:ext uri="{FF2B5EF4-FFF2-40B4-BE49-F238E27FC236}">
+                <a16:creationId xmlns:a16="http://schemas.microsoft.com/office/drawing/2014/main" id="{3E9B7D4F-7310-F9DA-391C-1D171953A1F5}"/>
+              </a:ext>
+            </a:extLst>
+          </p:cNvPr>
+          <p:cNvSpPr>
+            <a:spLocks noGrp="1"/>
+          </p:cNvSpPr>
+          <p:nvPr>
+            <p:ph type="title"/>
+          </p:nvPr>
+        </p:nvSpPr>
+        <p:spPr>
+          <a:xfrm>
+            <a:off x="6094105" y="802955"/>
+            <a:ext cx="4977976" cy="1454051"/>
+          </a:xfrm>
+        </p:spPr>
+        <p:txBody>
+          <a:bodyPr anchor="b">
+            <a:normAutofit/>
+          </a:bodyPr>
+          <a:lstStyle/>
+          <a:p>
+            <a:r>
+              <a:rPr lang="es-ES" sz="3600">
+                <a:solidFill>
+                  <a:schemeClr val="tx2"/>
+                </a:solidFill>
+              </a:rPr>
+              <a:t>CONCLUSIONES</a:t>
+            </a:r>
+          </a:p>
+        </p:txBody>
+      </p:sp>
+      <p:sp>
+        <p:nvSpPr>
+          <p:cNvPr id="6" name="Marcador de contenido 5">
+            <a:extLst>
+              <a:ext uri="{FF2B5EF4-FFF2-40B4-BE49-F238E27FC236}">
+                <a16:creationId xmlns:a16="http://schemas.microsoft.com/office/drawing/2014/main" id="{DCBDDCCB-8714-7F86-A9BB-04D4D75D8F19}"/>
+              </a:ext>
+            </a:extLst>
+          </p:cNvPr>
+          <p:cNvSpPr>
+            <a:spLocks noGrp="1"/>
+          </p:cNvSpPr>
+          <p:nvPr>
+            <p:ph idx="1"/>
+          </p:nvPr>
+        </p:nvSpPr>
+        <p:spPr>
+          <a:xfrm>
+            <a:off x="6090574" y="2415756"/>
+            <a:ext cx="4977578" cy="3639289"/>
+          </a:xfrm>
+        </p:spPr>
+        <p:txBody>
+          <a:bodyPr anchor="ctr">
+            <a:normAutofit/>
+          </a:bodyPr>
+          <a:lstStyle/>
+          <a:p>
+            <a:r>
+              <a:rPr lang="es-ES" sz="1800" dirty="0">
+                <a:solidFill>
+                  <a:schemeClr val="tx2"/>
+                </a:solidFill>
+              </a:rPr>
+              <a:t>La producción es bastante optima y la mayoría de los trabajadores tienen tiempo libre por lo que si lográsemos aumentar un poco la compra de materias primas a nuestros proveedores podríamos aumentar la producción.</a:t>
+            </a:r>
+          </a:p>
+          <a:p>
+            <a:r>
+              <a:rPr lang="es-ES" sz="1800" dirty="0">
+                <a:solidFill>
+                  <a:schemeClr val="tx2"/>
+                </a:solidFill>
+              </a:rPr>
+              <a:t>Por otro lado, también podríamos prescindir de uno de los trabajadores que tenemos ya que ninguno llega al 50% de tiempo de trabajo.</a:t>
+            </a:r>
+          </a:p>
+        </p:txBody>
+      </p:sp>
+    </p:spTree>
+    <p:extLst>
+      <p:ext uri="{BB962C8B-B14F-4D97-AF65-F5344CB8AC3E}">
+        <p14:creationId xmlns:p14="http://schemas.microsoft.com/office/powerpoint/2010/main" val="2460916957"/>
+      </p:ext>
+    </p:extLst>
+  </p:cSld>
+  <p:clrMapOvr>
+    <a:masterClrMapping/>
+  </p:clrMapOvr>
+</p:sld>
+</file>
+
 <file path=ppt/slides/slide2.xml><?xml version="1.0" encoding="utf-8"?>
 <p:sld xmlns:a="http://schemas.openxmlformats.org/drawingml/2006/main" xmlns:r="http://schemas.openxmlformats.org/officeDocument/2006/relationships" xmlns:p="http://schemas.openxmlformats.org/presentationml/2006/main">
   <p:cSld>
@@ -5097,6 +8129,3719 @@
           <a:chExt cx="0" cy="0"/>
         </a:xfrm>
       </p:grpSpPr>
+      <p:sp useBgFill="1">
+        <p:nvSpPr>
+          <p:cNvPr id="15" name="Rectangle 14">
+            <a:extLst>
+              <a:ext uri="{FF2B5EF4-FFF2-40B4-BE49-F238E27FC236}">
+                <a16:creationId xmlns:a16="http://schemas.microsoft.com/office/drawing/2014/main" id="{131BAD53-4E89-4F62-BBB7-26359763ED39}"/>
+              </a:ext>
+              <a:ext uri="{C183D7F6-B498-43B3-948B-1728B52AA6E4}">
+                <adec:decorative xmlns:adec="http://schemas.microsoft.com/office/drawing/2017/decorative" val="1"/>
+              </a:ext>
+            </a:extLst>
+          </p:cNvPr>
+          <p:cNvSpPr>
+            <a:spLocks noGrp="1" noRot="1" noChangeAspect="1" noMove="1" noResize="1" noEditPoints="1" noAdjustHandles="1" noChangeArrowheads="1" noChangeShapeType="1" noTextEdit="1"/>
+          </p:cNvSpPr>
+          <p:nvPr>
+            <p:extLst>
+              <p:ext uri="{386F3935-93C4-4BCD-93E2-E3B085C9AB24}">
+                <p16:designElem xmlns:p16="http://schemas.microsoft.com/office/powerpoint/2015/main" val="1"/>
+              </p:ext>
+            </p:extLst>
+          </p:nvPr>
+        </p:nvSpPr>
+        <p:spPr>
+          <a:xfrm>
+            <a:off x="0" y="0"/>
+            <a:ext cx="12192000" cy="6858000"/>
+          </a:xfrm>
+          <a:prstGeom prst="rect">
+            <a:avLst/>
+          </a:prstGeom>
+          <a:ln w="12700" cap="flat" cmpd="sng" algn="ctr">
+            <a:noFill/>
+            <a:prstDash val="solid"/>
+            <a:miter lim="800000"/>
+          </a:ln>
+          <a:effectLst/>
+          <a:extLst>
+            <a:ext uri="{91240B29-F687-4F45-9708-019B960494DF}">
+              <a14:hiddenLine xmlns:a14="http://schemas.microsoft.com/office/drawing/2010/main" w="12700" cap="flat" cmpd="sng" algn="ctr">
+                <a:solidFill>
+                  <a:schemeClr val="accent1">
+                    <a:shade val="50000"/>
+                  </a:schemeClr>
+                </a:solidFill>
+                <a:prstDash val="solid"/>
+                <a:miter lim="800000"/>
+              </a14:hiddenLine>
+            </a:ext>
+          </a:extLst>
+        </p:spPr>
+        <p:style>
+          <a:lnRef idx="2">
+            <a:schemeClr val="accent1">
+              <a:shade val="50000"/>
+            </a:schemeClr>
+          </a:lnRef>
+          <a:fillRef idx="1">
+            <a:schemeClr val="accent1"/>
+          </a:fillRef>
+          <a:effectRef idx="0">
+            <a:schemeClr val="accent1"/>
+          </a:effectRef>
+          <a:fontRef idx="minor">
+            <a:schemeClr val="lt1"/>
+          </a:fontRef>
+        </p:style>
+        <p:txBody>
+          <a:bodyPr rtlCol="0" anchor="ctr"/>
+          <a:lstStyle/>
+          <a:p>
+            <a:pPr algn="ctr"/>
+            <a:endParaRPr lang="en-US"/>
+          </a:p>
+        </p:txBody>
+      </p:sp>
+      <p:sp>
+        <p:nvSpPr>
+          <p:cNvPr id="17" name="Freeform: Shape 16">
+            <a:extLst>
+              <a:ext uri="{FF2B5EF4-FFF2-40B4-BE49-F238E27FC236}">
+                <a16:creationId xmlns:a16="http://schemas.microsoft.com/office/drawing/2014/main" id="{62756DA2-40EB-4C6F-B962-5822FFB54FB6}"/>
+              </a:ext>
+              <a:ext uri="{C183D7F6-B498-43B3-948B-1728B52AA6E4}">
+                <adec:decorative xmlns:adec="http://schemas.microsoft.com/office/drawing/2017/decorative" val="1"/>
+              </a:ext>
+            </a:extLst>
+          </p:cNvPr>
+          <p:cNvSpPr>
+            <a:spLocks noGrp="1" noRot="1" noChangeAspect="1" noMove="1" noResize="1" noEditPoints="1" noAdjustHandles="1" noChangeArrowheads="1" noChangeShapeType="1" noTextEdit="1"/>
+          </p:cNvSpPr>
+          <p:nvPr>
+            <p:extLst>
+              <p:ext uri="{386F3935-93C4-4BCD-93E2-E3B085C9AB24}">
+                <p16:designElem xmlns:p16="http://schemas.microsoft.com/office/powerpoint/2015/main" val="1"/>
+              </p:ext>
+            </p:extLst>
+          </p:nvPr>
+        </p:nvSpPr>
+        <p:spPr>
+          <a:xfrm>
+            <a:off x="0" y="0"/>
+            <a:ext cx="5653438" cy="6858000"/>
+          </a:xfrm>
+          <a:custGeom>
+            <a:avLst/>
+            <a:gdLst>
+              <a:gd name="connsiteX0" fmla="*/ 0 w 6096000"/>
+              <a:gd name="connsiteY0" fmla="*/ 0 h 6858000"/>
+              <a:gd name="connsiteX1" fmla="*/ 5567517 w 6096000"/>
+              <a:gd name="connsiteY1" fmla="*/ 0 h 6858000"/>
+              <a:gd name="connsiteX2" fmla="*/ 5566938 w 6096000"/>
+              <a:gd name="connsiteY2" fmla="*/ 1705 h 6858000"/>
+              <a:gd name="connsiteX3" fmla="*/ 5551594 w 6096000"/>
+              <a:gd name="connsiteY3" fmla="*/ 17287 h 6858000"/>
+              <a:gd name="connsiteX4" fmla="*/ 5545641 w 6096000"/>
+              <a:gd name="connsiteY4" fmla="*/ 130336 h 6858000"/>
+              <a:gd name="connsiteX5" fmla="*/ 5538289 w 6096000"/>
+              <a:gd name="connsiteY5" fmla="*/ 187093 h 6858000"/>
+              <a:gd name="connsiteX6" fmla="*/ 5545790 w 6096000"/>
+              <a:gd name="connsiteY6" fmla="*/ 265704 h 6858000"/>
+              <a:gd name="connsiteX7" fmla="*/ 5542313 w 6096000"/>
+              <a:gd name="connsiteY7" fmla="*/ 354566 h 6858000"/>
+              <a:gd name="connsiteX8" fmla="*/ 5524126 w 6096000"/>
+              <a:gd name="connsiteY8" fmla="*/ 472000 h 6858000"/>
+              <a:gd name="connsiteX9" fmla="*/ 5522170 w 6096000"/>
+              <a:gd name="connsiteY9" fmla="*/ 473782 h 6858000"/>
+              <a:gd name="connsiteX10" fmla="*/ 5521798 w 6096000"/>
+              <a:gd name="connsiteY10" fmla="*/ 491380 h 6858000"/>
+              <a:gd name="connsiteX11" fmla="*/ 5536419 w 6096000"/>
+              <a:gd name="connsiteY11" fmla="*/ 531675 h 6858000"/>
+              <a:gd name="connsiteX12" fmla="*/ 5533435 w 6096000"/>
+              <a:gd name="connsiteY12" fmla="*/ 536015 h 6858000"/>
+              <a:gd name="connsiteX13" fmla="*/ 5538088 w 6096000"/>
+              <a:gd name="connsiteY13" fmla="*/ 572092 h 6858000"/>
+              <a:gd name="connsiteX14" fmla="*/ 5536061 w 6096000"/>
+              <a:gd name="connsiteY14" fmla="*/ 572511 h 6858000"/>
+              <a:gd name="connsiteX15" fmla="*/ 5528218 w 6096000"/>
+              <a:gd name="connsiteY15" fmla="*/ 582332 h 6858000"/>
+              <a:gd name="connsiteX16" fmla="*/ 5518011 w 6096000"/>
+              <a:gd name="connsiteY16" fmla="*/ 601285 h 6858000"/>
+              <a:gd name="connsiteX17" fmla="*/ 5473174 w 6096000"/>
+              <a:gd name="connsiteY17" fmla="*/ 681608 h 6858000"/>
+              <a:gd name="connsiteX18" fmla="*/ 5472963 w 6096000"/>
+              <a:gd name="connsiteY18" fmla="*/ 689151 h 6858000"/>
+              <a:gd name="connsiteX19" fmla="*/ 5472485 w 6096000"/>
+              <a:gd name="connsiteY19" fmla="*/ 689289 h 6858000"/>
+              <a:gd name="connsiteX20" fmla="*/ 5471326 w 6096000"/>
+              <a:gd name="connsiteY20" fmla="*/ 697222 h 6858000"/>
+              <a:gd name="connsiteX21" fmla="*/ 5472164 w 6096000"/>
+              <a:gd name="connsiteY21" fmla="*/ 717531 h 6858000"/>
+              <a:gd name="connsiteX22" fmla="*/ 5468891 w 6096000"/>
+              <a:gd name="connsiteY22" fmla="*/ 722494 h 6858000"/>
+              <a:gd name="connsiteX23" fmla="*/ 5463081 w 6096000"/>
+              <a:gd name="connsiteY23" fmla="*/ 724368 h 6858000"/>
+              <a:gd name="connsiteX24" fmla="*/ 5446981 w 6096000"/>
+              <a:gd name="connsiteY24" fmla="*/ 752692 h 6858000"/>
+              <a:gd name="connsiteX25" fmla="*/ 5417190 w 6096000"/>
+              <a:gd name="connsiteY25" fmla="*/ 816346 h 6858000"/>
+              <a:gd name="connsiteX26" fmla="*/ 5388958 w 6096000"/>
+              <a:gd name="connsiteY26" fmla="*/ 889417 h 6858000"/>
+              <a:gd name="connsiteX27" fmla="*/ 5307044 w 6096000"/>
+              <a:gd name="connsiteY27" fmla="*/ 1063288 h 6858000"/>
+              <a:gd name="connsiteX28" fmla="*/ 5303837 w 6096000"/>
+              <a:gd name="connsiteY28" fmla="*/ 1157176 h 6858000"/>
+              <a:gd name="connsiteX29" fmla="*/ 5286494 w 6096000"/>
+              <a:gd name="connsiteY29" fmla="*/ 1210776 h 6858000"/>
+              <a:gd name="connsiteX30" fmla="*/ 5282463 w 6096000"/>
+              <a:gd name="connsiteY30" fmla="*/ 1301993 h 6858000"/>
+              <a:gd name="connsiteX31" fmla="*/ 5252235 w 6096000"/>
+              <a:gd name="connsiteY31" fmla="*/ 1360879 h 6858000"/>
+              <a:gd name="connsiteX32" fmla="*/ 5244497 w 6096000"/>
+              <a:gd name="connsiteY32" fmla="*/ 1404045 h 6858000"/>
+              <a:gd name="connsiteX33" fmla="*/ 5223823 w 6096000"/>
+              <a:gd name="connsiteY33" fmla="*/ 1429568 h 6858000"/>
+              <a:gd name="connsiteX34" fmla="*/ 5224851 w 6096000"/>
+              <a:gd name="connsiteY34" fmla="*/ 1430305 h 6858000"/>
+              <a:gd name="connsiteX35" fmla="*/ 5212394 w 6096000"/>
+              <a:gd name="connsiteY35" fmla="*/ 1463304 h 6858000"/>
+              <a:gd name="connsiteX36" fmla="*/ 5209958 w 6096000"/>
+              <a:gd name="connsiteY36" fmla="*/ 1514846 h 6858000"/>
+              <a:gd name="connsiteX37" fmla="*/ 5206417 w 6096000"/>
+              <a:gd name="connsiteY37" fmla="*/ 1519731 h 6858000"/>
+              <a:gd name="connsiteX38" fmla="*/ 5206640 w 6096000"/>
+              <a:gd name="connsiteY38" fmla="*/ 1519929 h 6858000"/>
+              <a:gd name="connsiteX39" fmla="*/ 5207632 w 6096000"/>
+              <a:gd name="connsiteY39" fmla="*/ 1546022 h 6858000"/>
+              <a:gd name="connsiteX40" fmla="*/ 5212030 w 6096000"/>
+              <a:gd name="connsiteY40" fmla="*/ 1578752 h 6858000"/>
+              <a:gd name="connsiteX41" fmla="*/ 5203533 w 6096000"/>
+              <a:gd name="connsiteY41" fmla="*/ 1647555 h 6858000"/>
+              <a:gd name="connsiteX42" fmla="*/ 5190877 w 6096000"/>
+              <a:gd name="connsiteY42" fmla="*/ 1715685 h 6858000"/>
+              <a:gd name="connsiteX43" fmla="*/ 5184235 w 6096000"/>
+              <a:gd name="connsiteY43" fmla="*/ 1740358 h 6858000"/>
+              <a:gd name="connsiteX44" fmla="*/ 5181475 w 6096000"/>
+              <a:gd name="connsiteY44" fmla="*/ 1784314 h 6858000"/>
+              <a:gd name="connsiteX45" fmla="*/ 5185845 w 6096000"/>
+              <a:gd name="connsiteY45" fmla="*/ 1804434 h 6858000"/>
+              <a:gd name="connsiteX46" fmla="*/ 5185068 w 6096000"/>
+              <a:gd name="connsiteY46" fmla="*/ 1805316 h 6858000"/>
+              <a:gd name="connsiteX47" fmla="*/ 5188593 w 6096000"/>
+              <a:gd name="connsiteY47" fmla="*/ 1807109 h 6858000"/>
+              <a:gd name="connsiteX48" fmla="*/ 5185920 w 6096000"/>
+              <a:gd name="connsiteY48" fmla="*/ 1821003 h 6858000"/>
+              <a:gd name="connsiteX49" fmla="*/ 5183543 w 6096000"/>
+              <a:gd name="connsiteY49" fmla="*/ 1824832 h 6858000"/>
+              <a:gd name="connsiteX50" fmla="*/ 5182235 w 6096000"/>
+              <a:gd name="connsiteY50" fmla="*/ 1830429 h 6858000"/>
+              <a:gd name="connsiteX51" fmla="*/ 5182525 w 6096000"/>
+              <a:gd name="connsiteY51" fmla="*/ 1830569 h 6858000"/>
+              <a:gd name="connsiteX52" fmla="*/ 5180663 w 6096000"/>
+              <a:gd name="connsiteY52" fmla="*/ 1835810 h 6858000"/>
+              <a:gd name="connsiteX53" fmla="*/ 5167452 w 6096000"/>
+              <a:gd name="connsiteY53" fmla="*/ 1861483 h 6858000"/>
+              <a:gd name="connsiteX54" fmla="*/ 5174266 w 6096000"/>
+              <a:gd name="connsiteY54" fmla="*/ 1892417 h 6858000"/>
+              <a:gd name="connsiteX55" fmla="*/ 5189262 w 6096000"/>
+              <a:gd name="connsiteY55" fmla="*/ 1895114 h 6858000"/>
+              <a:gd name="connsiteX56" fmla="*/ 5187100 w 6096000"/>
+              <a:gd name="connsiteY56" fmla="*/ 1899379 h 6858000"/>
+              <a:gd name="connsiteX57" fmla="*/ 5180471 w 6096000"/>
+              <a:gd name="connsiteY57" fmla="*/ 1907867 h 6858000"/>
+              <a:gd name="connsiteX58" fmla="*/ 5181361 w 6096000"/>
+              <a:gd name="connsiteY58" fmla="*/ 1910265 h 6858000"/>
+              <a:gd name="connsiteX59" fmla="*/ 5178268 w 6096000"/>
+              <a:gd name="connsiteY59" fmla="*/ 1935584 h 6858000"/>
+              <a:gd name="connsiteX60" fmla="*/ 5183619 w 6096000"/>
+              <a:gd name="connsiteY60" fmla="*/ 1942021 h 6858000"/>
+              <a:gd name="connsiteX61" fmla="*/ 5184480 w 6096000"/>
+              <a:gd name="connsiteY61" fmla="*/ 1945112 h 6858000"/>
+              <a:gd name="connsiteX62" fmla="*/ 5172776 w 6096000"/>
+              <a:gd name="connsiteY62" fmla="*/ 1961162 h 6858000"/>
+              <a:gd name="connsiteX63" fmla="*/ 5168513 w 6096000"/>
+              <a:gd name="connsiteY63" fmla="*/ 1969445 h 6858000"/>
+              <a:gd name="connsiteX64" fmla="*/ 5126597 w 6096000"/>
+              <a:gd name="connsiteY64" fmla="*/ 2024270 h 6858000"/>
+              <a:gd name="connsiteX65" fmla="*/ 5119528 w 6096000"/>
+              <a:gd name="connsiteY65" fmla="*/ 2107942 h 6858000"/>
+              <a:gd name="connsiteX66" fmla="*/ 5110356 w 6096000"/>
+              <a:gd name="connsiteY66" fmla="*/ 2193455 h 6858000"/>
+              <a:gd name="connsiteX67" fmla="*/ 5104992 w 6096000"/>
+              <a:gd name="connsiteY67" fmla="*/ 2260088 h 6858000"/>
+              <a:gd name="connsiteX68" fmla="*/ 5059439 w 6096000"/>
+              <a:gd name="connsiteY68" fmla="*/ 2335735 h 6858000"/>
+              <a:gd name="connsiteX69" fmla="*/ 5022061 w 6096000"/>
+              <a:gd name="connsiteY69" fmla="*/ 2408995 h 6858000"/>
+              <a:gd name="connsiteX70" fmla="*/ 5022253 w 6096000"/>
+              <a:gd name="connsiteY70" fmla="*/ 2445869 h 6858000"/>
+              <a:gd name="connsiteX71" fmla="*/ 5011426 w 6096000"/>
+              <a:gd name="connsiteY71" fmla="*/ 2496499 h 6858000"/>
+              <a:gd name="connsiteX72" fmla="*/ 4994224 w 6096000"/>
+              <a:gd name="connsiteY72" fmla="*/ 2549900 h 6858000"/>
+              <a:gd name="connsiteX73" fmla="*/ 4995245 w 6096000"/>
+              <a:gd name="connsiteY73" fmla="*/ 2596456 h 6858000"/>
+              <a:gd name="connsiteX74" fmla="*/ 4988570 w 6096000"/>
+              <a:gd name="connsiteY74" fmla="*/ 2606088 h 6858000"/>
+              <a:gd name="connsiteX75" fmla="*/ 4988371 w 6096000"/>
+              <a:gd name="connsiteY75" fmla="*/ 2635351 h 6858000"/>
+              <a:gd name="connsiteX76" fmla="*/ 4983212 w 6096000"/>
+              <a:gd name="connsiteY76" fmla="*/ 2665666 h 6858000"/>
+              <a:gd name="connsiteX77" fmla="*/ 4968234 w 6096000"/>
+              <a:gd name="connsiteY77" fmla="*/ 2715895 h 6858000"/>
+              <a:gd name="connsiteX78" fmla="*/ 4975888 w 6096000"/>
+              <a:gd name="connsiteY78" fmla="*/ 2725052 h 6858000"/>
+              <a:gd name="connsiteX79" fmla="*/ 4980195 w 6096000"/>
+              <a:gd name="connsiteY79" fmla="*/ 2726489 h 6858000"/>
+              <a:gd name="connsiteX80" fmla="*/ 4976218 w 6096000"/>
+              <a:gd name="connsiteY80" fmla="*/ 2740278 h 6858000"/>
+              <a:gd name="connsiteX81" fmla="*/ 4980571 w 6096000"/>
+              <a:gd name="connsiteY81" fmla="*/ 2751112 h 6858000"/>
+              <a:gd name="connsiteX82" fmla="*/ 4973893 w 6096000"/>
+              <a:gd name="connsiteY82" fmla="*/ 2760208 h 6858000"/>
+              <a:gd name="connsiteX83" fmla="*/ 4979005 w 6096000"/>
+              <a:gd name="connsiteY83" fmla="*/ 2790136 h 6858000"/>
+              <a:gd name="connsiteX84" fmla="*/ 4986137 w 6096000"/>
+              <a:gd name="connsiteY84" fmla="*/ 2804183 h 6858000"/>
+              <a:gd name="connsiteX85" fmla="*/ 4986175 w 6096000"/>
+              <a:gd name="connsiteY85" fmla="*/ 2825860 h 6858000"/>
+              <a:gd name="connsiteX86" fmla="*/ 4993936 w 6096000"/>
+              <a:gd name="connsiteY86" fmla="*/ 2911749 h 6858000"/>
+              <a:gd name="connsiteX87" fmla="*/ 4992563 w 6096000"/>
+              <a:gd name="connsiteY87" fmla="*/ 2977278 h 6858000"/>
+              <a:gd name="connsiteX88" fmla="*/ 4980516 w 6096000"/>
+              <a:gd name="connsiteY88" fmla="*/ 2991092 h 6858000"/>
+              <a:gd name="connsiteX89" fmla="*/ 4992801 w 6096000"/>
+              <a:gd name="connsiteY89" fmla="*/ 3020247 h 6858000"/>
+              <a:gd name="connsiteX90" fmla="*/ 5014805 w 6096000"/>
+              <a:gd name="connsiteY90" fmla="*/ 3065434 h 6858000"/>
+              <a:gd name="connsiteX91" fmla="*/ 5002733 w 6096000"/>
+              <a:gd name="connsiteY91" fmla="*/ 3103777 h 6858000"/>
+              <a:gd name="connsiteX92" fmla="*/ 5002941 w 6096000"/>
+              <a:gd name="connsiteY92" fmla="*/ 3151828 h 6858000"/>
+              <a:gd name="connsiteX93" fmla="*/ 5002883 w 6096000"/>
+              <a:gd name="connsiteY93" fmla="*/ 3180546 h 6858000"/>
+              <a:gd name="connsiteX94" fmla="*/ 5016711 w 6096000"/>
+              <a:gd name="connsiteY94" fmla="*/ 3258677 h 6858000"/>
+              <a:gd name="connsiteX95" fmla="*/ 5017918 w 6096000"/>
+              <a:gd name="connsiteY95" fmla="*/ 3262610 h 6858000"/>
+              <a:gd name="connsiteX96" fmla="*/ 5011672 w 6096000"/>
+              <a:gd name="connsiteY96" fmla="*/ 3277179 h 6858000"/>
+              <a:gd name="connsiteX97" fmla="*/ 5009344 w 6096000"/>
+              <a:gd name="connsiteY97" fmla="*/ 3278130 h 6858000"/>
+              <a:gd name="connsiteX98" fmla="*/ 5026770 w 6096000"/>
+              <a:gd name="connsiteY98" fmla="*/ 3325671 h 6858000"/>
+              <a:gd name="connsiteX99" fmla="*/ 5024571 w 6096000"/>
+              <a:gd name="connsiteY99" fmla="*/ 3332072 h 6858000"/>
+              <a:gd name="connsiteX100" fmla="*/ 5041705 w 6096000"/>
+              <a:gd name="connsiteY100" fmla="*/ 3362948 h 6858000"/>
+              <a:gd name="connsiteX101" fmla="*/ 5047477 w 6096000"/>
+              <a:gd name="connsiteY101" fmla="*/ 3378959 h 6858000"/>
+              <a:gd name="connsiteX102" fmla="*/ 5060758 w 6096000"/>
+              <a:gd name="connsiteY102" fmla="*/ 3407057 h 6858000"/>
+              <a:gd name="connsiteX103" fmla="*/ 5058968 w 6096000"/>
+              <a:gd name="connsiteY103" fmla="*/ 3409825 h 6858000"/>
+              <a:gd name="connsiteX104" fmla="*/ 5062667 w 6096000"/>
+              <a:gd name="connsiteY104" fmla="*/ 3415218 h 6858000"/>
+              <a:gd name="connsiteX105" fmla="*/ 5060928 w 6096000"/>
+              <a:gd name="connsiteY105" fmla="*/ 3419880 h 6858000"/>
+              <a:gd name="connsiteX106" fmla="*/ 5062923 w 6096000"/>
+              <a:gd name="connsiteY106" fmla="*/ 3424545 h 6858000"/>
+              <a:gd name="connsiteX107" fmla="*/ 5064623 w 6096000"/>
+              <a:gd name="connsiteY107" fmla="*/ 3476412 h 6858000"/>
+              <a:gd name="connsiteX108" fmla="*/ 5069684 w 6096000"/>
+              <a:gd name="connsiteY108" fmla="*/ 3486850 h 6858000"/>
+              <a:gd name="connsiteX109" fmla="*/ 5063339 w 6096000"/>
+              <a:gd name="connsiteY109" fmla="*/ 3496391 h 6858000"/>
+              <a:gd name="connsiteX110" fmla="*/ 5070139 w 6096000"/>
+              <a:gd name="connsiteY110" fmla="*/ 3531201 h 6858000"/>
+              <a:gd name="connsiteX111" fmla="*/ 5079896 w 6096000"/>
+              <a:gd name="connsiteY111" fmla="*/ 3542019 h 6858000"/>
+              <a:gd name="connsiteX112" fmla="*/ 5087540 w 6096000"/>
+              <a:gd name="connsiteY112" fmla="*/ 3552249 h 6858000"/>
+              <a:gd name="connsiteX113" fmla="*/ 5087902 w 6096000"/>
+              <a:gd name="connsiteY113" fmla="*/ 3553678 h 6858000"/>
+              <a:gd name="connsiteX114" fmla="*/ 5091509 w 6096000"/>
+              <a:gd name="connsiteY114" fmla="*/ 3568021 h 6858000"/>
+              <a:gd name="connsiteX115" fmla="*/ 5091934 w 6096000"/>
+              <a:gd name="connsiteY115" fmla="*/ 3569719 h 6858000"/>
+              <a:gd name="connsiteX116" fmla="*/ 5089362 w 6096000"/>
+              <a:gd name="connsiteY116" fmla="*/ 3586412 h 6858000"/>
+              <a:gd name="connsiteX117" fmla="*/ 5092358 w 6096000"/>
+              <a:gd name="connsiteY117" fmla="*/ 3597336 h 6858000"/>
+              <a:gd name="connsiteX118" fmla="*/ 5084254 w 6096000"/>
+              <a:gd name="connsiteY118" fmla="*/ 3606007 h 6858000"/>
+              <a:gd name="connsiteX119" fmla="*/ 5084281 w 6096000"/>
+              <a:gd name="connsiteY119" fmla="*/ 3641228 h 6858000"/>
+              <a:gd name="connsiteX120" fmla="*/ 5091848 w 6096000"/>
+              <a:gd name="connsiteY120" fmla="*/ 3653088 h 6858000"/>
+              <a:gd name="connsiteX121" fmla="*/ 5097436 w 6096000"/>
+              <a:gd name="connsiteY121" fmla="*/ 3664114 h 6858000"/>
+              <a:gd name="connsiteX122" fmla="*/ 5097518 w 6096000"/>
+              <a:gd name="connsiteY122" fmla="*/ 3665569 h 6858000"/>
+              <a:gd name="connsiteX123" fmla="*/ 5099829 w 6096000"/>
+              <a:gd name="connsiteY123" fmla="*/ 3707357 h 6858000"/>
+              <a:gd name="connsiteX124" fmla="*/ 5114696 w 6096000"/>
+              <a:gd name="connsiteY124" fmla="*/ 3778166 h 6858000"/>
+              <a:gd name="connsiteX125" fmla="*/ 5135379 w 6096000"/>
+              <a:gd name="connsiteY125" fmla="*/ 3878222 h 6858000"/>
+              <a:gd name="connsiteX126" fmla="*/ 5130138 w 6096000"/>
+              <a:gd name="connsiteY126" fmla="*/ 4048117 h 6858000"/>
+              <a:gd name="connsiteX127" fmla="*/ 5090040 w 6096000"/>
+              <a:gd name="connsiteY127" fmla="*/ 4219510 h 6858000"/>
+              <a:gd name="connsiteX128" fmla="*/ 5092812 w 6096000"/>
+              <a:gd name="connsiteY128" fmla="*/ 4411258 h 6858000"/>
+              <a:gd name="connsiteX129" fmla="*/ 5084599 w 6096000"/>
+              <a:gd name="connsiteY129" fmla="*/ 4488531 h 6858000"/>
+              <a:gd name="connsiteX130" fmla="*/ 5084072 w 6096000"/>
+              <a:gd name="connsiteY130" fmla="*/ 4539168 h 6858000"/>
+              <a:gd name="connsiteX131" fmla="*/ 5068936 w 6096000"/>
+              <a:gd name="connsiteY131" fmla="*/ 4625153 h 6858000"/>
+              <a:gd name="connsiteX132" fmla="*/ 5059114 w 6096000"/>
+              <a:gd name="connsiteY132" fmla="*/ 4733115 h 6858000"/>
+              <a:gd name="connsiteX133" fmla="*/ 5037209 w 6096000"/>
+              <a:gd name="connsiteY133" fmla="*/ 4844323 h 6858000"/>
+              <a:gd name="connsiteX134" fmla="*/ 5020638 w 6096000"/>
+              <a:gd name="connsiteY134" fmla="*/ 4877992 h 6858000"/>
+              <a:gd name="connsiteX135" fmla="*/ 5006413 w 6096000"/>
+              <a:gd name="connsiteY135" fmla="*/ 4925805 h 6858000"/>
+              <a:gd name="connsiteX136" fmla="*/ 4971037 w 6096000"/>
+              <a:gd name="connsiteY136" fmla="*/ 5009272 h 6858000"/>
+              <a:gd name="connsiteX137" fmla="*/ 4963105 w 6096000"/>
+              <a:gd name="connsiteY137" fmla="*/ 5111369 h 6858000"/>
+              <a:gd name="connsiteX138" fmla="*/ 4976341 w 6096000"/>
+              <a:gd name="connsiteY138" fmla="*/ 5210876 h 6858000"/>
+              <a:gd name="connsiteX139" fmla="*/ 4980617 w 6096000"/>
+              <a:gd name="connsiteY139" fmla="*/ 5269726 h 6858000"/>
+              <a:gd name="connsiteX140" fmla="*/ 4997733 w 6096000"/>
+              <a:gd name="connsiteY140" fmla="*/ 5464225 h 6858000"/>
+              <a:gd name="connsiteX141" fmla="*/ 5001400 w 6096000"/>
+              <a:gd name="connsiteY141" fmla="*/ 5594585 h 6858000"/>
+              <a:gd name="connsiteX142" fmla="*/ 4983700 w 6096000"/>
+              <a:gd name="connsiteY142" fmla="*/ 5667896 h 6858000"/>
+              <a:gd name="connsiteX143" fmla="*/ 4968506 w 6096000"/>
+              <a:gd name="connsiteY143" fmla="*/ 5769225 h 6858000"/>
+              <a:gd name="connsiteX144" fmla="*/ 4969765 w 6096000"/>
+              <a:gd name="connsiteY144" fmla="*/ 5823324 h 6858000"/>
+              <a:gd name="connsiteX145" fmla="*/ 4966129 w 6096000"/>
+              <a:gd name="connsiteY145" fmla="*/ 5862699 h 6858000"/>
+              <a:gd name="connsiteX146" fmla="*/ 4970695 w 6096000"/>
+              <a:gd name="connsiteY146" fmla="*/ 5906467 h 6858000"/>
+              <a:gd name="connsiteX147" fmla="*/ 4991568 w 6096000"/>
+              <a:gd name="connsiteY147" fmla="*/ 5939847 h 6858000"/>
+              <a:gd name="connsiteX148" fmla="*/ 4986815 w 6096000"/>
+              <a:gd name="connsiteY148" fmla="*/ 5973994 h 6858000"/>
+              <a:gd name="connsiteX149" fmla="*/ 4987776 w 6096000"/>
+              <a:gd name="connsiteY149" fmla="*/ 6089693 h 6858000"/>
+              <a:gd name="connsiteX150" fmla="*/ 4991621 w 6096000"/>
+              <a:gd name="connsiteY150" fmla="*/ 6224938 h 6858000"/>
+              <a:gd name="connsiteX151" fmla="*/ 5017157 w 6096000"/>
+              <a:gd name="connsiteY151" fmla="*/ 6370251 h 6858000"/>
+              <a:gd name="connsiteX152" fmla="*/ 5040797 w 6096000"/>
+              <a:gd name="connsiteY152" fmla="*/ 6541313 h 6858000"/>
+              <a:gd name="connsiteX153" fmla="*/ 5045375 w 6096000"/>
+              <a:gd name="connsiteY153" fmla="*/ 6640957 h 6858000"/>
+              <a:gd name="connsiteX154" fmla="*/ 5058442 w 6096000"/>
+              <a:gd name="connsiteY154" fmla="*/ 6705297 h 6858000"/>
+              <a:gd name="connsiteX155" fmla="*/ 5071125 w 6096000"/>
+              <a:gd name="connsiteY155" fmla="*/ 6759582 h 6858000"/>
+              <a:gd name="connsiteX156" fmla="*/ 5069172 w 6096000"/>
+              <a:gd name="connsiteY156" fmla="*/ 6817746 h 6858000"/>
+              <a:gd name="connsiteX157" fmla="*/ 5072322 w 6096000"/>
+              <a:gd name="connsiteY157" fmla="*/ 6843646 h 6858000"/>
+              <a:gd name="connsiteX158" fmla="*/ 5091388 w 6096000"/>
+              <a:gd name="connsiteY158" fmla="*/ 6857998 h 6858000"/>
+              <a:gd name="connsiteX159" fmla="*/ 6096000 w 6096000"/>
+              <a:gd name="connsiteY159" fmla="*/ 6857998 h 6858000"/>
+              <a:gd name="connsiteX160" fmla="*/ 6096000 w 6096000"/>
+              <a:gd name="connsiteY160" fmla="*/ 6858000 h 6858000"/>
+              <a:gd name="connsiteX161" fmla="*/ 0 w 6096000"/>
+              <a:gd name="connsiteY161" fmla="*/ 6858000 h 6858000"/>
+            </a:gdLst>
+            <a:ahLst/>
+            <a:cxnLst>
+              <a:cxn ang="0">
+                <a:pos x="connsiteX0" y="connsiteY0"/>
+              </a:cxn>
+              <a:cxn ang="0">
+                <a:pos x="connsiteX1" y="connsiteY1"/>
+              </a:cxn>
+              <a:cxn ang="0">
+                <a:pos x="connsiteX2" y="connsiteY2"/>
+              </a:cxn>
+              <a:cxn ang="0">
+                <a:pos x="connsiteX3" y="connsiteY3"/>
+              </a:cxn>
+              <a:cxn ang="0">
+                <a:pos x="connsiteX4" y="connsiteY4"/>
+              </a:cxn>
+              <a:cxn ang="0">
+                <a:pos x="connsiteX5" y="connsiteY5"/>
+              </a:cxn>
+              <a:cxn ang="0">
+                <a:pos x="connsiteX6" y="connsiteY6"/>
+              </a:cxn>
+              <a:cxn ang="0">
+                <a:pos x="connsiteX7" y="connsiteY7"/>
+              </a:cxn>
+              <a:cxn ang="0">
+                <a:pos x="connsiteX8" y="connsiteY8"/>
+              </a:cxn>
+              <a:cxn ang="0">
+                <a:pos x="connsiteX9" y="connsiteY9"/>
+              </a:cxn>
+              <a:cxn ang="0">
+                <a:pos x="connsiteX10" y="connsiteY10"/>
+              </a:cxn>
+              <a:cxn ang="0">
+                <a:pos x="connsiteX11" y="connsiteY11"/>
+              </a:cxn>
+              <a:cxn ang="0">
+                <a:pos x="connsiteX12" y="connsiteY12"/>
+              </a:cxn>
+              <a:cxn ang="0">
+                <a:pos x="connsiteX13" y="connsiteY13"/>
+              </a:cxn>
+              <a:cxn ang="0">
+                <a:pos x="connsiteX14" y="connsiteY14"/>
+              </a:cxn>
+              <a:cxn ang="0">
+                <a:pos x="connsiteX15" y="connsiteY15"/>
+              </a:cxn>
+              <a:cxn ang="0">
+                <a:pos x="connsiteX16" y="connsiteY16"/>
+              </a:cxn>
+              <a:cxn ang="0">
+                <a:pos x="connsiteX17" y="connsiteY17"/>
+              </a:cxn>
+              <a:cxn ang="0">
+                <a:pos x="connsiteX18" y="connsiteY18"/>
+              </a:cxn>
+              <a:cxn ang="0">
+                <a:pos x="connsiteX19" y="connsiteY19"/>
+              </a:cxn>
+              <a:cxn ang="0">
+                <a:pos x="connsiteX20" y="connsiteY20"/>
+              </a:cxn>
+              <a:cxn ang="0">
+                <a:pos x="connsiteX21" y="connsiteY21"/>
+              </a:cxn>
+              <a:cxn ang="0">
+                <a:pos x="connsiteX22" y="connsiteY22"/>
+              </a:cxn>
+              <a:cxn ang="0">
+                <a:pos x="connsiteX23" y="connsiteY23"/>
+              </a:cxn>
+              <a:cxn ang="0">
+                <a:pos x="connsiteX24" y="connsiteY24"/>
+              </a:cxn>
+              <a:cxn ang="0">
+                <a:pos x="connsiteX25" y="connsiteY25"/>
+              </a:cxn>
+              <a:cxn ang="0">
+                <a:pos x="connsiteX26" y="connsiteY26"/>
+              </a:cxn>
+              <a:cxn ang="0">
+                <a:pos x="connsiteX27" y="connsiteY27"/>
+              </a:cxn>
+              <a:cxn ang="0">
+                <a:pos x="connsiteX28" y="connsiteY28"/>
+              </a:cxn>
+              <a:cxn ang="0">
+                <a:pos x="connsiteX29" y="connsiteY29"/>
+              </a:cxn>
+              <a:cxn ang="0">
+                <a:pos x="connsiteX30" y="connsiteY30"/>
+              </a:cxn>
+              <a:cxn ang="0">
+                <a:pos x="connsiteX31" y="connsiteY31"/>
+              </a:cxn>
+              <a:cxn ang="0">
+                <a:pos x="connsiteX32" y="connsiteY32"/>
+              </a:cxn>
+              <a:cxn ang="0">
+                <a:pos x="connsiteX33" y="connsiteY33"/>
+              </a:cxn>
+              <a:cxn ang="0">
+                <a:pos x="connsiteX34" y="connsiteY34"/>
+              </a:cxn>
+              <a:cxn ang="0">
+                <a:pos x="connsiteX35" y="connsiteY35"/>
+              </a:cxn>
+              <a:cxn ang="0">
+                <a:pos x="connsiteX36" y="connsiteY36"/>
+              </a:cxn>
+              <a:cxn ang="0">
+                <a:pos x="connsiteX37" y="connsiteY37"/>
+              </a:cxn>
+              <a:cxn ang="0">
+                <a:pos x="connsiteX38" y="connsiteY38"/>
+              </a:cxn>
+              <a:cxn ang="0">
+                <a:pos x="connsiteX39" y="connsiteY39"/>
+              </a:cxn>
+              <a:cxn ang="0">
+                <a:pos x="connsiteX40" y="connsiteY40"/>
+              </a:cxn>
+              <a:cxn ang="0">
+                <a:pos x="connsiteX41" y="connsiteY41"/>
+              </a:cxn>
+              <a:cxn ang="0">
+                <a:pos x="connsiteX42" y="connsiteY42"/>
+              </a:cxn>
+              <a:cxn ang="0">
+                <a:pos x="connsiteX43" y="connsiteY43"/>
+              </a:cxn>
+              <a:cxn ang="0">
+                <a:pos x="connsiteX44" y="connsiteY44"/>
+              </a:cxn>
+              <a:cxn ang="0">
+                <a:pos x="connsiteX45" y="connsiteY45"/>
+              </a:cxn>
+              <a:cxn ang="0">
+                <a:pos x="connsiteX46" y="connsiteY46"/>
+              </a:cxn>
+              <a:cxn ang="0">
+                <a:pos x="connsiteX47" y="connsiteY47"/>
+              </a:cxn>
+              <a:cxn ang="0">
+                <a:pos x="connsiteX48" y="connsiteY48"/>
+              </a:cxn>
+              <a:cxn ang="0">
+                <a:pos x="connsiteX49" y="connsiteY49"/>
+              </a:cxn>
+              <a:cxn ang="0">
+                <a:pos x="connsiteX50" y="connsiteY50"/>
+              </a:cxn>
+              <a:cxn ang="0">
+                <a:pos x="connsiteX51" y="connsiteY51"/>
+              </a:cxn>
+              <a:cxn ang="0">
+                <a:pos x="connsiteX52" y="connsiteY52"/>
+              </a:cxn>
+              <a:cxn ang="0">
+                <a:pos x="connsiteX53" y="connsiteY53"/>
+              </a:cxn>
+              <a:cxn ang="0">
+                <a:pos x="connsiteX54" y="connsiteY54"/>
+              </a:cxn>
+              <a:cxn ang="0">
+                <a:pos x="connsiteX55" y="connsiteY55"/>
+              </a:cxn>
+              <a:cxn ang="0">
+                <a:pos x="connsiteX56" y="connsiteY56"/>
+              </a:cxn>
+              <a:cxn ang="0">
+                <a:pos x="connsiteX57" y="connsiteY57"/>
+              </a:cxn>
+              <a:cxn ang="0">
+                <a:pos x="connsiteX58" y="connsiteY58"/>
+              </a:cxn>
+              <a:cxn ang="0">
+                <a:pos x="connsiteX59" y="connsiteY59"/>
+              </a:cxn>
+              <a:cxn ang="0">
+                <a:pos x="connsiteX60" y="connsiteY60"/>
+              </a:cxn>
+              <a:cxn ang="0">
+                <a:pos x="connsiteX61" y="connsiteY61"/>
+              </a:cxn>
+              <a:cxn ang="0">
+                <a:pos x="connsiteX62" y="connsiteY62"/>
+              </a:cxn>
+              <a:cxn ang="0">
+                <a:pos x="connsiteX63" y="connsiteY63"/>
+              </a:cxn>
+              <a:cxn ang="0">
+                <a:pos x="connsiteX64" y="connsiteY64"/>
+              </a:cxn>
+              <a:cxn ang="0">
+                <a:pos x="connsiteX65" y="connsiteY65"/>
+              </a:cxn>
+              <a:cxn ang="0">
+                <a:pos x="connsiteX66" y="connsiteY66"/>
+              </a:cxn>
+              <a:cxn ang="0">
+                <a:pos x="connsiteX67" y="connsiteY67"/>
+              </a:cxn>
+              <a:cxn ang="0">
+                <a:pos x="connsiteX68" y="connsiteY68"/>
+              </a:cxn>
+              <a:cxn ang="0">
+                <a:pos x="connsiteX69" y="connsiteY69"/>
+              </a:cxn>
+              <a:cxn ang="0">
+                <a:pos x="connsiteX70" y="connsiteY70"/>
+              </a:cxn>
+              <a:cxn ang="0">
+                <a:pos x="connsiteX71" y="connsiteY71"/>
+              </a:cxn>
+              <a:cxn ang="0">
+                <a:pos x="connsiteX72" y="connsiteY72"/>
+              </a:cxn>
+              <a:cxn ang="0">
+                <a:pos x="connsiteX73" y="connsiteY73"/>
+              </a:cxn>
+              <a:cxn ang="0">
+                <a:pos x="connsiteX74" y="connsiteY74"/>
+              </a:cxn>
+              <a:cxn ang="0">
+                <a:pos x="connsiteX75" y="connsiteY75"/>
+              </a:cxn>
+              <a:cxn ang="0">
+                <a:pos x="connsiteX76" y="connsiteY76"/>
+              </a:cxn>
+              <a:cxn ang="0">
+                <a:pos x="connsiteX77" y="connsiteY77"/>
+              </a:cxn>
+              <a:cxn ang="0">
+                <a:pos x="connsiteX78" y="connsiteY78"/>
+              </a:cxn>
+              <a:cxn ang="0">
+                <a:pos x="connsiteX79" y="connsiteY79"/>
+              </a:cxn>
+              <a:cxn ang="0">
+                <a:pos x="connsiteX80" y="connsiteY80"/>
+              </a:cxn>
+              <a:cxn ang="0">
+                <a:pos x="connsiteX81" y="connsiteY81"/>
+              </a:cxn>
+              <a:cxn ang="0">
+                <a:pos x="connsiteX82" y="connsiteY82"/>
+              </a:cxn>
+              <a:cxn ang="0">
+                <a:pos x="connsiteX83" y="connsiteY83"/>
+              </a:cxn>
+              <a:cxn ang="0">
+                <a:pos x="connsiteX84" y="connsiteY84"/>
+              </a:cxn>
+              <a:cxn ang="0">
+                <a:pos x="connsiteX85" y="connsiteY85"/>
+              </a:cxn>
+              <a:cxn ang="0">
+                <a:pos x="connsiteX86" y="connsiteY86"/>
+              </a:cxn>
+              <a:cxn ang="0">
+                <a:pos x="connsiteX87" y="connsiteY87"/>
+              </a:cxn>
+              <a:cxn ang="0">
+                <a:pos x="connsiteX88" y="connsiteY88"/>
+              </a:cxn>
+              <a:cxn ang="0">
+                <a:pos x="connsiteX89" y="connsiteY89"/>
+              </a:cxn>
+              <a:cxn ang="0">
+                <a:pos x="connsiteX90" y="connsiteY90"/>
+              </a:cxn>
+              <a:cxn ang="0">
+                <a:pos x="connsiteX91" y="connsiteY91"/>
+              </a:cxn>
+              <a:cxn ang="0">
+                <a:pos x="connsiteX92" y="connsiteY92"/>
+              </a:cxn>
+              <a:cxn ang="0">
+                <a:pos x="connsiteX93" y="connsiteY93"/>
+              </a:cxn>
+              <a:cxn ang="0">
+                <a:pos x="connsiteX94" y="connsiteY94"/>
+              </a:cxn>
+              <a:cxn ang="0">
+                <a:pos x="connsiteX95" y="connsiteY95"/>
+              </a:cxn>
+              <a:cxn ang="0">
+                <a:pos x="connsiteX96" y="connsiteY96"/>
+              </a:cxn>
+              <a:cxn ang="0">
+                <a:pos x="connsiteX97" y="connsiteY97"/>
+              </a:cxn>
+              <a:cxn ang="0">
+                <a:pos x="connsiteX98" y="connsiteY98"/>
+              </a:cxn>
+              <a:cxn ang="0">
+                <a:pos x="connsiteX99" y="connsiteY99"/>
+              </a:cxn>
+              <a:cxn ang="0">
+                <a:pos x="connsiteX100" y="connsiteY100"/>
+              </a:cxn>
+              <a:cxn ang="0">
+                <a:pos x="connsiteX101" y="connsiteY101"/>
+              </a:cxn>
+              <a:cxn ang="0">
+                <a:pos x="connsiteX102" y="connsiteY102"/>
+              </a:cxn>
+              <a:cxn ang="0">
+                <a:pos x="connsiteX103" y="connsiteY103"/>
+              </a:cxn>
+              <a:cxn ang="0">
+                <a:pos x="connsiteX104" y="connsiteY104"/>
+              </a:cxn>
+              <a:cxn ang="0">
+                <a:pos x="connsiteX105" y="connsiteY105"/>
+              </a:cxn>
+              <a:cxn ang="0">
+                <a:pos x="connsiteX106" y="connsiteY106"/>
+              </a:cxn>
+              <a:cxn ang="0">
+                <a:pos x="connsiteX107" y="connsiteY107"/>
+              </a:cxn>
+              <a:cxn ang="0">
+                <a:pos x="connsiteX108" y="connsiteY108"/>
+              </a:cxn>
+              <a:cxn ang="0">
+                <a:pos x="connsiteX109" y="connsiteY109"/>
+              </a:cxn>
+              <a:cxn ang="0">
+                <a:pos x="connsiteX110" y="connsiteY110"/>
+              </a:cxn>
+              <a:cxn ang="0">
+                <a:pos x="connsiteX111" y="connsiteY111"/>
+              </a:cxn>
+              <a:cxn ang="0">
+                <a:pos x="connsiteX112" y="connsiteY112"/>
+              </a:cxn>
+              <a:cxn ang="0">
+                <a:pos x="connsiteX113" y="connsiteY113"/>
+              </a:cxn>
+              <a:cxn ang="0">
+                <a:pos x="connsiteX114" y="connsiteY114"/>
+              </a:cxn>
+              <a:cxn ang="0">
+                <a:pos x="connsiteX115" y="connsiteY115"/>
+              </a:cxn>
+              <a:cxn ang="0">
+                <a:pos x="connsiteX116" y="connsiteY116"/>
+              </a:cxn>
+              <a:cxn ang="0">
+                <a:pos x="connsiteX117" y="connsiteY117"/>
+              </a:cxn>
+              <a:cxn ang="0">
+                <a:pos x="connsiteX118" y="connsiteY118"/>
+              </a:cxn>
+              <a:cxn ang="0">
+                <a:pos x="connsiteX119" y="connsiteY119"/>
+              </a:cxn>
+              <a:cxn ang="0">
+                <a:pos x="connsiteX120" y="connsiteY120"/>
+              </a:cxn>
+              <a:cxn ang="0">
+                <a:pos x="connsiteX121" y="connsiteY121"/>
+              </a:cxn>
+              <a:cxn ang="0">
+                <a:pos x="connsiteX122" y="connsiteY122"/>
+              </a:cxn>
+              <a:cxn ang="0">
+                <a:pos x="connsiteX123" y="connsiteY123"/>
+              </a:cxn>
+              <a:cxn ang="0">
+                <a:pos x="connsiteX124" y="connsiteY124"/>
+              </a:cxn>
+              <a:cxn ang="0">
+                <a:pos x="connsiteX125" y="connsiteY125"/>
+              </a:cxn>
+              <a:cxn ang="0">
+                <a:pos x="connsiteX126" y="connsiteY126"/>
+              </a:cxn>
+              <a:cxn ang="0">
+                <a:pos x="connsiteX127" y="connsiteY127"/>
+              </a:cxn>
+              <a:cxn ang="0">
+                <a:pos x="connsiteX128" y="connsiteY128"/>
+              </a:cxn>
+              <a:cxn ang="0">
+                <a:pos x="connsiteX129" y="connsiteY129"/>
+              </a:cxn>
+              <a:cxn ang="0">
+                <a:pos x="connsiteX130" y="connsiteY130"/>
+              </a:cxn>
+              <a:cxn ang="0">
+                <a:pos x="connsiteX131" y="connsiteY131"/>
+              </a:cxn>
+              <a:cxn ang="0">
+                <a:pos x="connsiteX132" y="connsiteY132"/>
+              </a:cxn>
+              <a:cxn ang="0">
+                <a:pos x="connsiteX133" y="connsiteY133"/>
+              </a:cxn>
+              <a:cxn ang="0">
+                <a:pos x="connsiteX134" y="connsiteY134"/>
+              </a:cxn>
+              <a:cxn ang="0">
+                <a:pos x="connsiteX135" y="connsiteY135"/>
+              </a:cxn>
+              <a:cxn ang="0">
+                <a:pos x="connsiteX136" y="connsiteY136"/>
+              </a:cxn>
+              <a:cxn ang="0">
+                <a:pos x="connsiteX137" y="connsiteY137"/>
+              </a:cxn>
+              <a:cxn ang="0">
+                <a:pos x="connsiteX138" y="connsiteY138"/>
+              </a:cxn>
+              <a:cxn ang="0">
+                <a:pos x="connsiteX139" y="connsiteY139"/>
+              </a:cxn>
+              <a:cxn ang="0">
+                <a:pos x="connsiteX140" y="connsiteY140"/>
+              </a:cxn>
+              <a:cxn ang="0">
+                <a:pos x="connsiteX141" y="connsiteY141"/>
+              </a:cxn>
+              <a:cxn ang="0">
+                <a:pos x="connsiteX142" y="connsiteY142"/>
+              </a:cxn>
+              <a:cxn ang="0">
+                <a:pos x="connsiteX143" y="connsiteY143"/>
+              </a:cxn>
+              <a:cxn ang="0">
+                <a:pos x="connsiteX144" y="connsiteY144"/>
+              </a:cxn>
+              <a:cxn ang="0">
+                <a:pos x="connsiteX145" y="connsiteY145"/>
+              </a:cxn>
+              <a:cxn ang="0">
+                <a:pos x="connsiteX146" y="connsiteY146"/>
+              </a:cxn>
+              <a:cxn ang="0">
+                <a:pos x="connsiteX147" y="connsiteY147"/>
+              </a:cxn>
+              <a:cxn ang="0">
+                <a:pos x="connsiteX148" y="connsiteY148"/>
+              </a:cxn>
+              <a:cxn ang="0">
+                <a:pos x="connsiteX149" y="connsiteY149"/>
+              </a:cxn>
+              <a:cxn ang="0">
+                <a:pos x="connsiteX150" y="connsiteY150"/>
+              </a:cxn>
+              <a:cxn ang="0">
+                <a:pos x="connsiteX151" y="connsiteY151"/>
+              </a:cxn>
+              <a:cxn ang="0">
+                <a:pos x="connsiteX152" y="connsiteY152"/>
+              </a:cxn>
+              <a:cxn ang="0">
+                <a:pos x="connsiteX153" y="connsiteY153"/>
+              </a:cxn>
+              <a:cxn ang="0">
+                <a:pos x="connsiteX154" y="connsiteY154"/>
+              </a:cxn>
+              <a:cxn ang="0">
+                <a:pos x="connsiteX155" y="connsiteY155"/>
+              </a:cxn>
+              <a:cxn ang="0">
+                <a:pos x="connsiteX156" y="connsiteY156"/>
+              </a:cxn>
+              <a:cxn ang="0">
+                <a:pos x="connsiteX157" y="connsiteY157"/>
+              </a:cxn>
+              <a:cxn ang="0">
+                <a:pos x="connsiteX158" y="connsiteY158"/>
+              </a:cxn>
+              <a:cxn ang="0">
+                <a:pos x="connsiteX159" y="connsiteY159"/>
+              </a:cxn>
+              <a:cxn ang="0">
+                <a:pos x="connsiteX160" y="connsiteY160"/>
+              </a:cxn>
+              <a:cxn ang="0">
+                <a:pos x="connsiteX161" y="connsiteY161"/>
+              </a:cxn>
+            </a:cxnLst>
+            <a:rect l="l" t="t" r="r" b="b"/>
+            <a:pathLst>
+              <a:path w="6096000" h="6858000">
+                <a:moveTo>
+                  <a:pt x="0" y="0"/>
+                </a:moveTo>
+                <a:lnTo>
+                  <a:pt x="5567517" y="0"/>
+                </a:lnTo>
+                <a:lnTo>
+                  <a:pt x="5566938" y="1705"/>
+                </a:lnTo>
+                <a:cubicBezTo>
+                  <a:pt x="5563126" y="8440"/>
+                  <a:pt x="5558112" y="13784"/>
+                  <a:pt x="5551594" y="17287"/>
+                </a:cubicBezTo>
+                <a:cubicBezTo>
+                  <a:pt x="5562364" y="82036"/>
+                  <a:pt x="5510349" y="69804"/>
+                  <a:pt x="5545641" y="130336"/>
+                </a:cubicBezTo>
+                <a:cubicBezTo>
+                  <a:pt x="5526953" y="117589"/>
+                  <a:pt x="5536978" y="162458"/>
+                  <a:pt x="5538289" y="187093"/>
+                </a:cubicBezTo>
+                <a:cubicBezTo>
+                  <a:pt x="5536205" y="226511"/>
+                  <a:pt x="5545722" y="205530"/>
+                  <a:pt x="5545790" y="265704"/>
+                </a:cubicBezTo>
+                <a:cubicBezTo>
+                  <a:pt x="5542296" y="317533"/>
+                  <a:pt x="5543813" y="325288"/>
+                  <a:pt x="5542313" y="354566"/>
+                </a:cubicBezTo>
+                <a:lnTo>
+                  <a:pt x="5524126" y="472000"/>
+                </a:lnTo>
+                <a:lnTo>
+                  <a:pt x="5522170" y="473782"/>
+                </a:lnTo>
+                <a:cubicBezTo>
+                  <a:pt x="5517847" y="482008"/>
+                  <a:pt x="5518682" y="487340"/>
+                  <a:pt x="5521798" y="491380"/>
+                </a:cubicBezTo>
+                <a:lnTo>
+                  <a:pt x="5536419" y="531675"/>
+                </a:lnTo>
+                <a:lnTo>
+                  <a:pt x="5533435" y="536015"/>
+                </a:lnTo>
+                <a:lnTo>
+                  <a:pt x="5538088" y="572092"/>
+                </a:lnTo>
+                <a:lnTo>
+                  <a:pt x="5536061" y="572511"/>
+                </a:lnTo>
+                <a:cubicBezTo>
+                  <a:pt x="5531611" y="574271"/>
+                  <a:pt x="5528529" y="577121"/>
+                  <a:pt x="5528218" y="582332"/>
+                </a:cubicBezTo>
+                <a:cubicBezTo>
+                  <a:pt x="5498002" y="573171"/>
+                  <a:pt x="5516262" y="585107"/>
+                  <a:pt x="5518011" y="601285"/>
+                </a:cubicBezTo>
+                <a:cubicBezTo>
+                  <a:pt x="5508838" y="617831"/>
+                  <a:pt x="5480684" y="666964"/>
+                  <a:pt x="5473174" y="681608"/>
+                </a:cubicBezTo>
+                <a:cubicBezTo>
+                  <a:pt x="5473102" y="684122"/>
+                  <a:pt x="5473033" y="686637"/>
+                  <a:pt x="5472963" y="689151"/>
+                </a:cubicBezTo>
+                <a:lnTo>
+                  <a:pt x="5472485" y="689289"/>
+                </a:lnTo>
+                <a:cubicBezTo>
+                  <a:pt x="5471434" y="690905"/>
+                  <a:pt x="5470986" y="693376"/>
+                  <a:pt x="5471326" y="697222"/>
+                </a:cubicBezTo>
+                <a:cubicBezTo>
+                  <a:pt x="5471606" y="703992"/>
+                  <a:pt x="5471884" y="710761"/>
+                  <a:pt x="5472164" y="717531"/>
+                </a:cubicBezTo>
+                <a:lnTo>
+                  <a:pt x="5468891" y="722494"/>
+                </a:lnTo>
+                <a:lnTo>
+                  <a:pt x="5463081" y="724368"/>
+                </a:lnTo>
+                <a:lnTo>
+                  <a:pt x="5446981" y="752692"/>
+                </a:lnTo>
+                <a:cubicBezTo>
+                  <a:pt x="5454691" y="764380"/>
+                  <a:pt x="5422719" y="808083"/>
+                  <a:pt x="5417190" y="816346"/>
+                </a:cubicBezTo>
+                <a:lnTo>
+                  <a:pt x="5388958" y="889417"/>
+                </a:lnTo>
+                <a:cubicBezTo>
+                  <a:pt x="5320491" y="969963"/>
+                  <a:pt x="5321907" y="1005331"/>
+                  <a:pt x="5307044" y="1063288"/>
+                </a:cubicBezTo>
+                <a:cubicBezTo>
+                  <a:pt x="5313332" y="1111028"/>
+                  <a:pt x="5317096" y="1110140"/>
+                  <a:pt x="5303837" y="1157176"/>
+                </a:cubicBezTo>
+                <a:cubicBezTo>
+                  <a:pt x="5301103" y="1192124"/>
+                  <a:pt x="5301884" y="1197232"/>
+                  <a:pt x="5286494" y="1210776"/>
+                </a:cubicBezTo>
+                <a:lnTo>
+                  <a:pt x="5282463" y="1301993"/>
+                </a:lnTo>
+                <a:lnTo>
+                  <a:pt x="5252235" y="1360879"/>
+                </a:lnTo>
+                <a:lnTo>
+                  <a:pt x="5244497" y="1404045"/>
+                </a:lnTo>
+                <a:lnTo>
+                  <a:pt x="5223823" y="1429568"/>
+                </a:lnTo>
+                <a:lnTo>
+                  <a:pt x="5224851" y="1430305"/>
+                </a:lnTo>
+                <a:cubicBezTo>
+                  <a:pt x="5226697" y="1432466"/>
+                  <a:pt x="5214738" y="1459891"/>
+                  <a:pt x="5212394" y="1463304"/>
+                </a:cubicBezTo>
+                <a:cubicBezTo>
+                  <a:pt x="5209912" y="1477394"/>
+                  <a:pt x="5213027" y="1501295"/>
+                  <a:pt x="5209958" y="1514846"/>
+                </a:cubicBezTo>
+                <a:lnTo>
+                  <a:pt x="5206417" y="1519731"/>
+                </a:lnTo>
+                <a:lnTo>
+                  <a:pt x="5206640" y="1519929"/>
+                </a:lnTo>
+                <a:cubicBezTo>
+                  <a:pt x="5206490" y="1521210"/>
+                  <a:pt x="5209710" y="1543635"/>
+                  <a:pt x="5207632" y="1546022"/>
+                </a:cubicBezTo>
+                <a:lnTo>
+                  <a:pt x="5212030" y="1578752"/>
+                </a:lnTo>
+                <a:cubicBezTo>
+                  <a:pt x="5206147" y="1605585"/>
+                  <a:pt x="5226381" y="1622803"/>
+                  <a:pt x="5203533" y="1647555"/>
+                </a:cubicBezTo>
+                <a:cubicBezTo>
+                  <a:pt x="5198128" y="1672675"/>
+                  <a:pt x="5203213" y="1694404"/>
+                  <a:pt x="5190877" y="1715685"/>
+                </a:cubicBezTo>
+                <a:cubicBezTo>
+                  <a:pt x="5196815" y="1724301"/>
+                  <a:pt x="5198098" y="1732435"/>
+                  <a:pt x="5184235" y="1740358"/>
+                </a:cubicBezTo>
+                <a:cubicBezTo>
+                  <a:pt x="5182625" y="1763793"/>
+                  <a:pt x="5198368" y="1769422"/>
+                  <a:pt x="5181475" y="1784314"/>
+                </a:cubicBezTo>
+                <a:cubicBezTo>
+                  <a:pt x="5205987" y="1797417"/>
+                  <a:pt x="5195246" y="1798221"/>
+                  <a:pt x="5185845" y="1804434"/>
+                </a:cubicBezTo>
+                <a:lnTo>
+                  <a:pt x="5185068" y="1805316"/>
+                </a:lnTo>
+                <a:lnTo>
+                  <a:pt x="5188593" y="1807109"/>
+                </a:lnTo>
+                <a:lnTo>
+                  <a:pt x="5185920" y="1821003"/>
+                </a:lnTo>
+                <a:lnTo>
+                  <a:pt x="5183543" y="1824832"/>
+                </a:lnTo>
+                <a:cubicBezTo>
+                  <a:pt x="5182284" y="1827468"/>
+                  <a:pt x="5181937" y="1829219"/>
+                  <a:pt x="5182235" y="1830429"/>
+                </a:cubicBezTo>
+                <a:lnTo>
+                  <a:pt x="5182525" y="1830569"/>
+                </a:lnTo>
+                <a:lnTo>
+                  <a:pt x="5180663" y="1835810"/>
+                </a:lnTo>
+                <a:cubicBezTo>
+                  <a:pt x="5176779" y="1844665"/>
+                  <a:pt x="5172297" y="1853278"/>
+                  <a:pt x="5167452" y="1861483"/>
+                </a:cubicBezTo>
+                <a:cubicBezTo>
+                  <a:pt x="5179827" y="1866643"/>
+                  <a:pt x="5166788" y="1884999"/>
+                  <a:pt x="5174266" y="1892417"/>
+                </a:cubicBezTo>
+                <a:lnTo>
+                  <a:pt x="5189262" y="1895114"/>
+                </a:lnTo>
+                <a:lnTo>
+                  <a:pt x="5187100" y="1899379"/>
+                </a:lnTo>
+                <a:lnTo>
+                  <a:pt x="5180471" y="1907867"/>
+                </a:lnTo>
+                <a:cubicBezTo>
+                  <a:pt x="5179609" y="1909162"/>
+                  <a:pt x="5179647" y="1909994"/>
+                  <a:pt x="5181361" y="1910265"/>
+                </a:cubicBezTo>
+                <a:cubicBezTo>
+                  <a:pt x="5180995" y="1914884"/>
+                  <a:pt x="5177893" y="1930292"/>
+                  <a:pt x="5178268" y="1935584"/>
+                </a:cubicBezTo>
+                <a:lnTo>
+                  <a:pt x="5183619" y="1942021"/>
+                </a:lnTo>
+                <a:lnTo>
+                  <a:pt x="5184480" y="1945112"/>
+                </a:lnTo>
+                <a:lnTo>
+                  <a:pt x="5172776" y="1961162"/>
+                </a:lnTo>
+                <a:lnTo>
+                  <a:pt x="5168513" y="1969445"/>
+                </a:lnTo>
+                <a:lnTo>
+                  <a:pt x="5126597" y="2024270"/>
+                </a:lnTo>
+                <a:lnTo>
+                  <a:pt x="5119528" y="2107942"/>
+                </a:lnTo>
+                <a:cubicBezTo>
+                  <a:pt x="5089290" y="2138038"/>
+                  <a:pt x="5110415" y="2159228"/>
+                  <a:pt x="5110356" y="2193455"/>
+                </a:cubicBezTo>
+                <a:cubicBezTo>
+                  <a:pt x="5101302" y="2220953"/>
+                  <a:pt x="5110381" y="2224200"/>
+                  <a:pt x="5104992" y="2260088"/>
+                </a:cubicBezTo>
+                <a:cubicBezTo>
+                  <a:pt x="5096504" y="2291744"/>
+                  <a:pt x="5078225" y="2299003"/>
+                  <a:pt x="5059439" y="2335735"/>
+                </a:cubicBezTo>
+                <a:cubicBezTo>
+                  <a:pt x="5029465" y="2329020"/>
+                  <a:pt x="5058046" y="2407546"/>
+                  <a:pt x="5022061" y="2408995"/>
+                </a:cubicBezTo>
+                <a:cubicBezTo>
+                  <a:pt x="5023289" y="2413465"/>
+                  <a:pt x="5019654" y="2441580"/>
+                  <a:pt x="5022253" y="2445869"/>
+                </a:cubicBezTo>
+                <a:cubicBezTo>
+                  <a:pt x="5022440" y="2449625"/>
+                  <a:pt x="5011241" y="2492743"/>
+                  <a:pt x="5011426" y="2496499"/>
+                </a:cubicBezTo>
+                <a:lnTo>
+                  <a:pt x="4994224" y="2549900"/>
+                </a:lnTo>
+                <a:cubicBezTo>
+                  <a:pt x="4992353" y="2564757"/>
+                  <a:pt x="4998952" y="2582253"/>
+                  <a:pt x="4995245" y="2596456"/>
+                </a:cubicBezTo>
+                <a:lnTo>
+                  <a:pt x="4988570" y="2606088"/>
+                </a:lnTo>
+                <a:cubicBezTo>
+                  <a:pt x="4988504" y="2615842"/>
+                  <a:pt x="4988436" y="2625597"/>
+                  <a:pt x="4988371" y="2635351"/>
+                </a:cubicBezTo>
+                <a:lnTo>
+                  <a:pt x="4983212" y="2665666"/>
+                </a:lnTo>
+                <a:lnTo>
+                  <a:pt x="4968234" y="2715895"/>
+                </a:lnTo>
+                <a:lnTo>
+                  <a:pt x="4975888" y="2725052"/>
+                </a:lnTo>
+                <a:lnTo>
+                  <a:pt x="4980195" y="2726489"/>
+                </a:lnTo>
+                <a:lnTo>
+                  <a:pt x="4976218" y="2740278"/>
+                </a:lnTo>
+                <a:lnTo>
+                  <a:pt x="4980571" y="2751112"/>
+                </a:lnTo>
+                <a:lnTo>
+                  <a:pt x="4973893" y="2760208"/>
+                </a:lnTo>
+                <a:lnTo>
+                  <a:pt x="4979005" y="2790136"/>
+                </a:lnTo>
+                <a:lnTo>
+                  <a:pt x="4986137" y="2804183"/>
+                </a:lnTo>
+                <a:cubicBezTo>
+                  <a:pt x="4986150" y="2811409"/>
+                  <a:pt x="4986162" y="2818634"/>
+                  <a:pt x="4986175" y="2825860"/>
+                </a:cubicBezTo>
+                <a:cubicBezTo>
+                  <a:pt x="4987474" y="2843788"/>
+                  <a:pt x="4992871" y="2886513"/>
+                  <a:pt x="4993936" y="2911749"/>
+                </a:cubicBezTo>
+                <a:cubicBezTo>
+                  <a:pt x="4993313" y="2946689"/>
+                  <a:pt x="4980300" y="2954448"/>
+                  <a:pt x="4992563" y="2977278"/>
+                </a:cubicBezTo>
+                <a:cubicBezTo>
+                  <a:pt x="4985688" y="2983455"/>
+                  <a:pt x="4982051" y="2987749"/>
+                  <a:pt x="4980516" y="2991092"/>
+                </a:cubicBezTo>
+                <a:cubicBezTo>
+                  <a:pt x="4975910" y="3001119"/>
+                  <a:pt x="4990216" y="3002537"/>
+                  <a:pt x="4992801" y="3020247"/>
+                </a:cubicBezTo>
+                <a:cubicBezTo>
+                  <a:pt x="4998517" y="3032637"/>
+                  <a:pt x="5013148" y="3051512"/>
+                  <a:pt x="5014805" y="3065434"/>
+                </a:cubicBezTo>
+                <a:cubicBezTo>
+                  <a:pt x="4998836" y="3057428"/>
+                  <a:pt x="5016840" y="3105196"/>
+                  <a:pt x="5002733" y="3103777"/>
+                </a:cubicBezTo>
+                <a:cubicBezTo>
+                  <a:pt x="5022381" y="3124610"/>
+                  <a:pt x="4997365" y="3128169"/>
+                  <a:pt x="5002941" y="3151828"/>
+                </a:cubicBezTo>
+                <a:cubicBezTo>
+                  <a:pt x="5010264" y="3163902"/>
+                  <a:pt x="5011356" y="3171780"/>
+                  <a:pt x="5002883" y="3180546"/>
+                </a:cubicBezTo>
+                <a:cubicBezTo>
+                  <a:pt x="5038586" y="3236545"/>
+                  <a:pt x="5003723" y="3210316"/>
+                  <a:pt x="5016711" y="3258677"/>
+                </a:cubicBezTo>
+                <a:lnTo>
+                  <a:pt x="5017918" y="3262610"/>
+                </a:lnTo>
+                <a:lnTo>
+                  <a:pt x="5011672" y="3277179"/>
+                </a:lnTo>
+                <a:lnTo>
+                  <a:pt x="5009344" y="3278130"/>
+                </a:lnTo>
+                <a:lnTo>
+                  <a:pt x="5026770" y="3325671"/>
+                </a:lnTo>
+                <a:lnTo>
+                  <a:pt x="5024571" y="3332072"/>
+                </a:lnTo>
+                <a:lnTo>
+                  <a:pt x="5041705" y="3362948"/>
+                </a:lnTo>
+                <a:lnTo>
+                  <a:pt x="5047477" y="3378959"/>
+                </a:lnTo>
+                <a:lnTo>
+                  <a:pt x="5060758" y="3407057"/>
+                </a:lnTo>
+                <a:lnTo>
+                  <a:pt x="5058968" y="3409825"/>
+                </a:lnTo>
+                <a:lnTo>
+                  <a:pt x="5062667" y="3415218"/>
+                </a:lnTo>
+                <a:lnTo>
+                  <a:pt x="5060928" y="3419880"/>
+                </a:lnTo>
+                <a:lnTo>
+                  <a:pt x="5062923" y="3424545"/>
+                </a:lnTo>
+                <a:cubicBezTo>
+                  <a:pt x="5063537" y="3433967"/>
+                  <a:pt x="5063494" y="3466028"/>
+                  <a:pt x="5064623" y="3476412"/>
+                </a:cubicBezTo>
+                <a:lnTo>
+                  <a:pt x="5069684" y="3486850"/>
+                </a:lnTo>
+                <a:lnTo>
+                  <a:pt x="5063339" y="3496391"/>
+                </a:lnTo>
+                <a:lnTo>
+                  <a:pt x="5070139" y="3531201"/>
+                </a:lnTo>
+                <a:lnTo>
+                  <a:pt x="5079896" y="3542019"/>
+                </a:lnTo>
+                <a:lnTo>
+                  <a:pt x="5087540" y="3552249"/>
+                </a:lnTo>
+                <a:lnTo>
+                  <a:pt x="5087902" y="3553678"/>
+                </a:lnTo>
+                <a:lnTo>
+                  <a:pt x="5091509" y="3568021"/>
+                </a:lnTo>
+                <a:lnTo>
+                  <a:pt x="5091934" y="3569719"/>
+                </a:lnTo>
+                <a:lnTo>
+                  <a:pt x="5089362" y="3586412"/>
+                </a:lnTo>
+                <a:lnTo>
+                  <a:pt x="5092358" y="3597336"/>
+                </a:lnTo>
+                <a:lnTo>
+                  <a:pt x="5084254" y="3606007"/>
+                </a:lnTo>
+                <a:cubicBezTo>
+                  <a:pt x="5084262" y="3617747"/>
+                  <a:pt x="5084273" y="3629488"/>
+                  <a:pt x="5084281" y="3641228"/>
+                </a:cubicBezTo>
+                <a:lnTo>
+                  <a:pt x="5091848" y="3653088"/>
+                </a:lnTo>
+                <a:lnTo>
+                  <a:pt x="5097436" y="3664114"/>
+                </a:lnTo>
+                <a:cubicBezTo>
+                  <a:pt x="5097463" y="3664599"/>
+                  <a:pt x="5097491" y="3665084"/>
+                  <a:pt x="5097518" y="3665569"/>
+                </a:cubicBezTo>
+                <a:cubicBezTo>
+                  <a:pt x="5097915" y="3672776"/>
+                  <a:pt x="5096966" y="3688591"/>
+                  <a:pt x="5099829" y="3707357"/>
+                </a:cubicBezTo>
+                <a:cubicBezTo>
+                  <a:pt x="5100505" y="3724716"/>
+                  <a:pt x="5118078" y="3760234"/>
+                  <a:pt x="5114696" y="3778166"/>
+                </a:cubicBezTo>
+                <a:cubicBezTo>
+                  <a:pt x="5141627" y="3845122"/>
+                  <a:pt x="5125427" y="3821305"/>
+                  <a:pt x="5135379" y="3878222"/>
+                </a:cubicBezTo>
+                <a:cubicBezTo>
+                  <a:pt x="5161519" y="3905047"/>
+                  <a:pt x="5125417" y="4015047"/>
+                  <a:pt x="5130138" y="4048117"/>
+                </a:cubicBezTo>
+                <a:cubicBezTo>
+                  <a:pt x="5081804" y="4192084"/>
+                  <a:pt x="5096262" y="4158987"/>
+                  <a:pt x="5090040" y="4219510"/>
+                </a:cubicBezTo>
+                <a:cubicBezTo>
+                  <a:pt x="5104553" y="4280033"/>
+                  <a:pt x="5065380" y="4345686"/>
+                  <a:pt x="5092812" y="4411258"/>
+                </a:cubicBezTo>
+                <a:cubicBezTo>
+                  <a:pt x="5090630" y="4437329"/>
+                  <a:pt x="5083878" y="4473140"/>
+                  <a:pt x="5084599" y="4488531"/>
+                </a:cubicBezTo>
+                <a:cubicBezTo>
+                  <a:pt x="5084423" y="4505410"/>
+                  <a:pt x="5084248" y="4522289"/>
+                  <a:pt x="5084072" y="4539168"/>
+                </a:cubicBezTo>
+                <a:cubicBezTo>
+                  <a:pt x="5072114" y="4567830"/>
+                  <a:pt x="5064305" y="4588197"/>
+                  <a:pt x="5068936" y="4625153"/>
+                </a:cubicBezTo>
+                <a:cubicBezTo>
+                  <a:pt x="5077433" y="4662889"/>
+                  <a:pt x="5065899" y="4679357"/>
+                  <a:pt x="5059114" y="4733115"/>
+                </a:cubicBezTo>
+                <a:cubicBezTo>
+                  <a:pt x="5068687" y="4752352"/>
+                  <a:pt x="5055370" y="4832308"/>
+                  <a:pt x="5037209" y="4844323"/>
+                </a:cubicBezTo>
+                <a:cubicBezTo>
+                  <a:pt x="5033444" y="4857054"/>
+                  <a:pt x="5040194" y="4871554"/>
+                  <a:pt x="5020638" y="4877992"/>
+                </a:cubicBezTo>
+                <a:cubicBezTo>
+                  <a:pt x="4997151" y="4888353"/>
+                  <a:pt x="5034418" y="4931200"/>
+                  <a:pt x="5006413" y="4925805"/>
+                </a:cubicBezTo>
+                <a:cubicBezTo>
+                  <a:pt x="5031964" y="4956261"/>
+                  <a:pt x="4982840" y="4982633"/>
+                  <a:pt x="4971037" y="5009272"/>
+                </a:cubicBezTo>
+                <a:cubicBezTo>
+                  <a:pt x="4973259" y="5034036"/>
+                  <a:pt x="4968375" y="5053859"/>
+                  <a:pt x="4963105" y="5111369"/>
+                </a:cubicBezTo>
+                <a:cubicBezTo>
+                  <a:pt x="4973224" y="5141336"/>
+                  <a:pt x="4937413" y="5161742"/>
+                  <a:pt x="4976341" y="5210876"/>
+                </a:cubicBezTo>
+                <a:cubicBezTo>
+                  <a:pt x="4972455" y="5212581"/>
+                  <a:pt x="4977054" y="5227501"/>
+                  <a:pt x="4980617" y="5269726"/>
+                </a:cubicBezTo>
+                <a:cubicBezTo>
+                  <a:pt x="4984182" y="5311951"/>
+                  <a:pt x="4990390" y="5400671"/>
+                  <a:pt x="4997733" y="5464225"/>
+                </a:cubicBezTo>
+                <a:cubicBezTo>
+                  <a:pt x="5001765" y="5536542"/>
+                  <a:pt x="4990225" y="5517959"/>
+                  <a:pt x="5001400" y="5594585"/>
+                </a:cubicBezTo>
+                <a:cubicBezTo>
+                  <a:pt x="4999908" y="5619318"/>
+                  <a:pt x="4974042" y="5647975"/>
+                  <a:pt x="4983700" y="5667896"/>
+                </a:cubicBezTo>
+                <a:cubicBezTo>
+                  <a:pt x="4976834" y="5696311"/>
+                  <a:pt x="4975579" y="5738356"/>
+                  <a:pt x="4968506" y="5769225"/>
+                </a:cubicBezTo>
+                <a:cubicBezTo>
+                  <a:pt x="4968926" y="5787258"/>
+                  <a:pt x="4969344" y="5805291"/>
+                  <a:pt x="4969765" y="5823324"/>
+                </a:cubicBezTo>
+                <a:cubicBezTo>
+                  <a:pt x="4966122" y="5853058"/>
+                  <a:pt x="4965608" y="5838948"/>
+                  <a:pt x="4966129" y="5862699"/>
+                </a:cubicBezTo>
+                <a:lnTo>
+                  <a:pt x="4970695" y="5906467"/>
+                </a:lnTo>
+                <a:lnTo>
+                  <a:pt x="4991568" y="5939847"/>
+                </a:lnTo>
+                <a:cubicBezTo>
+                  <a:pt x="4998848" y="5955713"/>
+                  <a:pt x="4974731" y="5940131"/>
+                  <a:pt x="4986815" y="5973994"/>
+                </a:cubicBezTo>
+                <a:cubicBezTo>
+                  <a:pt x="4961187" y="5997051"/>
+                  <a:pt x="4983444" y="6032039"/>
+                  <a:pt x="4987776" y="6089693"/>
+                </a:cubicBezTo>
+                <a:lnTo>
+                  <a:pt x="4991621" y="6224938"/>
+                </a:lnTo>
+                <a:cubicBezTo>
+                  <a:pt x="4988442" y="6270972"/>
+                  <a:pt x="5008962" y="6317522"/>
+                  <a:pt x="5017157" y="6370251"/>
+                </a:cubicBezTo>
+                <a:cubicBezTo>
+                  <a:pt x="5025353" y="6422980"/>
+                  <a:pt x="5039938" y="6490855"/>
+                  <a:pt x="5040797" y="6541313"/>
+                </a:cubicBezTo>
+                <a:cubicBezTo>
+                  <a:pt x="5039898" y="6576319"/>
+                  <a:pt x="5031912" y="6591883"/>
+                  <a:pt x="5045375" y="6640957"/>
+                </a:cubicBezTo>
+                <a:cubicBezTo>
+                  <a:pt x="5057505" y="6669536"/>
+                  <a:pt x="5052276" y="6675394"/>
+                  <a:pt x="5058442" y="6705297"/>
+                </a:cubicBezTo>
+                <a:cubicBezTo>
+                  <a:pt x="5057367" y="6727133"/>
+                  <a:pt x="5067901" y="6732087"/>
+                  <a:pt x="5071125" y="6759582"/>
+                </a:cubicBezTo>
+                <a:cubicBezTo>
+                  <a:pt x="5055614" y="6796071"/>
+                  <a:pt x="5051656" y="6769544"/>
+                  <a:pt x="5069172" y="6817746"/>
+                </a:cubicBezTo>
+                <a:cubicBezTo>
+                  <a:pt x="5060956" y="6828354"/>
+                  <a:pt x="5064525" y="6836369"/>
+                  <a:pt x="5072322" y="6843646"/>
+                </a:cubicBezTo>
+                <a:lnTo>
+                  <a:pt x="5091388" y="6857998"/>
+                </a:lnTo>
+                <a:lnTo>
+                  <a:pt x="6096000" y="6857998"/>
+                </a:lnTo>
+                <a:lnTo>
+                  <a:pt x="6096000" y="6858000"/>
+                </a:lnTo>
+                <a:lnTo>
+                  <a:pt x="0" y="6858000"/>
+                </a:lnTo>
+                <a:close/>
+              </a:path>
+            </a:pathLst>
+          </a:custGeom>
+          <a:solidFill>
+            <a:srgbClr val="82766A">
+              <a:alpha val="15000"/>
+            </a:srgbClr>
+          </a:solidFill>
+          <a:ln>
+            <a:noFill/>
+          </a:ln>
+        </p:spPr>
+        <p:style>
+          <a:lnRef idx="2">
+            <a:schemeClr val="accent1">
+              <a:shade val="50000"/>
+            </a:schemeClr>
+          </a:lnRef>
+          <a:fillRef idx="1">
+            <a:schemeClr val="accent1"/>
+          </a:fillRef>
+          <a:effectRef idx="0">
+            <a:schemeClr val="accent1"/>
+          </a:effectRef>
+          <a:fontRef idx="minor">
+            <a:schemeClr val="lt1"/>
+          </a:fontRef>
+        </p:style>
+        <p:txBody>
+          <a:bodyPr wrap="square" rtlCol="0" anchor="ctr">
+            <a:noAutofit/>
+          </a:bodyPr>
+          <a:lstStyle/>
+          <a:p>
+            <a:pPr algn="ctr"/>
+            <a:endParaRPr lang="en-US"/>
+          </a:p>
+        </p:txBody>
+      </p:sp>
+      <p:sp>
+        <p:nvSpPr>
+          <p:cNvPr id="2" name="Título 1">
+            <a:extLst>
+              <a:ext uri="{FF2B5EF4-FFF2-40B4-BE49-F238E27FC236}">
+                <a16:creationId xmlns:a16="http://schemas.microsoft.com/office/drawing/2014/main" id="{3DE7CF89-4AB0-BF95-EE80-77B514E2D2B5}"/>
+              </a:ext>
+            </a:extLst>
+          </p:cNvPr>
+          <p:cNvSpPr>
+            <a:spLocks noGrp="1"/>
+          </p:cNvSpPr>
+          <p:nvPr>
+            <p:ph type="title"/>
+          </p:nvPr>
+        </p:nvSpPr>
+        <p:spPr>
+          <a:xfrm>
+            <a:off x="838200" y="609600"/>
+            <a:ext cx="3739341" cy="1330839"/>
+          </a:xfrm>
+        </p:spPr>
+        <p:txBody>
+          <a:bodyPr vert="horz" lIns="91440" tIns="45720" rIns="91440" bIns="45720" rtlCol="0" anchor="ctr">
+            <a:normAutofit/>
+          </a:bodyPr>
+          <a:lstStyle/>
+          <a:p>
+            <a:r>
+              <a:rPr lang="en-US" kern="1200" dirty="0">
+                <a:solidFill>
+                  <a:schemeClr val="tx1"/>
+                </a:solidFill>
+                <a:latin typeface="+mj-lt"/>
+                <a:ea typeface="+mj-ea"/>
+                <a:cs typeface="+mj-cs"/>
+              </a:rPr>
+              <a:t>ACTIVIDAD</a:t>
+            </a:r>
+          </a:p>
+        </p:txBody>
+      </p:sp>
+      <p:sp>
+        <p:nvSpPr>
+          <p:cNvPr id="10" name="CuadroTexto 9">
+            <a:extLst>
+              <a:ext uri="{FF2B5EF4-FFF2-40B4-BE49-F238E27FC236}">
+                <a16:creationId xmlns:a16="http://schemas.microsoft.com/office/drawing/2014/main" id="{E05BD66E-AC69-B3D4-2660-F7E60724BC8C}"/>
+              </a:ext>
+            </a:extLst>
+          </p:cNvPr>
+          <p:cNvSpPr txBox="1"/>
+          <p:nvPr/>
+        </p:nvSpPr>
+        <p:spPr>
+          <a:xfrm>
+            <a:off x="591402" y="2640446"/>
+            <a:ext cx="3628354" cy="1758773"/>
+          </a:xfrm>
+          <a:prstGeom prst="rect">
+            <a:avLst/>
+          </a:prstGeom>
+        </p:spPr>
+        <p:txBody>
+          <a:bodyPr vert="horz" lIns="91440" tIns="45720" rIns="91440" bIns="45720" rtlCol="0">
+            <a:normAutofit/>
+          </a:bodyPr>
+          <a:lstStyle/>
+          <a:p>
+            <a:pPr>
+              <a:lnSpc>
+                <a:spcPct val="90000"/>
+              </a:lnSpc>
+              <a:spcAft>
+                <a:spcPts val="600"/>
+              </a:spcAft>
+            </a:pPr>
+            <a:r>
+              <a:rPr lang="en-US" sz="2000" dirty="0" err="1"/>
+              <a:t>Mitad</a:t>
+            </a:r>
+            <a:r>
+              <a:rPr lang="en-US" sz="2000" dirty="0"/>
+              <a:t> </a:t>
+            </a:r>
+            <a:r>
+              <a:rPr lang="en-US" sz="2000" dirty="0" err="1"/>
+              <a:t>izquierda</a:t>
+            </a:r>
+            <a:r>
+              <a:rPr lang="en-US" sz="2000" dirty="0"/>
+              <a:t> de la </a:t>
+            </a:r>
+            <a:r>
+              <a:rPr lang="en-US" sz="2000" dirty="0" err="1"/>
+              <a:t>fábrica</a:t>
+            </a:r>
+            <a:r>
+              <a:rPr lang="en-US" sz="2000" dirty="0"/>
+              <a:t>:</a:t>
+            </a:r>
+          </a:p>
+          <a:p>
+            <a:pPr marL="285750" indent="-228600">
+              <a:lnSpc>
+                <a:spcPct val="90000"/>
+              </a:lnSpc>
+              <a:spcAft>
+                <a:spcPts val="600"/>
+              </a:spcAft>
+              <a:buFont typeface="Arial" panose="020B0604020202020204" pitchFamily="34" charset="0"/>
+              <a:buChar char="•"/>
+            </a:pPr>
+            <a:r>
+              <a:rPr lang="en-US" sz="2000" dirty="0"/>
+              <a:t>Pintado y </a:t>
+            </a:r>
+            <a:r>
+              <a:rPr lang="en-US" sz="2000" dirty="0" err="1"/>
+              <a:t>lacado</a:t>
+            </a:r>
+            <a:r>
+              <a:rPr lang="en-US" sz="2000" dirty="0"/>
+              <a:t> de las </a:t>
+            </a:r>
+            <a:r>
+              <a:rPr lang="en-US" sz="2000" dirty="0" err="1"/>
+              <a:t>llantas</a:t>
+            </a:r>
+            <a:endParaRPr lang="en-US" sz="2000" dirty="0"/>
+          </a:p>
+          <a:p>
+            <a:pPr marL="285750" indent="-228600">
+              <a:lnSpc>
+                <a:spcPct val="90000"/>
+              </a:lnSpc>
+              <a:spcAft>
+                <a:spcPts val="600"/>
+              </a:spcAft>
+              <a:buFont typeface="Arial" panose="020B0604020202020204" pitchFamily="34" charset="0"/>
+              <a:buChar char="•"/>
+            </a:pPr>
+            <a:r>
+              <a:rPr lang="en-US" sz="2000" dirty="0" err="1"/>
+              <a:t>Ensamblaje</a:t>
+            </a:r>
+            <a:r>
+              <a:rPr lang="en-US" sz="2000" dirty="0"/>
+              <a:t> del </a:t>
+            </a:r>
+            <a:r>
+              <a:rPr lang="en-US" sz="2000" dirty="0" err="1"/>
+              <a:t>chasis</a:t>
+            </a:r>
+            <a:endParaRPr lang="en-US" sz="2000" dirty="0"/>
+          </a:p>
+          <a:p>
+            <a:pPr marL="285750" indent="-228600">
+              <a:lnSpc>
+                <a:spcPct val="90000"/>
+              </a:lnSpc>
+              <a:spcAft>
+                <a:spcPts val="600"/>
+              </a:spcAft>
+              <a:buFont typeface="Arial" panose="020B0604020202020204" pitchFamily="34" charset="0"/>
+              <a:buChar char="•"/>
+            </a:pPr>
+            <a:r>
+              <a:rPr lang="en-US" sz="2000" dirty="0" err="1"/>
+              <a:t>Almacenes</a:t>
+            </a:r>
+            <a:r>
+              <a:rPr lang="en-US" sz="2000" dirty="0"/>
+              <a:t> de </a:t>
+            </a:r>
+            <a:r>
+              <a:rPr lang="en-US" sz="2000" dirty="0" err="1"/>
+              <a:t>ruedas</a:t>
+            </a:r>
+            <a:r>
+              <a:rPr lang="en-US" sz="2000" dirty="0"/>
+              <a:t> y </a:t>
+            </a:r>
+            <a:r>
+              <a:rPr lang="en-US" sz="2000" dirty="0" err="1"/>
+              <a:t>chasis</a:t>
+            </a:r>
+            <a:endParaRPr lang="en-US" sz="2000" dirty="0"/>
+          </a:p>
+        </p:txBody>
+      </p:sp>
+      <p:pic>
+        <p:nvPicPr>
+          <p:cNvPr id="8" name="Marcador de contenido 7">
+            <a:extLst>
+              <a:ext uri="{FF2B5EF4-FFF2-40B4-BE49-F238E27FC236}">
+                <a16:creationId xmlns:a16="http://schemas.microsoft.com/office/drawing/2014/main" id="{6B446023-BB45-E04F-9CA6-F1DFE21EF892}"/>
+              </a:ext>
+            </a:extLst>
+          </p:cNvPr>
+          <p:cNvPicPr>
+            <a:picLocks noGrp="1" noChangeAspect="1"/>
+          </p:cNvPicPr>
+          <p:nvPr>
+            <p:ph idx="1"/>
+          </p:nvPr>
+        </p:nvPicPr>
+        <p:blipFill>
+          <a:blip r:embed="rId2"/>
+          <a:stretch>
+            <a:fillRect/>
+          </a:stretch>
+        </p:blipFill>
+        <p:spPr>
+          <a:xfrm>
+            <a:off x="5445457" y="1625104"/>
+            <a:ext cx="6155141" cy="3631533"/>
+          </a:xfrm>
+          <a:prstGeom prst="rect">
+            <a:avLst/>
+          </a:prstGeom>
+        </p:spPr>
+      </p:pic>
+    </p:spTree>
+    <p:extLst>
+      <p:ext uri="{BB962C8B-B14F-4D97-AF65-F5344CB8AC3E}">
+        <p14:creationId xmlns:p14="http://schemas.microsoft.com/office/powerpoint/2010/main" val="3235634596"/>
+      </p:ext>
+    </p:extLst>
+  </p:cSld>
+  <p:clrMapOvr>
+    <a:masterClrMapping/>
+  </p:clrMapOvr>
+</p:sld>
+</file>
+
+<file path=ppt/slides/slide5.xml><?xml version="1.0" encoding="utf-8"?>
+<p:sld xmlns:a="http://schemas.openxmlformats.org/drawingml/2006/main" xmlns:r="http://schemas.openxmlformats.org/officeDocument/2006/relationships" xmlns:p="http://schemas.openxmlformats.org/presentationml/2006/main">
+  <p:cSld>
+    <p:bg>
+      <p:bgPr>
+        <a:solidFill>
+          <a:schemeClr val="bg1"/>
+        </a:solidFill>
+        <a:effectLst/>
+      </p:bgPr>
+    </p:bg>
+    <p:spTree>
+      <p:nvGrpSpPr>
+        <p:cNvPr id="1" name=""/>
+        <p:cNvGrpSpPr/>
+        <p:nvPr/>
+      </p:nvGrpSpPr>
+      <p:grpSpPr>
+        <a:xfrm>
+          <a:off x="0" y="0"/>
+          <a:ext cx="0" cy="0"/>
+          <a:chOff x="0" y="0"/>
+          <a:chExt cx="0" cy="0"/>
+        </a:xfrm>
+      </p:grpSpPr>
+      <p:sp useBgFill="1">
+        <p:nvSpPr>
+          <p:cNvPr id="15" name="Rectangle 14">
+            <a:extLst>
+              <a:ext uri="{FF2B5EF4-FFF2-40B4-BE49-F238E27FC236}">
+                <a16:creationId xmlns:a16="http://schemas.microsoft.com/office/drawing/2014/main" id="{131BAD53-4E89-4F62-BBB7-26359763ED39}"/>
+              </a:ext>
+              <a:ext uri="{C183D7F6-B498-43B3-948B-1728B52AA6E4}">
+                <adec:decorative xmlns:adec="http://schemas.microsoft.com/office/drawing/2017/decorative" val="1"/>
+              </a:ext>
+            </a:extLst>
+          </p:cNvPr>
+          <p:cNvSpPr>
+            <a:spLocks noGrp="1" noRot="1" noChangeAspect="1" noMove="1" noResize="1" noEditPoints="1" noAdjustHandles="1" noChangeArrowheads="1" noChangeShapeType="1" noTextEdit="1"/>
+          </p:cNvSpPr>
+          <p:nvPr>
+            <p:extLst>
+              <p:ext uri="{386F3935-93C4-4BCD-93E2-E3B085C9AB24}">
+                <p16:designElem xmlns:p16="http://schemas.microsoft.com/office/powerpoint/2015/main" val="1"/>
+              </p:ext>
+            </p:extLst>
+          </p:nvPr>
+        </p:nvSpPr>
+        <p:spPr>
+          <a:xfrm>
+            <a:off x="0" y="0"/>
+            <a:ext cx="12192000" cy="6858000"/>
+          </a:xfrm>
+          <a:prstGeom prst="rect">
+            <a:avLst/>
+          </a:prstGeom>
+          <a:ln w="12700" cap="flat" cmpd="sng" algn="ctr">
+            <a:noFill/>
+            <a:prstDash val="solid"/>
+            <a:miter lim="800000"/>
+          </a:ln>
+          <a:effectLst/>
+          <a:extLst>
+            <a:ext uri="{91240B29-F687-4F45-9708-019B960494DF}">
+              <a14:hiddenLine xmlns:a14="http://schemas.microsoft.com/office/drawing/2010/main" w="12700" cap="flat" cmpd="sng" algn="ctr">
+                <a:solidFill>
+                  <a:schemeClr val="accent1">
+                    <a:shade val="50000"/>
+                  </a:schemeClr>
+                </a:solidFill>
+                <a:prstDash val="solid"/>
+                <a:miter lim="800000"/>
+              </a14:hiddenLine>
+            </a:ext>
+          </a:extLst>
+        </p:spPr>
+        <p:style>
+          <a:lnRef idx="2">
+            <a:schemeClr val="accent1">
+              <a:shade val="50000"/>
+            </a:schemeClr>
+          </a:lnRef>
+          <a:fillRef idx="1">
+            <a:schemeClr val="accent1"/>
+          </a:fillRef>
+          <a:effectRef idx="0">
+            <a:schemeClr val="accent1"/>
+          </a:effectRef>
+          <a:fontRef idx="minor">
+            <a:schemeClr val="lt1"/>
+          </a:fontRef>
+        </p:style>
+        <p:txBody>
+          <a:bodyPr rtlCol="0" anchor="ctr"/>
+          <a:lstStyle/>
+          <a:p>
+            <a:pPr algn="ctr"/>
+            <a:endParaRPr lang="en-US"/>
+          </a:p>
+        </p:txBody>
+      </p:sp>
+      <p:sp>
+        <p:nvSpPr>
+          <p:cNvPr id="17" name="Freeform: Shape 16">
+            <a:extLst>
+              <a:ext uri="{FF2B5EF4-FFF2-40B4-BE49-F238E27FC236}">
+                <a16:creationId xmlns:a16="http://schemas.microsoft.com/office/drawing/2014/main" id="{62756DA2-40EB-4C6F-B962-5822FFB54FB6}"/>
+              </a:ext>
+              <a:ext uri="{C183D7F6-B498-43B3-948B-1728B52AA6E4}">
+                <adec:decorative xmlns:adec="http://schemas.microsoft.com/office/drawing/2017/decorative" val="1"/>
+              </a:ext>
+            </a:extLst>
+          </p:cNvPr>
+          <p:cNvSpPr>
+            <a:spLocks noGrp="1" noRot="1" noChangeAspect="1" noMove="1" noResize="1" noEditPoints="1" noAdjustHandles="1" noChangeArrowheads="1" noChangeShapeType="1" noTextEdit="1"/>
+          </p:cNvSpPr>
+          <p:nvPr>
+            <p:extLst>
+              <p:ext uri="{386F3935-93C4-4BCD-93E2-E3B085C9AB24}">
+                <p16:designElem xmlns:p16="http://schemas.microsoft.com/office/powerpoint/2015/main" val="1"/>
+              </p:ext>
+            </p:extLst>
+          </p:nvPr>
+        </p:nvSpPr>
+        <p:spPr>
+          <a:xfrm>
+            <a:off x="0" y="0"/>
+            <a:ext cx="5653438" cy="6858000"/>
+          </a:xfrm>
+          <a:custGeom>
+            <a:avLst/>
+            <a:gdLst>
+              <a:gd name="connsiteX0" fmla="*/ 0 w 6096000"/>
+              <a:gd name="connsiteY0" fmla="*/ 0 h 6858000"/>
+              <a:gd name="connsiteX1" fmla="*/ 5567517 w 6096000"/>
+              <a:gd name="connsiteY1" fmla="*/ 0 h 6858000"/>
+              <a:gd name="connsiteX2" fmla="*/ 5566938 w 6096000"/>
+              <a:gd name="connsiteY2" fmla="*/ 1705 h 6858000"/>
+              <a:gd name="connsiteX3" fmla="*/ 5551594 w 6096000"/>
+              <a:gd name="connsiteY3" fmla="*/ 17287 h 6858000"/>
+              <a:gd name="connsiteX4" fmla="*/ 5545641 w 6096000"/>
+              <a:gd name="connsiteY4" fmla="*/ 130336 h 6858000"/>
+              <a:gd name="connsiteX5" fmla="*/ 5538289 w 6096000"/>
+              <a:gd name="connsiteY5" fmla="*/ 187093 h 6858000"/>
+              <a:gd name="connsiteX6" fmla="*/ 5545790 w 6096000"/>
+              <a:gd name="connsiteY6" fmla="*/ 265704 h 6858000"/>
+              <a:gd name="connsiteX7" fmla="*/ 5542313 w 6096000"/>
+              <a:gd name="connsiteY7" fmla="*/ 354566 h 6858000"/>
+              <a:gd name="connsiteX8" fmla="*/ 5524126 w 6096000"/>
+              <a:gd name="connsiteY8" fmla="*/ 472000 h 6858000"/>
+              <a:gd name="connsiteX9" fmla="*/ 5522170 w 6096000"/>
+              <a:gd name="connsiteY9" fmla="*/ 473782 h 6858000"/>
+              <a:gd name="connsiteX10" fmla="*/ 5521798 w 6096000"/>
+              <a:gd name="connsiteY10" fmla="*/ 491380 h 6858000"/>
+              <a:gd name="connsiteX11" fmla="*/ 5536419 w 6096000"/>
+              <a:gd name="connsiteY11" fmla="*/ 531675 h 6858000"/>
+              <a:gd name="connsiteX12" fmla="*/ 5533435 w 6096000"/>
+              <a:gd name="connsiteY12" fmla="*/ 536015 h 6858000"/>
+              <a:gd name="connsiteX13" fmla="*/ 5538088 w 6096000"/>
+              <a:gd name="connsiteY13" fmla="*/ 572092 h 6858000"/>
+              <a:gd name="connsiteX14" fmla="*/ 5536061 w 6096000"/>
+              <a:gd name="connsiteY14" fmla="*/ 572511 h 6858000"/>
+              <a:gd name="connsiteX15" fmla="*/ 5528218 w 6096000"/>
+              <a:gd name="connsiteY15" fmla="*/ 582332 h 6858000"/>
+              <a:gd name="connsiteX16" fmla="*/ 5518011 w 6096000"/>
+              <a:gd name="connsiteY16" fmla="*/ 601285 h 6858000"/>
+              <a:gd name="connsiteX17" fmla="*/ 5473174 w 6096000"/>
+              <a:gd name="connsiteY17" fmla="*/ 681608 h 6858000"/>
+              <a:gd name="connsiteX18" fmla="*/ 5472963 w 6096000"/>
+              <a:gd name="connsiteY18" fmla="*/ 689151 h 6858000"/>
+              <a:gd name="connsiteX19" fmla="*/ 5472485 w 6096000"/>
+              <a:gd name="connsiteY19" fmla="*/ 689289 h 6858000"/>
+              <a:gd name="connsiteX20" fmla="*/ 5471326 w 6096000"/>
+              <a:gd name="connsiteY20" fmla="*/ 697222 h 6858000"/>
+              <a:gd name="connsiteX21" fmla="*/ 5472164 w 6096000"/>
+              <a:gd name="connsiteY21" fmla="*/ 717531 h 6858000"/>
+              <a:gd name="connsiteX22" fmla="*/ 5468891 w 6096000"/>
+              <a:gd name="connsiteY22" fmla="*/ 722494 h 6858000"/>
+              <a:gd name="connsiteX23" fmla="*/ 5463081 w 6096000"/>
+              <a:gd name="connsiteY23" fmla="*/ 724368 h 6858000"/>
+              <a:gd name="connsiteX24" fmla="*/ 5446981 w 6096000"/>
+              <a:gd name="connsiteY24" fmla="*/ 752692 h 6858000"/>
+              <a:gd name="connsiteX25" fmla="*/ 5417190 w 6096000"/>
+              <a:gd name="connsiteY25" fmla="*/ 816346 h 6858000"/>
+              <a:gd name="connsiteX26" fmla="*/ 5388958 w 6096000"/>
+              <a:gd name="connsiteY26" fmla="*/ 889417 h 6858000"/>
+              <a:gd name="connsiteX27" fmla="*/ 5307044 w 6096000"/>
+              <a:gd name="connsiteY27" fmla="*/ 1063288 h 6858000"/>
+              <a:gd name="connsiteX28" fmla="*/ 5303837 w 6096000"/>
+              <a:gd name="connsiteY28" fmla="*/ 1157176 h 6858000"/>
+              <a:gd name="connsiteX29" fmla="*/ 5286494 w 6096000"/>
+              <a:gd name="connsiteY29" fmla="*/ 1210776 h 6858000"/>
+              <a:gd name="connsiteX30" fmla="*/ 5282463 w 6096000"/>
+              <a:gd name="connsiteY30" fmla="*/ 1301993 h 6858000"/>
+              <a:gd name="connsiteX31" fmla="*/ 5252235 w 6096000"/>
+              <a:gd name="connsiteY31" fmla="*/ 1360879 h 6858000"/>
+              <a:gd name="connsiteX32" fmla="*/ 5244497 w 6096000"/>
+              <a:gd name="connsiteY32" fmla="*/ 1404045 h 6858000"/>
+              <a:gd name="connsiteX33" fmla="*/ 5223823 w 6096000"/>
+              <a:gd name="connsiteY33" fmla="*/ 1429568 h 6858000"/>
+              <a:gd name="connsiteX34" fmla="*/ 5224851 w 6096000"/>
+              <a:gd name="connsiteY34" fmla="*/ 1430305 h 6858000"/>
+              <a:gd name="connsiteX35" fmla="*/ 5212394 w 6096000"/>
+              <a:gd name="connsiteY35" fmla="*/ 1463304 h 6858000"/>
+              <a:gd name="connsiteX36" fmla="*/ 5209958 w 6096000"/>
+              <a:gd name="connsiteY36" fmla="*/ 1514846 h 6858000"/>
+              <a:gd name="connsiteX37" fmla="*/ 5206417 w 6096000"/>
+              <a:gd name="connsiteY37" fmla="*/ 1519731 h 6858000"/>
+              <a:gd name="connsiteX38" fmla="*/ 5206640 w 6096000"/>
+              <a:gd name="connsiteY38" fmla="*/ 1519929 h 6858000"/>
+              <a:gd name="connsiteX39" fmla="*/ 5207632 w 6096000"/>
+              <a:gd name="connsiteY39" fmla="*/ 1546022 h 6858000"/>
+              <a:gd name="connsiteX40" fmla="*/ 5212030 w 6096000"/>
+              <a:gd name="connsiteY40" fmla="*/ 1578752 h 6858000"/>
+              <a:gd name="connsiteX41" fmla="*/ 5203533 w 6096000"/>
+              <a:gd name="connsiteY41" fmla="*/ 1647555 h 6858000"/>
+              <a:gd name="connsiteX42" fmla="*/ 5190877 w 6096000"/>
+              <a:gd name="connsiteY42" fmla="*/ 1715685 h 6858000"/>
+              <a:gd name="connsiteX43" fmla="*/ 5184235 w 6096000"/>
+              <a:gd name="connsiteY43" fmla="*/ 1740358 h 6858000"/>
+              <a:gd name="connsiteX44" fmla="*/ 5181475 w 6096000"/>
+              <a:gd name="connsiteY44" fmla="*/ 1784314 h 6858000"/>
+              <a:gd name="connsiteX45" fmla="*/ 5185845 w 6096000"/>
+              <a:gd name="connsiteY45" fmla="*/ 1804434 h 6858000"/>
+              <a:gd name="connsiteX46" fmla="*/ 5185068 w 6096000"/>
+              <a:gd name="connsiteY46" fmla="*/ 1805316 h 6858000"/>
+              <a:gd name="connsiteX47" fmla="*/ 5188593 w 6096000"/>
+              <a:gd name="connsiteY47" fmla="*/ 1807109 h 6858000"/>
+              <a:gd name="connsiteX48" fmla="*/ 5185920 w 6096000"/>
+              <a:gd name="connsiteY48" fmla="*/ 1821003 h 6858000"/>
+              <a:gd name="connsiteX49" fmla="*/ 5183543 w 6096000"/>
+              <a:gd name="connsiteY49" fmla="*/ 1824832 h 6858000"/>
+              <a:gd name="connsiteX50" fmla="*/ 5182235 w 6096000"/>
+              <a:gd name="connsiteY50" fmla="*/ 1830429 h 6858000"/>
+              <a:gd name="connsiteX51" fmla="*/ 5182525 w 6096000"/>
+              <a:gd name="connsiteY51" fmla="*/ 1830569 h 6858000"/>
+              <a:gd name="connsiteX52" fmla="*/ 5180663 w 6096000"/>
+              <a:gd name="connsiteY52" fmla="*/ 1835810 h 6858000"/>
+              <a:gd name="connsiteX53" fmla="*/ 5167452 w 6096000"/>
+              <a:gd name="connsiteY53" fmla="*/ 1861483 h 6858000"/>
+              <a:gd name="connsiteX54" fmla="*/ 5174266 w 6096000"/>
+              <a:gd name="connsiteY54" fmla="*/ 1892417 h 6858000"/>
+              <a:gd name="connsiteX55" fmla="*/ 5189262 w 6096000"/>
+              <a:gd name="connsiteY55" fmla="*/ 1895114 h 6858000"/>
+              <a:gd name="connsiteX56" fmla="*/ 5187100 w 6096000"/>
+              <a:gd name="connsiteY56" fmla="*/ 1899379 h 6858000"/>
+              <a:gd name="connsiteX57" fmla="*/ 5180471 w 6096000"/>
+              <a:gd name="connsiteY57" fmla="*/ 1907867 h 6858000"/>
+              <a:gd name="connsiteX58" fmla="*/ 5181361 w 6096000"/>
+              <a:gd name="connsiteY58" fmla="*/ 1910265 h 6858000"/>
+              <a:gd name="connsiteX59" fmla="*/ 5178268 w 6096000"/>
+              <a:gd name="connsiteY59" fmla="*/ 1935584 h 6858000"/>
+              <a:gd name="connsiteX60" fmla="*/ 5183619 w 6096000"/>
+              <a:gd name="connsiteY60" fmla="*/ 1942021 h 6858000"/>
+              <a:gd name="connsiteX61" fmla="*/ 5184480 w 6096000"/>
+              <a:gd name="connsiteY61" fmla="*/ 1945112 h 6858000"/>
+              <a:gd name="connsiteX62" fmla="*/ 5172776 w 6096000"/>
+              <a:gd name="connsiteY62" fmla="*/ 1961162 h 6858000"/>
+              <a:gd name="connsiteX63" fmla="*/ 5168513 w 6096000"/>
+              <a:gd name="connsiteY63" fmla="*/ 1969445 h 6858000"/>
+              <a:gd name="connsiteX64" fmla="*/ 5126597 w 6096000"/>
+              <a:gd name="connsiteY64" fmla="*/ 2024270 h 6858000"/>
+              <a:gd name="connsiteX65" fmla="*/ 5119528 w 6096000"/>
+              <a:gd name="connsiteY65" fmla="*/ 2107942 h 6858000"/>
+              <a:gd name="connsiteX66" fmla="*/ 5110356 w 6096000"/>
+              <a:gd name="connsiteY66" fmla="*/ 2193455 h 6858000"/>
+              <a:gd name="connsiteX67" fmla="*/ 5104992 w 6096000"/>
+              <a:gd name="connsiteY67" fmla="*/ 2260088 h 6858000"/>
+              <a:gd name="connsiteX68" fmla="*/ 5059439 w 6096000"/>
+              <a:gd name="connsiteY68" fmla="*/ 2335735 h 6858000"/>
+              <a:gd name="connsiteX69" fmla="*/ 5022061 w 6096000"/>
+              <a:gd name="connsiteY69" fmla="*/ 2408995 h 6858000"/>
+              <a:gd name="connsiteX70" fmla="*/ 5022253 w 6096000"/>
+              <a:gd name="connsiteY70" fmla="*/ 2445869 h 6858000"/>
+              <a:gd name="connsiteX71" fmla="*/ 5011426 w 6096000"/>
+              <a:gd name="connsiteY71" fmla="*/ 2496499 h 6858000"/>
+              <a:gd name="connsiteX72" fmla="*/ 4994224 w 6096000"/>
+              <a:gd name="connsiteY72" fmla="*/ 2549900 h 6858000"/>
+              <a:gd name="connsiteX73" fmla="*/ 4995245 w 6096000"/>
+              <a:gd name="connsiteY73" fmla="*/ 2596456 h 6858000"/>
+              <a:gd name="connsiteX74" fmla="*/ 4988570 w 6096000"/>
+              <a:gd name="connsiteY74" fmla="*/ 2606088 h 6858000"/>
+              <a:gd name="connsiteX75" fmla="*/ 4988371 w 6096000"/>
+              <a:gd name="connsiteY75" fmla="*/ 2635351 h 6858000"/>
+              <a:gd name="connsiteX76" fmla="*/ 4983212 w 6096000"/>
+              <a:gd name="connsiteY76" fmla="*/ 2665666 h 6858000"/>
+              <a:gd name="connsiteX77" fmla="*/ 4968234 w 6096000"/>
+              <a:gd name="connsiteY77" fmla="*/ 2715895 h 6858000"/>
+              <a:gd name="connsiteX78" fmla="*/ 4975888 w 6096000"/>
+              <a:gd name="connsiteY78" fmla="*/ 2725052 h 6858000"/>
+              <a:gd name="connsiteX79" fmla="*/ 4980195 w 6096000"/>
+              <a:gd name="connsiteY79" fmla="*/ 2726489 h 6858000"/>
+              <a:gd name="connsiteX80" fmla="*/ 4976218 w 6096000"/>
+              <a:gd name="connsiteY80" fmla="*/ 2740278 h 6858000"/>
+              <a:gd name="connsiteX81" fmla="*/ 4980571 w 6096000"/>
+              <a:gd name="connsiteY81" fmla="*/ 2751112 h 6858000"/>
+              <a:gd name="connsiteX82" fmla="*/ 4973893 w 6096000"/>
+              <a:gd name="connsiteY82" fmla="*/ 2760208 h 6858000"/>
+              <a:gd name="connsiteX83" fmla="*/ 4979005 w 6096000"/>
+              <a:gd name="connsiteY83" fmla="*/ 2790136 h 6858000"/>
+              <a:gd name="connsiteX84" fmla="*/ 4986137 w 6096000"/>
+              <a:gd name="connsiteY84" fmla="*/ 2804183 h 6858000"/>
+              <a:gd name="connsiteX85" fmla="*/ 4986175 w 6096000"/>
+              <a:gd name="connsiteY85" fmla="*/ 2825860 h 6858000"/>
+              <a:gd name="connsiteX86" fmla="*/ 4993936 w 6096000"/>
+              <a:gd name="connsiteY86" fmla="*/ 2911749 h 6858000"/>
+              <a:gd name="connsiteX87" fmla="*/ 4992563 w 6096000"/>
+              <a:gd name="connsiteY87" fmla="*/ 2977278 h 6858000"/>
+              <a:gd name="connsiteX88" fmla="*/ 4980516 w 6096000"/>
+              <a:gd name="connsiteY88" fmla="*/ 2991092 h 6858000"/>
+              <a:gd name="connsiteX89" fmla="*/ 4992801 w 6096000"/>
+              <a:gd name="connsiteY89" fmla="*/ 3020247 h 6858000"/>
+              <a:gd name="connsiteX90" fmla="*/ 5014805 w 6096000"/>
+              <a:gd name="connsiteY90" fmla="*/ 3065434 h 6858000"/>
+              <a:gd name="connsiteX91" fmla="*/ 5002733 w 6096000"/>
+              <a:gd name="connsiteY91" fmla="*/ 3103777 h 6858000"/>
+              <a:gd name="connsiteX92" fmla="*/ 5002941 w 6096000"/>
+              <a:gd name="connsiteY92" fmla="*/ 3151828 h 6858000"/>
+              <a:gd name="connsiteX93" fmla="*/ 5002883 w 6096000"/>
+              <a:gd name="connsiteY93" fmla="*/ 3180546 h 6858000"/>
+              <a:gd name="connsiteX94" fmla="*/ 5016711 w 6096000"/>
+              <a:gd name="connsiteY94" fmla="*/ 3258677 h 6858000"/>
+              <a:gd name="connsiteX95" fmla="*/ 5017918 w 6096000"/>
+              <a:gd name="connsiteY95" fmla="*/ 3262610 h 6858000"/>
+              <a:gd name="connsiteX96" fmla="*/ 5011672 w 6096000"/>
+              <a:gd name="connsiteY96" fmla="*/ 3277179 h 6858000"/>
+              <a:gd name="connsiteX97" fmla="*/ 5009344 w 6096000"/>
+              <a:gd name="connsiteY97" fmla="*/ 3278130 h 6858000"/>
+              <a:gd name="connsiteX98" fmla="*/ 5026770 w 6096000"/>
+              <a:gd name="connsiteY98" fmla="*/ 3325671 h 6858000"/>
+              <a:gd name="connsiteX99" fmla="*/ 5024571 w 6096000"/>
+              <a:gd name="connsiteY99" fmla="*/ 3332072 h 6858000"/>
+              <a:gd name="connsiteX100" fmla="*/ 5041705 w 6096000"/>
+              <a:gd name="connsiteY100" fmla="*/ 3362948 h 6858000"/>
+              <a:gd name="connsiteX101" fmla="*/ 5047477 w 6096000"/>
+              <a:gd name="connsiteY101" fmla="*/ 3378959 h 6858000"/>
+              <a:gd name="connsiteX102" fmla="*/ 5060758 w 6096000"/>
+              <a:gd name="connsiteY102" fmla="*/ 3407057 h 6858000"/>
+              <a:gd name="connsiteX103" fmla="*/ 5058968 w 6096000"/>
+              <a:gd name="connsiteY103" fmla="*/ 3409825 h 6858000"/>
+              <a:gd name="connsiteX104" fmla="*/ 5062667 w 6096000"/>
+              <a:gd name="connsiteY104" fmla="*/ 3415218 h 6858000"/>
+              <a:gd name="connsiteX105" fmla="*/ 5060928 w 6096000"/>
+              <a:gd name="connsiteY105" fmla="*/ 3419880 h 6858000"/>
+              <a:gd name="connsiteX106" fmla="*/ 5062923 w 6096000"/>
+              <a:gd name="connsiteY106" fmla="*/ 3424545 h 6858000"/>
+              <a:gd name="connsiteX107" fmla="*/ 5064623 w 6096000"/>
+              <a:gd name="connsiteY107" fmla="*/ 3476412 h 6858000"/>
+              <a:gd name="connsiteX108" fmla="*/ 5069684 w 6096000"/>
+              <a:gd name="connsiteY108" fmla="*/ 3486850 h 6858000"/>
+              <a:gd name="connsiteX109" fmla="*/ 5063339 w 6096000"/>
+              <a:gd name="connsiteY109" fmla="*/ 3496391 h 6858000"/>
+              <a:gd name="connsiteX110" fmla="*/ 5070139 w 6096000"/>
+              <a:gd name="connsiteY110" fmla="*/ 3531201 h 6858000"/>
+              <a:gd name="connsiteX111" fmla="*/ 5079896 w 6096000"/>
+              <a:gd name="connsiteY111" fmla="*/ 3542019 h 6858000"/>
+              <a:gd name="connsiteX112" fmla="*/ 5087540 w 6096000"/>
+              <a:gd name="connsiteY112" fmla="*/ 3552249 h 6858000"/>
+              <a:gd name="connsiteX113" fmla="*/ 5087902 w 6096000"/>
+              <a:gd name="connsiteY113" fmla="*/ 3553678 h 6858000"/>
+              <a:gd name="connsiteX114" fmla="*/ 5091509 w 6096000"/>
+              <a:gd name="connsiteY114" fmla="*/ 3568021 h 6858000"/>
+              <a:gd name="connsiteX115" fmla="*/ 5091934 w 6096000"/>
+              <a:gd name="connsiteY115" fmla="*/ 3569719 h 6858000"/>
+              <a:gd name="connsiteX116" fmla="*/ 5089362 w 6096000"/>
+              <a:gd name="connsiteY116" fmla="*/ 3586412 h 6858000"/>
+              <a:gd name="connsiteX117" fmla="*/ 5092358 w 6096000"/>
+              <a:gd name="connsiteY117" fmla="*/ 3597336 h 6858000"/>
+              <a:gd name="connsiteX118" fmla="*/ 5084254 w 6096000"/>
+              <a:gd name="connsiteY118" fmla="*/ 3606007 h 6858000"/>
+              <a:gd name="connsiteX119" fmla="*/ 5084281 w 6096000"/>
+              <a:gd name="connsiteY119" fmla="*/ 3641228 h 6858000"/>
+              <a:gd name="connsiteX120" fmla="*/ 5091848 w 6096000"/>
+              <a:gd name="connsiteY120" fmla="*/ 3653088 h 6858000"/>
+              <a:gd name="connsiteX121" fmla="*/ 5097436 w 6096000"/>
+              <a:gd name="connsiteY121" fmla="*/ 3664114 h 6858000"/>
+              <a:gd name="connsiteX122" fmla="*/ 5097518 w 6096000"/>
+              <a:gd name="connsiteY122" fmla="*/ 3665569 h 6858000"/>
+              <a:gd name="connsiteX123" fmla="*/ 5099829 w 6096000"/>
+              <a:gd name="connsiteY123" fmla="*/ 3707357 h 6858000"/>
+              <a:gd name="connsiteX124" fmla="*/ 5114696 w 6096000"/>
+              <a:gd name="connsiteY124" fmla="*/ 3778166 h 6858000"/>
+              <a:gd name="connsiteX125" fmla="*/ 5135379 w 6096000"/>
+              <a:gd name="connsiteY125" fmla="*/ 3878222 h 6858000"/>
+              <a:gd name="connsiteX126" fmla="*/ 5130138 w 6096000"/>
+              <a:gd name="connsiteY126" fmla="*/ 4048117 h 6858000"/>
+              <a:gd name="connsiteX127" fmla="*/ 5090040 w 6096000"/>
+              <a:gd name="connsiteY127" fmla="*/ 4219510 h 6858000"/>
+              <a:gd name="connsiteX128" fmla="*/ 5092812 w 6096000"/>
+              <a:gd name="connsiteY128" fmla="*/ 4411258 h 6858000"/>
+              <a:gd name="connsiteX129" fmla="*/ 5084599 w 6096000"/>
+              <a:gd name="connsiteY129" fmla="*/ 4488531 h 6858000"/>
+              <a:gd name="connsiteX130" fmla="*/ 5084072 w 6096000"/>
+              <a:gd name="connsiteY130" fmla="*/ 4539168 h 6858000"/>
+              <a:gd name="connsiteX131" fmla="*/ 5068936 w 6096000"/>
+              <a:gd name="connsiteY131" fmla="*/ 4625153 h 6858000"/>
+              <a:gd name="connsiteX132" fmla="*/ 5059114 w 6096000"/>
+              <a:gd name="connsiteY132" fmla="*/ 4733115 h 6858000"/>
+              <a:gd name="connsiteX133" fmla="*/ 5037209 w 6096000"/>
+              <a:gd name="connsiteY133" fmla="*/ 4844323 h 6858000"/>
+              <a:gd name="connsiteX134" fmla="*/ 5020638 w 6096000"/>
+              <a:gd name="connsiteY134" fmla="*/ 4877992 h 6858000"/>
+              <a:gd name="connsiteX135" fmla="*/ 5006413 w 6096000"/>
+              <a:gd name="connsiteY135" fmla="*/ 4925805 h 6858000"/>
+              <a:gd name="connsiteX136" fmla="*/ 4971037 w 6096000"/>
+              <a:gd name="connsiteY136" fmla="*/ 5009272 h 6858000"/>
+              <a:gd name="connsiteX137" fmla="*/ 4963105 w 6096000"/>
+              <a:gd name="connsiteY137" fmla="*/ 5111369 h 6858000"/>
+              <a:gd name="connsiteX138" fmla="*/ 4976341 w 6096000"/>
+              <a:gd name="connsiteY138" fmla="*/ 5210876 h 6858000"/>
+              <a:gd name="connsiteX139" fmla="*/ 4980617 w 6096000"/>
+              <a:gd name="connsiteY139" fmla="*/ 5269726 h 6858000"/>
+              <a:gd name="connsiteX140" fmla="*/ 4997733 w 6096000"/>
+              <a:gd name="connsiteY140" fmla="*/ 5464225 h 6858000"/>
+              <a:gd name="connsiteX141" fmla="*/ 5001400 w 6096000"/>
+              <a:gd name="connsiteY141" fmla="*/ 5594585 h 6858000"/>
+              <a:gd name="connsiteX142" fmla="*/ 4983700 w 6096000"/>
+              <a:gd name="connsiteY142" fmla="*/ 5667896 h 6858000"/>
+              <a:gd name="connsiteX143" fmla="*/ 4968506 w 6096000"/>
+              <a:gd name="connsiteY143" fmla="*/ 5769225 h 6858000"/>
+              <a:gd name="connsiteX144" fmla="*/ 4969765 w 6096000"/>
+              <a:gd name="connsiteY144" fmla="*/ 5823324 h 6858000"/>
+              <a:gd name="connsiteX145" fmla="*/ 4966129 w 6096000"/>
+              <a:gd name="connsiteY145" fmla="*/ 5862699 h 6858000"/>
+              <a:gd name="connsiteX146" fmla="*/ 4970695 w 6096000"/>
+              <a:gd name="connsiteY146" fmla="*/ 5906467 h 6858000"/>
+              <a:gd name="connsiteX147" fmla="*/ 4991568 w 6096000"/>
+              <a:gd name="connsiteY147" fmla="*/ 5939847 h 6858000"/>
+              <a:gd name="connsiteX148" fmla="*/ 4986815 w 6096000"/>
+              <a:gd name="connsiteY148" fmla="*/ 5973994 h 6858000"/>
+              <a:gd name="connsiteX149" fmla="*/ 4987776 w 6096000"/>
+              <a:gd name="connsiteY149" fmla="*/ 6089693 h 6858000"/>
+              <a:gd name="connsiteX150" fmla="*/ 4991621 w 6096000"/>
+              <a:gd name="connsiteY150" fmla="*/ 6224938 h 6858000"/>
+              <a:gd name="connsiteX151" fmla="*/ 5017157 w 6096000"/>
+              <a:gd name="connsiteY151" fmla="*/ 6370251 h 6858000"/>
+              <a:gd name="connsiteX152" fmla="*/ 5040797 w 6096000"/>
+              <a:gd name="connsiteY152" fmla="*/ 6541313 h 6858000"/>
+              <a:gd name="connsiteX153" fmla="*/ 5045375 w 6096000"/>
+              <a:gd name="connsiteY153" fmla="*/ 6640957 h 6858000"/>
+              <a:gd name="connsiteX154" fmla="*/ 5058442 w 6096000"/>
+              <a:gd name="connsiteY154" fmla="*/ 6705297 h 6858000"/>
+              <a:gd name="connsiteX155" fmla="*/ 5071125 w 6096000"/>
+              <a:gd name="connsiteY155" fmla="*/ 6759582 h 6858000"/>
+              <a:gd name="connsiteX156" fmla="*/ 5069172 w 6096000"/>
+              <a:gd name="connsiteY156" fmla="*/ 6817746 h 6858000"/>
+              <a:gd name="connsiteX157" fmla="*/ 5072322 w 6096000"/>
+              <a:gd name="connsiteY157" fmla="*/ 6843646 h 6858000"/>
+              <a:gd name="connsiteX158" fmla="*/ 5091388 w 6096000"/>
+              <a:gd name="connsiteY158" fmla="*/ 6857998 h 6858000"/>
+              <a:gd name="connsiteX159" fmla="*/ 6096000 w 6096000"/>
+              <a:gd name="connsiteY159" fmla="*/ 6857998 h 6858000"/>
+              <a:gd name="connsiteX160" fmla="*/ 6096000 w 6096000"/>
+              <a:gd name="connsiteY160" fmla="*/ 6858000 h 6858000"/>
+              <a:gd name="connsiteX161" fmla="*/ 0 w 6096000"/>
+              <a:gd name="connsiteY161" fmla="*/ 6858000 h 6858000"/>
+            </a:gdLst>
+            <a:ahLst/>
+            <a:cxnLst>
+              <a:cxn ang="0">
+                <a:pos x="connsiteX0" y="connsiteY0"/>
+              </a:cxn>
+              <a:cxn ang="0">
+                <a:pos x="connsiteX1" y="connsiteY1"/>
+              </a:cxn>
+              <a:cxn ang="0">
+                <a:pos x="connsiteX2" y="connsiteY2"/>
+              </a:cxn>
+              <a:cxn ang="0">
+                <a:pos x="connsiteX3" y="connsiteY3"/>
+              </a:cxn>
+              <a:cxn ang="0">
+                <a:pos x="connsiteX4" y="connsiteY4"/>
+              </a:cxn>
+              <a:cxn ang="0">
+                <a:pos x="connsiteX5" y="connsiteY5"/>
+              </a:cxn>
+              <a:cxn ang="0">
+                <a:pos x="connsiteX6" y="connsiteY6"/>
+              </a:cxn>
+              <a:cxn ang="0">
+                <a:pos x="connsiteX7" y="connsiteY7"/>
+              </a:cxn>
+              <a:cxn ang="0">
+                <a:pos x="connsiteX8" y="connsiteY8"/>
+              </a:cxn>
+              <a:cxn ang="0">
+                <a:pos x="connsiteX9" y="connsiteY9"/>
+              </a:cxn>
+              <a:cxn ang="0">
+                <a:pos x="connsiteX10" y="connsiteY10"/>
+              </a:cxn>
+              <a:cxn ang="0">
+                <a:pos x="connsiteX11" y="connsiteY11"/>
+              </a:cxn>
+              <a:cxn ang="0">
+                <a:pos x="connsiteX12" y="connsiteY12"/>
+              </a:cxn>
+              <a:cxn ang="0">
+                <a:pos x="connsiteX13" y="connsiteY13"/>
+              </a:cxn>
+              <a:cxn ang="0">
+                <a:pos x="connsiteX14" y="connsiteY14"/>
+              </a:cxn>
+              <a:cxn ang="0">
+                <a:pos x="connsiteX15" y="connsiteY15"/>
+              </a:cxn>
+              <a:cxn ang="0">
+                <a:pos x="connsiteX16" y="connsiteY16"/>
+              </a:cxn>
+              <a:cxn ang="0">
+                <a:pos x="connsiteX17" y="connsiteY17"/>
+              </a:cxn>
+              <a:cxn ang="0">
+                <a:pos x="connsiteX18" y="connsiteY18"/>
+              </a:cxn>
+              <a:cxn ang="0">
+                <a:pos x="connsiteX19" y="connsiteY19"/>
+              </a:cxn>
+              <a:cxn ang="0">
+                <a:pos x="connsiteX20" y="connsiteY20"/>
+              </a:cxn>
+              <a:cxn ang="0">
+                <a:pos x="connsiteX21" y="connsiteY21"/>
+              </a:cxn>
+              <a:cxn ang="0">
+                <a:pos x="connsiteX22" y="connsiteY22"/>
+              </a:cxn>
+              <a:cxn ang="0">
+                <a:pos x="connsiteX23" y="connsiteY23"/>
+              </a:cxn>
+              <a:cxn ang="0">
+                <a:pos x="connsiteX24" y="connsiteY24"/>
+              </a:cxn>
+              <a:cxn ang="0">
+                <a:pos x="connsiteX25" y="connsiteY25"/>
+              </a:cxn>
+              <a:cxn ang="0">
+                <a:pos x="connsiteX26" y="connsiteY26"/>
+              </a:cxn>
+              <a:cxn ang="0">
+                <a:pos x="connsiteX27" y="connsiteY27"/>
+              </a:cxn>
+              <a:cxn ang="0">
+                <a:pos x="connsiteX28" y="connsiteY28"/>
+              </a:cxn>
+              <a:cxn ang="0">
+                <a:pos x="connsiteX29" y="connsiteY29"/>
+              </a:cxn>
+              <a:cxn ang="0">
+                <a:pos x="connsiteX30" y="connsiteY30"/>
+              </a:cxn>
+              <a:cxn ang="0">
+                <a:pos x="connsiteX31" y="connsiteY31"/>
+              </a:cxn>
+              <a:cxn ang="0">
+                <a:pos x="connsiteX32" y="connsiteY32"/>
+              </a:cxn>
+              <a:cxn ang="0">
+                <a:pos x="connsiteX33" y="connsiteY33"/>
+              </a:cxn>
+              <a:cxn ang="0">
+                <a:pos x="connsiteX34" y="connsiteY34"/>
+              </a:cxn>
+              <a:cxn ang="0">
+                <a:pos x="connsiteX35" y="connsiteY35"/>
+              </a:cxn>
+              <a:cxn ang="0">
+                <a:pos x="connsiteX36" y="connsiteY36"/>
+              </a:cxn>
+              <a:cxn ang="0">
+                <a:pos x="connsiteX37" y="connsiteY37"/>
+              </a:cxn>
+              <a:cxn ang="0">
+                <a:pos x="connsiteX38" y="connsiteY38"/>
+              </a:cxn>
+              <a:cxn ang="0">
+                <a:pos x="connsiteX39" y="connsiteY39"/>
+              </a:cxn>
+              <a:cxn ang="0">
+                <a:pos x="connsiteX40" y="connsiteY40"/>
+              </a:cxn>
+              <a:cxn ang="0">
+                <a:pos x="connsiteX41" y="connsiteY41"/>
+              </a:cxn>
+              <a:cxn ang="0">
+                <a:pos x="connsiteX42" y="connsiteY42"/>
+              </a:cxn>
+              <a:cxn ang="0">
+                <a:pos x="connsiteX43" y="connsiteY43"/>
+              </a:cxn>
+              <a:cxn ang="0">
+                <a:pos x="connsiteX44" y="connsiteY44"/>
+              </a:cxn>
+              <a:cxn ang="0">
+                <a:pos x="connsiteX45" y="connsiteY45"/>
+              </a:cxn>
+              <a:cxn ang="0">
+                <a:pos x="connsiteX46" y="connsiteY46"/>
+              </a:cxn>
+              <a:cxn ang="0">
+                <a:pos x="connsiteX47" y="connsiteY47"/>
+              </a:cxn>
+              <a:cxn ang="0">
+                <a:pos x="connsiteX48" y="connsiteY48"/>
+              </a:cxn>
+              <a:cxn ang="0">
+                <a:pos x="connsiteX49" y="connsiteY49"/>
+              </a:cxn>
+              <a:cxn ang="0">
+                <a:pos x="connsiteX50" y="connsiteY50"/>
+              </a:cxn>
+              <a:cxn ang="0">
+                <a:pos x="connsiteX51" y="connsiteY51"/>
+              </a:cxn>
+              <a:cxn ang="0">
+                <a:pos x="connsiteX52" y="connsiteY52"/>
+              </a:cxn>
+              <a:cxn ang="0">
+                <a:pos x="connsiteX53" y="connsiteY53"/>
+              </a:cxn>
+              <a:cxn ang="0">
+                <a:pos x="connsiteX54" y="connsiteY54"/>
+              </a:cxn>
+              <a:cxn ang="0">
+                <a:pos x="connsiteX55" y="connsiteY55"/>
+              </a:cxn>
+              <a:cxn ang="0">
+                <a:pos x="connsiteX56" y="connsiteY56"/>
+              </a:cxn>
+              <a:cxn ang="0">
+                <a:pos x="connsiteX57" y="connsiteY57"/>
+              </a:cxn>
+              <a:cxn ang="0">
+                <a:pos x="connsiteX58" y="connsiteY58"/>
+              </a:cxn>
+              <a:cxn ang="0">
+                <a:pos x="connsiteX59" y="connsiteY59"/>
+              </a:cxn>
+              <a:cxn ang="0">
+                <a:pos x="connsiteX60" y="connsiteY60"/>
+              </a:cxn>
+              <a:cxn ang="0">
+                <a:pos x="connsiteX61" y="connsiteY61"/>
+              </a:cxn>
+              <a:cxn ang="0">
+                <a:pos x="connsiteX62" y="connsiteY62"/>
+              </a:cxn>
+              <a:cxn ang="0">
+                <a:pos x="connsiteX63" y="connsiteY63"/>
+              </a:cxn>
+              <a:cxn ang="0">
+                <a:pos x="connsiteX64" y="connsiteY64"/>
+              </a:cxn>
+              <a:cxn ang="0">
+                <a:pos x="connsiteX65" y="connsiteY65"/>
+              </a:cxn>
+              <a:cxn ang="0">
+                <a:pos x="connsiteX66" y="connsiteY66"/>
+              </a:cxn>
+              <a:cxn ang="0">
+                <a:pos x="connsiteX67" y="connsiteY67"/>
+              </a:cxn>
+              <a:cxn ang="0">
+                <a:pos x="connsiteX68" y="connsiteY68"/>
+              </a:cxn>
+              <a:cxn ang="0">
+                <a:pos x="connsiteX69" y="connsiteY69"/>
+              </a:cxn>
+              <a:cxn ang="0">
+                <a:pos x="connsiteX70" y="connsiteY70"/>
+              </a:cxn>
+              <a:cxn ang="0">
+                <a:pos x="connsiteX71" y="connsiteY71"/>
+              </a:cxn>
+              <a:cxn ang="0">
+                <a:pos x="connsiteX72" y="connsiteY72"/>
+              </a:cxn>
+              <a:cxn ang="0">
+                <a:pos x="connsiteX73" y="connsiteY73"/>
+              </a:cxn>
+              <a:cxn ang="0">
+                <a:pos x="connsiteX74" y="connsiteY74"/>
+              </a:cxn>
+              <a:cxn ang="0">
+                <a:pos x="connsiteX75" y="connsiteY75"/>
+              </a:cxn>
+              <a:cxn ang="0">
+                <a:pos x="connsiteX76" y="connsiteY76"/>
+              </a:cxn>
+              <a:cxn ang="0">
+                <a:pos x="connsiteX77" y="connsiteY77"/>
+              </a:cxn>
+              <a:cxn ang="0">
+                <a:pos x="connsiteX78" y="connsiteY78"/>
+              </a:cxn>
+              <a:cxn ang="0">
+                <a:pos x="connsiteX79" y="connsiteY79"/>
+              </a:cxn>
+              <a:cxn ang="0">
+                <a:pos x="connsiteX80" y="connsiteY80"/>
+              </a:cxn>
+              <a:cxn ang="0">
+                <a:pos x="connsiteX81" y="connsiteY81"/>
+              </a:cxn>
+              <a:cxn ang="0">
+                <a:pos x="connsiteX82" y="connsiteY82"/>
+              </a:cxn>
+              <a:cxn ang="0">
+                <a:pos x="connsiteX83" y="connsiteY83"/>
+              </a:cxn>
+              <a:cxn ang="0">
+                <a:pos x="connsiteX84" y="connsiteY84"/>
+              </a:cxn>
+              <a:cxn ang="0">
+                <a:pos x="connsiteX85" y="connsiteY85"/>
+              </a:cxn>
+              <a:cxn ang="0">
+                <a:pos x="connsiteX86" y="connsiteY86"/>
+              </a:cxn>
+              <a:cxn ang="0">
+                <a:pos x="connsiteX87" y="connsiteY87"/>
+              </a:cxn>
+              <a:cxn ang="0">
+                <a:pos x="connsiteX88" y="connsiteY88"/>
+              </a:cxn>
+              <a:cxn ang="0">
+                <a:pos x="connsiteX89" y="connsiteY89"/>
+              </a:cxn>
+              <a:cxn ang="0">
+                <a:pos x="connsiteX90" y="connsiteY90"/>
+              </a:cxn>
+              <a:cxn ang="0">
+                <a:pos x="connsiteX91" y="connsiteY91"/>
+              </a:cxn>
+              <a:cxn ang="0">
+                <a:pos x="connsiteX92" y="connsiteY92"/>
+              </a:cxn>
+              <a:cxn ang="0">
+                <a:pos x="connsiteX93" y="connsiteY93"/>
+              </a:cxn>
+              <a:cxn ang="0">
+                <a:pos x="connsiteX94" y="connsiteY94"/>
+              </a:cxn>
+              <a:cxn ang="0">
+                <a:pos x="connsiteX95" y="connsiteY95"/>
+              </a:cxn>
+              <a:cxn ang="0">
+                <a:pos x="connsiteX96" y="connsiteY96"/>
+              </a:cxn>
+              <a:cxn ang="0">
+                <a:pos x="connsiteX97" y="connsiteY97"/>
+              </a:cxn>
+              <a:cxn ang="0">
+                <a:pos x="connsiteX98" y="connsiteY98"/>
+              </a:cxn>
+              <a:cxn ang="0">
+                <a:pos x="connsiteX99" y="connsiteY99"/>
+              </a:cxn>
+              <a:cxn ang="0">
+                <a:pos x="connsiteX100" y="connsiteY100"/>
+              </a:cxn>
+              <a:cxn ang="0">
+                <a:pos x="connsiteX101" y="connsiteY101"/>
+              </a:cxn>
+              <a:cxn ang="0">
+                <a:pos x="connsiteX102" y="connsiteY102"/>
+              </a:cxn>
+              <a:cxn ang="0">
+                <a:pos x="connsiteX103" y="connsiteY103"/>
+              </a:cxn>
+              <a:cxn ang="0">
+                <a:pos x="connsiteX104" y="connsiteY104"/>
+              </a:cxn>
+              <a:cxn ang="0">
+                <a:pos x="connsiteX105" y="connsiteY105"/>
+              </a:cxn>
+              <a:cxn ang="0">
+                <a:pos x="connsiteX106" y="connsiteY106"/>
+              </a:cxn>
+              <a:cxn ang="0">
+                <a:pos x="connsiteX107" y="connsiteY107"/>
+              </a:cxn>
+              <a:cxn ang="0">
+                <a:pos x="connsiteX108" y="connsiteY108"/>
+              </a:cxn>
+              <a:cxn ang="0">
+                <a:pos x="connsiteX109" y="connsiteY109"/>
+              </a:cxn>
+              <a:cxn ang="0">
+                <a:pos x="connsiteX110" y="connsiteY110"/>
+              </a:cxn>
+              <a:cxn ang="0">
+                <a:pos x="connsiteX111" y="connsiteY111"/>
+              </a:cxn>
+              <a:cxn ang="0">
+                <a:pos x="connsiteX112" y="connsiteY112"/>
+              </a:cxn>
+              <a:cxn ang="0">
+                <a:pos x="connsiteX113" y="connsiteY113"/>
+              </a:cxn>
+              <a:cxn ang="0">
+                <a:pos x="connsiteX114" y="connsiteY114"/>
+              </a:cxn>
+              <a:cxn ang="0">
+                <a:pos x="connsiteX115" y="connsiteY115"/>
+              </a:cxn>
+              <a:cxn ang="0">
+                <a:pos x="connsiteX116" y="connsiteY116"/>
+              </a:cxn>
+              <a:cxn ang="0">
+                <a:pos x="connsiteX117" y="connsiteY117"/>
+              </a:cxn>
+              <a:cxn ang="0">
+                <a:pos x="connsiteX118" y="connsiteY118"/>
+              </a:cxn>
+              <a:cxn ang="0">
+                <a:pos x="connsiteX119" y="connsiteY119"/>
+              </a:cxn>
+              <a:cxn ang="0">
+                <a:pos x="connsiteX120" y="connsiteY120"/>
+              </a:cxn>
+              <a:cxn ang="0">
+                <a:pos x="connsiteX121" y="connsiteY121"/>
+              </a:cxn>
+              <a:cxn ang="0">
+                <a:pos x="connsiteX122" y="connsiteY122"/>
+              </a:cxn>
+              <a:cxn ang="0">
+                <a:pos x="connsiteX123" y="connsiteY123"/>
+              </a:cxn>
+              <a:cxn ang="0">
+                <a:pos x="connsiteX124" y="connsiteY124"/>
+              </a:cxn>
+              <a:cxn ang="0">
+                <a:pos x="connsiteX125" y="connsiteY125"/>
+              </a:cxn>
+              <a:cxn ang="0">
+                <a:pos x="connsiteX126" y="connsiteY126"/>
+              </a:cxn>
+              <a:cxn ang="0">
+                <a:pos x="connsiteX127" y="connsiteY127"/>
+              </a:cxn>
+              <a:cxn ang="0">
+                <a:pos x="connsiteX128" y="connsiteY128"/>
+              </a:cxn>
+              <a:cxn ang="0">
+                <a:pos x="connsiteX129" y="connsiteY129"/>
+              </a:cxn>
+              <a:cxn ang="0">
+                <a:pos x="connsiteX130" y="connsiteY130"/>
+              </a:cxn>
+              <a:cxn ang="0">
+                <a:pos x="connsiteX131" y="connsiteY131"/>
+              </a:cxn>
+              <a:cxn ang="0">
+                <a:pos x="connsiteX132" y="connsiteY132"/>
+              </a:cxn>
+              <a:cxn ang="0">
+                <a:pos x="connsiteX133" y="connsiteY133"/>
+              </a:cxn>
+              <a:cxn ang="0">
+                <a:pos x="connsiteX134" y="connsiteY134"/>
+              </a:cxn>
+              <a:cxn ang="0">
+                <a:pos x="connsiteX135" y="connsiteY135"/>
+              </a:cxn>
+              <a:cxn ang="0">
+                <a:pos x="connsiteX136" y="connsiteY136"/>
+              </a:cxn>
+              <a:cxn ang="0">
+                <a:pos x="connsiteX137" y="connsiteY137"/>
+              </a:cxn>
+              <a:cxn ang="0">
+                <a:pos x="connsiteX138" y="connsiteY138"/>
+              </a:cxn>
+              <a:cxn ang="0">
+                <a:pos x="connsiteX139" y="connsiteY139"/>
+              </a:cxn>
+              <a:cxn ang="0">
+                <a:pos x="connsiteX140" y="connsiteY140"/>
+              </a:cxn>
+              <a:cxn ang="0">
+                <a:pos x="connsiteX141" y="connsiteY141"/>
+              </a:cxn>
+              <a:cxn ang="0">
+                <a:pos x="connsiteX142" y="connsiteY142"/>
+              </a:cxn>
+              <a:cxn ang="0">
+                <a:pos x="connsiteX143" y="connsiteY143"/>
+              </a:cxn>
+              <a:cxn ang="0">
+                <a:pos x="connsiteX144" y="connsiteY144"/>
+              </a:cxn>
+              <a:cxn ang="0">
+                <a:pos x="connsiteX145" y="connsiteY145"/>
+              </a:cxn>
+              <a:cxn ang="0">
+                <a:pos x="connsiteX146" y="connsiteY146"/>
+              </a:cxn>
+              <a:cxn ang="0">
+                <a:pos x="connsiteX147" y="connsiteY147"/>
+              </a:cxn>
+              <a:cxn ang="0">
+                <a:pos x="connsiteX148" y="connsiteY148"/>
+              </a:cxn>
+              <a:cxn ang="0">
+                <a:pos x="connsiteX149" y="connsiteY149"/>
+              </a:cxn>
+              <a:cxn ang="0">
+                <a:pos x="connsiteX150" y="connsiteY150"/>
+              </a:cxn>
+              <a:cxn ang="0">
+                <a:pos x="connsiteX151" y="connsiteY151"/>
+              </a:cxn>
+              <a:cxn ang="0">
+                <a:pos x="connsiteX152" y="connsiteY152"/>
+              </a:cxn>
+              <a:cxn ang="0">
+                <a:pos x="connsiteX153" y="connsiteY153"/>
+              </a:cxn>
+              <a:cxn ang="0">
+                <a:pos x="connsiteX154" y="connsiteY154"/>
+              </a:cxn>
+              <a:cxn ang="0">
+                <a:pos x="connsiteX155" y="connsiteY155"/>
+              </a:cxn>
+              <a:cxn ang="0">
+                <a:pos x="connsiteX156" y="connsiteY156"/>
+              </a:cxn>
+              <a:cxn ang="0">
+                <a:pos x="connsiteX157" y="connsiteY157"/>
+              </a:cxn>
+              <a:cxn ang="0">
+                <a:pos x="connsiteX158" y="connsiteY158"/>
+              </a:cxn>
+              <a:cxn ang="0">
+                <a:pos x="connsiteX159" y="connsiteY159"/>
+              </a:cxn>
+              <a:cxn ang="0">
+                <a:pos x="connsiteX160" y="connsiteY160"/>
+              </a:cxn>
+              <a:cxn ang="0">
+                <a:pos x="connsiteX161" y="connsiteY161"/>
+              </a:cxn>
+            </a:cxnLst>
+            <a:rect l="l" t="t" r="r" b="b"/>
+            <a:pathLst>
+              <a:path w="6096000" h="6858000">
+                <a:moveTo>
+                  <a:pt x="0" y="0"/>
+                </a:moveTo>
+                <a:lnTo>
+                  <a:pt x="5567517" y="0"/>
+                </a:lnTo>
+                <a:lnTo>
+                  <a:pt x="5566938" y="1705"/>
+                </a:lnTo>
+                <a:cubicBezTo>
+                  <a:pt x="5563126" y="8440"/>
+                  <a:pt x="5558112" y="13784"/>
+                  <a:pt x="5551594" y="17287"/>
+                </a:cubicBezTo>
+                <a:cubicBezTo>
+                  <a:pt x="5562364" y="82036"/>
+                  <a:pt x="5510349" y="69804"/>
+                  <a:pt x="5545641" y="130336"/>
+                </a:cubicBezTo>
+                <a:cubicBezTo>
+                  <a:pt x="5526953" y="117589"/>
+                  <a:pt x="5536978" y="162458"/>
+                  <a:pt x="5538289" y="187093"/>
+                </a:cubicBezTo>
+                <a:cubicBezTo>
+                  <a:pt x="5536205" y="226511"/>
+                  <a:pt x="5545722" y="205530"/>
+                  <a:pt x="5545790" y="265704"/>
+                </a:cubicBezTo>
+                <a:cubicBezTo>
+                  <a:pt x="5542296" y="317533"/>
+                  <a:pt x="5543813" y="325288"/>
+                  <a:pt x="5542313" y="354566"/>
+                </a:cubicBezTo>
+                <a:lnTo>
+                  <a:pt x="5524126" y="472000"/>
+                </a:lnTo>
+                <a:lnTo>
+                  <a:pt x="5522170" y="473782"/>
+                </a:lnTo>
+                <a:cubicBezTo>
+                  <a:pt x="5517847" y="482008"/>
+                  <a:pt x="5518682" y="487340"/>
+                  <a:pt x="5521798" y="491380"/>
+                </a:cubicBezTo>
+                <a:lnTo>
+                  <a:pt x="5536419" y="531675"/>
+                </a:lnTo>
+                <a:lnTo>
+                  <a:pt x="5533435" y="536015"/>
+                </a:lnTo>
+                <a:lnTo>
+                  <a:pt x="5538088" y="572092"/>
+                </a:lnTo>
+                <a:lnTo>
+                  <a:pt x="5536061" y="572511"/>
+                </a:lnTo>
+                <a:cubicBezTo>
+                  <a:pt x="5531611" y="574271"/>
+                  <a:pt x="5528529" y="577121"/>
+                  <a:pt x="5528218" y="582332"/>
+                </a:cubicBezTo>
+                <a:cubicBezTo>
+                  <a:pt x="5498002" y="573171"/>
+                  <a:pt x="5516262" y="585107"/>
+                  <a:pt x="5518011" y="601285"/>
+                </a:cubicBezTo>
+                <a:cubicBezTo>
+                  <a:pt x="5508838" y="617831"/>
+                  <a:pt x="5480684" y="666964"/>
+                  <a:pt x="5473174" y="681608"/>
+                </a:cubicBezTo>
+                <a:cubicBezTo>
+                  <a:pt x="5473102" y="684122"/>
+                  <a:pt x="5473033" y="686637"/>
+                  <a:pt x="5472963" y="689151"/>
+                </a:cubicBezTo>
+                <a:lnTo>
+                  <a:pt x="5472485" y="689289"/>
+                </a:lnTo>
+                <a:cubicBezTo>
+                  <a:pt x="5471434" y="690905"/>
+                  <a:pt x="5470986" y="693376"/>
+                  <a:pt x="5471326" y="697222"/>
+                </a:cubicBezTo>
+                <a:cubicBezTo>
+                  <a:pt x="5471606" y="703992"/>
+                  <a:pt x="5471884" y="710761"/>
+                  <a:pt x="5472164" y="717531"/>
+                </a:cubicBezTo>
+                <a:lnTo>
+                  <a:pt x="5468891" y="722494"/>
+                </a:lnTo>
+                <a:lnTo>
+                  <a:pt x="5463081" y="724368"/>
+                </a:lnTo>
+                <a:lnTo>
+                  <a:pt x="5446981" y="752692"/>
+                </a:lnTo>
+                <a:cubicBezTo>
+                  <a:pt x="5454691" y="764380"/>
+                  <a:pt x="5422719" y="808083"/>
+                  <a:pt x="5417190" y="816346"/>
+                </a:cubicBezTo>
+                <a:lnTo>
+                  <a:pt x="5388958" y="889417"/>
+                </a:lnTo>
+                <a:cubicBezTo>
+                  <a:pt x="5320491" y="969963"/>
+                  <a:pt x="5321907" y="1005331"/>
+                  <a:pt x="5307044" y="1063288"/>
+                </a:cubicBezTo>
+                <a:cubicBezTo>
+                  <a:pt x="5313332" y="1111028"/>
+                  <a:pt x="5317096" y="1110140"/>
+                  <a:pt x="5303837" y="1157176"/>
+                </a:cubicBezTo>
+                <a:cubicBezTo>
+                  <a:pt x="5301103" y="1192124"/>
+                  <a:pt x="5301884" y="1197232"/>
+                  <a:pt x="5286494" y="1210776"/>
+                </a:cubicBezTo>
+                <a:lnTo>
+                  <a:pt x="5282463" y="1301993"/>
+                </a:lnTo>
+                <a:lnTo>
+                  <a:pt x="5252235" y="1360879"/>
+                </a:lnTo>
+                <a:lnTo>
+                  <a:pt x="5244497" y="1404045"/>
+                </a:lnTo>
+                <a:lnTo>
+                  <a:pt x="5223823" y="1429568"/>
+                </a:lnTo>
+                <a:lnTo>
+                  <a:pt x="5224851" y="1430305"/>
+                </a:lnTo>
+                <a:cubicBezTo>
+                  <a:pt x="5226697" y="1432466"/>
+                  <a:pt x="5214738" y="1459891"/>
+                  <a:pt x="5212394" y="1463304"/>
+                </a:cubicBezTo>
+                <a:cubicBezTo>
+                  <a:pt x="5209912" y="1477394"/>
+                  <a:pt x="5213027" y="1501295"/>
+                  <a:pt x="5209958" y="1514846"/>
+                </a:cubicBezTo>
+                <a:lnTo>
+                  <a:pt x="5206417" y="1519731"/>
+                </a:lnTo>
+                <a:lnTo>
+                  <a:pt x="5206640" y="1519929"/>
+                </a:lnTo>
+                <a:cubicBezTo>
+                  <a:pt x="5206490" y="1521210"/>
+                  <a:pt x="5209710" y="1543635"/>
+                  <a:pt x="5207632" y="1546022"/>
+                </a:cubicBezTo>
+                <a:lnTo>
+                  <a:pt x="5212030" y="1578752"/>
+                </a:lnTo>
+                <a:cubicBezTo>
+                  <a:pt x="5206147" y="1605585"/>
+                  <a:pt x="5226381" y="1622803"/>
+                  <a:pt x="5203533" y="1647555"/>
+                </a:cubicBezTo>
+                <a:cubicBezTo>
+                  <a:pt x="5198128" y="1672675"/>
+                  <a:pt x="5203213" y="1694404"/>
+                  <a:pt x="5190877" y="1715685"/>
+                </a:cubicBezTo>
+                <a:cubicBezTo>
+                  <a:pt x="5196815" y="1724301"/>
+                  <a:pt x="5198098" y="1732435"/>
+                  <a:pt x="5184235" y="1740358"/>
+                </a:cubicBezTo>
+                <a:cubicBezTo>
+                  <a:pt x="5182625" y="1763793"/>
+                  <a:pt x="5198368" y="1769422"/>
+                  <a:pt x="5181475" y="1784314"/>
+                </a:cubicBezTo>
+                <a:cubicBezTo>
+                  <a:pt x="5205987" y="1797417"/>
+                  <a:pt x="5195246" y="1798221"/>
+                  <a:pt x="5185845" y="1804434"/>
+                </a:cubicBezTo>
+                <a:lnTo>
+                  <a:pt x="5185068" y="1805316"/>
+                </a:lnTo>
+                <a:lnTo>
+                  <a:pt x="5188593" y="1807109"/>
+                </a:lnTo>
+                <a:lnTo>
+                  <a:pt x="5185920" y="1821003"/>
+                </a:lnTo>
+                <a:lnTo>
+                  <a:pt x="5183543" y="1824832"/>
+                </a:lnTo>
+                <a:cubicBezTo>
+                  <a:pt x="5182284" y="1827468"/>
+                  <a:pt x="5181937" y="1829219"/>
+                  <a:pt x="5182235" y="1830429"/>
+                </a:cubicBezTo>
+                <a:lnTo>
+                  <a:pt x="5182525" y="1830569"/>
+                </a:lnTo>
+                <a:lnTo>
+                  <a:pt x="5180663" y="1835810"/>
+                </a:lnTo>
+                <a:cubicBezTo>
+                  <a:pt x="5176779" y="1844665"/>
+                  <a:pt x="5172297" y="1853278"/>
+                  <a:pt x="5167452" y="1861483"/>
+                </a:cubicBezTo>
+                <a:cubicBezTo>
+                  <a:pt x="5179827" y="1866643"/>
+                  <a:pt x="5166788" y="1884999"/>
+                  <a:pt x="5174266" y="1892417"/>
+                </a:cubicBezTo>
+                <a:lnTo>
+                  <a:pt x="5189262" y="1895114"/>
+                </a:lnTo>
+                <a:lnTo>
+                  <a:pt x="5187100" y="1899379"/>
+                </a:lnTo>
+                <a:lnTo>
+                  <a:pt x="5180471" y="1907867"/>
+                </a:lnTo>
+                <a:cubicBezTo>
+                  <a:pt x="5179609" y="1909162"/>
+                  <a:pt x="5179647" y="1909994"/>
+                  <a:pt x="5181361" y="1910265"/>
+                </a:cubicBezTo>
+                <a:cubicBezTo>
+                  <a:pt x="5180995" y="1914884"/>
+                  <a:pt x="5177893" y="1930292"/>
+                  <a:pt x="5178268" y="1935584"/>
+                </a:cubicBezTo>
+                <a:lnTo>
+                  <a:pt x="5183619" y="1942021"/>
+                </a:lnTo>
+                <a:lnTo>
+                  <a:pt x="5184480" y="1945112"/>
+                </a:lnTo>
+                <a:lnTo>
+                  <a:pt x="5172776" y="1961162"/>
+                </a:lnTo>
+                <a:lnTo>
+                  <a:pt x="5168513" y="1969445"/>
+                </a:lnTo>
+                <a:lnTo>
+                  <a:pt x="5126597" y="2024270"/>
+                </a:lnTo>
+                <a:lnTo>
+                  <a:pt x="5119528" y="2107942"/>
+                </a:lnTo>
+                <a:cubicBezTo>
+                  <a:pt x="5089290" y="2138038"/>
+                  <a:pt x="5110415" y="2159228"/>
+                  <a:pt x="5110356" y="2193455"/>
+                </a:cubicBezTo>
+                <a:cubicBezTo>
+                  <a:pt x="5101302" y="2220953"/>
+                  <a:pt x="5110381" y="2224200"/>
+                  <a:pt x="5104992" y="2260088"/>
+                </a:cubicBezTo>
+                <a:cubicBezTo>
+                  <a:pt x="5096504" y="2291744"/>
+                  <a:pt x="5078225" y="2299003"/>
+                  <a:pt x="5059439" y="2335735"/>
+                </a:cubicBezTo>
+                <a:cubicBezTo>
+                  <a:pt x="5029465" y="2329020"/>
+                  <a:pt x="5058046" y="2407546"/>
+                  <a:pt x="5022061" y="2408995"/>
+                </a:cubicBezTo>
+                <a:cubicBezTo>
+                  <a:pt x="5023289" y="2413465"/>
+                  <a:pt x="5019654" y="2441580"/>
+                  <a:pt x="5022253" y="2445869"/>
+                </a:cubicBezTo>
+                <a:cubicBezTo>
+                  <a:pt x="5022440" y="2449625"/>
+                  <a:pt x="5011241" y="2492743"/>
+                  <a:pt x="5011426" y="2496499"/>
+                </a:cubicBezTo>
+                <a:lnTo>
+                  <a:pt x="4994224" y="2549900"/>
+                </a:lnTo>
+                <a:cubicBezTo>
+                  <a:pt x="4992353" y="2564757"/>
+                  <a:pt x="4998952" y="2582253"/>
+                  <a:pt x="4995245" y="2596456"/>
+                </a:cubicBezTo>
+                <a:lnTo>
+                  <a:pt x="4988570" y="2606088"/>
+                </a:lnTo>
+                <a:cubicBezTo>
+                  <a:pt x="4988504" y="2615842"/>
+                  <a:pt x="4988436" y="2625597"/>
+                  <a:pt x="4988371" y="2635351"/>
+                </a:cubicBezTo>
+                <a:lnTo>
+                  <a:pt x="4983212" y="2665666"/>
+                </a:lnTo>
+                <a:lnTo>
+                  <a:pt x="4968234" y="2715895"/>
+                </a:lnTo>
+                <a:lnTo>
+                  <a:pt x="4975888" y="2725052"/>
+                </a:lnTo>
+                <a:lnTo>
+                  <a:pt x="4980195" y="2726489"/>
+                </a:lnTo>
+                <a:lnTo>
+                  <a:pt x="4976218" y="2740278"/>
+                </a:lnTo>
+                <a:lnTo>
+                  <a:pt x="4980571" y="2751112"/>
+                </a:lnTo>
+                <a:lnTo>
+                  <a:pt x="4973893" y="2760208"/>
+                </a:lnTo>
+                <a:lnTo>
+                  <a:pt x="4979005" y="2790136"/>
+                </a:lnTo>
+                <a:lnTo>
+                  <a:pt x="4986137" y="2804183"/>
+                </a:lnTo>
+                <a:cubicBezTo>
+                  <a:pt x="4986150" y="2811409"/>
+                  <a:pt x="4986162" y="2818634"/>
+                  <a:pt x="4986175" y="2825860"/>
+                </a:cubicBezTo>
+                <a:cubicBezTo>
+                  <a:pt x="4987474" y="2843788"/>
+                  <a:pt x="4992871" y="2886513"/>
+                  <a:pt x="4993936" y="2911749"/>
+                </a:cubicBezTo>
+                <a:cubicBezTo>
+                  <a:pt x="4993313" y="2946689"/>
+                  <a:pt x="4980300" y="2954448"/>
+                  <a:pt x="4992563" y="2977278"/>
+                </a:cubicBezTo>
+                <a:cubicBezTo>
+                  <a:pt x="4985688" y="2983455"/>
+                  <a:pt x="4982051" y="2987749"/>
+                  <a:pt x="4980516" y="2991092"/>
+                </a:cubicBezTo>
+                <a:cubicBezTo>
+                  <a:pt x="4975910" y="3001119"/>
+                  <a:pt x="4990216" y="3002537"/>
+                  <a:pt x="4992801" y="3020247"/>
+                </a:cubicBezTo>
+                <a:cubicBezTo>
+                  <a:pt x="4998517" y="3032637"/>
+                  <a:pt x="5013148" y="3051512"/>
+                  <a:pt x="5014805" y="3065434"/>
+                </a:cubicBezTo>
+                <a:cubicBezTo>
+                  <a:pt x="4998836" y="3057428"/>
+                  <a:pt x="5016840" y="3105196"/>
+                  <a:pt x="5002733" y="3103777"/>
+                </a:cubicBezTo>
+                <a:cubicBezTo>
+                  <a:pt x="5022381" y="3124610"/>
+                  <a:pt x="4997365" y="3128169"/>
+                  <a:pt x="5002941" y="3151828"/>
+                </a:cubicBezTo>
+                <a:cubicBezTo>
+                  <a:pt x="5010264" y="3163902"/>
+                  <a:pt x="5011356" y="3171780"/>
+                  <a:pt x="5002883" y="3180546"/>
+                </a:cubicBezTo>
+                <a:cubicBezTo>
+                  <a:pt x="5038586" y="3236545"/>
+                  <a:pt x="5003723" y="3210316"/>
+                  <a:pt x="5016711" y="3258677"/>
+                </a:cubicBezTo>
+                <a:lnTo>
+                  <a:pt x="5017918" y="3262610"/>
+                </a:lnTo>
+                <a:lnTo>
+                  <a:pt x="5011672" y="3277179"/>
+                </a:lnTo>
+                <a:lnTo>
+                  <a:pt x="5009344" y="3278130"/>
+                </a:lnTo>
+                <a:lnTo>
+                  <a:pt x="5026770" y="3325671"/>
+                </a:lnTo>
+                <a:lnTo>
+                  <a:pt x="5024571" y="3332072"/>
+                </a:lnTo>
+                <a:lnTo>
+                  <a:pt x="5041705" y="3362948"/>
+                </a:lnTo>
+                <a:lnTo>
+                  <a:pt x="5047477" y="3378959"/>
+                </a:lnTo>
+                <a:lnTo>
+                  <a:pt x="5060758" y="3407057"/>
+                </a:lnTo>
+                <a:lnTo>
+                  <a:pt x="5058968" y="3409825"/>
+                </a:lnTo>
+                <a:lnTo>
+                  <a:pt x="5062667" y="3415218"/>
+                </a:lnTo>
+                <a:lnTo>
+                  <a:pt x="5060928" y="3419880"/>
+                </a:lnTo>
+                <a:lnTo>
+                  <a:pt x="5062923" y="3424545"/>
+                </a:lnTo>
+                <a:cubicBezTo>
+                  <a:pt x="5063537" y="3433967"/>
+                  <a:pt x="5063494" y="3466028"/>
+                  <a:pt x="5064623" y="3476412"/>
+                </a:cubicBezTo>
+                <a:lnTo>
+                  <a:pt x="5069684" y="3486850"/>
+                </a:lnTo>
+                <a:lnTo>
+                  <a:pt x="5063339" y="3496391"/>
+                </a:lnTo>
+                <a:lnTo>
+                  <a:pt x="5070139" y="3531201"/>
+                </a:lnTo>
+                <a:lnTo>
+                  <a:pt x="5079896" y="3542019"/>
+                </a:lnTo>
+                <a:lnTo>
+                  <a:pt x="5087540" y="3552249"/>
+                </a:lnTo>
+                <a:lnTo>
+                  <a:pt x="5087902" y="3553678"/>
+                </a:lnTo>
+                <a:lnTo>
+                  <a:pt x="5091509" y="3568021"/>
+                </a:lnTo>
+                <a:lnTo>
+                  <a:pt x="5091934" y="3569719"/>
+                </a:lnTo>
+                <a:lnTo>
+                  <a:pt x="5089362" y="3586412"/>
+                </a:lnTo>
+                <a:lnTo>
+                  <a:pt x="5092358" y="3597336"/>
+                </a:lnTo>
+                <a:lnTo>
+                  <a:pt x="5084254" y="3606007"/>
+                </a:lnTo>
+                <a:cubicBezTo>
+                  <a:pt x="5084262" y="3617747"/>
+                  <a:pt x="5084273" y="3629488"/>
+                  <a:pt x="5084281" y="3641228"/>
+                </a:cubicBezTo>
+                <a:lnTo>
+                  <a:pt x="5091848" y="3653088"/>
+                </a:lnTo>
+                <a:lnTo>
+                  <a:pt x="5097436" y="3664114"/>
+                </a:lnTo>
+                <a:cubicBezTo>
+                  <a:pt x="5097463" y="3664599"/>
+                  <a:pt x="5097491" y="3665084"/>
+                  <a:pt x="5097518" y="3665569"/>
+                </a:cubicBezTo>
+                <a:cubicBezTo>
+                  <a:pt x="5097915" y="3672776"/>
+                  <a:pt x="5096966" y="3688591"/>
+                  <a:pt x="5099829" y="3707357"/>
+                </a:cubicBezTo>
+                <a:cubicBezTo>
+                  <a:pt x="5100505" y="3724716"/>
+                  <a:pt x="5118078" y="3760234"/>
+                  <a:pt x="5114696" y="3778166"/>
+                </a:cubicBezTo>
+                <a:cubicBezTo>
+                  <a:pt x="5141627" y="3845122"/>
+                  <a:pt x="5125427" y="3821305"/>
+                  <a:pt x="5135379" y="3878222"/>
+                </a:cubicBezTo>
+                <a:cubicBezTo>
+                  <a:pt x="5161519" y="3905047"/>
+                  <a:pt x="5125417" y="4015047"/>
+                  <a:pt x="5130138" y="4048117"/>
+                </a:cubicBezTo>
+                <a:cubicBezTo>
+                  <a:pt x="5081804" y="4192084"/>
+                  <a:pt x="5096262" y="4158987"/>
+                  <a:pt x="5090040" y="4219510"/>
+                </a:cubicBezTo>
+                <a:cubicBezTo>
+                  <a:pt x="5104553" y="4280033"/>
+                  <a:pt x="5065380" y="4345686"/>
+                  <a:pt x="5092812" y="4411258"/>
+                </a:cubicBezTo>
+                <a:cubicBezTo>
+                  <a:pt x="5090630" y="4437329"/>
+                  <a:pt x="5083878" y="4473140"/>
+                  <a:pt x="5084599" y="4488531"/>
+                </a:cubicBezTo>
+                <a:cubicBezTo>
+                  <a:pt x="5084423" y="4505410"/>
+                  <a:pt x="5084248" y="4522289"/>
+                  <a:pt x="5084072" y="4539168"/>
+                </a:cubicBezTo>
+                <a:cubicBezTo>
+                  <a:pt x="5072114" y="4567830"/>
+                  <a:pt x="5064305" y="4588197"/>
+                  <a:pt x="5068936" y="4625153"/>
+                </a:cubicBezTo>
+                <a:cubicBezTo>
+                  <a:pt x="5077433" y="4662889"/>
+                  <a:pt x="5065899" y="4679357"/>
+                  <a:pt x="5059114" y="4733115"/>
+                </a:cubicBezTo>
+                <a:cubicBezTo>
+                  <a:pt x="5068687" y="4752352"/>
+                  <a:pt x="5055370" y="4832308"/>
+                  <a:pt x="5037209" y="4844323"/>
+                </a:cubicBezTo>
+                <a:cubicBezTo>
+                  <a:pt x="5033444" y="4857054"/>
+                  <a:pt x="5040194" y="4871554"/>
+                  <a:pt x="5020638" y="4877992"/>
+                </a:cubicBezTo>
+                <a:cubicBezTo>
+                  <a:pt x="4997151" y="4888353"/>
+                  <a:pt x="5034418" y="4931200"/>
+                  <a:pt x="5006413" y="4925805"/>
+                </a:cubicBezTo>
+                <a:cubicBezTo>
+                  <a:pt x="5031964" y="4956261"/>
+                  <a:pt x="4982840" y="4982633"/>
+                  <a:pt x="4971037" y="5009272"/>
+                </a:cubicBezTo>
+                <a:cubicBezTo>
+                  <a:pt x="4973259" y="5034036"/>
+                  <a:pt x="4968375" y="5053859"/>
+                  <a:pt x="4963105" y="5111369"/>
+                </a:cubicBezTo>
+                <a:cubicBezTo>
+                  <a:pt x="4973224" y="5141336"/>
+                  <a:pt x="4937413" y="5161742"/>
+                  <a:pt x="4976341" y="5210876"/>
+                </a:cubicBezTo>
+                <a:cubicBezTo>
+                  <a:pt x="4972455" y="5212581"/>
+                  <a:pt x="4977054" y="5227501"/>
+                  <a:pt x="4980617" y="5269726"/>
+                </a:cubicBezTo>
+                <a:cubicBezTo>
+                  <a:pt x="4984182" y="5311951"/>
+                  <a:pt x="4990390" y="5400671"/>
+                  <a:pt x="4997733" y="5464225"/>
+                </a:cubicBezTo>
+                <a:cubicBezTo>
+                  <a:pt x="5001765" y="5536542"/>
+                  <a:pt x="4990225" y="5517959"/>
+                  <a:pt x="5001400" y="5594585"/>
+                </a:cubicBezTo>
+                <a:cubicBezTo>
+                  <a:pt x="4999908" y="5619318"/>
+                  <a:pt x="4974042" y="5647975"/>
+                  <a:pt x="4983700" y="5667896"/>
+                </a:cubicBezTo>
+                <a:cubicBezTo>
+                  <a:pt x="4976834" y="5696311"/>
+                  <a:pt x="4975579" y="5738356"/>
+                  <a:pt x="4968506" y="5769225"/>
+                </a:cubicBezTo>
+                <a:cubicBezTo>
+                  <a:pt x="4968926" y="5787258"/>
+                  <a:pt x="4969344" y="5805291"/>
+                  <a:pt x="4969765" y="5823324"/>
+                </a:cubicBezTo>
+                <a:cubicBezTo>
+                  <a:pt x="4966122" y="5853058"/>
+                  <a:pt x="4965608" y="5838948"/>
+                  <a:pt x="4966129" y="5862699"/>
+                </a:cubicBezTo>
+                <a:lnTo>
+                  <a:pt x="4970695" y="5906467"/>
+                </a:lnTo>
+                <a:lnTo>
+                  <a:pt x="4991568" y="5939847"/>
+                </a:lnTo>
+                <a:cubicBezTo>
+                  <a:pt x="4998848" y="5955713"/>
+                  <a:pt x="4974731" y="5940131"/>
+                  <a:pt x="4986815" y="5973994"/>
+                </a:cubicBezTo>
+                <a:cubicBezTo>
+                  <a:pt x="4961187" y="5997051"/>
+                  <a:pt x="4983444" y="6032039"/>
+                  <a:pt x="4987776" y="6089693"/>
+                </a:cubicBezTo>
+                <a:lnTo>
+                  <a:pt x="4991621" y="6224938"/>
+                </a:lnTo>
+                <a:cubicBezTo>
+                  <a:pt x="4988442" y="6270972"/>
+                  <a:pt x="5008962" y="6317522"/>
+                  <a:pt x="5017157" y="6370251"/>
+                </a:cubicBezTo>
+                <a:cubicBezTo>
+                  <a:pt x="5025353" y="6422980"/>
+                  <a:pt x="5039938" y="6490855"/>
+                  <a:pt x="5040797" y="6541313"/>
+                </a:cubicBezTo>
+                <a:cubicBezTo>
+                  <a:pt x="5039898" y="6576319"/>
+                  <a:pt x="5031912" y="6591883"/>
+                  <a:pt x="5045375" y="6640957"/>
+                </a:cubicBezTo>
+                <a:cubicBezTo>
+                  <a:pt x="5057505" y="6669536"/>
+                  <a:pt x="5052276" y="6675394"/>
+                  <a:pt x="5058442" y="6705297"/>
+                </a:cubicBezTo>
+                <a:cubicBezTo>
+                  <a:pt x="5057367" y="6727133"/>
+                  <a:pt x="5067901" y="6732087"/>
+                  <a:pt x="5071125" y="6759582"/>
+                </a:cubicBezTo>
+                <a:cubicBezTo>
+                  <a:pt x="5055614" y="6796071"/>
+                  <a:pt x="5051656" y="6769544"/>
+                  <a:pt x="5069172" y="6817746"/>
+                </a:cubicBezTo>
+                <a:cubicBezTo>
+                  <a:pt x="5060956" y="6828354"/>
+                  <a:pt x="5064525" y="6836369"/>
+                  <a:pt x="5072322" y="6843646"/>
+                </a:cubicBezTo>
+                <a:lnTo>
+                  <a:pt x="5091388" y="6857998"/>
+                </a:lnTo>
+                <a:lnTo>
+                  <a:pt x="6096000" y="6857998"/>
+                </a:lnTo>
+                <a:lnTo>
+                  <a:pt x="6096000" y="6858000"/>
+                </a:lnTo>
+                <a:lnTo>
+                  <a:pt x="0" y="6858000"/>
+                </a:lnTo>
+                <a:close/>
+              </a:path>
+            </a:pathLst>
+          </a:custGeom>
+          <a:solidFill>
+            <a:srgbClr val="82766A">
+              <a:alpha val="15000"/>
+            </a:srgbClr>
+          </a:solidFill>
+          <a:ln>
+            <a:noFill/>
+          </a:ln>
+        </p:spPr>
+        <p:style>
+          <a:lnRef idx="2">
+            <a:schemeClr val="accent1">
+              <a:shade val="50000"/>
+            </a:schemeClr>
+          </a:lnRef>
+          <a:fillRef idx="1">
+            <a:schemeClr val="accent1"/>
+          </a:fillRef>
+          <a:effectRef idx="0">
+            <a:schemeClr val="accent1"/>
+          </a:effectRef>
+          <a:fontRef idx="minor">
+            <a:schemeClr val="lt1"/>
+          </a:fontRef>
+        </p:style>
+        <p:txBody>
+          <a:bodyPr wrap="square" rtlCol="0" anchor="ctr">
+            <a:noAutofit/>
+          </a:bodyPr>
+          <a:lstStyle/>
+          <a:p>
+            <a:pPr algn="ctr"/>
+            <a:endParaRPr lang="en-US"/>
+          </a:p>
+        </p:txBody>
+      </p:sp>
+      <p:sp>
+        <p:nvSpPr>
+          <p:cNvPr id="2" name="Título 1">
+            <a:extLst>
+              <a:ext uri="{FF2B5EF4-FFF2-40B4-BE49-F238E27FC236}">
+                <a16:creationId xmlns:a16="http://schemas.microsoft.com/office/drawing/2014/main" id="{3DE7CF89-4AB0-BF95-EE80-77B514E2D2B5}"/>
+              </a:ext>
+            </a:extLst>
+          </p:cNvPr>
+          <p:cNvSpPr>
+            <a:spLocks noGrp="1"/>
+          </p:cNvSpPr>
+          <p:nvPr>
+            <p:ph type="title"/>
+          </p:nvPr>
+        </p:nvSpPr>
+        <p:spPr>
+          <a:xfrm>
+            <a:off x="838200" y="609600"/>
+            <a:ext cx="3739341" cy="1330839"/>
+          </a:xfrm>
+        </p:spPr>
+        <p:txBody>
+          <a:bodyPr vert="horz" lIns="91440" tIns="45720" rIns="91440" bIns="45720" rtlCol="0" anchor="ctr">
+            <a:normAutofit/>
+          </a:bodyPr>
+          <a:lstStyle/>
+          <a:p>
+            <a:r>
+              <a:rPr lang="en-US" kern="1200" dirty="0">
+                <a:solidFill>
+                  <a:schemeClr val="tx1"/>
+                </a:solidFill>
+                <a:latin typeface="+mj-lt"/>
+                <a:ea typeface="+mj-ea"/>
+                <a:cs typeface="+mj-cs"/>
+              </a:rPr>
+              <a:t>ACTIVIDAD</a:t>
+            </a:r>
+          </a:p>
+        </p:txBody>
+      </p:sp>
+      <p:sp>
+        <p:nvSpPr>
+          <p:cNvPr id="10" name="CuadroTexto 9">
+            <a:extLst>
+              <a:ext uri="{FF2B5EF4-FFF2-40B4-BE49-F238E27FC236}">
+                <a16:creationId xmlns:a16="http://schemas.microsoft.com/office/drawing/2014/main" id="{E05BD66E-AC69-B3D4-2660-F7E60724BC8C}"/>
+              </a:ext>
+            </a:extLst>
+          </p:cNvPr>
+          <p:cNvSpPr txBox="1"/>
+          <p:nvPr/>
+        </p:nvSpPr>
+        <p:spPr>
+          <a:xfrm>
+            <a:off x="591402" y="2640447"/>
+            <a:ext cx="3628354" cy="1606434"/>
+          </a:xfrm>
+          <a:prstGeom prst="rect">
+            <a:avLst/>
+          </a:prstGeom>
+        </p:spPr>
+        <p:txBody>
+          <a:bodyPr vert="horz" lIns="91440" tIns="45720" rIns="91440" bIns="45720" rtlCol="0">
+            <a:normAutofit/>
+          </a:bodyPr>
+          <a:lstStyle/>
+          <a:p>
+            <a:pPr>
+              <a:lnSpc>
+                <a:spcPct val="90000"/>
+              </a:lnSpc>
+              <a:spcAft>
+                <a:spcPts val="600"/>
+              </a:spcAft>
+            </a:pPr>
+            <a:r>
+              <a:rPr lang="en-US" sz="2000" dirty="0" err="1"/>
+              <a:t>Mitad</a:t>
+            </a:r>
+            <a:r>
+              <a:rPr lang="en-US" sz="2000" dirty="0"/>
+              <a:t> </a:t>
+            </a:r>
+            <a:r>
+              <a:rPr lang="en-US" sz="2000" dirty="0" err="1"/>
+              <a:t>derecha</a:t>
+            </a:r>
+            <a:r>
+              <a:rPr lang="en-US" sz="2000" dirty="0"/>
+              <a:t> de la </a:t>
+            </a:r>
+            <a:r>
+              <a:rPr lang="en-US" sz="2000" dirty="0" err="1"/>
+              <a:t>fábrica</a:t>
+            </a:r>
+            <a:r>
+              <a:rPr lang="en-US" sz="2000" dirty="0"/>
+              <a:t>:</a:t>
+            </a:r>
+          </a:p>
+          <a:p>
+            <a:pPr marL="285750" indent="-228600">
+              <a:lnSpc>
+                <a:spcPct val="90000"/>
+              </a:lnSpc>
+              <a:spcAft>
+                <a:spcPts val="600"/>
+              </a:spcAft>
+              <a:buFont typeface="Arial" panose="020B0604020202020204" pitchFamily="34" charset="0"/>
+              <a:buChar char="•"/>
+            </a:pPr>
+            <a:r>
+              <a:rPr lang="en-US" sz="2000" dirty="0" err="1"/>
+              <a:t>Montaje</a:t>
+            </a:r>
+            <a:r>
+              <a:rPr lang="en-US" sz="2000" dirty="0"/>
+              <a:t> del </a:t>
+            </a:r>
+            <a:r>
+              <a:rPr lang="en-US" sz="2000" dirty="0" err="1"/>
+              <a:t>monociclo</a:t>
+            </a:r>
+            <a:endParaRPr lang="en-US" sz="2000" dirty="0"/>
+          </a:p>
+          <a:p>
+            <a:pPr marL="285750" indent="-228600">
+              <a:lnSpc>
+                <a:spcPct val="90000"/>
+              </a:lnSpc>
+              <a:spcAft>
+                <a:spcPts val="600"/>
+              </a:spcAft>
+              <a:buFont typeface="Arial" panose="020B0604020202020204" pitchFamily="34" charset="0"/>
+              <a:buChar char="•"/>
+            </a:pPr>
+            <a:r>
+              <a:rPr lang="en-US" sz="2000" dirty="0" err="1"/>
+              <a:t>Almacenaje</a:t>
+            </a:r>
+            <a:r>
+              <a:rPr lang="en-US" sz="2000" dirty="0"/>
+              <a:t> </a:t>
+            </a:r>
+            <a:r>
+              <a:rPr lang="en-US" sz="2000" dirty="0" err="1"/>
+              <a:t>en</a:t>
+            </a:r>
+            <a:r>
+              <a:rPr lang="en-US" sz="2000" dirty="0"/>
+              <a:t> Racks</a:t>
+            </a:r>
+          </a:p>
+        </p:txBody>
+      </p:sp>
+      <p:pic>
+        <p:nvPicPr>
+          <p:cNvPr id="7" name="Marcador de contenido 9">
+            <a:extLst>
+              <a:ext uri="{FF2B5EF4-FFF2-40B4-BE49-F238E27FC236}">
+                <a16:creationId xmlns:a16="http://schemas.microsoft.com/office/drawing/2014/main" id="{447474D2-CD38-5338-9694-04214B7BB5C2}"/>
+              </a:ext>
+            </a:extLst>
+          </p:cNvPr>
+          <p:cNvPicPr>
+            <a:picLocks noGrp="1" noChangeAspect="1"/>
+          </p:cNvPicPr>
+          <p:nvPr>
+            <p:ph idx="1"/>
+          </p:nvPr>
+        </p:nvPicPr>
+        <p:blipFill>
+          <a:blip r:embed="rId2"/>
+          <a:stretch>
+            <a:fillRect/>
+          </a:stretch>
+        </p:blipFill>
+        <p:spPr>
+          <a:xfrm>
+            <a:off x="5415741" y="1665079"/>
+            <a:ext cx="6288579" cy="3750708"/>
+          </a:xfrm>
+        </p:spPr>
+      </p:pic>
+    </p:spTree>
+    <p:extLst>
+      <p:ext uri="{BB962C8B-B14F-4D97-AF65-F5344CB8AC3E}">
+        <p14:creationId xmlns:p14="http://schemas.microsoft.com/office/powerpoint/2010/main" val="596967016"/>
+      </p:ext>
+    </p:extLst>
+  </p:cSld>
+  <p:clrMapOvr>
+    <a:masterClrMapping/>
+  </p:clrMapOvr>
+</p:sld>
+</file>
+
+<file path=ppt/slides/slide6.xml><?xml version="1.0" encoding="utf-8"?>
+<p:sld xmlns:a="http://schemas.openxmlformats.org/drawingml/2006/main" xmlns:r="http://schemas.openxmlformats.org/officeDocument/2006/relationships" xmlns:p="http://schemas.openxmlformats.org/presentationml/2006/main">
+  <p:cSld>
+    <p:bg>
+      <p:bgPr>
+        <a:solidFill>
+          <a:schemeClr val="bg1"/>
+        </a:solidFill>
+        <a:effectLst/>
+      </p:bgPr>
+    </p:bg>
+    <p:spTree>
+      <p:nvGrpSpPr>
+        <p:cNvPr id="1" name=""/>
+        <p:cNvGrpSpPr/>
+        <p:nvPr/>
+      </p:nvGrpSpPr>
+      <p:grpSpPr>
+        <a:xfrm>
+          <a:off x="0" y="0"/>
+          <a:ext cx="0" cy="0"/>
+          <a:chOff x="0" y="0"/>
+          <a:chExt cx="0" cy="0"/>
+        </a:xfrm>
+      </p:grpSpPr>
       <p:sp>
         <p:nvSpPr>
           <p:cNvPr id="2" name="Título 1">
@@ -5261,7 +12006,7 @@
 </p:sld>
 </file>
 
-<file path=ppt/slides/slide5.xml><?xml version="1.0" encoding="utf-8"?>
+<file path=ppt/slides/slide7.xml><?xml version="1.0" encoding="utf-8"?>
 <p:sld xmlns:a="http://schemas.openxmlformats.org/drawingml/2006/main" xmlns:r="http://schemas.openxmlformats.org/officeDocument/2006/relationships" xmlns:p="http://schemas.openxmlformats.org/presentationml/2006/main">
   <p:cSld>
     <p:bg>
@@ -7149,29 +13894,28 @@
       </p:sp>
       <p:pic>
         <p:nvPicPr>
-          <p:cNvPr id="10" name="Marcador de contenido 9">
+          <p:cNvPr id="9" name="Imagen 8">
             <a:extLst>
               <a:ext uri="{FF2B5EF4-FFF2-40B4-BE49-F238E27FC236}">
-                <a16:creationId xmlns:a16="http://schemas.microsoft.com/office/drawing/2014/main" id="{F795F221-8167-E011-3842-5B13289494D7}"/>
+                <a16:creationId xmlns:a16="http://schemas.microsoft.com/office/drawing/2014/main" id="{C6166C22-C85F-6106-50CD-9D44218F35F2}"/>
               </a:ext>
             </a:extLst>
           </p:cNvPr>
           <p:cNvPicPr>
-            <a:picLocks noGrp="1" noChangeAspect="1"/>
+            <a:picLocks noChangeAspect="1"/>
           </p:cNvPicPr>
-          <p:nvPr>
-            <p:ph idx="1"/>
-          </p:nvPr>
+          <p:nvPr/>
         </p:nvPicPr>
-        <p:blipFill rotWithShape="1">
+        <p:blipFill>
           <a:blip r:embed="rId2"/>
-          <a:srcRect l="268"/>
-          <a:stretch/>
+          <a:stretch>
+            <a:fillRect/>
+          </a:stretch>
         </p:blipFill>
         <p:spPr>
           <a:xfrm>
-            <a:off x="6900270" y="717012"/>
-            <a:ext cx="4698330" cy="5446191"/>
+            <a:off x="7038108" y="609600"/>
+            <a:ext cx="4591050" cy="5267325"/>
           </a:xfrm>
           <a:prstGeom prst="rect">
             <a:avLst/>
@@ -7191,7 +13935,7 @@
 </p:sld>
 </file>
 
-<file path=ppt/slides/slide6.xml><?xml version="1.0" encoding="utf-8"?>
+<file path=ppt/slides/slide8.xml><?xml version="1.0" encoding="utf-8"?>
 <p:sld xmlns:a="http://schemas.openxmlformats.org/drawingml/2006/main" xmlns:r="http://schemas.openxmlformats.org/officeDocument/2006/relationships" xmlns:p="http://schemas.openxmlformats.org/presentationml/2006/main">
   <p:cSld>
     <p:bg>
@@ -8856,7 +15600,7 @@
 </p:sld>
 </file>
 
-<file path=ppt/slides/slide7.xml><?xml version="1.0" encoding="utf-8"?>
+<file path=ppt/slides/slide9.xml><?xml version="1.0" encoding="utf-8"?>
 <p:sld xmlns:a="http://schemas.openxmlformats.org/drawingml/2006/main" xmlns:r="http://schemas.openxmlformats.org/officeDocument/2006/relationships" xmlns:p="http://schemas.openxmlformats.org/presentationml/2006/main">
   <p:cSld>
     <p:bg>
@@ -10521,3031 +17265,6 @@
 </p:sld>
 </file>
 
-<file path=ppt/slides/slide8.xml><?xml version="1.0" encoding="utf-8"?>
-<p:sld xmlns:a="http://schemas.openxmlformats.org/drawingml/2006/main" xmlns:r="http://schemas.openxmlformats.org/officeDocument/2006/relationships" xmlns:p="http://schemas.openxmlformats.org/presentationml/2006/main">
-  <p:cSld>
-    <p:bg>
-      <p:bgPr>
-        <a:solidFill>
-          <a:schemeClr val="bg1"/>
-        </a:solidFill>
-        <a:effectLst/>
-      </p:bgPr>
-    </p:bg>
-    <p:spTree>
-      <p:nvGrpSpPr>
-        <p:cNvPr id="1" name=""/>
-        <p:cNvGrpSpPr/>
-        <p:nvPr/>
-      </p:nvGrpSpPr>
-      <p:grpSpPr>
-        <a:xfrm>
-          <a:off x="0" y="0"/>
-          <a:ext cx="0" cy="0"/>
-          <a:chOff x="0" y="0"/>
-          <a:chExt cx="0" cy="0"/>
-        </a:xfrm>
-      </p:grpSpPr>
-      <p:sp useBgFill="1">
-        <p:nvSpPr>
-          <p:cNvPr id="12" name="Rectangle 11">
-            <a:extLst>
-              <a:ext uri="{FF2B5EF4-FFF2-40B4-BE49-F238E27FC236}">
-                <a16:creationId xmlns:a16="http://schemas.microsoft.com/office/drawing/2014/main" id="{E10650BA-D090-4A23-98E3-B48BBAEA9201}"/>
-              </a:ext>
-              <a:ext uri="{C183D7F6-B498-43B3-948B-1728B52AA6E4}">
-                <adec:decorative xmlns:adec="http://schemas.microsoft.com/office/drawing/2017/decorative" val="1"/>
-              </a:ext>
-            </a:extLst>
-          </p:cNvPr>
-          <p:cNvSpPr>
-            <a:spLocks noGrp="1" noRot="1" noChangeAspect="1" noMove="1" noResize="1" noEditPoints="1" noAdjustHandles="1" noChangeArrowheads="1" noChangeShapeType="1" noTextEdit="1"/>
-          </p:cNvSpPr>
-          <p:nvPr>
-            <p:extLst>
-              <p:ext uri="{386F3935-93C4-4BCD-93E2-E3B085C9AB24}">
-                <p16:designElem xmlns:p16="http://schemas.microsoft.com/office/powerpoint/2015/main" val="1"/>
-              </p:ext>
-            </p:extLst>
-          </p:nvPr>
-        </p:nvSpPr>
-        <p:spPr>
-          <a:xfrm>
-            <a:off x="0" y="0"/>
-            <a:ext cx="12191695" cy="6858000"/>
-          </a:xfrm>
-          <a:prstGeom prst="rect">
-            <a:avLst/>
-          </a:prstGeom>
-          <a:ln>
-            <a:noFill/>
-          </a:ln>
-        </p:spPr>
-        <p:style>
-          <a:lnRef idx="2">
-            <a:schemeClr val="accent1">
-              <a:shade val="50000"/>
-            </a:schemeClr>
-          </a:lnRef>
-          <a:fillRef idx="1">
-            <a:schemeClr val="accent1"/>
-          </a:fillRef>
-          <a:effectRef idx="0">
-            <a:schemeClr val="accent1"/>
-          </a:effectRef>
-          <a:fontRef idx="minor">
-            <a:schemeClr val="lt1"/>
-          </a:fontRef>
-        </p:style>
-        <p:txBody>
-          <a:bodyPr rtlCol="0" anchor="ctr"/>
-          <a:lstStyle/>
-          <a:p>
-            <a:pPr algn="ctr"/>
-            <a:endParaRPr lang="en-US"/>
-          </a:p>
-        </p:txBody>
-      </p:sp>
-      <p:pic>
-        <p:nvPicPr>
-          <p:cNvPr id="8" name="Picture 7" descr="Almacenes exteriores">
-            <a:extLst>
-              <a:ext uri="{FF2B5EF4-FFF2-40B4-BE49-F238E27FC236}">
-                <a16:creationId xmlns:a16="http://schemas.microsoft.com/office/drawing/2014/main" id="{DB070512-CF60-AA09-7A53-5463EAE887C6}"/>
-              </a:ext>
-            </a:extLst>
-          </p:cNvPr>
-          <p:cNvPicPr>
-            <a:picLocks noChangeAspect="1"/>
-          </p:cNvPicPr>
-          <p:nvPr/>
-        </p:nvPicPr>
-        <p:blipFill rotWithShape="1">
-          <a:blip r:embed="rId2"/>
-          <a:srcRect l="16053" r="27197"/>
-          <a:stretch/>
-        </p:blipFill>
-        <p:spPr>
-          <a:xfrm>
-            <a:off x="-9527" y="3725"/>
-            <a:ext cx="5846165" cy="6850548"/>
-          </a:xfrm>
-          <a:prstGeom prst="rect">
-            <a:avLst/>
-          </a:prstGeom>
-        </p:spPr>
-      </p:pic>
-      <p:grpSp>
-        <p:nvGrpSpPr>
-          <p:cNvPr id="14" name="Group 13">
-            <a:extLst>
-              <a:ext uri="{FF2B5EF4-FFF2-40B4-BE49-F238E27FC236}">
-                <a16:creationId xmlns:a16="http://schemas.microsoft.com/office/drawing/2014/main" id="{FFB939B9-73CE-4644-87BB-72AEBF001142}"/>
-              </a:ext>
-              <a:ext uri="{C183D7F6-B498-43B3-948B-1728B52AA6E4}">
-                <adec:decorative xmlns:adec="http://schemas.microsoft.com/office/drawing/2017/decorative" val="1"/>
-              </a:ext>
-            </a:extLst>
-          </p:cNvPr>
-          <p:cNvGrpSpPr>
-            <a:grpSpLocks noGrp="1" noUngrp="1" noRot="1" noChangeAspect="1" noMove="1" noResize="1"/>
-          </p:cNvGrpSpPr>
-          <p:nvPr>
-            <p:extLst>
-              <p:ext uri="{386F3935-93C4-4BCD-93E2-E3B085C9AB24}">
-                <p16:designElem xmlns:p16="http://schemas.microsoft.com/office/powerpoint/2015/main" val="1"/>
-              </p:ext>
-            </p:extLst>
-          </p:nvPr>
-        </p:nvGrpSpPr>
-        <p:grpSpPr>
-          <a:xfrm>
-            <a:off x="-9527" y="-6558"/>
-            <a:ext cx="6254832" cy="6874766"/>
-            <a:chOff x="-9149" y="3725"/>
-            <a:chExt cx="6254832" cy="6887203"/>
-          </a:xfrm>
-        </p:grpSpPr>
-        <p:sp>
-          <p:nvSpPr>
-            <p:cNvPr id="15" name="Freeform: Shape 14">
-              <a:extLst>
-                <a:ext uri="{FF2B5EF4-FFF2-40B4-BE49-F238E27FC236}">
-                  <a16:creationId xmlns:a16="http://schemas.microsoft.com/office/drawing/2014/main" id="{15F2A0CF-7879-4629-AC2B-4069D77A3C45}"/>
-                </a:ext>
-                <a:ext uri="{C183D7F6-B498-43B3-948B-1728B52AA6E4}">
-                  <adec:decorative xmlns:adec="http://schemas.microsoft.com/office/drawing/2017/decorative" val="1"/>
-                </a:ext>
-              </a:extLst>
-            </p:cNvPr>
-            <p:cNvSpPr/>
-            <p:nvPr>
-              <p:extLst>
-                <p:ext uri="{386F3935-93C4-4BCD-93E2-E3B085C9AB24}">
-                  <p16:designElem xmlns:p16="http://schemas.microsoft.com/office/powerpoint/2015/main" val="1"/>
-                </p:ext>
-              </p:extLst>
-            </p:nvPr>
-          </p:nvSpPr>
-          <p:spPr>
-            <a:xfrm>
-              <a:off x="-9149" y="238645"/>
-              <a:ext cx="5933139" cy="6387893"/>
-            </a:xfrm>
-            <a:custGeom>
-              <a:avLst/>
-              <a:gdLst>
-                <a:gd name="connsiteX0" fmla="*/ 5852909 w 5933139"/>
-                <a:gd name="connsiteY0" fmla="*/ 2469528 h 6335678"/>
-                <a:gd name="connsiteX1" fmla="*/ 5830799 w 5933139"/>
-                <a:gd name="connsiteY1" fmla="*/ 2394015 h 6335678"/>
-                <a:gd name="connsiteX2" fmla="*/ 5805878 w 5933139"/>
-                <a:gd name="connsiteY2" fmla="*/ 2319439 h 6335678"/>
-                <a:gd name="connsiteX3" fmla="*/ 5778708 w 5933139"/>
-                <a:gd name="connsiteY3" fmla="*/ 2245800 h 6335678"/>
-                <a:gd name="connsiteX4" fmla="*/ 5652978 w 5933139"/>
-                <a:gd name="connsiteY4" fmla="*/ 1959675 h 6335678"/>
-                <a:gd name="connsiteX5" fmla="*/ 5327691 w 5933139"/>
-                <a:gd name="connsiteY5" fmla="*/ 1432958 h 6335678"/>
-                <a:gd name="connsiteX6" fmla="*/ 4921458 w 5933139"/>
-                <a:gd name="connsiteY6" fmla="*/ 973322 h 6335678"/>
-                <a:gd name="connsiteX7" fmla="*/ 4450018 w 5933139"/>
-                <a:gd name="connsiteY7" fmla="*/ 586764 h 6335678"/>
-                <a:gd name="connsiteX8" fmla="*/ 4193311 w 5933139"/>
-                <a:gd name="connsiteY8" fmla="*/ 423558 h 6335678"/>
-                <a:gd name="connsiteX9" fmla="*/ 3924237 w 5933139"/>
-                <a:gd name="connsiteY9" fmla="*/ 281901 h 6335678"/>
-                <a:gd name="connsiteX10" fmla="*/ 3352175 w 5933139"/>
-                <a:gd name="connsiteY10" fmla="*/ 75786 h 6335678"/>
-                <a:gd name="connsiteX11" fmla="*/ 3051997 w 5933139"/>
-                <a:gd name="connsiteY11" fmla="*/ 19011 h 6335678"/>
-                <a:gd name="connsiteX12" fmla="*/ 2745823 w 5933139"/>
-                <a:gd name="connsiteY12" fmla="*/ 86 h 6335678"/>
-                <a:gd name="connsiteX13" fmla="*/ 2141720 w 5933139"/>
-                <a:gd name="connsiteY13" fmla="*/ 55550 h 6335678"/>
-                <a:gd name="connsiteX14" fmla="*/ 1551295 w 5933139"/>
-                <a:gd name="connsiteY14" fmla="*/ 216319 h 6335678"/>
-                <a:gd name="connsiteX15" fmla="*/ 1001718 w 5933139"/>
-                <a:gd name="connsiteY15" fmla="*/ 498134 h 6335678"/>
-                <a:gd name="connsiteX16" fmla="*/ 754755 w 5933139"/>
-                <a:gd name="connsiteY16" fmla="*/ 685886 h 6335678"/>
-                <a:gd name="connsiteX17" fmla="*/ 533462 w 5933139"/>
-                <a:gd name="connsiteY17" fmla="*/ 903056 h 6335678"/>
-                <a:gd name="connsiteX18" fmla="*/ 0 w 5933139"/>
-                <a:gd name="connsiteY18" fmla="*/ 1646568 h 6335678"/>
-                <a:gd name="connsiteX19" fmla="*/ 0 w 5933139"/>
-                <a:gd name="connsiteY19" fmla="*/ 4709059 h 6335678"/>
-                <a:gd name="connsiteX20" fmla="*/ 120671 w 5933139"/>
-                <a:gd name="connsiteY20" fmla="*/ 4907491 h 6335678"/>
-                <a:gd name="connsiteX21" fmla="*/ 507979 w 5933139"/>
-                <a:gd name="connsiteY21" fmla="*/ 5384178 h 6335678"/>
-                <a:gd name="connsiteX22" fmla="*/ 972112 w 5933139"/>
-                <a:gd name="connsiteY22" fmla="*/ 5778607 h 6335678"/>
-                <a:gd name="connsiteX23" fmla="*/ 1229943 w 5933139"/>
-                <a:gd name="connsiteY23" fmla="*/ 5939939 h 6335678"/>
-                <a:gd name="connsiteX24" fmla="*/ 1502389 w 5933139"/>
-                <a:gd name="connsiteY24" fmla="*/ 6073913 h 6335678"/>
-                <a:gd name="connsiteX25" fmla="*/ 2673870 w 5933139"/>
-                <a:gd name="connsiteY25" fmla="*/ 6333993 h 6335678"/>
-                <a:gd name="connsiteX26" fmla="*/ 2749196 w 5933139"/>
-                <a:gd name="connsiteY26" fmla="*/ 6335679 h 6335678"/>
-                <a:gd name="connsiteX27" fmla="*/ 2787983 w 5933139"/>
-                <a:gd name="connsiteY27" fmla="*/ 6335492 h 6335678"/>
-                <a:gd name="connsiteX28" fmla="*/ 2826770 w 5933139"/>
-                <a:gd name="connsiteY28" fmla="*/ 6334368 h 6335678"/>
-                <a:gd name="connsiteX29" fmla="*/ 2981918 w 5933139"/>
-                <a:gd name="connsiteY29" fmla="*/ 6319939 h 6335678"/>
-                <a:gd name="connsiteX30" fmla="*/ 3285282 w 5933139"/>
-                <a:gd name="connsiteY30" fmla="*/ 6241803 h 6335678"/>
-                <a:gd name="connsiteX31" fmla="*/ 3566347 w 5933139"/>
-                <a:gd name="connsiteY31" fmla="*/ 6104831 h 6335678"/>
-                <a:gd name="connsiteX32" fmla="*/ 3818369 w 5933139"/>
-                <a:gd name="connsiteY32" fmla="*/ 5926823 h 6335678"/>
-                <a:gd name="connsiteX33" fmla="*/ 4044908 w 5933139"/>
-                <a:gd name="connsiteY33" fmla="*/ 5726329 h 6335678"/>
-                <a:gd name="connsiteX34" fmla="*/ 4151151 w 5933139"/>
-                <a:gd name="connsiteY34" fmla="*/ 5622147 h 6335678"/>
-                <a:gd name="connsiteX35" fmla="*/ 4253834 w 5933139"/>
-                <a:gd name="connsiteY35" fmla="*/ 5516841 h 6335678"/>
-                <a:gd name="connsiteX36" fmla="*/ 4452453 w 5933139"/>
-                <a:gd name="connsiteY36" fmla="*/ 5306979 h 6335678"/>
-                <a:gd name="connsiteX37" fmla="*/ 4548578 w 5933139"/>
-                <a:gd name="connsiteY37" fmla="*/ 5202797 h 6335678"/>
-                <a:gd name="connsiteX38" fmla="*/ 4596546 w 5933139"/>
-                <a:gd name="connsiteY38" fmla="*/ 5151456 h 6335678"/>
-                <a:gd name="connsiteX39" fmla="*/ 4643016 w 5933139"/>
-                <a:gd name="connsiteY39" fmla="*/ 5103300 h 6335678"/>
-                <a:gd name="connsiteX40" fmla="*/ 4739515 w 5933139"/>
-                <a:gd name="connsiteY40" fmla="*/ 5013172 h 6335678"/>
-                <a:gd name="connsiteX41" fmla="*/ 4842198 w 5933139"/>
-                <a:gd name="connsiteY41" fmla="*/ 4930164 h 6335678"/>
-                <a:gd name="connsiteX42" fmla="*/ 5071360 w 5933139"/>
-                <a:gd name="connsiteY42" fmla="*/ 4780449 h 6335678"/>
-                <a:gd name="connsiteX43" fmla="*/ 5332001 w 5933139"/>
-                <a:gd name="connsiteY43" fmla="*/ 4615932 h 6335678"/>
-                <a:gd name="connsiteX44" fmla="*/ 5397396 w 5933139"/>
-                <a:gd name="connsiteY44" fmla="*/ 4563655 h 6335678"/>
-                <a:gd name="connsiteX45" fmla="*/ 5459417 w 5933139"/>
-                <a:gd name="connsiteY45" fmla="*/ 4505380 h 6335678"/>
-                <a:gd name="connsiteX46" fmla="*/ 5567159 w 5933139"/>
-                <a:gd name="connsiteY46" fmla="*/ 4374029 h 6335678"/>
-                <a:gd name="connsiteX47" fmla="*/ 5651292 w 5933139"/>
-                <a:gd name="connsiteY47" fmla="*/ 4231810 h 6335678"/>
-                <a:gd name="connsiteX48" fmla="*/ 5716686 w 5933139"/>
-                <a:gd name="connsiteY48" fmla="*/ 4085655 h 6335678"/>
-                <a:gd name="connsiteX49" fmla="*/ 5820681 w 5933139"/>
-                <a:gd name="connsiteY49" fmla="*/ 3791848 h 6335678"/>
-                <a:gd name="connsiteX50" fmla="*/ 5898629 w 5933139"/>
-                <a:gd name="connsiteY50" fmla="*/ 3487922 h 6335678"/>
-                <a:gd name="connsiteX51" fmla="*/ 5932170 w 5933139"/>
-                <a:gd name="connsiteY51" fmla="*/ 3174066 h 6335678"/>
-                <a:gd name="connsiteX52" fmla="*/ 5872209 w 5933139"/>
-                <a:gd name="connsiteY52" fmla="*/ 2545978 h 6335678"/>
-                <a:gd name="connsiteX53" fmla="*/ 5852909 w 5933139"/>
-                <a:gd name="connsiteY53" fmla="*/ 2469528 h 6335678"/>
-                <a:gd name="connsiteX54" fmla="*/ 5507386 w 5933139"/>
-                <a:gd name="connsiteY54" fmla="*/ 3724580 h 6335678"/>
-                <a:gd name="connsiteX55" fmla="*/ 5453609 w 5933139"/>
-                <a:gd name="connsiteY55" fmla="*/ 3989906 h 6335678"/>
-                <a:gd name="connsiteX56" fmla="*/ 5344181 w 5933139"/>
-                <a:gd name="connsiteY56" fmla="*/ 4220380 h 6335678"/>
-                <a:gd name="connsiteX57" fmla="*/ 5171419 w 5933139"/>
-                <a:gd name="connsiteY57" fmla="*/ 4388644 h 6335678"/>
-                <a:gd name="connsiteX58" fmla="*/ 5057868 w 5933139"/>
-                <a:gd name="connsiteY58" fmla="*/ 4453851 h 6335678"/>
-                <a:gd name="connsiteX59" fmla="*/ 4930265 w 5933139"/>
-                <a:gd name="connsiteY59" fmla="*/ 4516810 h 6335678"/>
-                <a:gd name="connsiteX60" fmla="*/ 4660067 w 5933139"/>
-                <a:gd name="connsiteY60" fmla="*/ 4664276 h 6335678"/>
-                <a:gd name="connsiteX61" fmla="*/ 4408794 w 5933139"/>
-                <a:gd name="connsiteY61" fmla="*/ 4857836 h 6335678"/>
-                <a:gd name="connsiteX62" fmla="*/ 4352207 w 5933139"/>
-                <a:gd name="connsiteY62" fmla="*/ 4911988 h 6335678"/>
-                <a:gd name="connsiteX63" fmla="*/ 4299366 w 5933139"/>
-                <a:gd name="connsiteY63" fmla="*/ 4965390 h 6335678"/>
-                <a:gd name="connsiteX64" fmla="*/ 4197621 w 5933139"/>
-                <a:gd name="connsiteY64" fmla="*/ 5074257 h 6335678"/>
-                <a:gd name="connsiteX65" fmla="*/ 4008744 w 5933139"/>
-                <a:gd name="connsiteY65" fmla="*/ 5297985 h 6335678"/>
-                <a:gd name="connsiteX66" fmla="*/ 3917304 w 5933139"/>
-                <a:gd name="connsiteY66" fmla="*/ 5409100 h 6335678"/>
-                <a:gd name="connsiteX67" fmla="*/ 3826052 w 5933139"/>
-                <a:gd name="connsiteY67" fmla="*/ 5518153 h 6335678"/>
-                <a:gd name="connsiteX68" fmla="*/ 3637925 w 5933139"/>
-                <a:gd name="connsiteY68" fmla="*/ 5725017 h 6335678"/>
-                <a:gd name="connsiteX69" fmla="*/ 3433497 w 5933139"/>
-                <a:gd name="connsiteY69" fmla="*/ 5906586 h 6335678"/>
-                <a:gd name="connsiteX70" fmla="*/ 3204522 w 5933139"/>
-                <a:gd name="connsiteY70" fmla="*/ 6046744 h 6335678"/>
-                <a:gd name="connsiteX71" fmla="*/ 2950439 w 5933139"/>
-                <a:gd name="connsiteY71" fmla="*/ 6129190 h 6335678"/>
-                <a:gd name="connsiteX72" fmla="*/ 2816839 w 5933139"/>
-                <a:gd name="connsiteY72" fmla="*/ 6146428 h 6335678"/>
-                <a:gd name="connsiteX73" fmla="*/ 2749009 w 5933139"/>
-                <a:gd name="connsiteY73" fmla="*/ 6149051 h 6335678"/>
-                <a:gd name="connsiteX74" fmla="*/ 2678930 w 5933139"/>
-                <a:gd name="connsiteY74" fmla="*/ 6148677 h 6335678"/>
-                <a:gd name="connsiteX75" fmla="*/ 2125793 w 5933139"/>
-                <a:gd name="connsiteY75" fmla="*/ 6065481 h 6335678"/>
-                <a:gd name="connsiteX76" fmla="*/ 1610506 w 5933139"/>
-                <a:gd name="connsiteY76" fmla="*/ 5851310 h 6335678"/>
-                <a:gd name="connsiteX77" fmla="*/ 1373099 w 5933139"/>
-                <a:gd name="connsiteY77" fmla="*/ 5706279 h 6335678"/>
-                <a:gd name="connsiteX78" fmla="*/ 1315949 w 5933139"/>
-                <a:gd name="connsiteY78" fmla="*/ 5666743 h 6335678"/>
-                <a:gd name="connsiteX79" fmla="*/ 1259923 w 5933139"/>
-                <a:gd name="connsiteY79" fmla="*/ 5625894 h 6335678"/>
-                <a:gd name="connsiteX80" fmla="*/ 1204647 w 5933139"/>
-                <a:gd name="connsiteY80" fmla="*/ 5583922 h 6335678"/>
-                <a:gd name="connsiteX81" fmla="*/ 1150308 w 5933139"/>
-                <a:gd name="connsiteY81" fmla="*/ 5540826 h 6335678"/>
-                <a:gd name="connsiteX82" fmla="*/ 751569 w 5933139"/>
-                <a:gd name="connsiteY82" fmla="*/ 5158015 h 6335678"/>
-                <a:gd name="connsiteX83" fmla="*/ 663315 w 5933139"/>
-                <a:gd name="connsiteY83" fmla="*/ 5052146 h 6335678"/>
-                <a:gd name="connsiteX84" fmla="*/ 580869 w 5933139"/>
-                <a:gd name="connsiteY84" fmla="*/ 4942718 h 6335678"/>
-                <a:gd name="connsiteX85" fmla="*/ 432279 w 5933139"/>
-                <a:gd name="connsiteY85" fmla="*/ 4713369 h 6335678"/>
-                <a:gd name="connsiteX86" fmla="*/ 205553 w 5933139"/>
-                <a:gd name="connsiteY86" fmla="*/ 4219443 h 6335678"/>
-                <a:gd name="connsiteX87" fmla="*/ 79448 w 5933139"/>
-                <a:gd name="connsiteY87" fmla="*/ 3693850 h 6335678"/>
-                <a:gd name="connsiteX88" fmla="*/ 53590 w 5933139"/>
-                <a:gd name="connsiteY88" fmla="*/ 3425339 h 6335678"/>
-                <a:gd name="connsiteX89" fmla="*/ 49655 w 5933139"/>
-                <a:gd name="connsiteY89" fmla="*/ 3155890 h 6335678"/>
-                <a:gd name="connsiteX90" fmla="*/ 67830 w 5933139"/>
-                <a:gd name="connsiteY90" fmla="*/ 2886817 h 6335678"/>
-                <a:gd name="connsiteX91" fmla="*/ 108679 w 5933139"/>
-                <a:gd name="connsiteY91" fmla="*/ 2619992 h 6335678"/>
-                <a:gd name="connsiteX92" fmla="*/ 263077 w 5933139"/>
-                <a:gd name="connsiteY92" fmla="*/ 2101520 h 6335678"/>
-                <a:gd name="connsiteX93" fmla="*/ 837575 w 5933139"/>
-                <a:gd name="connsiteY93" fmla="*/ 1186370 h 6335678"/>
-                <a:gd name="connsiteX94" fmla="*/ 1031698 w 5933139"/>
-                <a:gd name="connsiteY94" fmla="*/ 996932 h 6335678"/>
-                <a:gd name="connsiteX95" fmla="*/ 1236688 w 5933139"/>
-                <a:gd name="connsiteY95" fmla="*/ 819298 h 6335678"/>
-                <a:gd name="connsiteX96" fmla="*/ 1687143 w 5933139"/>
-                <a:gd name="connsiteY96" fmla="*/ 511438 h 6335678"/>
-                <a:gd name="connsiteX97" fmla="*/ 2196246 w 5933139"/>
-                <a:gd name="connsiteY97" fmla="*/ 300639 h 6335678"/>
-                <a:gd name="connsiteX98" fmla="*/ 2745823 w 5933139"/>
-                <a:gd name="connsiteY98" fmla="*/ 229248 h 6335678"/>
-                <a:gd name="connsiteX99" fmla="*/ 3019206 w 5933139"/>
-                <a:gd name="connsiteY99" fmla="*/ 252108 h 6335678"/>
-                <a:gd name="connsiteX100" fmla="*/ 3288092 w 5933139"/>
-                <a:gd name="connsiteY100" fmla="*/ 313006 h 6335678"/>
-                <a:gd name="connsiteX101" fmla="*/ 3548172 w 5933139"/>
-                <a:gd name="connsiteY101" fmla="*/ 407069 h 6335678"/>
-                <a:gd name="connsiteX102" fmla="*/ 3611505 w 5933139"/>
-                <a:gd name="connsiteY102" fmla="*/ 435176 h 6335678"/>
-                <a:gd name="connsiteX103" fmla="*/ 3674089 w 5933139"/>
-                <a:gd name="connsiteY103" fmla="*/ 464968 h 6335678"/>
-                <a:gd name="connsiteX104" fmla="*/ 3735736 w 5933139"/>
-                <a:gd name="connsiteY104" fmla="*/ 496823 h 6335678"/>
-                <a:gd name="connsiteX105" fmla="*/ 3796634 w 5933139"/>
-                <a:gd name="connsiteY105" fmla="*/ 530176 h 6335678"/>
-                <a:gd name="connsiteX106" fmla="*/ 4251585 w 5933139"/>
-                <a:gd name="connsiteY106" fmla="*/ 847405 h 6335678"/>
-                <a:gd name="connsiteX107" fmla="*/ 4644515 w 5933139"/>
-                <a:gd name="connsiteY107" fmla="*/ 1236775 h 6335678"/>
-                <a:gd name="connsiteX108" fmla="*/ 4816527 w 5933139"/>
-                <a:gd name="connsiteY108" fmla="*/ 1451883 h 6335678"/>
-                <a:gd name="connsiteX109" fmla="*/ 4970738 w 5933139"/>
-                <a:gd name="connsiteY109" fmla="*/ 1678610 h 6335678"/>
-                <a:gd name="connsiteX110" fmla="*/ 5223885 w 5933139"/>
-                <a:gd name="connsiteY110" fmla="*/ 2159232 h 6335678"/>
-                <a:gd name="connsiteX111" fmla="*/ 5395709 w 5933139"/>
-                <a:gd name="connsiteY111" fmla="*/ 2666087 h 6335678"/>
-                <a:gd name="connsiteX112" fmla="*/ 5458855 w 5933139"/>
-                <a:gd name="connsiteY112" fmla="*/ 2924292 h 6335678"/>
-                <a:gd name="connsiteX113" fmla="*/ 5499142 w 5933139"/>
-                <a:gd name="connsiteY113" fmla="*/ 3186995 h 6335678"/>
-                <a:gd name="connsiteX114" fmla="*/ 5516755 w 5933139"/>
-                <a:gd name="connsiteY114" fmla="*/ 3454007 h 6335678"/>
-                <a:gd name="connsiteX115" fmla="*/ 5507386 w 5933139"/>
-                <a:gd name="connsiteY115" fmla="*/ 3724580 h 6335678"/>
-              </a:gdLst>
-              <a:ahLst/>
-              <a:cxnLst>
-                <a:cxn ang="0">
-                  <a:pos x="connsiteX0" y="connsiteY0"/>
-                </a:cxn>
-                <a:cxn ang="0">
-                  <a:pos x="connsiteX1" y="connsiteY1"/>
-                </a:cxn>
-                <a:cxn ang="0">
-                  <a:pos x="connsiteX2" y="connsiteY2"/>
-                </a:cxn>
-                <a:cxn ang="0">
-                  <a:pos x="connsiteX3" y="connsiteY3"/>
-                </a:cxn>
-                <a:cxn ang="0">
-                  <a:pos x="connsiteX4" y="connsiteY4"/>
-                </a:cxn>
-                <a:cxn ang="0">
-                  <a:pos x="connsiteX5" y="connsiteY5"/>
-                </a:cxn>
-                <a:cxn ang="0">
-                  <a:pos x="connsiteX6" y="connsiteY6"/>
-                </a:cxn>
-                <a:cxn ang="0">
-                  <a:pos x="connsiteX7" y="connsiteY7"/>
-                </a:cxn>
-                <a:cxn ang="0">
-                  <a:pos x="connsiteX8" y="connsiteY8"/>
-                </a:cxn>
-                <a:cxn ang="0">
-                  <a:pos x="connsiteX9" y="connsiteY9"/>
-                </a:cxn>
-                <a:cxn ang="0">
-                  <a:pos x="connsiteX10" y="connsiteY10"/>
-                </a:cxn>
-                <a:cxn ang="0">
-                  <a:pos x="connsiteX11" y="connsiteY11"/>
-                </a:cxn>
-                <a:cxn ang="0">
-                  <a:pos x="connsiteX12" y="connsiteY12"/>
-                </a:cxn>
-                <a:cxn ang="0">
-                  <a:pos x="connsiteX13" y="connsiteY13"/>
-                </a:cxn>
-                <a:cxn ang="0">
-                  <a:pos x="connsiteX14" y="connsiteY14"/>
-                </a:cxn>
-                <a:cxn ang="0">
-                  <a:pos x="connsiteX15" y="connsiteY15"/>
-                </a:cxn>
-                <a:cxn ang="0">
-                  <a:pos x="connsiteX16" y="connsiteY16"/>
-                </a:cxn>
-                <a:cxn ang="0">
-                  <a:pos x="connsiteX17" y="connsiteY17"/>
-                </a:cxn>
-                <a:cxn ang="0">
-                  <a:pos x="connsiteX18" y="connsiteY18"/>
-                </a:cxn>
-                <a:cxn ang="0">
-                  <a:pos x="connsiteX19" y="connsiteY19"/>
-                </a:cxn>
-                <a:cxn ang="0">
-                  <a:pos x="connsiteX20" y="connsiteY20"/>
-                </a:cxn>
-                <a:cxn ang="0">
-                  <a:pos x="connsiteX21" y="connsiteY21"/>
-                </a:cxn>
-                <a:cxn ang="0">
-                  <a:pos x="connsiteX22" y="connsiteY22"/>
-                </a:cxn>
-                <a:cxn ang="0">
-                  <a:pos x="connsiteX23" y="connsiteY23"/>
-                </a:cxn>
-                <a:cxn ang="0">
-                  <a:pos x="connsiteX24" y="connsiteY24"/>
-                </a:cxn>
-                <a:cxn ang="0">
-                  <a:pos x="connsiteX25" y="connsiteY25"/>
-                </a:cxn>
-                <a:cxn ang="0">
-                  <a:pos x="connsiteX26" y="connsiteY26"/>
-                </a:cxn>
-                <a:cxn ang="0">
-                  <a:pos x="connsiteX27" y="connsiteY27"/>
-                </a:cxn>
-                <a:cxn ang="0">
-                  <a:pos x="connsiteX28" y="connsiteY28"/>
-                </a:cxn>
-                <a:cxn ang="0">
-                  <a:pos x="connsiteX29" y="connsiteY29"/>
-                </a:cxn>
-                <a:cxn ang="0">
-                  <a:pos x="connsiteX30" y="connsiteY30"/>
-                </a:cxn>
-                <a:cxn ang="0">
-                  <a:pos x="connsiteX31" y="connsiteY31"/>
-                </a:cxn>
-                <a:cxn ang="0">
-                  <a:pos x="connsiteX32" y="connsiteY32"/>
-                </a:cxn>
-                <a:cxn ang="0">
-                  <a:pos x="connsiteX33" y="connsiteY33"/>
-                </a:cxn>
-                <a:cxn ang="0">
-                  <a:pos x="connsiteX34" y="connsiteY34"/>
-                </a:cxn>
-                <a:cxn ang="0">
-                  <a:pos x="connsiteX35" y="connsiteY35"/>
-                </a:cxn>
-                <a:cxn ang="0">
-                  <a:pos x="connsiteX36" y="connsiteY36"/>
-                </a:cxn>
-                <a:cxn ang="0">
-                  <a:pos x="connsiteX37" y="connsiteY37"/>
-                </a:cxn>
-                <a:cxn ang="0">
-                  <a:pos x="connsiteX38" y="connsiteY38"/>
-                </a:cxn>
-                <a:cxn ang="0">
-                  <a:pos x="connsiteX39" y="connsiteY39"/>
-                </a:cxn>
-                <a:cxn ang="0">
-                  <a:pos x="connsiteX40" y="connsiteY40"/>
-                </a:cxn>
-                <a:cxn ang="0">
-                  <a:pos x="connsiteX41" y="connsiteY41"/>
-                </a:cxn>
-                <a:cxn ang="0">
-                  <a:pos x="connsiteX42" y="connsiteY42"/>
-                </a:cxn>
-                <a:cxn ang="0">
-                  <a:pos x="connsiteX43" y="connsiteY43"/>
-                </a:cxn>
-                <a:cxn ang="0">
-                  <a:pos x="connsiteX44" y="connsiteY44"/>
-                </a:cxn>
-                <a:cxn ang="0">
-                  <a:pos x="connsiteX45" y="connsiteY45"/>
-                </a:cxn>
-                <a:cxn ang="0">
-                  <a:pos x="connsiteX46" y="connsiteY46"/>
-                </a:cxn>
-                <a:cxn ang="0">
-                  <a:pos x="connsiteX47" y="connsiteY47"/>
-                </a:cxn>
-                <a:cxn ang="0">
-                  <a:pos x="connsiteX48" y="connsiteY48"/>
-                </a:cxn>
-                <a:cxn ang="0">
-                  <a:pos x="connsiteX49" y="connsiteY49"/>
-                </a:cxn>
-                <a:cxn ang="0">
-                  <a:pos x="connsiteX50" y="connsiteY50"/>
-                </a:cxn>
-                <a:cxn ang="0">
-                  <a:pos x="connsiteX51" y="connsiteY51"/>
-                </a:cxn>
-                <a:cxn ang="0">
-                  <a:pos x="connsiteX52" y="connsiteY52"/>
-                </a:cxn>
-                <a:cxn ang="0">
-                  <a:pos x="connsiteX53" y="connsiteY53"/>
-                </a:cxn>
-                <a:cxn ang="0">
-                  <a:pos x="connsiteX54" y="connsiteY54"/>
-                </a:cxn>
-                <a:cxn ang="0">
-                  <a:pos x="connsiteX55" y="connsiteY55"/>
-                </a:cxn>
-                <a:cxn ang="0">
-                  <a:pos x="connsiteX56" y="connsiteY56"/>
-                </a:cxn>
-                <a:cxn ang="0">
-                  <a:pos x="connsiteX57" y="connsiteY57"/>
-                </a:cxn>
-                <a:cxn ang="0">
-                  <a:pos x="connsiteX58" y="connsiteY58"/>
-                </a:cxn>
-                <a:cxn ang="0">
-                  <a:pos x="connsiteX59" y="connsiteY59"/>
-                </a:cxn>
-                <a:cxn ang="0">
-                  <a:pos x="connsiteX60" y="connsiteY60"/>
-                </a:cxn>
-                <a:cxn ang="0">
-                  <a:pos x="connsiteX61" y="connsiteY61"/>
-                </a:cxn>
-                <a:cxn ang="0">
-                  <a:pos x="connsiteX62" y="connsiteY62"/>
-                </a:cxn>
-                <a:cxn ang="0">
-                  <a:pos x="connsiteX63" y="connsiteY63"/>
-                </a:cxn>
-                <a:cxn ang="0">
-                  <a:pos x="connsiteX64" y="connsiteY64"/>
-                </a:cxn>
-                <a:cxn ang="0">
-                  <a:pos x="connsiteX65" y="connsiteY65"/>
-                </a:cxn>
-                <a:cxn ang="0">
-                  <a:pos x="connsiteX66" y="connsiteY66"/>
-                </a:cxn>
-                <a:cxn ang="0">
-                  <a:pos x="connsiteX67" y="connsiteY67"/>
-                </a:cxn>
-                <a:cxn ang="0">
-                  <a:pos x="connsiteX68" y="connsiteY68"/>
-                </a:cxn>
-                <a:cxn ang="0">
-                  <a:pos x="connsiteX69" y="connsiteY69"/>
-                </a:cxn>
-                <a:cxn ang="0">
-                  <a:pos x="connsiteX70" y="connsiteY70"/>
-                </a:cxn>
-                <a:cxn ang="0">
-                  <a:pos x="connsiteX71" y="connsiteY71"/>
-                </a:cxn>
-                <a:cxn ang="0">
-                  <a:pos x="connsiteX72" y="connsiteY72"/>
-                </a:cxn>
-                <a:cxn ang="0">
-                  <a:pos x="connsiteX73" y="connsiteY73"/>
-                </a:cxn>
-                <a:cxn ang="0">
-                  <a:pos x="connsiteX74" y="connsiteY74"/>
-                </a:cxn>
-                <a:cxn ang="0">
-                  <a:pos x="connsiteX75" y="connsiteY75"/>
-                </a:cxn>
-                <a:cxn ang="0">
-                  <a:pos x="connsiteX76" y="connsiteY76"/>
-                </a:cxn>
-                <a:cxn ang="0">
-                  <a:pos x="connsiteX77" y="connsiteY77"/>
-                </a:cxn>
-                <a:cxn ang="0">
-                  <a:pos x="connsiteX78" y="connsiteY78"/>
-                </a:cxn>
-                <a:cxn ang="0">
-                  <a:pos x="connsiteX79" y="connsiteY79"/>
-                </a:cxn>
-                <a:cxn ang="0">
-                  <a:pos x="connsiteX80" y="connsiteY80"/>
-                </a:cxn>
-                <a:cxn ang="0">
-                  <a:pos x="connsiteX81" y="connsiteY81"/>
-                </a:cxn>
-                <a:cxn ang="0">
-                  <a:pos x="connsiteX82" y="connsiteY82"/>
-                </a:cxn>
-                <a:cxn ang="0">
-                  <a:pos x="connsiteX83" y="connsiteY83"/>
-                </a:cxn>
-                <a:cxn ang="0">
-                  <a:pos x="connsiteX84" y="connsiteY84"/>
-                </a:cxn>
-                <a:cxn ang="0">
-                  <a:pos x="connsiteX85" y="connsiteY85"/>
-                </a:cxn>
-                <a:cxn ang="0">
-                  <a:pos x="connsiteX86" y="connsiteY86"/>
-                </a:cxn>
-                <a:cxn ang="0">
-                  <a:pos x="connsiteX87" y="connsiteY87"/>
-                </a:cxn>
-                <a:cxn ang="0">
-                  <a:pos x="connsiteX88" y="connsiteY88"/>
-                </a:cxn>
-                <a:cxn ang="0">
-                  <a:pos x="connsiteX89" y="connsiteY89"/>
-                </a:cxn>
-                <a:cxn ang="0">
-                  <a:pos x="connsiteX90" y="connsiteY90"/>
-                </a:cxn>
-                <a:cxn ang="0">
-                  <a:pos x="connsiteX91" y="connsiteY91"/>
-                </a:cxn>
-                <a:cxn ang="0">
-                  <a:pos x="connsiteX92" y="connsiteY92"/>
-                </a:cxn>
-                <a:cxn ang="0">
-                  <a:pos x="connsiteX93" y="connsiteY93"/>
-                </a:cxn>
-                <a:cxn ang="0">
-                  <a:pos x="connsiteX94" y="connsiteY94"/>
-                </a:cxn>
-                <a:cxn ang="0">
-                  <a:pos x="connsiteX95" y="connsiteY95"/>
-                </a:cxn>
-                <a:cxn ang="0">
-                  <a:pos x="connsiteX96" y="connsiteY96"/>
-                </a:cxn>
-                <a:cxn ang="0">
-                  <a:pos x="connsiteX97" y="connsiteY97"/>
-                </a:cxn>
-                <a:cxn ang="0">
-                  <a:pos x="connsiteX98" y="connsiteY98"/>
-                </a:cxn>
-                <a:cxn ang="0">
-                  <a:pos x="connsiteX99" y="connsiteY99"/>
-                </a:cxn>
-                <a:cxn ang="0">
-                  <a:pos x="connsiteX100" y="connsiteY100"/>
-                </a:cxn>
-                <a:cxn ang="0">
-                  <a:pos x="connsiteX101" y="connsiteY101"/>
-                </a:cxn>
-                <a:cxn ang="0">
-                  <a:pos x="connsiteX102" y="connsiteY102"/>
-                </a:cxn>
-                <a:cxn ang="0">
-                  <a:pos x="connsiteX103" y="connsiteY103"/>
-                </a:cxn>
-                <a:cxn ang="0">
-                  <a:pos x="connsiteX104" y="connsiteY104"/>
-                </a:cxn>
-                <a:cxn ang="0">
-                  <a:pos x="connsiteX105" y="connsiteY105"/>
-                </a:cxn>
-                <a:cxn ang="0">
-                  <a:pos x="connsiteX106" y="connsiteY106"/>
-                </a:cxn>
-                <a:cxn ang="0">
-                  <a:pos x="connsiteX107" y="connsiteY107"/>
-                </a:cxn>
-                <a:cxn ang="0">
-                  <a:pos x="connsiteX108" y="connsiteY108"/>
-                </a:cxn>
-                <a:cxn ang="0">
-                  <a:pos x="connsiteX109" y="connsiteY109"/>
-                </a:cxn>
-                <a:cxn ang="0">
-                  <a:pos x="connsiteX110" y="connsiteY110"/>
-                </a:cxn>
-                <a:cxn ang="0">
-                  <a:pos x="connsiteX111" y="connsiteY111"/>
-                </a:cxn>
-                <a:cxn ang="0">
-                  <a:pos x="connsiteX112" y="connsiteY112"/>
-                </a:cxn>
-                <a:cxn ang="0">
-                  <a:pos x="connsiteX113" y="connsiteY113"/>
-                </a:cxn>
-                <a:cxn ang="0">
-                  <a:pos x="connsiteX114" y="connsiteY114"/>
-                </a:cxn>
-                <a:cxn ang="0">
-                  <a:pos x="connsiteX115" y="connsiteY115"/>
-                </a:cxn>
-              </a:cxnLst>
-              <a:rect l="l" t="t" r="r" b="b"/>
-              <a:pathLst>
-                <a:path w="5933139" h="6335678">
-                  <a:moveTo>
-                    <a:pt x="5852909" y="2469528"/>
-                  </a:moveTo>
-                  <a:lnTo>
-                    <a:pt x="5830799" y="2394015"/>
-                  </a:lnTo>
-                  <a:lnTo>
-                    <a:pt x="5805878" y="2319439"/>
-                  </a:lnTo>
-                  <a:cubicBezTo>
-                    <a:pt x="5797446" y="2294705"/>
-                    <a:pt x="5787890" y="2270346"/>
-                    <a:pt x="5778708" y="2245800"/>
-                  </a:cubicBezTo>
-                  <a:cubicBezTo>
-                    <a:pt x="5740858" y="2148364"/>
-                    <a:pt x="5699073" y="2052614"/>
-                    <a:pt x="5652978" y="1959675"/>
-                  </a:cubicBezTo>
-                  <a:cubicBezTo>
-                    <a:pt x="5559664" y="1773985"/>
-                    <a:pt x="5450986" y="1597663"/>
-                    <a:pt x="5327691" y="1432958"/>
-                  </a:cubicBezTo>
-                  <a:cubicBezTo>
-                    <a:pt x="5204960" y="1268067"/>
-                    <a:pt x="5068362" y="1114980"/>
-                    <a:pt x="4921458" y="973322"/>
-                  </a:cubicBezTo>
-                  <a:cubicBezTo>
-                    <a:pt x="4774742" y="831665"/>
-                    <a:pt x="4616408" y="703125"/>
-                    <a:pt x="4450018" y="586764"/>
-                  </a:cubicBezTo>
-                  <a:cubicBezTo>
-                    <a:pt x="4366822" y="528489"/>
-                    <a:pt x="4281003" y="474337"/>
-                    <a:pt x="4193311" y="423558"/>
-                  </a:cubicBezTo>
-                  <a:cubicBezTo>
-                    <a:pt x="4105806" y="372404"/>
-                    <a:pt x="4015865" y="325560"/>
-                    <a:pt x="3924237" y="281901"/>
-                  </a:cubicBezTo>
-                  <a:cubicBezTo>
-                    <a:pt x="3740983" y="195333"/>
-                    <a:pt x="3549483" y="125067"/>
-                    <a:pt x="3352175" y="75786"/>
-                  </a:cubicBezTo>
-                  <a:cubicBezTo>
-                    <a:pt x="3253428" y="51240"/>
-                    <a:pt x="3153368" y="31565"/>
-                    <a:pt x="3051997" y="19011"/>
-                  </a:cubicBezTo>
-                  <a:cubicBezTo>
-                    <a:pt x="2950814" y="5895"/>
-                    <a:pt x="2848506" y="-851"/>
-                    <a:pt x="2745823" y="86"/>
-                  </a:cubicBezTo>
-                  <a:cubicBezTo>
-                    <a:pt x="2543643" y="1585"/>
-                    <a:pt x="2341838" y="20135"/>
-                    <a:pt x="2141720" y="55550"/>
-                  </a:cubicBezTo>
-                  <a:cubicBezTo>
-                    <a:pt x="1941976" y="91339"/>
-                    <a:pt x="1743356" y="143055"/>
-                    <a:pt x="1551295" y="216319"/>
-                  </a:cubicBezTo>
-                  <a:cubicBezTo>
-                    <a:pt x="1359233" y="289396"/>
-                    <a:pt x="1173917" y="383459"/>
-                    <a:pt x="1001718" y="498134"/>
-                  </a:cubicBezTo>
-                  <a:cubicBezTo>
-                    <a:pt x="915712" y="555659"/>
-                    <a:pt x="832141" y="617119"/>
-                    <a:pt x="754755" y="685886"/>
-                  </a:cubicBezTo>
-                  <a:cubicBezTo>
-                    <a:pt x="677555" y="754841"/>
-                    <a:pt x="604666" y="828293"/>
-                    <a:pt x="533462" y="903056"/>
-                  </a:cubicBezTo>
-                  <a:cubicBezTo>
-                    <a:pt x="323413" y="1125660"/>
-                    <a:pt x="143906" y="1376370"/>
-                    <a:pt x="0" y="1646568"/>
-                  </a:cubicBezTo>
-                  <a:lnTo>
-                    <a:pt x="0" y="4709059"/>
-                  </a:lnTo>
-                  <a:cubicBezTo>
-                    <a:pt x="37850" y="4776702"/>
-                    <a:pt x="78136" y="4843033"/>
-                    <a:pt x="120671" y="4907491"/>
-                  </a:cubicBezTo>
-                  <a:cubicBezTo>
-                    <a:pt x="234034" y="5078941"/>
-                    <a:pt x="365198" y="5239336"/>
-                    <a:pt x="507979" y="5384178"/>
-                  </a:cubicBezTo>
-                  <a:cubicBezTo>
-                    <a:pt x="650948" y="5529395"/>
-                    <a:pt x="805909" y="5662059"/>
-                    <a:pt x="972112" y="5778607"/>
-                  </a:cubicBezTo>
-                  <a:cubicBezTo>
-                    <a:pt x="1055308" y="5836881"/>
-                    <a:pt x="1141314" y="5890846"/>
-                    <a:pt x="1229943" y="5939939"/>
-                  </a:cubicBezTo>
-                  <a:cubicBezTo>
-                    <a:pt x="1318385" y="5989406"/>
-                    <a:pt x="1409450" y="6033815"/>
-                    <a:pt x="1502389" y="6073913"/>
-                  </a:cubicBezTo>
-                  <a:cubicBezTo>
-                    <a:pt x="1874145" y="6233559"/>
-                    <a:pt x="2272884" y="6320689"/>
-                    <a:pt x="2673870" y="6333993"/>
-                  </a:cubicBezTo>
-                  <a:lnTo>
-                    <a:pt x="2749196" y="6335679"/>
-                  </a:lnTo>
-                  <a:lnTo>
-                    <a:pt x="2787983" y="6335492"/>
-                  </a:lnTo>
-                  <a:lnTo>
-                    <a:pt x="2826770" y="6334368"/>
-                  </a:lnTo>
-                  <a:cubicBezTo>
-                    <a:pt x="2878486" y="6332494"/>
-                    <a:pt x="2930390" y="6327247"/>
-                    <a:pt x="2981918" y="6319939"/>
-                  </a:cubicBezTo>
-                  <a:cubicBezTo>
-                    <a:pt x="3085163" y="6304949"/>
-                    <a:pt x="3187096" y="6278529"/>
-                    <a:pt x="3285282" y="6241803"/>
-                  </a:cubicBezTo>
-                  <a:cubicBezTo>
-                    <a:pt x="3383467" y="6205265"/>
-                    <a:pt x="3477530" y="6158608"/>
-                    <a:pt x="3566347" y="6104831"/>
-                  </a:cubicBezTo>
-                  <a:cubicBezTo>
-                    <a:pt x="3655164" y="6051053"/>
-                    <a:pt x="3739109" y="5990905"/>
-                    <a:pt x="3818369" y="5926823"/>
-                  </a:cubicBezTo>
-                  <a:cubicBezTo>
-                    <a:pt x="3897630" y="5862739"/>
-                    <a:pt x="3973143" y="5795471"/>
-                    <a:pt x="4044908" y="5726329"/>
-                  </a:cubicBezTo>
-                  <a:cubicBezTo>
-                    <a:pt x="4080884" y="5691852"/>
-                    <a:pt x="4116299" y="5656999"/>
-                    <a:pt x="4151151" y="5622147"/>
-                  </a:cubicBezTo>
-                  <a:cubicBezTo>
-                    <a:pt x="4185816" y="5586920"/>
-                    <a:pt x="4220106" y="5552068"/>
-                    <a:pt x="4253834" y="5516841"/>
-                  </a:cubicBezTo>
-                  <a:cubicBezTo>
-                    <a:pt x="4321289" y="5446388"/>
-                    <a:pt x="4387808" y="5376871"/>
-                    <a:pt x="4452453" y="5306979"/>
-                  </a:cubicBezTo>
-                  <a:lnTo>
-                    <a:pt x="4548578" y="5202797"/>
-                  </a:lnTo>
-                  <a:lnTo>
-                    <a:pt x="4596546" y="5151456"/>
-                  </a:lnTo>
-                  <a:cubicBezTo>
-                    <a:pt x="4612661" y="5134592"/>
-                    <a:pt x="4627276" y="5119040"/>
-                    <a:pt x="4643016" y="5103300"/>
-                  </a:cubicBezTo>
-                  <a:cubicBezTo>
-                    <a:pt x="4674308" y="5072196"/>
-                    <a:pt x="4706162" y="5041841"/>
-                    <a:pt x="4739515" y="5013172"/>
-                  </a:cubicBezTo>
-                  <a:cubicBezTo>
-                    <a:pt x="4772493" y="4984128"/>
-                    <a:pt x="4806596" y="4956397"/>
-                    <a:pt x="4842198" y="4930164"/>
-                  </a:cubicBezTo>
-                  <a:cubicBezTo>
-                    <a:pt x="4913026" y="4876949"/>
-                    <a:pt x="4988914" y="4828980"/>
-                    <a:pt x="5071360" y="4780449"/>
-                  </a:cubicBezTo>
-                  <a:cubicBezTo>
-                    <a:pt x="5153243" y="4731544"/>
-                    <a:pt x="5243372" y="4682076"/>
-                    <a:pt x="5332001" y="4615932"/>
-                  </a:cubicBezTo>
-                  <a:cubicBezTo>
-                    <a:pt x="5354111" y="4599443"/>
-                    <a:pt x="5376035" y="4582205"/>
-                    <a:pt x="5397396" y="4563655"/>
-                  </a:cubicBezTo>
-                  <a:cubicBezTo>
-                    <a:pt x="5418757" y="4545104"/>
-                    <a:pt x="5439368" y="4525617"/>
-                    <a:pt x="5459417" y="4505380"/>
-                  </a:cubicBezTo>
-                  <a:cubicBezTo>
-                    <a:pt x="5499329" y="4464719"/>
-                    <a:pt x="5535493" y="4420311"/>
-                    <a:pt x="5567159" y="4374029"/>
-                  </a:cubicBezTo>
-                  <a:cubicBezTo>
-                    <a:pt x="5599388" y="4328121"/>
-                    <a:pt x="5626558" y="4279965"/>
-                    <a:pt x="5651292" y="4231810"/>
-                  </a:cubicBezTo>
-                  <a:cubicBezTo>
-                    <a:pt x="5675651" y="4183466"/>
-                    <a:pt x="5697012" y="4134561"/>
-                    <a:pt x="5716686" y="4085655"/>
-                  </a:cubicBezTo>
-                  <a:cubicBezTo>
-                    <a:pt x="5756223" y="3987845"/>
-                    <a:pt x="5789576" y="3891158"/>
-                    <a:pt x="5820681" y="3791848"/>
-                  </a:cubicBezTo>
-                  <a:cubicBezTo>
-                    <a:pt x="5851972" y="3692726"/>
-                    <a:pt x="5878955" y="3591167"/>
-                    <a:pt x="5898629" y="3487922"/>
-                  </a:cubicBezTo>
-                  <a:cubicBezTo>
-                    <a:pt x="5918116" y="3384490"/>
-                    <a:pt x="5929172" y="3279372"/>
-                    <a:pt x="5932170" y="3174066"/>
-                  </a:cubicBezTo>
-                  <a:cubicBezTo>
-                    <a:pt x="5937604" y="2963454"/>
-                    <a:pt x="5920552" y="2750968"/>
-                    <a:pt x="5872209" y="2545978"/>
-                  </a:cubicBezTo>
-                  <a:cubicBezTo>
-                    <a:pt x="5865838" y="2520307"/>
-                    <a:pt x="5860029" y="2494637"/>
-                    <a:pt x="5852909" y="2469528"/>
-                  </a:cubicBezTo>
-                  <a:close/>
-                  <a:moveTo>
-                    <a:pt x="5507386" y="3724580"/>
-                  </a:moveTo>
-                  <a:cubicBezTo>
-                    <a:pt x="5497830" y="3814521"/>
-                    <a:pt x="5480591" y="3905586"/>
-                    <a:pt x="5453609" y="3989906"/>
-                  </a:cubicBezTo>
-                  <a:cubicBezTo>
-                    <a:pt x="5426439" y="4074413"/>
-                    <a:pt x="5390088" y="4152924"/>
-                    <a:pt x="5344181" y="4220380"/>
-                  </a:cubicBezTo>
-                  <a:cubicBezTo>
-                    <a:pt x="5297898" y="4287835"/>
-                    <a:pt x="5241311" y="4342549"/>
-                    <a:pt x="5171419" y="4388644"/>
-                  </a:cubicBezTo>
-                  <a:cubicBezTo>
-                    <a:pt x="5136755" y="4411879"/>
-                    <a:pt x="5098342" y="4433052"/>
-                    <a:pt x="5057868" y="4453851"/>
-                  </a:cubicBezTo>
-                  <a:cubicBezTo>
-                    <a:pt x="5017395" y="4474837"/>
-                    <a:pt x="4974298" y="4495449"/>
-                    <a:pt x="4930265" y="4516810"/>
-                  </a:cubicBezTo>
-                  <a:cubicBezTo>
-                    <a:pt x="4841823" y="4559719"/>
-                    <a:pt x="4748696" y="4607126"/>
-                    <a:pt x="4660067" y="4664276"/>
-                  </a:cubicBezTo>
-                  <a:cubicBezTo>
-                    <a:pt x="4571251" y="4721238"/>
-                    <a:pt x="4486181" y="4786071"/>
-                    <a:pt x="4408794" y="4857836"/>
-                  </a:cubicBezTo>
-                  <a:cubicBezTo>
-                    <a:pt x="4389682" y="4875637"/>
-                    <a:pt x="4370008" y="4894375"/>
-                    <a:pt x="4352207" y="4911988"/>
-                  </a:cubicBezTo>
-                  <a:lnTo>
-                    <a:pt x="4299366" y="4965390"/>
-                  </a:lnTo>
-                  <a:cubicBezTo>
-                    <a:pt x="4264514" y="5001179"/>
-                    <a:pt x="4230599" y="5037531"/>
-                    <a:pt x="4197621" y="5074257"/>
-                  </a:cubicBezTo>
-                  <a:cubicBezTo>
-                    <a:pt x="4131664" y="5147896"/>
-                    <a:pt x="4070204" y="5223784"/>
-                    <a:pt x="4008744" y="5297985"/>
-                  </a:cubicBezTo>
-                  <a:lnTo>
-                    <a:pt x="3917304" y="5409100"/>
-                  </a:lnTo>
-                  <a:cubicBezTo>
-                    <a:pt x="3886949" y="5446013"/>
-                    <a:pt x="3856782" y="5482364"/>
-                    <a:pt x="3826052" y="5518153"/>
-                  </a:cubicBezTo>
-                  <a:cubicBezTo>
-                    <a:pt x="3764592" y="5589544"/>
-                    <a:pt x="3702758" y="5659435"/>
-                    <a:pt x="3637925" y="5725017"/>
-                  </a:cubicBezTo>
-                  <a:cubicBezTo>
-                    <a:pt x="3573093" y="5790412"/>
-                    <a:pt x="3505637" y="5852059"/>
-                    <a:pt x="3433497" y="5906586"/>
-                  </a:cubicBezTo>
-                  <a:cubicBezTo>
-                    <a:pt x="3361544" y="5961112"/>
-                    <a:pt x="3285469" y="6009268"/>
-                    <a:pt x="3204522" y="6046744"/>
-                  </a:cubicBezTo>
-                  <a:cubicBezTo>
-                    <a:pt x="3123763" y="6084594"/>
-                    <a:pt x="3038506" y="6112513"/>
-                    <a:pt x="2950439" y="6129190"/>
-                  </a:cubicBezTo>
-                  <a:cubicBezTo>
-                    <a:pt x="2906405" y="6137809"/>
-                    <a:pt x="2861810" y="6143055"/>
-                    <a:pt x="2816839" y="6146428"/>
-                  </a:cubicBezTo>
-                  <a:cubicBezTo>
-                    <a:pt x="2794354" y="6147927"/>
-                    <a:pt x="2771681" y="6148677"/>
-                    <a:pt x="2749009" y="6149051"/>
-                  </a:cubicBezTo>
-                  <a:lnTo>
-                    <a:pt x="2678930" y="6148677"/>
-                  </a:lnTo>
-                  <a:cubicBezTo>
-                    <a:pt x="2491927" y="6144367"/>
-                    <a:pt x="2305675" y="6116260"/>
-                    <a:pt x="2125793" y="6065481"/>
-                  </a:cubicBezTo>
-                  <a:cubicBezTo>
-                    <a:pt x="1945911" y="6014515"/>
-                    <a:pt x="1773524" y="5940501"/>
-                    <a:pt x="1610506" y="5851310"/>
-                  </a:cubicBezTo>
-                  <a:cubicBezTo>
-                    <a:pt x="1528997" y="5806714"/>
-                    <a:pt x="1449924" y="5757808"/>
-                    <a:pt x="1373099" y="5706279"/>
-                  </a:cubicBezTo>
-                  <a:lnTo>
-                    <a:pt x="1315949" y="5666743"/>
-                  </a:lnTo>
-                  <a:lnTo>
-                    <a:pt x="1259923" y="5625894"/>
-                  </a:lnTo>
-                  <a:lnTo>
-                    <a:pt x="1204647" y="5583922"/>
-                  </a:lnTo>
-                  <a:cubicBezTo>
-                    <a:pt x="1186284" y="5569869"/>
-                    <a:pt x="1168483" y="5555066"/>
-                    <a:pt x="1150308" y="5540826"/>
-                  </a:cubicBezTo>
-                  <a:cubicBezTo>
-                    <a:pt x="1006402" y="5424839"/>
-                    <a:pt x="872615" y="5296860"/>
-                    <a:pt x="751569" y="5158015"/>
-                  </a:cubicBezTo>
-                  <a:cubicBezTo>
-                    <a:pt x="721214" y="5123350"/>
-                    <a:pt x="691983" y="5087935"/>
-                    <a:pt x="663315" y="5052146"/>
-                  </a:cubicBezTo>
-                  <a:cubicBezTo>
-                    <a:pt x="635021" y="5016170"/>
-                    <a:pt x="607289" y="4980006"/>
-                    <a:pt x="580869" y="4942718"/>
-                  </a:cubicBezTo>
-                  <a:cubicBezTo>
-                    <a:pt x="527654" y="4868517"/>
-                    <a:pt x="478186" y="4791880"/>
-                    <a:pt x="432279" y="4713369"/>
-                  </a:cubicBezTo>
-                  <a:cubicBezTo>
-                    <a:pt x="340651" y="4556159"/>
-                    <a:pt x="264764" y="4390330"/>
-                    <a:pt x="205553" y="4219443"/>
-                  </a:cubicBezTo>
-                  <a:cubicBezTo>
-                    <a:pt x="146154" y="4048555"/>
-                    <a:pt x="104369" y="3872045"/>
-                    <a:pt x="79448" y="3693850"/>
-                  </a:cubicBezTo>
-                  <a:cubicBezTo>
-                    <a:pt x="67268" y="3604659"/>
-                    <a:pt x="58087" y="3515092"/>
-                    <a:pt x="53590" y="3425339"/>
-                  </a:cubicBezTo>
-                  <a:cubicBezTo>
-                    <a:pt x="47969" y="3335585"/>
-                    <a:pt x="47406" y="3245644"/>
-                    <a:pt x="49655" y="3155890"/>
-                  </a:cubicBezTo>
-                  <a:cubicBezTo>
-                    <a:pt x="52278" y="3066137"/>
-                    <a:pt x="58274" y="2976383"/>
-                    <a:pt x="67830" y="2886817"/>
-                  </a:cubicBezTo>
-                  <a:cubicBezTo>
-                    <a:pt x="77761" y="2797438"/>
-                    <a:pt x="91253" y="2708246"/>
-                    <a:pt x="108679" y="2619992"/>
-                  </a:cubicBezTo>
-                  <a:cubicBezTo>
-                    <a:pt x="143906" y="2443108"/>
-                    <a:pt x="195809" y="2269409"/>
-                    <a:pt x="263077" y="2101520"/>
-                  </a:cubicBezTo>
-                  <a:cubicBezTo>
-                    <a:pt x="397614" y="1765740"/>
-                    <a:pt x="593048" y="1453382"/>
-                    <a:pt x="837575" y="1186370"/>
-                  </a:cubicBezTo>
-                  <a:cubicBezTo>
-                    <a:pt x="898473" y="1119289"/>
-                    <a:pt x="964242" y="1056893"/>
-                    <a:pt x="1031698" y="996932"/>
-                  </a:cubicBezTo>
-                  <a:cubicBezTo>
-                    <a:pt x="1099154" y="936784"/>
-                    <a:pt x="1166235" y="876261"/>
-                    <a:pt x="1236688" y="819298"/>
-                  </a:cubicBezTo>
-                  <a:cubicBezTo>
-                    <a:pt x="1377221" y="704999"/>
-                    <a:pt x="1526935" y="600442"/>
-                    <a:pt x="1687143" y="511438"/>
-                  </a:cubicBezTo>
-                  <a:cubicBezTo>
-                    <a:pt x="1847163" y="422621"/>
-                    <a:pt x="2017676" y="348795"/>
-                    <a:pt x="2196246" y="300639"/>
-                  </a:cubicBezTo>
-                  <a:cubicBezTo>
-                    <a:pt x="2374629" y="251921"/>
-                    <a:pt x="2560320" y="227749"/>
-                    <a:pt x="2745823" y="229248"/>
-                  </a:cubicBezTo>
-                  <a:cubicBezTo>
-                    <a:pt x="2837076" y="230372"/>
-                    <a:pt x="2928516" y="238055"/>
-                    <a:pt x="3019206" y="252108"/>
-                  </a:cubicBezTo>
-                  <a:cubicBezTo>
-                    <a:pt x="3109710" y="266724"/>
-                    <a:pt x="3199650" y="286773"/>
-                    <a:pt x="3288092" y="313006"/>
-                  </a:cubicBezTo>
-                  <a:cubicBezTo>
-                    <a:pt x="3376347" y="339426"/>
-                    <a:pt x="3463477" y="370343"/>
-                    <a:pt x="3548172" y="407069"/>
-                  </a:cubicBezTo>
-                  <a:cubicBezTo>
-                    <a:pt x="3569345" y="416438"/>
-                    <a:pt x="3590519" y="425432"/>
-                    <a:pt x="3611505" y="435176"/>
-                  </a:cubicBezTo>
-                  <a:lnTo>
-                    <a:pt x="3674089" y="464968"/>
-                  </a:lnTo>
-                  <a:lnTo>
-                    <a:pt x="3735736" y="496823"/>
-                  </a:lnTo>
-                  <a:cubicBezTo>
-                    <a:pt x="3756160" y="507690"/>
-                    <a:pt x="3776397" y="519120"/>
-                    <a:pt x="3796634" y="530176"/>
-                  </a:cubicBezTo>
-                  <a:cubicBezTo>
-                    <a:pt x="3957965" y="621054"/>
-                    <a:pt x="4110303" y="728046"/>
-                    <a:pt x="4251585" y="847405"/>
-                  </a:cubicBezTo>
-                  <a:cubicBezTo>
-                    <a:pt x="4393242" y="966390"/>
-                    <a:pt x="4524781" y="1096991"/>
-                    <a:pt x="4644515" y="1236775"/>
-                  </a:cubicBezTo>
-                  <a:cubicBezTo>
-                    <a:pt x="4704663" y="1306479"/>
-                    <a:pt x="4762375" y="1378057"/>
-                    <a:pt x="4816527" y="1451883"/>
-                  </a:cubicBezTo>
-                  <a:cubicBezTo>
-                    <a:pt x="4870679" y="1525897"/>
-                    <a:pt x="4922020" y="1601598"/>
-                    <a:pt x="4970738" y="1678610"/>
-                  </a:cubicBezTo>
-                  <a:cubicBezTo>
-                    <a:pt x="5067799" y="1833008"/>
-                    <a:pt x="5152494" y="1993965"/>
-                    <a:pt x="5223885" y="2159232"/>
-                  </a:cubicBezTo>
-                  <a:cubicBezTo>
-                    <a:pt x="5295275" y="2324686"/>
-                    <a:pt x="5349615" y="2495199"/>
-                    <a:pt x="5395709" y="2666087"/>
-                  </a:cubicBezTo>
-                  <a:cubicBezTo>
-                    <a:pt x="5418757" y="2751718"/>
-                    <a:pt x="5440680" y="2837537"/>
-                    <a:pt x="5458855" y="2924292"/>
-                  </a:cubicBezTo>
-                  <a:cubicBezTo>
-                    <a:pt x="5477406" y="3011048"/>
-                    <a:pt x="5490522" y="3098740"/>
-                    <a:pt x="5499142" y="3186995"/>
-                  </a:cubicBezTo>
-                  <a:cubicBezTo>
-                    <a:pt x="5507761" y="3275250"/>
-                    <a:pt x="5513944" y="3364254"/>
-                    <a:pt x="5516755" y="3454007"/>
-                  </a:cubicBezTo>
-                  <a:cubicBezTo>
-                    <a:pt x="5518629" y="3543761"/>
-                    <a:pt x="5516755" y="3634264"/>
-                    <a:pt x="5507386" y="3724580"/>
-                  </a:cubicBezTo>
-                  <a:close/>
-                </a:path>
-              </a:pathLst>
-            </a:custGeom>
-            <a:solidFill>
-              <a:schemeClr val="bg1">
-                <a:alpha val="30000"/>
-              </a:schemeClr>
-            </a:solidFill>
-            <a:ln w="18736" cap="flat">
-              <a:noFill/>
-              <a:prstDash val="solid"/>
-              <a:miter/>
-            </a:ln>
-          </p:spPr>
-          <p:txBody>
-            <a:bodyPr rtlCol="0" anchor="ctr"/>
-            <a:lstStyle/>
-            <a:p>
-              <a:endParaRPr lang="en-US"/>
-            </a:p>
-          </p:txBody>
-        </p:sp>
-        <p:sp>
-          <p:nvSpPr>
-            <p:cNvPr id="16" name="Freeform: Shape 15">
-              <a:extLst>
-                <a:ext uri="{FF2B5EF4-FFF2-40B4-BE49-F238E27FC236}">
-                  <a16:creationId xmlns:a16="http://schemas.microsoft.com/office/drawing/2014/main" id="{C7E50BFD-51AC-4ACE-820C-A285E667238E}"/>
-                </a:ext>
-                <a:ext uri="{C183D7F6-B498-43B3-948B-1728B52AA6E4}">
-                  <adec:decorative xmlns:adec="http://schemas.microsoft.com/office/drawing/2017/decorative" val="1"/>
-                </a:ext>
-              </a:extLst>
-            </p:cNvPr>
-            <p:cNvSpPr/>
-            <p:nvPr>
-              <p:extLst>
-                <p:ext uri="{386F3935-93C4-4BCD-93E2-E3B085C9AB24}">
-                  <p16:designElem xmlns:p16="http://schemas.microsoft.com/office/powerpoint/2015/main" val="1"/>
-                </p:ext>
-              </p:extLst>
-            </p:nvPr>
-          </p:nvSpPr>
-          <p:spPr>
-            <a:xfrm>
-              <a:off x="-9149" y="241478"/>
-              <a:ext cx="5953893" cy="6434152"/>
-            </a:xfrm>
-            <a:custGeom>
-              <a:avLst/>
-              <a:gdLst>
-                <a:gd name="connsiteX0" fmla="*/ 2739452 w 5953893"/>
-                <a:gd name="connsiteY0" fmla="*/ 0 h 6434152"/>
-                <a:gd name="connsiteX1" fmla="*/ 0 w 5953893"/>
-                <a:gd name="connsiteY1" fmla="*/ 1610693 h 6434152"/>
-                <a:gd name="connsiteX2" fmla="*/ 0 w 5953893"/>
-                <a:gd name="connsiteY2" fmla="*/ 4823273 h 6434152"/>
-                <a:gd name="connsiteX3" fmla="*/ 352456 w 5953893"/>
-                <a:gd name="connsiteY3" fmla="*/ 5326193 h 6434152"/>
-                <a:gd name="connsiteX4" fmla="*/ 2739452 w 5953893"/>
-                <a:gd name="connsiteY4" fmla="*/ 6434153 h 6434152"/>
-                <a:gd name="connsiteX5" fmla="*/ 4618282 w 5953893"/>
-                <a:gd name="connsiteY5" fmla="*/ 5167859 h 6434152"/>
-                <a:gd name="connsiteX6" fmla="*/ 5860029 w 5953893"/>
-                <a:gd name="connsiteY6" fmla="*/ 3948409 h 6434152"/>
-                <a:gd name="connsiteX7" fmla="*/ 2739452 w 5953893"/>
-                <a:gd name="connsiteY7" fmla="*/ 0 h 6434152"/>
-                <a:gd name="connsiteX8" fmla="*/ 5317011 w 5953893"/>
-                <a:gd name="connsiteY8" fmla="*/ 3797009 h 6434152"/>
-                <a:gd name="connsiteX9" fmla="*/ 5176478 w 5953893"/>
-                <a:gd name="connsiteY9" fmla="*/ 4100747 h 6434152"/>
-                <a:gd name="connsiteX10" fmla="*/ 4942257 w 5953893"/>
-                <a:gd name="connsiteY10" fmla="*/ 4250274 h 6434152"/>
-                <a:gd name="connsiteX11" fmla="*/ 4216171 w 5953893"/>
-                <a:gd name="connsiteY11" fmla="*/ 4773243 h 6434152"/>
-                <a:gd name="connsiteX12" fmla="*/ 3905125 w 5953893"/>
-                <a:gd name="connsiteY12" fmla="*/ 5105837 h 6434152"/>
-                <a:gd name="connsiteX13" fmla="*/ 3308329 w 5953893"/>
-                <a:gd name="connsiteY13" fmla="*/ 5682022 h 6434152"/>
-                <a:gd name="connsiteX14" fmla="*/ 2739452 w 5953893"/>
-                <a:gd name="connsiteY14" fmla="*/ 5870898 h 6434152"/>
-                <a:gd name="connsiteX15" fmla="*/ 1647419 w 5953893"/>
-                <a:gd name="connsiteY15" fmla="*/ 5625809 h 6434152"/>
-                <a:gd name="connsiteX16" fmla="*/ 781175 w 5953893"/>
-                <a:gd name="connsiteY16" fmla="*/ 4960620 h 6434152"/>
-                <a:gd name="connsiteX17" fmla="*/ 312545 w 5953893"/>
-                <a:gd name="connsiteY17" fmla="*/ 4165205 h 6434152"/>
-                <a:gd name="connsiteX18" fmla="*/ 142032 w 5953893"/>
-                <a:gd name="connsiteY18" fmla="*/ 3217451 h 6434152"/>
-                <a:gd name="connsiteX19" fmla="*/ 347210 w 5953893"/>
-                <a:gd name="connsiteY19" fmla="*/ 2181444 h 6434152"/>
-                <a:gd name="connsiteX20" fmla="*/ 906155 w 5953893"/>
-                <a:gd name="connsiteY20" fmla="*/ 1337497 h 6434152"/>
-                <a:gd name="connsiteX21" fmla="*/ 2739265 w 5953893"/>
-                <a:gd name="connsiteY21" fmla="*/ 563818 h 6434152"/>
-                <a:gd name="connsiteX22" fmla="*/ 3849849 w 5953893"/>
-                <a:gd name="connsiteY22" fmla="*/ 881796 h 6434152"/>
-                <a:gd name="connsiteX23" fmla="*/ 4834515 w 5953893"/>
-                <a:gd name="connsiteY23" fmla="*/ 1742419 h 6434152"/>
-                <a:gd name="connsiteX24" fmla="*/ 5325256 w 5953893"/>
-                <a:gd name="connsiteY24" fmla="*/ 2742076 h 6434152"/>
-                <a:gd name="connsiteX25" fmla="*/ 5317011 w 5953893"/>
-                <a:gd name="connsiteY25" fmla="*/ 3797009 h 6434152"/>
-              </a:gdLst>
-              <a:ahLst/>
-              <a:cxnLst>
-                <a:cxn ang="0">
-                  <a:pos x="connsiteX0" y="connsiteY0"/>
-                </a:cxn>
-                <a:cxn ang="0">
-                  <a:pos x="connsiteX1" y="connsiteY1"/>
-                </a:cxn>
-                <a:cxn ang="0">
-                  <a:pos x="connsiteX2" y="connsiteY2"/>
-                </a:cxn>
-                <a:cxn ang="0">
-                  <a:pos x="connsiteX3" y="connsiteY3"/>
-                </a:cxn>
-                <a:cxn ang="0">
-                  <a:pos x="connsiteX4" y="connsiteY4"/>
-                </a:cxn>
-                <a:cxn ang="0">
-                  <a:pos x="connsiteX5" y="connsiteY5"/>
-                </a:cxn>
-                <a:cxn ang="0">
-                  <a:pos x="connsiteX6" y="connsiteY6"/>
-                </a:cxn>
-                <a:cxn ang="0">
-                  <a:pos x="connsiteX7" y="connsiteY7"/>
-                </a:cxn>
-                <a:cxn ang="0">
-                  <a:pos x="connsiteX8" y="connsiteY8"/>
-                </a:cxn>
-                <a:cxn ang="0">
-                  <a:pos x="connsiteX9" y="connsiteY9"/>
-                </a:cxn>
-                <a:cxn ang="0">
-                  <a:pos x="connsiteX10" y="connsiteY10"/>
-                </a:cxn>
-                <a:cxn ang="0">
-                  <a:pos x="connsiteX11" y="connsiteY11"/>
-                </a:cxn>
-                <a:cxn ang="0">
-                  <a:pos x="connsiteX12" y="connsiteY12"/>
-                </a:cxn>
-                <a:cxn ang="0">
-                  <a:pos x="connsiteX13" y="connsiteY13"/>
-                </a:cxn>
-                <a:cxn ang="0">
-                  <a:pos x="connsiteX14" y="connsiteY14"/>
-                </a:cxn>
-                <a:cxn ang="0">
-                  <a:pos x="connsiteX15" y="connsiteY15"/>
-                </a:cxn>
-                <a:cxn ang="0">
-                  <a:pos x="connsiteX16" y="connsiteY16"/>
-                </a:cxn>
-                <a:cxn ang="0">
-                  <a:pos x="connsiteX17" y="connsiteY17"/>
-                </a:cxn>
-                <a:cxn ang="0">
-                  <a:pos x="connsiteX18" y="connsiteY18"/>
-                </a:cxn>
-                <a:cxn ang="0">
-                  <a:pos x="connsiteX19" y="connsiteY19"/>
-                </a:cxn>
-                <a:cxn ang="0">
-                  <a:pos x="connsiteX20" y="connsiteY20"/>
-                </a:cxn>
-                <a:cxn ang="0">
-                  <a:pos x="connsiteX21" y="connsiteY21"/>
-                </a:cxn>
-                <a:cxn ang="0">
-                  <a:pos x="connsiteX22" y="connsiteY22"/>
-                </a:cxn>
-                <a:cxn ang="0">
-                  <a:pos x="connsiteX23" y="connsiteY23"/>
-                </a:cxn>
-                <a:cxn ang="0">
-                  <a:pos x="connsiteX24" y="connsiteY24"/>
-                </a:cxn>
-                <a:cxn ang="0">
-                  <a:pos x="connsiteX25" y="connsiteY25"/>
-                </a:cxn>
-              </a:cxnLst>
-              <a:rect l="l" t="t" r="r" b="b"/>
-              <a:pathLst>
-                <a:path w="5953893" h="6434152">
-                  <a:moveTo>
-                    <a:pt x="2739452" y="0"/>
-                  </a:moveTo>
-                  <a:cubicBezTo>
-                    <a:pt x="1568346" y="0"/>
-                    <a:pt x="546204" y="647950"/>
-                    <a:pt x="0" y="1610693"/>
-                  </a:cubicBezTo>
-                  <a:lnTo>
-                    <a:pt x="0" y="4823273"/>
-                  </a:lnTo>
-                  <a:cubicBezTo>
-                    <a:pt x="101746" y="5002593"/>
-                    <a:pt x="219793" y="5171045"/>
-                    <a:pt x="352456" y="5326193"/>
-                  </a:cubicBezTo>
-                  <a:cubicBezTo>
-                    <a:pt x="932013" y="6005060"/>
-                    <a:pt x="1786453" y="6434153"/>
-                    <a:pt x="2739452" y="6434153"/>
-                  </a:cubicBezTo>
-                  <a:cubicBezTo>
-                    <a:pt x="3612442" y="6434153"/>
-                    <a:pt x="4046220" y="5750227"/>
-                    <a:pt x="4618282" y="5167859"/>
-                  </a:cubicBezTo>
-                  <a:cubicBezTo>
-                    <a:pt x="5190344" y="4585679"/>
-                    <a:pt x="5621311" y="4803036"/>
-                    <a:pt x="5860029" y="3948409"/>
-                  </a:cubicBezTo>
-                  <a:cubicBezTo>
-                    <a:pt x="6403423" y="2003810"/>
-                    <a:pt x="4485244" y="0"/>
-                    <a:pt x="2739452" y="0"/>
-                  </a:cubicBezTo>
-                  <a:close/>
-                  <a:moveTo>
-                    <a:pt x="5317011" y="3797009"/>
-                  </a:moveTo>
-                  <a:cubicBezTo>
-                    <a:pt x="5275976" y="3943538"/>
-                    <a:pt x="5228756" y="4045658"/>
-                    <a:pt x="5176478" y="4100747"/>
-                  </a:cubicBezTo>
-                  <a:cubicBezTo>
-                    <a:pt x="5131883" y="4147591"/>
-                    <a:pt x="5061991" y="4186004"/>
-                    <a:pt x="4942257" y="4250274"/>
-                  </a:cubicBezTo>
-                  <a:cubicBezTo>
-                    <a:pt x="4753381" y="4351458"/>
-                    <a:pt x="4494613" y="4489929"/>
-                    <a:pt x="4216171" y="4773243"/>
-                  </a:cubicBezTo>
-                  <a:cubicBezTo>
-                    <a:pt x="4106555" y="4884733"/>
-                    <a:pt x="4004247" y="4997159"/>
-                    <a:pt x="3905125" y="5105837"/>
-                  </a:cubicBezTo>
-                  <a:cubicBezTo>
-                    <a:pt x="3701071" y="5329753"/>
-                    <a:pt x="3508260" y="5541302"/>
-                    <a:pt x="3308329" y="5682022"/>
-                  </a:cubicBezTo>
-                  <a:cubicBezTo>
-                    <a:pt x="3122826" y="5812624"/>
-                    <a:pt x="2947441" y="5870898"/>
-                    <a:pt x="2739452" y="5870898"/>
-                  </a:cubicBezTo>
-                  <a:cubicBezTo>
-                    <a:pt x="2357765" y="5870898"/>
-                    <a:pt x="1990319" y="5788452"/>
-                    <a:pt x="1647419" y="5625809"/>
-                  </a:cubicBezTo>
-                  <a:cubicBezTo>
-                    <a:pt x="1319509" y="5470286"/>
-                    <a:pt x="1019893" y="5240187"/>
-                    <a:pt x="781175" y="4960620"/>
-                  </a:cubicBezTo>
-                  <a:cubicBezTo>
-                    <a:pt x="579370" y="4724151"/>
-                    <a:pt x="421598" y="4456576"/>
-                    <a:pt x="312545" y="4165205"/>
-                  </a:cubicBezTo>
-                  <a:cubicBezTo>
-                    <a:pt x="199369" y="3863153"/>
-                    <a:pt x="142032" y="3544237"/>
-                    <a:pt x="142032" y="3217451"/>
-                  </a:cubicBezTo>
-                  <a:cubicBezTo>
-                    <a:pt x="142032" y="2857688"/>
-                    <a:pt x="211174" y="2509166"/>
-                    <a:pt x="347210" y="2181444"/>
-                  </a:cubicBezTo>
-                  <a:cubicBezTo>
-                    <a:pt x="478561" y="1865339"/>
-                    <a:pt x="666688" y="1581275"/>
-                    <a:pt x="906155" y="1337497"/>
-                  </a:cubicBezTo>
-                  <a:cubicBezTo>
-                    <a:pt x="1396334" y="838512"/>
-                    <a:pt x="2047469" y="563818"/>
-                    <a:pt x="2739265" y="563818"/>
-                  </a:cubicBezTo>
-                  <a:cubicBezTo>
-                    <a:pt x="3094157" y="563818"/>
-                    <a:pt x="3478280" y="673808"/>
-                    <a:pt x="3849849" y="881796"/>
-                  </a:cubicBezTo>
-                  <a:cubicBezTo>
-                    <a:pt x="4226851" y="1092783"/>
-                    <a:pt x="4567316" y="1390338"/>
-                    <a:pt x="4834515" y="1742419"/>
-                  </a:cubicBezTo>
-                  <a:cubicBezTo>
-                    <a:pt x="5070798" y="2053653"/>
-                    <a:pt x="5240374" y="2399363"/>
-                    <a:pt x="5325256" y="2742076"/>
-                  </a:cubicBezTo>
-                  <a:cubicBezTo>
-                    <a:pt x="5414634" y="3102964"/>
-                    <a:pt x="5411824" y="3458044"/>
-                    <a:pt x="5317011" y="3797009"/>
-                  </a:cubicBezTo>
-                  <a:close/>
-                </a:path>
-              </a:pathLst>
-            </a:custGeom>
-            <a:solidFill>
-              <a:schemeClr val="bg1">
-                <a:alpha val="30000"/>
-              </a:schemeClr>
-            </a:solidFill>
-            <a:ln w="18736" cap="flat">
-              <a:noFill/>
-              <a:prstDash val="solid"/>
-              <a:miter/>
-            </a:ln>
-          </p:spPr>
-          <p:txBody>
-            <a:bodyPr rtlCol="0" anchor="ctr"/>
-            <a:lstStyle/>
-            <a:p>
-              <a:endParaRPr lang="en-US"/>
-            </a:p>
-          </p:txBody>
-        </p:sp>
-        <p:sp>
-          <p:nvSpPr>
-            <p:cNvPr id="17" name="Freeform: Shape 16">
-              <a:extLst>
-                <a:ext uri="{FF2B5EF4-FFF2-40B4-BE49-F238E27FC236}">
-                  <a16:creationId xmlns:a16="http://schemas.microsoft.com/office/drawing/2014/main" id="{A0394888-C50F-41C1-92D4-0E2B4315A894}"/>
-                </a:ext>
-                <a:ext uri="{C183D7F6-B498-43B3-948B-1728B52AA6E4}">
-                  <adec:decorative xmlns:adec="http://schemas.microsoft.com/office/drawing/2017/decorative" val="1"/>
-                </a:ext>
-              </a:extLst>
-            </p:cNvPr>
-            <p:cNvSpPr/>
-            <p:nvPr>
-              <p:extLst>
-                <p:ext uri="{386F3935-93C4-4BCD-93E2-E3B085C9AB24}">
-                  <p16:designElem xmlns:p16="http://schemas.microsoft.com/office/powerpoint/2015/main" val="1"/>
-                </p:ext>
-              </p:extLst>
-            </p:nvPr>
-          </p:nvSpPr>
-          <p:spPr>
-            <a:xfrm>
-              <a:off x="-9149" y="231462"/>
-              <a:ext cx="5953893" cy="6444167"/>
-            </a:xfrm>
-            <a:custGeom>
-              <a:avLst/>
-              <a:gdLst>
-                <a:gd name="connsiteX0" fmla="*/ 2739452 w 5953893"/>
-                <a:gd name="connsiteY0" fmla="*/ 0 h 6434152"/>
-                <a:gd name="connsiteX1" fmla="*/ 0 w 5953893"/>
-                <a:gd name="connsiteY1" fmla="*/ 1610693 h 6434152"/>
-                <a:gd name="connsiteX2" fmla="*/ 0 w 5953893"/>
-                <a:gd name="connsiteY2" fmla="*/ 4823273 h 6434152"/>
-                <a:gd name="connsiteX3" fmla="*/ 352456 w 5953893"/>
-                <a:gd name="connsiteY3" fmla="*/ 5326193 h 6434152"/>
-                <a:gd name="connsiteX4" fmla="*/ 2739452 w 5953893"/>
-                <a:gd name="connsiteY4" fmla="*/ 6434153 h 6434152"/>
-                <a:gd name="connsiteX5" fmla="*/ 4618282 w 5953893"/>
-                <a:gd name="connsiteY5" fmla="*/ 5167859 h 6434152"/>
-                <a:gd name="connsiteX6" fmla="*/ 5860029 w 5953893"/>
-                <a:gd name="connsiteY6" fmla="*/ 3948409 h 6434152"/>
-                <a:gd name="connsiteX7" fmla="*/ 2739452 w 5953893"/>
-                <a:gd name="connsiteY7" fmla="*/ 0 h 6434152"/>
-                <a:gd name="connsiteX8" fmla="*/ 5208520 w 5953893"/>
-                <a:gd name="connsiteY8" fmla="*/ 3766654 h 6434152"/>
-                <a:gd name="connsiteX9" fmla="*/ 5094782 w 5953893"/>
-                <a:gd name="connsiteY9" fmla="*/ 4022985 h 6434152"/>
-                <a:gd name="connsiteX10" fmla="*/ 4888855 w 5953893"/>
-                <a:gd name="connsiteY10" fmla="*/ 4150777 h 6434152"/>
-                <a:gd name="connsiteX11" fmla="*/ 4135411 w 5953893"/>
-                <a:gd name="connsiteY11" fmla="*/ 4694170 h 6434152"/>
-                <a:gd name="connsiteX12" fmla="*/ 3821555 w 5953893"/>
-                <a:gd name="connsiteY12" fmla="*/ 5029762 h 6434152"/>
-                <a:gd name="connsiteX13" fmla="*/ 2739265 w 5953893"/>
-                <a:gd name="connsiteY13" fmla="*/ 5758097 h 6434152"/>
-                <a:gd name="connsiteX14" fmla="*/ 1695575 w 5953893"/>
-                <a:gd name="connsiteY14" fmla="*/ 5523876 h 6434152"/>
-                <a:gd name="connsiteX15" fmla="*/ 866619 w 5953893"/>
-                <a:gd name="connsiteY15" fmla="*/ 4887356 h 6434152"/>
-                <a:gd name="connsiteX16" fmla="*/ 417851 w 5953893"/>
-                <a:gd name="connsiteY16" fmla="*/ 4125481 h 6434152"/>
-                <a:gd name="connsiteX17" fmla="*/ 254645 w 5953893"/>
-                <a:gd name="connsiteY17" fmla="*/ 3217264 h 6434152"/>
-                <a:gd name="connsiteX18" fmla="*/ 451204 w 5953893"/>
-                <a:gd name="connsiteY18" fmla="*/ 2224540 h 6434152"/>
-                <a:gd name="connsiteX19" fmla="*/ 986540 w 5953893"/>
-                <a:gd name="connsiteY19" fmla="*/ 1416383 h 6434152"/>
-                <a:gd name="connsiteX20" fmla="*/ 2739452 w 5953893"/>
-                <a:gd name="connsiteY20" fmla="*/ 676244 h 6434152"/>
-                <a:gd name="connsiteX21" fmla="*/ 3794947 w 5953893"/>
-                <a:gd name="connsiteY21" fmla="*/ 979795 h 6434152"/>
-                <a:gd name="connsiteX22" fmla="*/ 4744762 w 5953893"/>
-                <a:gd name="connsiteY22" fmla="*/ 1810250 h 6434152"/>
-                <a:gd name="connsiteX23" fmla="*/ 5215827 w 5953893"/>
-                <a:gd name="connsiteY23" fmla="*/ 2768871 h 6434152"/>
-                <a:gd name="connsiteX24" fmla="*/ 5208520 w 5953893"/>
-                <a:gd name="connsiteY24" fmla="*/ 3766654 h 6434152"/>
-              </a:gdLst>
-              <a:ahLst/>
-              <a:cxnLst>
-                <a:cxn ang="0">
-                  <a:pos x="connsiteX0" y="connsiteY0"/>
-                </a:cxn>
-                <a:cxn ang="0">
-                  <a:pos x="connsiteX1" y="connsiteY1"/>
-                </a:cxn>
-                <a:cxn ang="0">
-                  <a:pos x="connsiteX2" y="connsiteY2"/>
-                </a:cxn>
-                <a:cxn ang="0">
-                  <a:pos x="connsiteX3" y="connsiteY3"/>
-                </a:cxn>
-                <a:cxn ang="0">
-                  <a:pos x="connsiteX4" y="connsiteY4"/>
-                </a:cxn>
-                <a:cxn ang="0">
-                  <a:pos x="connsiteX5" y="connsiteY5"/>
-                </a:cxn>
-                <a:cxn ang="0">
-                  <a:pos x="connsiteX6" y="connsiteY6"/>
-                </a:cxn>
-                <a:cxn ang="0">
-                  <a:pos x="connsiteX7" y="connsiteY7"/>
-                </a:cxn>
-                <a:cxn ang="0">
-                  <a:pos x="connsiteX8" y="connsiteY8"/>
-                </a:cxn>
-                <a:cxn ang="0">
-                  <a:pos x="connsiteX9" y="connsiteY9"/>
-                </a:cxn>
-                <a:cxn ang="0">
-                  <a:pos x="connsiteX10" y="connsiteY10"/>
-                </a:cxn>
-                <a:cxn ang="0">
-                  <a:pos x="connsiteX11" y="connsiteY11"/>
-                </a:cxn>
-                <a:cxn ang="0">
-                  <a:pos x="connsiteX12" y="connsiteY12"/>
-                </a:cxn>
-                <a:cxn ang="0">
-                  <a:pos x="connsiteX13" y="connsiteY13"/>
-                </a:cxn>
-                <a:cxn ang="0">
-                  <a:pos x="connsiteX14" y="connsiteY14"/>
-                </a:cxn>
-                <a:cxn ang="0">
-                  <a:pos x="connsiteX15" y="connsiteY15"/>
-                </a:cxn>
-                <a:cxn ang="0">
-                  <a:pos x="connsiteX16" y="connsiteY16"/>
-                </a:cxn>
-                <a:cxn ang="0">
-                  <a:pos x="connsiteX17" y="connsiteY17"/>
-                </a:cxn>
-                <a:cxn ang="0">
-                  <a:pos x="connsiteX18" y="connsiteY18"/>
-                </a:cxn>
-                <a:cxn ang="0">
-                  <a:pos x="connsiteX19" y="connsiteY19"/>
-                </a:cxn>
-                <a:cxn ang="0">
-                  <a:pos x="connsiteX20" y="connsiteY20"/>
-                </a:cxn>
-                <a:cxn ang="0">
-                  <a:pos x="connsiteX21" y="connsiteY21"/>
-                </a:cxn>
-                <a:cxn ang="0">
-                  <a:pos x="connsiteX22" y="connsiteY22"/>
-                </a:cxn>
-                <a:cxn ang="0">
-                  <a:pos x="connsiteX23" y="connsiteY23"/>
-                </a:cxn>
-                <a:cxn ang="0">
-                  <a:pos x="connsiteX24" y="connsiteY24"/>
-                </a:cxn>
-              </a:cxnLst>
-              <a:rect l="l" t="t" r="r" b="b"/>
-              <a:pathLst>
-                <a:path w="5953893" h="6434152">
-                  <a:moveTo>
-                    <a:pt x="2739452" y="0"/>
-                  </a:moveTo>
-                  <a:cubicBezTo>
-                    <a:pt x="1568346" y="0"/>
-                    <a:pt x="546204" y="647950"/>
-                    <a:pt x="0" y="1610693"/>
-                  </a:cubicBezTo>
-                  <a:lnTo>
-                    <a:pt x="0" y="4823273"/>
-                  </a:lnTo>
-                  <a:cubicBezTo>
-                    <a:pt x="101746" y="5002593"/>
-                    <a:pt x="219793" y="5171045"/>
-                    <a:pt x="352456" y="5326193"/>
-                  </a:cubicBezTo>
-                  <a:cubicBezTo>
-                    <a:pt x="932013" y="6005060"/>
-                    <a:pt x="1786453" y="6434153"/>
-                    <a:pt x="2739452" y="6434153"/>
-                  </a:cubicBezTo>
-                  <a:cubicBezTo>
-                    <a:pt x="3612442" y="6434153"/>
-                    <a:pt x="4046220" y="5750227"/>
-                    <a:pt x="4618282" y="5167859"/>
-                  </a:cubicBezTo>
-                  <a:cubicBezTo>
-                    <a:pt x="5190344" y="4585679"/>
-                    <a:pt x="5621311" y="4803036"/>
-                    <a:pt x="5860029" y="3948409"/>
-                  </a:cubicBezTo>
-                  <a:cubicBezTo>
-                    <a:pt x="6403423" y="2003810"/>
-                    <a:pt x="4485244" y="0"/>
-                    <a:pt x="2739452" y="0"/>
-                  </a:cubicBezTo>
-                  <a:close/>
-                  <a:moveTo>
-                    <a:pt x="5208520" y="3766654"/>
-                  </a:moveTo>
-                  <a:cubicBezTo>
-                    <a:pt x="5173667" y="3891634"/>
-                    <a:pt x="5133194" y="3982699"/>
-                    <a:pt x="5094782" y="4022985"/>
-                  </a:cubicBezTo>
-                  <a:cubicBezTo>
-                    <a:pt x="5060492" y="4058962"/>
-                    <a:pt x="4984792" y="4099435"/>
-                    <a:pt x="4888855" y="4150777"/>
-                  </a:cubicBezTo>
-                  <a:cubicBezTo>
-                    <a:pt x="4693420" y="4255333"/>
-                    <a:pt x="4426033" y="4398489"/>
-                    <a:pt x="4135411" y="4694170"/>
-                  </a:cubicBezTo>
-                  <a:cubicBezTo>
-                    <a:pt x="4024297" y="4807158"/>
-                    <a:pt x="3921239" y="4920334"/>
-                    <a:pt x="3821555" y="5029762"/>
-                  </a:cubicBezTo>
-                  <a:cubicBezTo>
-                    <a:pt x="3385341" y="5508324"/>
-                    <a:pt x="3138940" y="5758097"/>
-                    <a:pt x="2739265" y="5758097"/>
-                  </a:cubicBezTo>
-                  <a:cubicBezTo>
-                    <a:pt x="2374442" y="5758097"/>
-                    <a:pt x="2023297" y="5679211"/>
-                    <a:pt x="1695575" y="5523876"/>
-                  </a:cubicBezTo>
-                  <a:cubicBezTo>
-                    <a:pt x="1381906" y="5375098"/>
-                    <a:pt x="1095219" y="5154930"/>
-                    <a:pt x="866619" y="4887356"/>
-                  </a:cubicBezTo>
-                  <a:cubicBezTo>
-                    <a:pt x="673246" y="4661005"/>
-                    <a:pt x="522220" y="4404673"/>
-                    <a:pt x="417851" y="4125481"/>
-                  </a:cubicBezTo>
-                  <a:cubicBezTo>
-                    <a:pt x="309547" y="3836171"/>
-                    <a:pt x="254645" y="3530558"/>
-                    <a:pt x="254645" y="3217264"/>
-                  </a:cubicBezTo>
-                  <a:cubicBezTo>
-                    <a:pt x="254645" y="2872490"/>
-                    <a:pt x="320790" y="2538585"/>
-                    <a:pt x="451204" y="2224540"/>
-                  </a:cubicBezTo>
-                  <a:cubicBezTo>
-                    <a:pt x="577121" y="1921739"/>
-                    <a:pt x="757191" y="1649855"/>
-                    <a:pt x="986540" y="1416383"/>
-                  </a:cubicBezTo>
-                  <a:cubicBezTo>
-                    <a:pt x="1455357" y="939134"/>
-                    <a:pt x="2078011" y="676244"/>
-                    <a:pt x="2739452" y="676244"/>
-                  </a:cubicBezTo>
-                  <a:cubicBezTo>
-                    <a:pt x="3075232" y="676244"/>
-                    <a:pt x="3440243" y="781175"/>
-                    <a:pt x="3794947" y="979795"/>
-                  </a:cubicBezTo>
-                  <a:cubicBezTo>
-                    <a:pt x="4158459" y="1183286"/>
-                    <a:pt x="4486931" y="1470348"/>
-                    <a:pt x="4744762" y="1810250"/>
-                  </a:cubicBezTo>
-                  <a:cubicBezTo>
-                    <a:pt x="4971862" y="2109491"/>
-                    <a:pt x="5134693" y="2440961"/>
-                    <a:pt x="5215827" y="2768871"/>
-                  </a:cubicBezTo>
-                  <a:cubicBezTo>
-                    <a:pt x="5300334" y="3110834"/>
-                    <a:pt x="5297898" y="3446614"/>
-                    <a:pt x="5208520" y="3766654"/>
-                  </a:cubicBezTo>
-                  <a:close/>
-                </a:path>
-              </a:pathLst>
-            </a:custGeom>
-            <a:solidFill>
-              <a:schemeClr val="bg1">
-                <a:alpha val="30000"/>
-              </a:schemeClr>
-            </a:solidFill>
-            <a:ln w="18736" cap="flat">
-              <a:noFill/>
-              <a:prstDash val="solid"/>
-              <a:miter/>
-            </a:ln>
-          </p:spPr>
-          <p:txBody>
-            <a:bodyPr rtlCol="0" anchor="ctr"/>
-            <a:lstStyle/>
-            <a:p>
-              <a:endParaRPr lang="en-US" dirty="0"/>
-            </a:p>
-          </p:txBody>
-        </p:sp>
-        <p:sp useBgFill="1">
-          <p:nvSpPr>
-            <p:cNvPr id="18" name="Freeform: Shape 17">
-              <a:extLst>
-                <a:ext uri="{FF2B5EF4-FFF2-40B4-BE49-F238E27FC236}">
-                  <a16:creationId xmlns:a16="http://schemas.microsoft.com/office/drawing/2014/main" id="{F22C906F-48B7-4ABF-B36E-0C0A056A577A}"/>
-                </a:ext>
-                <a:ext uri="{C183D7F6-B498-43B3-948B-1728B52AA6E4}">
-                  <adec:decorative xmlns:adec="http://schemas.microsoft.com/office/drawing/2017/decorative" val="1"/>
-                </a:ext>
-              </a:extLst>
-            </p:cNvPr>
-            <p:cNvSpPr/>
-            <p:nvPr>
-              <p:extLst>
-                <p:ext uri="{386F3935-93C4-4BCD-93E2-E3B085C9AB24}">
-                  <p16:designElem xmlns:p16="http://schemas.microsoft.com/office/powerpoint/2015/main" val="1"/>
-                </p:ext>
-              </p:extLst>
-            </p:nvPr>
-          </p:nvSpPr>
-          <p:spPr>
-            <a:xfrm>
-              <a:off x="-9149" y="3725"/>
-              <a:ext cx="5855313" cy="6880645"/>
-            </a:xfrm>
-            <a:custGeom>
-              <a:avLst/>
-              <a:gdLst>
-                <a:gd name="connsiteX0" fmla="*/ 5855313 w 5855313"/>
-                <a:gd name="connsiteY0" fmla="*/ 4717843 h 6880645"/>
-                <a:gd name="connsiteX1" fmla="*/ 5855313 w 5855313"/>
-                <a:gd name="connsiteY1" fmla="*/ 6880645 h 6880645"/>
-                <a:gd name="connsiteX2" fmla="*/ 0 w 5855313"/>
-                <a:gd name="connsiteY2" fmla="*/ 6880645 h 6880645"/>
-                <a:gd name="connsiteX3" fmla="*/ 0 w 5855313"/>
-                <a:gd name="connsiteY3" fmla="*/ 5268859 h 6880645"/>
-                <a:gd name="connsiteX4" fmla="*/ 36130 w 5855313"/>
-                <a:gd name="connsiteY4" fmla="*/ 5327430 h 6880645"/>
-                <a:gd name="connsiteX5" fmla="*/ 2782721 w 5855313"/>
-                <a:gd name="connsiteY5" fmla="*/ 6765687 h 6880645"/>
-                <a:gd name="connsiteX6" fmla="*/ 5834702 w 5855313"/>
-                <a:gd name="connsiteY6" fmla="*/ 4773305 h 6880645"/>
-                <a:gd name="connsiteX7" fmla="*/ 9148 w 5855313"/>
-                <a:gd name="connsiteY7" fmla="*/ 0 h 6880645"/>
-                <a:gd name="connsiteX8" fmla="*/ 5855312 w 5855313"/>
-                <a:gd name="connsiteY8" fmla="*/ 0 h 6880645"/>
-                <a:gd name="connsiteX9" fmla="*/ 5855312 w 5855313"/>
-                <a:gd name="connsiteY9" fmla="*/ 96759 h 6880645"/>
-                <a:gd name="connsiteX10" fmla="*/ 5855313 w 5855313"/>
-                <a:gd name="connsiteY10" fmla="*/ 96759 h 6880645"/>
-                <a:gd name="connsiteX11" fmla="*/ 5855313 w 5855313"/>
-                <a:gd name="connsiteY11" fmla="*/ 2289203 h 6880645"/>
-                <a:gd name="connsiteX12" fmla="*/ 5834702 w 5855313"/>
-                <a:gd name="connsiteY12" fmla="*/ 2233742 h 6880645"/>
-                <a:gd name="connsiteX13" fmla="*/ 2782721 w 5855313"/>
-                <a:gd name="connsiteY13" fmla="*/ 241359 h 6880645"/>
-                <a:gd name="connsiteX14" fmla="*/ 36130 w 5855313"/>
-                <a:gd name="connsiteY14" fmla="*/ 1679616 h 6880645"/>
-                <a:gd name="connsiteX15" fmla="*/ 0 w 5855313"/>
-                <a:gd name="connsiteY15" fmla="*/ 1738187 h 6880645"/>
-                <a:gd name="connsiteX16" fmla="*/ 0 w 5855313"/>
-                <a:gd name="connsiteY16" fmla="*/ 96759 h 6880645"/>
-                <a:gd name="connsiteX17" fmla="*/ 9148 w 5855313"/>
-                <a:gd name="connsiteY17" fmla="*/ 96759 h 6880645"/>
-              </a:gdLst>
-              <a:ahLst/>
-              <a:cxnLst>
-                <a:cxn ang="0">
-                  <a:pos x="connsiteX0" y="connsiteY0"/>
-                </a:cxn>
-                <a:cxn ang="0">
-                  <a:pos x="connsiteX1" y="connsiteY1"/>
-                </a:cxn>
-                <a:cxn ang="0">
-                  <a:pos x="connsiteX2" y="connsiteY2"/>
-                </a:cxn>
-                <a:cxn ang="0">
-                  <a:pos x="connsiteX3" y="connsiteY3"/>
-                </a:cxn>
-                <a:cxn ang="0">
-                  <a:pos x="connsiteX4" y="connsiteY4"/>
-                </a:cxn>
-                <a:cxn ang="0">
-                  <a:pos x="connsiteX5" y="connsiteY5"/>
-                </a:cxn>
-                <a:cxn ang="0">
-                  <a:pos x="connsiteX6" y="connsiteY6"/>
-                </a:cxn>
-                <a:cxn ang="0">
-                  <a:pos x="connsiteX7" y="connsiteY7"/>
-                </a:cxn>
-                <a:cxn ang="0">
-                  <a:pos x="connsiteX8" y="connsiteY8"/>
-                </a:cxn>
-                <a:cxn ang="0">
-                  <a:pos x="connsiteX9" y="connsiteY9"/>
-                </a:cxn>
-                <a:cxn ang="0">
-                  <a:pos x="connsiteX10" y="connsiteY10"/>
-                </a:cxn>
-                <a:cxn ang="0">
-                  <a:pos x="connsiteX11" y="connsiteY11"/>
-                </a:cxn>
-                <a:cxn ang="0">
-                  <a:pos x="connsiteX12" y="connsiteY12"/>
-                </a:cxn>
-                <a:cxn ang="0">
-                  <a:pos x="connsiteX13" y="connsiteY13"/>
-                </a:cxn>
-                <a:cxn ang="0">
-                  <a:pos x="connsiteX14" y="connsiteY14"/>
-                </a:cxn>
-                <a:cxn ang="0">
-                  <a:pos x="connsiteX15" y="connsiteY15"/>
-                </a:cxn>
-                <a:cxn ang="0">
-                  <a:pos x="connsiteX16" y="connsiteY16"/>
-                </a:cxn>
-                <a:cxn ang="0">
-                  <a:pos x="connsiteX17" y="connsiteY17"/>
-                </a:cxn>
-              </a:cxnLst>
-              <a:rect l="l" t="t" r="r" b="b"/>
-              <a:pathLst>
-                <a:path w="5855313" h="6880645">
-                  <a:moveTo>
-                    <a:pt x="5855313" y="4717843"/>
-                  </a:moveTo>
-                  <a:lnTo>
-                    <a:pt x="5855313" y="6880645"/>
-                  </a:lnTo>
-                  <a:lnTo>
-                    <a:pt x="0" y="6880645"/>
-                  </a:lnTo>
-                  <a:lnTo>
-                    <a:pt x="0" y="5268859"/>
-                  </a:lnTo>
-                  <a:lnTo>
-                    <a:pt x="36130" y="5327430"/>
-                  </a:lnTo>
-                  <a:cubicBezTo>
-                    <a:pt x="631370" y="6195172"/>
-                    <a:pt x="1639396" y="6765687"/>
-                    <a:pt x="2782721" y="6765687"/>
-                  </a:cubicBezTo>
-                  <a:cubicBezTo>
-                    <a:pt x="4154711" y="6765687"/>
-                    <a:pt x="5331871" y="5944145"/>
-                    <a:pt x="5834702" y="4773305"/>
-                  </a:cubicBezTo>
-                  <a:close/>
-                  <a:moveTo>
-                    <a:pt x="9148" y="0"/>
-                  </a:moveTo>
-                  <a:lnTo>
-                    <a:pt x="5855312" y="0"/>
-                  </a:lnTo>
-                  <a:lnTo>
-                    <a:pt x="5855312" y="96759"/>
-                  </a:lnTo>
-                  <a:lnTo>
-                    <a:pt x="5855313" y="96759"/>
-                  </a:lnTo>
-                  <a:lnTo>
-                    <a:pt x="5855313" y="2289203"/>
-                  </a:lnTo>
-                  <a:lnTo>
-                    <a:pt x="5834702" y="2233742"/>
-                  </a:lnTo>
-                  <a:cubicBezTo>
-                    <a:pt x="5331871" y="1062902"/>
-                    <a:pt x="4154711" y="241359"/>
-                    <a:pt x="2782721" y="241359"/>
-                  </a:cubicBezTo>
-                  <a:cubicBezTo>
-                    <a:pt x="1639396" y="241359"/>
-                    <a:pt x="631370" y="811875"/>
-                    <a:pt x="36130" y="1679616"/>
-                  </a:cubicBezTo>
-                  <a:lnTo>
-                    <a:pt x="0" y="1738187"/>
-                  </a:lnTo>
-                  <a:lnTo>
-                    <a:pt x="0" y="96759"/>
-                  </a:lnTo>
-                  <a:lnTo>
-                    <a:pt x="9148" y="96759"/>
-                  </a:lnTo>
-                  <a:close/>
-                </a:path>
-              </a:pathLst>
-            </a:custGeom>
-            <a:ln>
-              <a:noFill/>
-            </a:ln>
-          </p:spPr>
-          <p:style>
-            <a:lnRef idx="2">
-              <a:schemeClr val="accent1">
-                <a:shade val="50000"/>
-              </a:schemeClr>
-            </a:lnRef>
-            <a:fillRef idx="1">
-              <a:schemeClr val="accent1"/>
-            </a:fillRef>
-            <a:effectRef idx="0">
-              <a:schemeClr val="accent1"/>
-            </a:effectRef>
-            <a:fontRef idx="minor">
-              <a:schemeClr val="lt1"/>
-            </a:fontRef>
-          </p:style>
-          <p:txBody>
-            <a:bodyPr rtlCol="0" anchor="ctr"/>
-            <a:lstStyle/>
-            <a:p>
-              <a:pPr algn="ctr"/>
-              <a:endParaRPr lang="en-US"/>
-            </a:p>
-          </p:txBody>
-        </p:sp>
-        <p:sp useBgFill="1">
-          <p:nvSpPr>
-            <p:cNvPr id="19" name="Freeform: Shape 18">
-              <a:extLst>
-                <a:ext uri="{FF2B5EF4-FFF2-40B4-BE49-F238E27FC236}">
-                  <a16:creationId xmlns:a16="http://schemas.microsoft.com/office/drawing/2014/main" id="{B4ABE2AA-A788-450F-94A8-AED4B698F3B3}"/>
-                </a:ext>
-                <a:ext uri="{C183D7F6-B498-43B3-948B-1728B52AA6E4}">
-                  <adec:decorative xmlns:adec="http://schemas.microsoft.com/office/drawing/2017/decorative" val="1"/>
-                </a:ext>
-              </a:extLst>
-            </p:cNvPr>
-            <p:cNvSpPr/>
-            <p:nvPr>
-              <p:extLst>
-                <p:ext uri="{386F3935-93C4-4BCD-93E2-E3B085C9AB24}">
-                  <p16:designElem xmlns:p16="http://schemas.microsoft.com/office/powerpoint/2015/main" val="1"/>
-                </p:ext>
-              </p:extLst>
-            </p:nvPr>
-          </p:nvSpPr>
-          <p:spPr>
-            <a:xfrm>
-              <a:off x="-9149" y="26370"/>
-              <a:ext cx="6254832" cy="6864558"/>
-            </a:xfrm>
-            <a:custGeom>
-              <a:avLst/>
-              <a:gdLst>
-                <a:gd name="connsiteX0" fmla="*/ 2766060 w 6254832"/>
-                <a:gd name="connsiteY0" fmla="*/ 0 h 6864558"/>
-                <a:gd name="connsiteX1" fmla="*/ 0 w 6254832"/>
-                <a:gd name="connsiteY1" fmla="*/ 1340683 h 6864558"/>
-                <a:gd name="connsiteX2" fmla="*/ 0 w 6254832"/>
-                <a:gd name="connsiteY2" fmla="*/ 2201306 h 6864558"/>
-                <a:gd name="connsiteX3" fmla="*/ 1312 w 6254832"/>
-                <a:gd name="connsiteY3" fmla="*/ 2197746 h 6864558"/>
-                <a:gd name="connsiteX4" fmla="*/ 612723 w 6254832"/>
-                <a:gd name="connsiteY4" fmla="*/ 1201649 h 6864558"/>
-                <a:gd name="connsiteX5" fmla="*/ 1571344 w 6254832"/>
-                <a:gd name="connsiteY5" fmla="*/ 483245 h 6864558"/>
-                <a:gd name="connsiteX6" fmla="*/ 1641235 w 6254832"/>
-                <a:gd name="connsiteY6" fmla="*/ 452328 h 6864558"/>
-                <a:gd name="connsiteX7" fmla="*/ 1711502 w 6254832"/>
-                <a:gd name="connsiteY7" fmla="*/ 422348 h 6864558"/>
-                <a:gd name="connsiteX8" fmla="*/ 1783080 w 6254832"/>
-                <a:gd name="connsiteY8" fmla="*/ 395178 h 6864558"/>
-                <a:gd name="connsiteX9" fmla="*/ 1855220 w 6254832"/>
-                <a:gd name="connsiteY9" fmla="*/ 369133 h 6864558"/>
-                <a:gd name="connsiteX10" fmla="*/ 1928297 w 6254832"/>
-                <a:gd name="connsiteY10" fmla="*/ 345711 h 6864558"/>
-                <a:gd name="connsiteX11" fmla="*/ 2001749 w 6254832"/>
-                <a:gd name="connsiteY11" fmla="*/ 323600 h 6864558"/>
-                <a:gd name="connsiteX12" fmla="*/ 2076138 w 6254832"/>
-                <a:gd name="connsiteY12" fmla="*/ 304300 h 6864558"/>
-                <a:gd name="connsiteX13" fmla="*/ 2113426 w 6254832"/>
-                <a:gd name="connsiteY13" fmla="*/ 294744 h 6864558"/>
-                <a:gd name="connsiteX14" fmla="*/ 2132163 w 6254832"/>
-                <a:gd name="connsiteY14" fmla="*/ 290060 h 6864558"/>
-                <a:gd name="connsiteX15" fmla="*/ 2151089 w 6254832"/>
-                <a:gd name="connsiteY15" fmla="*/ 286312 h 6864558"/>
-                <a:gd name="connsiteX16" fmla="*/ 2763249 w 6254832"/>
-                <a:gd name="connsiteY16" fmla="*/ 218482 h 6864558"/>
-                <a:gd name="connsiteX17" fmla="*/ 3372225 w 6254832"/>
-                <a:gd name="connsiteY17" fmla="*/ 301302 h 6864558"/>
-                <a:gd name="connsiteX18" fmla="*/ 3663596 w 6254832"/>
-                <a:gd name="connsiteY18" fmla="*/ 398364 h 6864558"/>
-                <a:gd name="connsiteX19" fmla="*/ 3941663 w 6254832"/>
-                <a:gd name="connsiteY19" fmla="*/ 526717 h 6864558"/>
-                <a:gd name="connsiteX20" fmla="*/ 4204366 w 6254832"/>
-                <a:gd name="connsiteY20" fmla="*/ 681678 h 6864558"/>
-                <a:gd name="connsiteX21" fmla="*/ 4450018 w 6254832"/>
-                <a:gd name="connsiteY21" fmla="*/ 860061 h 6864558"/>
-                <a:gd name="connsiteX22" fmla="*/ 4678992 w 6254832"/>
-                <a:gd name="connsiteY22" fmla="*/ 1057181 h 6864558"/>
-                <a:gd name="connsiteX23" fmla="*/ 4889791 w 6254832"/>
-                <a:gd name="connsiteY23" fmla="*/ 1271166 h 6864558"/>
-                <a:gd name="connsiteX24" fmla="*/ 5083164 w 6254832"/>
-                <a:gd name="connsiteY24" fmla="*/ 1498642 h 6864558"/>
-                <a:gd name="connsiteX25" fmla="*/ 5257987 w 6254832"/>
-                <a:gd name="connsiteY25" fmla="*/ 1738484 h 6864558"/>
-                <a:gd name="connsiteX26" fmla="*/ 5413510 w 6254832"/>
-                <a:gd name="connsiteY26" fmla="*/ 1989195 h 6864558"/>
-                <a:gd name="connsiteX27" fmla="*/ 5548609 w 6254832"/>
-                <a:gd name="connsiteY27" fmla="*/ 2249462 h 6864558"/>
-                <a:gd name="connsiteX28" fmla="*/ 5747791 w 6254832"/>
-                <a:gd name="connsiteY28" fmla="*/ 2795666 h 6864558"/>
-                <a:gd name="connsiteX29" fmla="*/ 5806814 w 6254832"/>
-                <a:gd name="connsiteY29" fmla="*/ 3078980 h 6864558"/>
-                <a:gd name="connsiteX30" fmla="*/ 5816933 w 6254832"/>
-                <a:gd name="connsiteY30" fmla="*/ 3150558 h 6864558"/>
-                <a:gd name="connsiteX31" fmla="*/ 5825178 w 6254832"/>
-                <a:gd name="connsiteY31" fmla="*/ 3222323 h 6864558"/>
-                <a:gd name="connsiteX32" fmla="*/ 5831923 w 6254832"/>
-                <a:gd name="connsiteY32" fmla="*/ 3294276 h 6864558"/>
-                <a:gd name="connsiteX33" fmla="*/ 5836233 w 6254832"/>
-                <a:gd name="connsiteY33" fmla="*/ 3366416 h 6864558"/>
-                <a:gd name="connsiteX34" fmla="*/ 5833047 w 6254832"/>
-                <a:gd name="connsiteY34" fmla="*/ 3655726 h 6864558"/>
-                <a:gd name="connsiteX35" fmla="*/ 5827426 w 6254832"/>
-                <a:gd name="connsiteY35" fmla="*/ 3728054 h 6864558"/>
-                <a:gd name="connsiteX36" fmla="*/ 5819556 w 6254832"/>
-                <a:gd name="connsiteY36" fmla="*/ 3800194 h 6864558"/>
-                <a:gd name="connsiteX37" fmla="*/ 5809063 w 6254832"/>
-                <a:gd name="connsiteY37" fmla="*/ 3872147 h 6864558"/>
-                <a:gd name="connsiteX38" fmla="*/ 5796696 w 6254832"/>
-                <a:gd name="connsiteY38" fmla="*/ 3943912 h 6864558"/>
-                <a:gd name="connsiteX39" fmla="*/ 5725305 w 6254832"/>
-                <a:gd name="connsiteY39" fmla="*/ 4225165 h 6864558"/>
-                <a:gd name="connsiteX40" fmla="*/ 5605384 w 6254832"/>
-                <a:gd name="connsiteY40" fmla="*/ 4478312 h 6864558"/>
-                <a:gd name="connsiteX41" fmla="*/ 5412573 w 6254832"/>
-                <a:gd name="connsiteY41" fmla="*/ 4677306 h 6864558"/>
-                <a:gd name="connsiteX42" fmla="*/ 5155867 w 6254832"/>
-                <a:gd name="connsiteY42" fmla="*/ 4834703 h 6864558"/>
-                <a:gd name="connsiteX43" fmla="*/ 4645452 w 6254832"/>
-                <a:gd name="connsiteY43" fmla="*/ 5207396 h 6864558"/>
-                <a:gd name="connsiteX44" fmla="*/ 4536211 w 6254832"/>
-                <a:gd name="connsiteY44" fmla="*/ 5319072 h 6864558"/>
-                <a:gd name="connsiteX45" fmla="*/ 4430343 w 6254832"/>
-                <a:gd name="connsiteY45" fmla="*/ 5432061 h 6864558"/>
-                <a:gd name="connsiteX46" fmla="*/ 4220668 w 6254832"/>
-                <a:gd name="connsiteY46" fmla="*/ 5657663 h 6864558"/>
-                <a:gd name="connsiteX47" fmla="*/ 4115174 w 6254832"/>
-                <a:gd name="connsiteY47" fmla="*/ 5768777 h 6864558"/>
-                <a:gd name="connsiteX48" fmla="*/ 4007245 w 6254832"/>
-                <a:gd name="connsiteY48" fmla="*/ 5876707 h 6864558"/>
-                <a:gd name="connsiteX49" fmla="*/ 3781081 w 6254832"/>
-                <a:gd name="connsiteY49" fmla="*/ 6078887 h 6864558"/>
-                <a:gd name="connsiteX50" fmla="*/ 3534493 w 6254832"/>
-                <a:gd name="connsiteY50" fmla="*/ 6249775 h 6864558"/>
-                <a:gd name="connsiteX51" fmla="*/ 3265232 w 6254832"/>
-                <a:gd name="connsiteY51" fmla="*/ 6373068 h 6864558"/>
-                <a:gd name="connsiteX52" fmla="*/ 3194779 w 6254832"/>
-                <a:gd name="connsiteY52" fmla="*/ 6394804 h 6864558"/>
-                <a:gd name="connsiteX53" fmla="*/ 3123575 w 6254832"/>
-                <a:gd name="connsiteY53" fmla="*/ 6412792 h 6864558"/>
-                <a:gd name="connsiteX54" fmla="*/ 3051435 w 6254832"/>
-                <a:gd name="connsiteY54" fmla="*/ 6426471 h 6864558"/>
-                <a:gd name="connsiteX55" fmla="*/ 2978733 w 6254832"/>
-                <a:gd name="connsiteY55" fmla="*/ 6436214 h 6864558"/>
-                <a:gd name="connsiteX56" fmla="*/ 2905656 w 6254832"/>
-                <a:gd name="connsiteY56" fmla="*/ 6442211 h 6864558"/>
-                <a:gd name="connsiteX57" fmla="*/ 2832204 w 6254832"/>
-                <a:gd name="connsiteY57" fmla="*/ 6444459 h 6864558"/>
-                <a:gd name="connsiteX58" fmla="*/ 2758565 w 6254832"/>
-                <a:gd name="connsiteY58" fmla="*/ 6443335 h 6864558"/>
-                <a:gd name="connsiteX59" fmla="*/ 2683239 w 6254832"/>
-                <a:gd name="connsiteY59" fmla="*/ 6438463 h 6864558"/>
-                <a:gd name="connsiteX60" fmla="*/ 2091503 w 6254832"/>
-                <a:gd name="connsiteY60" fmla="*/ 6343275 h 6864558"/>
-                <a:gd name="connsiteX61" fmla="*/ 1948347 w 6254832"/>
-                <a:gd name="connsiteY61" fmla="*/ 6301490 h 6864558"/>
-                <a:gd name="connsiteX62" fmla="*/ 1807626 w 6254832"/>
-                <a:gd name="connsiteY62" fmla="*/ 6252585 h 6864558"/>
-                <a:gd name="connsiteX63" fmla="*/ 1738297 w 6254832"/>
-                <a:gd name="connsiteY63" fmla="*/ 6225790 h 6864558"/>
-                <a:gd name="connsiteX64" fmla="*/ 1669529 w 6254832"/>
-                <a:gd name="connsiteY64" fmla="*/ 6197684 h 6864558"/>
-                <a:gd name="connsiteX65" fmla="*/ 1635239 w 6254832"/>
-                <a:gd name="connsiteY65" fmla="*/ 6183630 h 6864558"/>
-                <a:gd name="connsiteX66" fmla="*/ 1601699 w 6254832"/>
-                <a:gd name="connsiteY66" fmla="*/ 6167891 h 6864558"/>
-                <a:gd name="connsiteX67" fmla="*/ 1534618 w 6254832"/>
-                <a:gd name="connsiteY67" fmla="*/ 6136411 h 6864558"/>
-                <a:gd name="connsiteX68" fmla="*/ 592299 w 6254832"/>
-                <a:gd name="connsiteY68" fmla="*/ 5443116 h 6864558"/>
-                <a:gd name="connsiteX69" fmla="*/ 0 w 6254832"/>
-                <a:gd name="connsiteY69" fmla="*/ 4496675 h 6864558"/>
-                <a:gd name="connsiteX70" fmla="*/ 0 w 6254832"/>
-                <a:gd name="connsiteY70" fmla="*/ 5523875 h 6864558"/>
-                <a:gd name="connsiteX71" fmla="*/ 2766060 w 6254832"/>
-                <a:gd name="connsiteY71" fmla="*/ 6864559 h 6864558"/>
-                <a:gd name="connsiteX72" fmla="*/ 6254833 w 6254832"/>
-                <a:gd name="connsiteY72" fmla="*/ 3432373 h 6864558"/>
-                <a:gd name="connsiteX73" fmla="*/ 2766060 w 6254832"/>
-                <a:gd name="connsiteY73" fmla="*/ 0 h 6864558"/>
-              </a:gdLst>
-              <a:ahLst/>
-              <a:cxnLst>
-                <a:cxn ang="0">
-                  <a:pos x="connsiteX0" y="connsiteY0"/>
-                </a:cxn>
-                <a:cxn ang="0">
-                  <a:pos x="connsiteX1" y="connsiteY1"/>
-                </a:cxn>
-                <a:cxn ang="0">
-                  <a:pos x="connsiteX2" y="connsiteY2"/>
-                </a:cxn>
-                <a:cxn ang="0">
-                  <a:pos x="connsiteX3" y="connsiteY3"/>
-                </a:cxn>
-                <a:cxn ang="0">
-                  <a:pos x="connsiteX4" y="connsiteY4"/>
-                </a:cxn>
-                <a:cxn ang="0">
-                  <a:pos x="connsiteX5" y="connsiteY5"/>
-                </a:cxn>
-                <a:cxn ang="0">
-                  <a:pos x="connsiteX6" y="connsiteY6"/>
-                </a:cxn>
-                <a:cxn ang="0">
-                  <a:pos x="connsiteX7" y="connsiteY7"/>
-                </a:cxn>
-                <a:cxn ang="0">
-                  <a:pos x="connsiteX8" y="connsiteY8"/>
-                </a:cxn>
-                <a:cxn ang="0">
-                  <a:pos x="connsiteX9" y="connsiteY9"/>
-                </a:cxn>
-                <a:cxn ang="0">
-                  <a:pos x="connsiteX10" y="connsiteY10"/>
-                </a:cxn>
-                <a:cxn ang="0">
-                  <a:pos x="connsiteX11" y="connsiteY11"/>
-                </a:cxn>
-                <a:cxn ang="0">
-                  <a:pos x="connsiteX12" y="connsiteY12"/>
-                </a:cxn>
-                <a:cxn ang="0">
-                  <a:pos x="connsiteX13" y="connsiteY13"/>
-                </a:cxn>
-                <a:cxn ang="0">
-                  <a:pos x="connsiteX14" y="connsiteY14"/>
-                </a:cxn>
-                <a:cxn ang="0">
-                  <a:pos x="connsiteX15" y="connsiteY15"/>
-                </a:cxn>
-                <a:cxn ang="0">
-                  <a:pos x="connsiteX16" y="connsiteY16"/>
-                </a:cxn>
-                <a:cxn ang="0">
-                  <a:pos x="connsiteX17" y="connsiteY17"/>
-                </a:cxn>
-                <a:cxn ang="0">
-                  <a:pos x="connsiteX18" y="connsiteY18"/>
-                </a:cxn>
-                <a:cxn ang="0">
-                  <a:pos x="connsiteX19" y="connsiteY19"/>
-                </a:cxn>
-                <a:cxn ang="0">
-                  <a:pos x="connsiteX20" y="connsiteY20"/>
-                </a:cxn>
-                <a:cxn ang="0">
-                  <a:pos x="connsiteX21" y="connsiteY21"/>
-                </a:cxn>
-                <a:cxn ang="0">
-                  <a:pos x="connsiteX22" y="connsiteY22"/>
-                </a:cxn>
-                <a:cxn ang="0">
-                  <a:pos x="connsiteX23" y="connsiteY23"/>
-                </a:cxn>
-                <a:cxn ang="0">
-                  <a:pos x="connsiteX24" y="connsiteY24"/>
-                </a:cxn>
-                <a:cxn ang="0">
-                  <a:pos x="connsiteX25" y="connsiteY25"/>
-                </a:cxn>
-                <a:cxn ang="0">
-                  <a:pos x="connsiteX26" y="connsiteY26"/>
-                </a:cxn>
-                <a:cxn ang="0">
-                  <a:pos x="connsiteX27" y="connsiteY27"/>
-                </a:cxn>
-                <a:cxn ang="0">
-                  <a:pos x="connsiteX28" y="connsiteY28"/>
-                </a:cxn>
-                <a:cxn ang="0">
-                  <a:pos x="connsiteX29" y="connsiteY29"/>
-                </a:cxn>
-                <a:cxn ang="0">
-                  <a:pos x="connsiteX30" y="connsiteY30"/>
-                </a:cxn>
-                <a:cxn ang="0">
-                  <a:pos x="connsiteX31" y="connsiteY31"/>
-                </a:cxn>
-                <a:cxn ang="0">
-                  <a:pos x="connsiteX32" y="connsiteY32"/>
-                </a:cxn>
-                <a:cxn ang="0">
-                  <a:pos x="connsiteX33" y="connsiteY33"/>
-                </a:cxn>
-                <a:cxn ang="0">
-                  <a:pos x="connsiteX34" y="connsiteY34"/>
-                </a:cxn>
-                <a:cxn ang="0">
-                  <a:pos x="connsiteX35" y="connsiteY35"/>
-                </a:cxn>
-                <a:cxn ang="0">
-                  <a:pos x="connsiteX36" y="connsiteY36"/>
-                </a:cxn>
-                <a:cxn ang="0">
-                  <a:pos x="connsiteX37" y="connsiteY37"/>
-                </a:cxn>
-                <a:cxn ang="0">
-                  <a:pos x="connsiteX38" y="connsiteY38"/>
-                </a:cxn>
-                <a:cxn ang="0">
-                  <a:pos x="connsiteX39" y="connsiteY39"/>
-                </a:cxn>
-                <a:cxn ang="0">
-                  <a:pos x="connsiteX40" y="connsiteY40"/>
-                </a:cxn>
-                <a:cxn ang="0">
-                  <a:pos x="connsiteX41" y="connsiteY41"/>
-                </a:cxn>
-                <a:cxn ang="0">
-                  <a:pos x="connsiteX42" y="connsiteY42"/>
-                </a:cxn>
-                <a:cxn ang="0">
-                  <a:pos x="connsiteX43" y="connsiteY43"/>
-                </a:cxn>
-                <a:cxn ang="0">
-                  <a:pos x="connsiteX44" y="connsiteY44"/>
-                </a:cxn>
-                <a:cxn ang="0">
-                  <a:pos x="connsiteX45" y="connsiteY45"/>
-                </a:cxn>
-                <a:cxn ang="0">
-                  <a:pos x="connsiteX46" y="connsiteY46"/>
-                </a:cxn>
-                <a:cxn ang="0">
-                  <a:pos x="connsiteX47" y="connsiteY47"/>
-                </a:cxn>
-                <a:cxn ang="0">
-                  <a:pos x="connsiteX48" y="connsiteY48"/>
-                </a:cxn>
-                <a:cxn ang="0">
-                  <a:pos x="connsiteX49" y="connsiteY49"/>
-                </a:cxn>
-                <a:cxn ang="0">
-                  <a:pos x="connsiteX50" y="connsiteY50"/>
-                </a:cxn>
-                <a:cxn ang="0">
-                  <a:pos x="connsiteX51" y="connsiteY51"/>
-                </a:cxn>
-                <a:cxn ang="0">
-                  <a:pos x="connsiteX52" y="connsiteY52"/>
-                </a:cxn>
-                <a:cxn ang="0">
-                  <a:pos x="connsiteX53" y="connsiteY53"/>
-                </a:cxn>
-                <a:cxn ang="0">
-                  <a:pos x="connsiteX54" y="connsiteY54"/>
-                </a:cxn>
-                <a:cxn ang="0">
-                  <a:pos x="connsiteX55" y="connsiteY55"/>
-                </a:cxn>
-                <a:cxn ang="0">
-                  <a:pos x="connsiteX56" y="connsiteY56"/>
-                </a:cxn>
-                <a:cxn ang="0">
-                  <a:pos x="connsiteX57" y="connsiteY57"/>
-                </a:cxn>
-                <a:cxn ang="0">
-                  <a:pos x="connsiteX58" y="connsiteY58"/>
-                </a:cxn>
-                <a:cxn ang="0">
-                  <a:pos x="connsiteX59" y="connsiteY59"/>
-                </a:cxn>
-                <a:cxn ang="0">
-                  <a:pos x="connsiteX60" y="connsiteY60"/>
-                </a:cxn>
-                <a:cxn ang="0">
-                  <a:pos x="connsiteX61" y="connsiteY61"/>
-                </a:cxn>
-                <a:cxn ang="0">
-                  <a:pos x="connsiteX62" y="connsiteY62"/>
-                </a:cxn>
-                <a:cxn ang="0">
-                  <a:pos x="connsiteX63" y="connsiteY63"/>
-                </a:cxn>
-                <a:cxn ang="0">
-                  <a:pos x="connsiteX64" y="connsiteY64"/>
-                </a:cxn>
-                <a:cxn ang="0">
-                  <a:pos x="connsiteX65" y="connsiteY65"/>
-                </a:cxn>
-                <a:cxn ang="0">
-                  <a:pos x="connsiteX66" y="connsiteY66"/>
-                </a:cxn>
-                <a:cxn ang="0">
-                  <a:pos x="connsiteX67" y="connsiteY67"/>
-                </a:cxn>
-                <a:cxn ang="0">
-                  <a:pos x="connsiteX68" y="connsiteY68"/>
-                </a:cxn>
-                <a:cxn ang="0">
-                  <a:pos x="connsiteX69" y="connsiteY69"/>
-                </a:cxn>
-                <a:cxn ang="0">
-                  <a:pos x="connsiteX70" y="connsiteY70"/>
-                </a:cxn>
-                <a:cxn ang="0">
-                  <a:pos x="connsiteX71" y="connsiteY71"/>
-                </a:cxn>
-                <a:cxn ang="0">
-                  <a:pos x="connsiteX72" y="connsiteY72"/>
-                </a:cxn>
-                <a:cxn ang="0">
-                  <a:pos x="connsiteX73" y="connsiteY73"/>
-                </a:cxn>
-              </a:cxnLst>
-              <a:rect l="l" t="t" r="r" b="b"/>
-              <a:pathLst>
-                <a:path w="6254832" h="6864558">
-                  <a:moveTo>
-                    <a:pt x="2766060" y="0"/>
-                  </a:moveTo>
-                  <a:cubicBezTo>
-                    <a:pt x="1639549" y="0"/>
-                    <a:pt x="637831" y="525405"/>
-                    <a:pt x="0" y="1340683"/>
-                  </a:cubicBezTo>
-                  <a:lnTo>
-                    <a:pt x="0" y="2201306"/>
-                  </a:lnTo>
-                  <a:cubicBezTo>
-                    <a:pt x="375" y="2200181"/>
-                    <a:pt x="937" y="2198870"/>
-                    <a:pt x="1312" y="2197746"/>
-                  </a:cubicBezTo>
-                  <a:cubicBezTo>
-                    <a:pt x="142969" y="1837045"/>
-                    <a:pt x="347959" y="1497143"/>
-                    <a:pt x="612723" y="1201649"/>
-                  </a:cubicBezTo>
-                  <a:cubicBezTo>
-                    <a:pt x="876550" y="906155"/>
-                    <a:pt x="1201836" y="655258"/>
-                    <a:pt x="1571344" y="483245"/>
-                  </a:cubicBezTo>
-                  <a:lnTo>
-                    <a:pt x="1641235" y="452328"/>
-                  </a:lnTo>
-                  <a:cubicBezTo>
-                    <a:pt x="1664658" y="442210"/>
-                    <a:pt x="1687518" y="430967"/>
-                    <a:pt x="1711502" y="422348"/>
-                  </a:cubicBezTo>
-                  <a:lnTo>
-                    <a:pt x="1783080" y="395178"/>
-                  </a:lnTo>
-                  <a:cubicBezTo>
-                    <a:pt x="1807064" y="386372"/>
-                    <a:pt x="1830674" y="376441"/>
-                    <a:pt x="1855220" y="369133"/>
-                  </a:cubicBezTo>
-                  <a:lnTo>
-                    <a:pt x="1928297" y="345711"/>
-                  </a:lnTo>
-                  <a:cubicBezTo>
-                    <a:pt x="1952656" y="338028"/>
-                    <a:pt x="1976828" y="329409"/>
-                    <a:pt x="2001749" y="323600"/>
-                  </a:cubicBezTo>
-                  <a:lnTo>
-                    <a:pt x="2076138" y="304300"/>
-                  </a:lnTo>
-                  <a:lnTo>
-                    <a:pt x="2113426" y="294744"/>
-                  </a:lnTo>
-                  <a:lnTo>
-                    <a:pt x="2132163" y="290060"/>
-                  </a:lnTo>
-                  <a:lnTo>
-                    <a:pt x="2151089" y="286312"/>
-                  </a:lnTo>
-                  <a:cubicBezTo>
-                    <a:pt x="2351395" y="241716"/>
-                    <a:pt x="2557322" y="219044"/>
-                    <a:pt x="2763249" y="218482"/>
-                  </a:cubicBezTo>
-                  <a:cubicBezTo>
-                    <a:pt x="2968802" y="218294"/>
-                    <a:pt x="3174167" y="247900"/>
-                    <a:pt x="3372225" y="301302"/>
-                  </a:cubicBezTo>
-                  <a:cubicBezTo>
-                    <a:pt x="3471347" y="327910"/>
-                    <a:pt x="3568596" y="360513"/>
-                    <a:pt x="3663596" y="398364"/>
-                  </a:cubicBezTo>
-                  <a:cubicBezTo>
-                    <a:pt x="3758784" y="435652"/>
-                    <a:pt x="3851348" y="479311"/>
-                    <a:pt x="3941663" y="526717"/>
-                  </a:cubicBezTo>
-                  <a:cubicBezTo>
-                    <a:pt x="4031979" y="573936"/>
-                    <a:pt x="4119297" y="626402"/>
-                    <a:pt x="4204366" y="681678"/>
-                  </a:cubicBezTo>
-                  <a:cubicBezTo>
-                    <a:pt x="4289060" y="737516"/>
-                    <a:pt x="4370944" y="797289"/>
-                    <a:pt x="4450018" y="860061"/>
-                  </a:cubicBezTo>
-                  <a:cubicBezTo>
-                    <a:pt x="4529091" y="922832"/>
-                    <a:pt x="4605540" y="988601"/>
-                    <a:pt x="4678992" y="1057181"/>
-                  </a:cubicBezTo>
-                  <a:cubicBezTo>
-                    <a:pt x="4752444" y="1125574"/>
-                    <a:pt x="4822335" y="1197527"/>
-                    <a:pt x="4889791" y="1271166"/>
-                  </a:cubicBezTo>
-                  <a:cubicBezTo>
-                    <a:pt x="4957247" y="1344805"/>
-                    <a:pt x="5021705" y="1420693"/>
-                    <a:pt x="5083164" y="1498642"/>
-                  </a:cubicBezTo>
-                  <a:cubicBezTo>
-                    <a:pt x="5144062" y="1576965"/>
-                    <a:pt x="5202899" y="1656601"/>
-                    <a:pt x="5257987" y="1738484"/>
-                  </a:cubicBezTo>
-                  <a:cubicBezTo>
-                    <a:pt x="5313076" y="1820368"/>
-                    <a:pt x="5365354" y="1903751"/>
-                    <a:pt x="5413510" y="1989195"/>
-                  </a:cubicBezTo>
-                  <a:cubicBezTo>
-                    <a:pt x="5462041" y="2074451"/>
-                    <a:pt x="5507011" y="2161207"/>
-                    <a:pt x="5548609" y="2249462"/>
-                  </a:cubicBezTo>
-                  <a:cubicBezTo>
-                    <a:pt x="5631430" y="2426158"/>
-                    <a:pt x="5698323" y="2608851"/>
-                    <a:pt x="5747791" y="2795666"/>
-                  </a:cubicBezTo>
-                  <a:cubicBezTo>
-                    <a:pt x="5771963" y="2889167"/>
-                    <a:pt x="5791825" y="2983792"/>
-                    <a:pt x="5806814" y="3078980"/>
-                  </a:cubicBezTo>
-                  <a:cubicBezTo>
-                    <a:pt x="5810562" y="3102777"/>
-                    <a:pt x="5814497" y="3126574"/>
-                    <a:pt x="5816933" y="3150558"/>
-                  </a:cubicBezTo>
-                  <a:cubicBezTo>
-                    <a:pt x="5819556" y="3174542"/>
-                    <a:pt x="5823304" y="3198339"/>
-                    <a:pt x="5825178" y="3222323"/>
-                  </a:cubicBezTo>
-                  <a:cubicBezTo>
-                    <a:pt x="5827426" y="3246308"/>
-                    <a:pt x="5830050" y="3270292"/>
-                    <a:pt x="5831923" y="3294276"/>
-                  </a:cubicBezTo>
-                  <a:lnTo>
-                    <a:pt x="5836233" y="3366416"/>
-                  </a:lnTo>
-                  <a:cubicBezTo>
-                    <a:pt x="5839981" y="3462728"/>
-                    <a:pt x="5839981" y="3559227"/>
-                    <a:pt x="5833047" y="3655726"/>
-                  </a:cubicBezTo>
-                  <a:cubicBezTo>
-                    <a:pt x="5830986" y="3679711"/>
-                    <a:pt x="5830237" y="3704069"/>
-                    <a:pt x="5827426" y="3728054"/>
-                  </a:cubicBezTo>
-                  <a:lnTo>
-                    <a:pt x="5819556" y="3800194"/>
-                  </a:lnTo>
-                  <a:lnTo>
-                    <a:pt x="5809063" y="3872147"/>
-                  </a:lnTo>
-                  <a:cubicBezTo>
-                    <a:pt x="5805690" y="3896131"/>
-                    <a:pt x="5800818" y="3919928"/>
-                    <a:pt x="5796696" y="3943912"/>
-                  </a:cubicBezTo>
-                  <a:cubicBezTo>
-                    <a:pt x="5778708" y="4039287"/>
-                    <a:pt x="5755848" y="4134662"/>
-                    <a:pt x="5725305" y="4225165"/>
-                  </a:cubicBezTo>
-                  <a:cubicBezTo>
-                    <a:pt x="5694763" y="4315669"/>
-                    <a:pt x="5656726" y="4402237"/>
-                    <a:pt x="5605384" y="4478312"/>
-                  </a:cubicBezTo>
-                  <a:cubicBezTo>
-                    <a:pt x="5554980" y="4555324"/>
-                    <a:pt x="5489960" y="4620718"/>
-                    <a:pt x="5412573" y="4677306"/>
-                  </a:cubicBezTo>
-                  <a:cubicBezTo>
-                    <a:pt x="5335374" y="4734269"/>
-                    <a:pt x="5245995" y="4782987"/>
-                    <a:pt x="5155867" y="4834703"/>
-                  </a:cubicBezTo>
-                  <a:cubicBezTo>
-                    <a:pt x="4973924" y="4936261"/>
-                    <a:pt x="4794791" y="5058806"/>
-                    <a:pt x="4645452" y="5207396"/>
-                  </a:cubicBezTo>
-                  <a:cubicBezTo>
-                    <a:pt x="4607414" y="5244497"/>
-                    <a:pt x="4571813" y="5281597"/>
-                    <a:pt x="4536211" y="5319072"/>
-                  </a:cubicBezTo>
-                  <a:lnTo>
-                    <a:pt x="4430343" y="5432061"/>
-                  </a:lnTo>
-                  <a:cubicBezTo>
-                    <a:pt x="4360264" y="5507574"/>
-                    <a:pt x="4290934" y="5583087"/>
-                    <a:pt x="4220668" y="5657663"/>
-                  </a:cubicBezTo>
-                  <a:cubicBezTo>
-                    <a:pt x="4185628" y="5694951"/>
-                    <a:pt x="4150589" y="5732052"/>
-                    <a:pt x="4115174" y="5768777"/>
-                  </a:cubicBezTo>
-                  <a:cubicBezTo>
-                    <a:pt x="4079573" y="5805316"/>
-                    <a:pt x="4043597" y="5841292"/>
-                    <a:pt x="4007245" y="5876707"/>
-                  </a:cubicBezTo>
-                  <a:cubicBezTo>
-                    <a:pt x="3934543" y="5947723"/>
-                    <a:pt x="3859405" y="6015740"/>
-                    <a:pt x="3781081" y="6078887"/>
-                  </a:cubicBezTo>
-                  <a:cubicBezTo>
-                    <a:pt x="3702945" y="6142220"/>
-                    <a:pt x="3620312" y="6199557"/>
-                    <a:pt x="3534493" y="6249775"/>
-                  </a:cubicBezTo>
-                  <a:cubicBezTo>
-                    <a:pt x="3448300" y="6299429"/>
-                    <a:pt x="3358359" y="6341589"/>
-                    <a:pt x="3265232" y="6373068"/>
-                  </a:cubicBezTo>
-                  <a:cubicBezTo>
-                    <a:pt x="3241998" y="6381313"/>
-                    <a:pt x="3218201" y="6387497"/>
-                    <a:pt x="3194779" y="6394804"/>
-                  </a:cubicBezTo>
-                  <a:cubicBezTo>
-                    <a:pt x="3171169" y="6401175"/>
-                    <a:pt x="3147185" y="6406797"/>
-                    <a:pt x="3123575" y="6412792"/>
-                  </a:cubicBezTo>
-                  <a:cubicBezTo>
-                    <a:pt x="3099404" y="6417477"/>
-                    <a:pt x="3075420" y="6422161"/>
-                    <a:pt x="3051435" y="6426471"/>
-                  </a:cubicBezTo>
-                  <a:cubicBezTo>
-                    <a:pt x="3027076" y="6429657"/>
-                    <a:pt x="3002904" y="6433591"/>
-                    <a:pt x="2978733" y="6436214"/>
-                  </a:cubicBezTo>
-                  <a:cubicBezTo>
-                    <a:pt x="2954374" y="6438088"/>
-                    <a:pt x="2930015" y="6440899"/>
-                    <a:pt x="2905656" y="6442211"/>
-                  </a:cubicBezTo>
-                  <a:cubicBezTo>
-                    <a:pt x="2881109" y="6442960"/>
-                    <a:pt x="2856751" y="6444272"/>
-                    <a:pt x="2832204" y="6444459"/>
-                  </a:cubicBezTo>
-                  <a:cubicBezTo>
-                    <a:pt x="2807658" y="6444084"/>
-                    <a:pt x="2783298" y="6444084"/>
-                    <a:pt x="2758565" y="6443335"/>
-                  </a:cubicBezTo>
-                  <a:lnTo>
-                    <a:pt x="2683239" y="6438463"/>
-                  </a:lnTo>
-                  <a:cubicBezTo>
-                    <a:pt x="2482559" y="6425909"/>
-                    <a:pt x="2284126" y="6393492"/>
-                    <a:pt x="2091503" y="6343275"/>
-                  </a:cubicBezTo>
-                  <a:lnTo>
-                    <a:pt x="1948347" y="6301490"/>
-                  </a:lnTo>
-                  <a:cubicBezTo>
-                    <a:pt x="1901127" y="6286126"/>
-                    <a:pt x="1854658" y="6268699"/>
-                    <a:pt x="1807626" y="6252585"/>
-                  </a:cubicBezTo>
-                  <a:cubicBezTo>
-                    <a:pt x="1784017" y="6245090"/>
-                    <a:pt x="1761344" y="6234972"/>
-                    <a:pt x="1738297" y="6225790"/>
-                  </a:cubicBezTo>
-                  <a:lnTo>
-                    <a:pt x="1669529" y="6197684"/>
-                  </a:lnTo>
-                  <a:lnTo>
-                    <a:pt x="1635239" y="6183630"/>
-                  </a:lnTo>
-                  <a:lnTo>
-                    <a:pt x="1601699" y="6167891"/>
-                  </a:lnTo>
-                  <a:lnTo>
-                    <a:pt x="1534618" y="6136411"/>
-                  </a:lnTo>
-                  <a:cubicBezTo>
-                    <a:pt x="1179164" y="5964961"/>
-                    <a:pt x="857250" y="5729616"/>
-                    <a:pt x="592299" y="5443116"/>
-                  </a:cubicBezTo>
-                  <a:cubicBezTo>
-                    <a:pt x="336904" y="5166173"/>
-                    <a:pt x="137160" y="4842573"/>
-                    <a:pt x="0" y="4496675"/>
-                  </a:cubicBezTo>
-                  <a:lnTo>
-                    <a:pt x="0" y="5523875"/>
-                  </a:lnTo>
-                  <a:cubicBezTo>
-                    <a:pt x="637831" y="6338966"/>
-                    <a:pt x="1639549" y="6864559"/>
-                    <a:pt x="2766060" y="6864559"/>
-                  </a:cubicBezTo>
-                  <a:cubicBezTo>
-                    <a:pt x="4692858" y="6864559"/>
-                    <a:pt x="6254833" y="5327879"/>
-                    <a:pt x="6254833" y="3432373"/>
-                  </a:cubicBezTo>
-                  <a:cubicBezTo>
-                    <a:pt x="6254833" y="1536679"/>
-                    <a:pt x="4692858" y="0"/>
-                    <a:pt x="2766060" y="0"/>
-                  </a:cubicBezTo>
-                  <a:close/>
-                </a:path>
-              </a:pathLst>
-            </a:custGeom>
-            <a:ln w="18736" cap="flat">
-              <a:noFill/>
-              <a:prstDash val="solid"/>
-              <a:miter/>
-            </a:ln>
-          </p:spPr>
-          <p:txBody>
-            <a:bodyPr rtlCol="0" anchor="ctr"/>
-            <a:lstStyle/>
-            <a:p>
-              <a:endParaRPr lang="en-US" dirty="0"/>
-            </a:p>
-          </p:txBody>
-        </p:sp>
-      </p:grpSp>
-      <p:sp>
-        <p:nvSpPr>
-          <p:cNvPr id="5" name="Título 4">
-            <a:extLst>
-              <a:ext uri="{FF2B5EF4-FFF2-40B4-BE49-F238E27FC236}">
-                <a16:creationId xmlns:a16="http://schemas.microsoft.com/office/drawing/2014/main" id="{3E9B7D4F-7310-F9DA-391C-1D171953A1F5}"/>
-              </a:ext>
-            </a:extLst>
-          </p:cNvPr>
-          <p:cNvSpPr>
-            <a:spLocks noGrp="1"/>
-          </p:cNvSpPr>
-          <p:nvPr>
-            <p:ph type="title"/>
-          </p:nvPr>
-        </p:nvSpPr>
-        <p:spPr>
-          <a:xfrm>
-            <a:off x="6094105" y="802955"/>
-            <a:ext cx="4977976" cy="1454051"/>
-          </a:xfrm>
-        </p:spPr>
-        <p:txBody>
-          <a:bodyPr anchor="b">
-            <a:normAutofit/>
-          </a:bodyPr>
-          <a:lstStyle/>
-          <a:p>
-            <a:r>
-              <a:rPr lang="es-ES" sz="3600">
-                <a:solidFill>
-                  <a:schemeClr val="tx2"/>
-                </a:solidFill>
-              </a:rPr>
-              <a:t>CONCLUSIONES</a:t>
-            </a:r>
-          </a:p>
-        </p:txBody>
-      </p:sp>
-      <p:sp>
-        <p:nvSpPr>
-          <p:cNvPr id="6" name="Marcador de contenido 5">
-            <a:extLst>
-              <a:ext uri="{FF2B5EF4-FFF2-40B4-BE49-F238E27FC236}">
-                <a16:creationId xmlns:a16="http://schemas.microsoft.com/office/drawing/2014/main" id="{DCBDDCCB-8714-7F86-A9BB-04D4D75D8F19}"/>
-              </a:ext>
-            </a:extLst>
-          </p:cNvPr>
-          <p:cNvSpPr>
-            <a:spLocks noGrp="1"/>
-          </p:cNvSpPr>
-          <p:nvPr>
-            <p:ph idx="1"/>
-          </p:nvPr>
-        </p:nvSpPr>
-        <p:spPr>
-          <a:xfrm>
-            <a:off x="6090574" y="2415756"/>
-            <a:ext cx="4977578" cy="3639289"/>
-          </a:xfrm>
-        </p:spPr>
-        <p:txBody>
-          <a:bodyPr anchor="ctr">
-            <a:normAutofit/>
-          </a:bodyPr>
-          <a:lstStyle/>
-          <a:p>
-            <a:r>
-              <a:rPr lang="es-ES" sz="1800" dirty="0">
-                <a:solidFill>
-                  <a:schemeClr val="tx2"/>
-                </a:solidFill>
-              </a:rPr>
-              <a:t>La producción es bastante optima y la mayoría de los trabajadores tienen tiempo libre por lo que si lográsemos aumentar un poco la compra de materias primas a nuestros proveedores podríamos aumentar la producción.</a:t>
-            </a:r>
-          </a:p>
-          <a:p>
-            <a:r>
-              <a:rPr lang="es-ES" sz="1800" dirty="0">
-                <a:solidFill>
-                  <a:schemeClr val="tx2"/>
-                </a:solidFill>
-              </a:rPr>
-              <a:t>Por otro lado, también podríamos prescindir de uno de los trabajadores que tenemos ya que ninguno llega al 50% de tiempo de trabajo.</a:t>
-            </a:r>
-          </a:p>
-        </p:txBody>
-      </p:sp>
-    </p:spTree>
-    <p:extLst>
-      <p:ext uri="{BB962C8B-B14F-4D97-AF65-F5344CB8AC3E}">
-        <p14:creationId xmlns:p14="http://schemas.microsoft.com/office/powerpoint/2010/main" val="2460916957"/>
-      </p:ext>
-    </p:extLst>
-  </p:cSld>
-  <p:clrMapOvr>
-    <a:masterClrMapping/>
-  </p:clrMapOvr>
-</p:sld>
-</file>
-
 <file path=ppt/theme/theme1.xml><?xml version="1.0" encoding="utf-8"?>
 <a:theme xmlns:a="http://schemas.openxmlformats.org/drawingml/2006/main" name="Tema de Office">
   <a:themeElements>
